--- a/RefDocs/RoughWireframeScreens.pptx
+++ b/RefDocs/RoughWireframeScreens.pptx
@@ -7,6 +7,8 @@
   <p:sldIdLst>
     <p:sldId id="256" r:id="rId2"/>
     <p:sldId id="257" r:id="rId3"/>
+    <p:sldId id="258" r:id="rId4"/>
+    <p:sldId id="259" r:id="rId5"/>
   </p:sldIdLst>
   <p:sldSz cx="12192000" cy="6858000"/>
   <p:notesSz cx="6858000" cy="9144000"/>
@@ -105,6 +107,11 @@
       </a:defRPr>
     </a:lvl9pPr>
   </p:defaultTextStyle>
+  <p:extLst>
+    <p:ext uri="{EFAFB233-063F-42B5-8137-9DF3F51BA10A}">
+      <p15:sldGuideLst xmlns:p15="http://schemas.microsoft.com/office/powerpoint/2012/main"/>
+    </p:ext>
+  </p:extLst>
 </p:presentation>
 </file>
 
@@ -5626,179 +5633,1120 @@
       </p:sp>
       <p:pic>
         <p:nvPicPr>
-          <p:cNvPr id="16" name="Picture 15"/>
+          <p:cNvPr id="2" name="Picture 1"/>
           <p:cNvPicPr>
             <a:picLocks noChangeAspect="1"/>
           </p:cNvPicPr>
           <p:nvPr/>
         </p:nvPicPr>
         <p:blipFill>
-          <a:blip r:embed="rId7"/>
+          <a:blip r:embed="rId7">
+            <a:extLst>
+              <a:ext uri="{28A0092B-C50C-407E-A947-70E740481C1C}">
+                <a14:useLocalDpi xmlns:a14="http://schemas.microsoft.com/office/drawing/2010/main" val="0"/>
+              </a:ext>
+            </a:extLst>
+          </a:blip>
           <a:stretch>
             <a:fillRect/>
           </a:stretch>
         </p:blipFill>
         <p:spPr>
           <a:xfrm>
-            <a:off x="1820460" y="201087"/>
-            <a:ext cx="3591426" cy="6373114"/>
+            <a:off x="1829145" y="380001"/>
+            <a:ext cx="3489592" cy="6199596"/>
           </a:xfrm>
           <a:prstGeom prst="rect">
             <a:avLst/>
           </a:prstGeom>
         </p:spPr>
       </p:pic>
-      <p:sp>
-        <p:nvSpPr>
-          <p:cNvPr id="17" name="TextBox 16"/>
-          <p:cNvSpPr txBox="1"/>
-          <p:nvPr/>
-        </p:nvSpPr>
-        <p:spPr>
-          <a:xfrm>
-            <a:off x="2057400" y="2663022"/>
-            <a:ext cx="3183372" cy="307777"/>
-          </a:xfrm>
-          <a:prstGeom prst="rect">
-            <a:avLst/>
-          </a:prstGeom>
-          <a:noFill/>
-        </p:spPr>
-        <p:txBody>
-          <a:bodyPr wrap="none" rtlCol="0">
-            <a:spAutoFit/>
-          </a:bodyPr>
-          <a:lstStyle/>
-          <a:p>
-            <a:r>
-              <a:rPr lang="en-US" sz="1400" b="1" dirty="0" smtClean="0">
-                <a:solidFill>
-                  <a:schemeClr val="bg1">
-                    <a:lumMod val="65000"/>
-                  </a:schemeClr>
-                </a:solidFill>
-              </a:rPr>
-              <a:t>02/Feb/2026        </a:t>
-            </a:r>
-            <a:r>
-              <a:rPr lang="en-US" sz="1400" b="1" dirty="0" smtClean="0">
-                <a:solidFill>
-                  <a:schemeClr val="tx1">
-                    <a:lumMod val="75000"/>
-                    <a:lumOff val="25000"/>
-                  </a:schemeClr>
-                </a:solidFill>
-              </a:rPr>
-              <a:t>To</a:t>
-            </a:r>
-            <a:r>
-              <a:rPr lang="en-US" sz="1400" b="1" dirty="0" smtClean="0">
-                <a:solidFill>
-                  <a:schemeClr val="bg1">
-                    <a:lumMod val="65000"/>
-                  </a:schemeClr>
-                </a:solidFill>
-              </a:rPr>
-              <a:t>           31/Dec/2026  </a:t>
-            </a:r>
-            <a:endParaRPr lang="en-AU" sz="2000" b="1" dirty="0">
-              <a:solidFill>
-                <a:schemeClr val="bg1">
-                  <a:lumMod val="65000"/>
-                </a:schemeClr>
-              </a:solidFill>
-            </a:endParaRPr>
-          </a:p>
-        </p:txBody>
-      </p:sp>
-      <p:sp>
-        <p:nvSpPr>
-          <p:cNvPr id="38" name="TextBox 37"/>
-          <p:cNvSpPr txBox="1"/>
-          <p:nvPr/>
-        </p:nvSpPr>
-        <p:spPr>
-          <a:xfrm>
-            <a:off x="2034991" y="3419017"/>
-            <a:ext cx="458780" cy="307777"/>
-          </a:xfrm>
-          <a:prstGeom prst="rect">
-            <a:avLst/>
-          </a:prstGeom>
-          <a:noFill/>
-        </p:spPr>
-        <p:txBody>
-          <a:bodyPr wrap="none" rtlCol="0">
-            <a:spAutoFit/>
-          </a:bodyPr>
-          <a:lstStyle/>
-          <a:p>
-            <a:r>
-              <a:rPr lang="en-US" sz="1400" b="1" dirty="0" smtClean="0">
-                <a:solidFill>
-                  <a:schemeClr val="bg1">
-                    <a:lumMod val="65000"/>
-                  </a:schemeClr>
-                </a:solidFill>
-              </a:rPr>
-              <a:t>$85</a:t>
-            </a:r>
-            <a:endParaRPr lang="en-AU" sz="2000" b="1" dirty="0">
-              <a:solidFill>
-                <a:schemeClr val="bg1">
-                  <a:lumMod val="65000"/>
-                </a:schemeClr>
-              </a:solidFill>
-            </a:endParaRPr>
-          </a:p>
-        </p:txBody>
-      </p:sp>
-      <p:sp>
-        <p:nvSpPr>
-          <p:cNvPr id="39" name="TextBox 38"/>
-          <p:cNvSpPr txBox="1"/>
-          <p:nvPr/>
-        </p:nvSpPr>
-        <p:spPr>
-          <a:xfrm>
-            <a:off x="2034991" y="4206532"/>
-            <a:ext cx="570926" cy="307777"/>
-          </a:xfrm>
-          <a:prstGeom prst="rect">
-            <a:avLst/>
-          </a:prstGeom>
-          <a:noFill/>
-        </p:spPr>
-        <p:txBody>
-          <a:bodyPr wrap="none" rtlCol="0">
-            <a:spAutoFit/>
-          </a:bodyPr>
-          <a:lstStyle/>
-          <a:p>
-            <a:r>
-              <a:rPr lang="en-US" sz="1400" b="1" dirty="0" smtClean="0">
-                <a:solidFill>
-                  <a:schemeClr val="bg1">
-                    <a:lumMod val="65000"/>
-                  </a:schemeClr>
-                </a:solidFill>
-              </a:rPr>
-              <a:t>Cat-a</a:t>
-            </a:r>
-            <a:endParaRPr lang="en-AU" sz="2000" b="1" dirty="0">
-              <a:solidFill>
-                <a:schemeClr val="bg1">
-                  <a:lumMod val="65000"/>
-                </a:schemeClr>
-              </a:solidFill>
-            </a:endParaRPr>
-          </a:p>
-        </p:txBody>
-      </p:sp>
     </p:spTree>
     <p:extLst>
       <p:ext uri="{BB962C8B-B14F-4D97-AF65-F5344CB8AC3E}">
         <p14:creationId xmlns:p14="http://schemas.microsoft.com/office/powerpoint/2010/main" val="812432816"/>
+      </p:ext>
+    </p:extLst>
+  </p:cSld>
+  <p:clrMapOvr>
+    <a:masterClrMapping/>
+  </p:clrMapOvr>
+</p:sld>
+</file>
+
+<file path=ppt/slides/slide3.xml><?xml version="1.0" encoding="utf-8"?>
+<p:sld xmlns:a="http://schemas.openxmlformats.org/drawingml/2006/main" xmlns:r="http://schemas.openxmlformats.org/officeDocument/2006/relationships" xmlns:p="http://schemas.openxmlformats.org/presentationml/2006/main">
+  <p:cSld>
+    <p:spTree>
+      <p:nvGrpSpPr>
+        <p:cNvPr id="1" name=""/>
+        <p:cNvGrpSpPr/>
+        <p:nvPr/>
+      </p:nvGrpSpPr>
+      <p:grpSpPr>
+        <a:xfrm>
+          <a:off x="0" y="0"/>
+          <a:ext cx="0" cy="0"/>
+          <a:chOff x="0" y="0"/>
+          <a:chExt cx="0" cy="0"/>
+        </a:xfrm>
+      </p:grpSpPr>
+      <p:pic>
+        <p:nvPicPr>
+          <p:cNvPr id="3" name="Picture 2"/>
+          <p:cNvPicPr>
+            <a:picLocks noChangeAspect="1"/>
+          </p:cNvPicPr>
+          <p:nvPr/>
+        </p:nvPicPr>
+        <p:blipFill>
+          <a:blip r:embed="rId2"/>
+          <a:stretch>
+            <a:fillRect/>
+          </a:stretch>
+        </p:blipFill>
+        <p:spPr>
+          <a:xfrm>
+            <a:off x="1261813" y="435892"/>
+            <a:ext cx="3572374" cy="6363588"/>
+          </a:xfrm>
+          <a:prstGeom prst="rect">
+            <a:avLst/>
+          </a:prstGeom>
+        </p:spPr>
+      </p:pic>
+      <p:sp>
+        <p:nvSpPr>
+          <p:cNvPr id="31" name="Rounded Rectangle 30"/>
+          <p:cNvSpPr/>
+          <p:nvPr/>
+        </p:nvSpPr>
+        <p:spPr>
+          <a:xfrm>
+            <a:off x="1459611" y="5246183"/>
+            <a:ext cx="3176778" cy="382814"/>
+          </a:xfrm>
+          <a:prstGeom prst="roundRect">
+            <a:avLst/>
+          </a:prstGeom>
+          <a:solidFill>
+            <a:srgbClr val="9510E4"/>
+          </a:solidFill>
+          <a:ln>
+            <a:noFill/>
+          </a:ln>
+        </p:spPr>
+        <p:style>
+          <a:lnRef idx="2">
+            <a:schemeClr val="accent1">
+              <a:shade val="50000"/>
+            </a:schemeClr>
+          </a:lnRef>
+          <a:fillRef idx="1">
+            <a:schemeClr val="accent1"/>
+          </a:fillRef>
+          <a:effectRef idx="0">
+            <a:schemeClr val="accent1"/>
+          </a:effectRef>
+          <a:fontRef idx="minor">
+            <a:schemeClr val="lt1"/>
+          </a:fontRef>
+        </p:style>
+        <p:txBody>
+          <a:bodyPr rtlCol="0" anchor="ctr"/>
+          <a:lstStyle/>
+          <a:p>
+            <a:pPr algn="ctr"/>
+            <a:r>
+              <a:rPr lang="en-US" sz="1600" b="1" dirty="0" smtClean="0"/>
+              <a:t>My Bookings</a:t>
+            </a:r>
+            <a:endParaRPr lang="en-AU" sz="1600" b="1" dirty="0"/>
+          </a:p>
+        </p:txBody>
+      </p:sp>
+    </p:spTree>
+    <p:extLst>
+      <p:ext uri="{BB962C8B-B14F-4D97-AF65-F5344CB8AC3E}">
+        <p14:creationId xmlns:p14="http://schemas.microsoft.com/office/powerpoint/2010/main" val="638575633"/>
+      </p:ext>
+    </p:extLst>
+  </p:cSld>
+  <p:clrMapOvr>
+    <a:masterClrMapping/>
+  </p:clrMapOvr>
+</p:sld>
+</file>
+
+<file path=ppt/slides/slide4.xml><?xml version="1.0" encoding="utf-8"?>
+<p:sld xmlns:a="http://schemas.openxmlformats.org/drawingml/2006/main" xmlns:r="http://schemas.openxmlformats.org/officeDocument/2006/relationships" xmlns:p="http://schemas.openxmlformats.org/presentationml/2006/main">
+  <p:cSld>
+    <p:spTree>
+      <p:nvGrpSpPr>
+        <p:cNvPr id="1" name=""/>
+        <p:cNvGrpSpPr/>
+        <p:nvPr/>
+      </p:nvGrpSpPr>
+      <p:grpSpPr>
+        <a:xfrm>
+          <a:off x="0" y="0"/>
+          <a:ext cx="0" cy="0"/>
+          <a:chOff x="0" y="0"/>
+          <a:chExt cx="0" cy="0"/>
+        </a:xfrm>
+      </p:grpSpPr>
+      <p:sp>
+        <p:nvSpPr>
+          <p:cNvPr id="33" name="Rounded Rectangle 32"/>
+          <p:cNvSpPr/>
+          <p:nvPr/>
+        </p:nvSpPr>
+        <p:spPr>
+          <a:xfrm>
+            <a:off x="6251199" y="566056"/>
+            <a:ext cx="3425371" cy="5950857"/>
+          </a:xfrm>
+          <a:prstGeom prst="roundRect">
+            <a:avLst/>
+          </a:prstGeom>
+          <a:solidFill>
+            <a:srgbClr val="FFFAFF"/>
+          </a:solidFill>
+          <a:ln w="38100">
+            <a:solidFill>
+              <a:schemeClr val="tx1">
+                <a:lumMod val="50000"/>
+                <a:lumOff val="50000"/>
+              </a:schemeClr>
+            </a:solidFill>
+          </a:ln>
+        </p:spPr>
+        <p:style>
+          <a:lnRef idx="2">
+            <a:schemeClr val="accent1">
+              <a:shade val="50000"/>
+            </a:schemeClr>
+          </a:lnRef>
+          <a:fillRef idx="1">
+            <a:schemeClr val="accent1"/>
+          </a:fillRef>
+          <a:effectRef idx="0">
+            <a:schemeClr val="accent1"/>
+          </a:effectRef>
+          <a:fontRef idx="minor">
+            <a:schemeClr val="lt1"/>
+          </a:fontRef>
+        </p:style>
+        <p:txBody>
+          <a:bodyPr rtlCol="0" anchor="ctr"/>
+          <a:lstStyle/>
+          <a:p>
+            <a:pPr algn="ctr"/>
+            <a:endParaRPr lang="en-AU" dirty="0"/>
+          </a:p>
+        </p:txBody>
+      </p:sp>
+      <p:sp>
+        <p:nvSpPr>
+          <p:cNvPr id="34" name="TextBox 33"/>
+          <p:cNvSpPr txBox="1"/>
+          <p:nvPr/>
+        </p:nvSpPr>
+        <p:spPr>
+          <a:xfrm>
+            <a:off x="6251199" y="1089659"/>
+            <a:ext cx="3425371" cy="461665"/>
+          </a:xfrm>
+          <a:prstGeom prst="rect">
+            <a:avLst/>
+          </a:prstGeom>
+          <a:noFill/>
+        </p:spPr>
+        <p:txBody>
+          <a:bodyPr wrap="square" rtlCol="0">
+            <a:spAutoFit/>
+          </a:bodyPr>
+          <a:lstStyle/>
+          <a:p>
+            <a:pPr algn="ctr"/>
+            <a:r>
+              <a:rPr lang="en-US" sz="2400" b="1" dirty="0" smtClean="0">
+                <a:solidFill>
+                  <a:schemeClr val="tx1">
+                    <a:lumMod val="50000"/>
+                    <a:lumOff val="50000"/>
+                  </a:schemeClr>
+                </a:solidFill>
+              </a:rPr>
+              <a:t>Welcome </a:t>
+            </a:r>
+            <a:r>
+              <a:rPr lang="en-US" sz="2400" b="1" dirty="0" err="1" smtClean="0">
+                <a:solidFill>
+                  <a:schemeClr val="tx1">
+                    <a:lumMod val="50000"/>
+                    <a:lumOff val="50000"/>
+                  </a:schemeClr>
+                </a:solidFill>
+              </a:rPr>
+              <a:t>Rent</a:t>
+            </a:r>
+            <a:r>
+              <a:rPr lang="en-US" sz="2400" b="1" dirty="0" err="1" smtClean="0">
+                <a:solidFill>
+                  <a:schemeClr val="tx1">
+                    <a:lumMod val="50000"/>
+                    <a:lumOff val="50000"/>
+                  </a:schemeClr>
+                </a:solidFill>
+              </a:rPr>
+              <a:t>erFName</a:t>
+            </a:r>
+            <a:endParaRPr lang="en-AU" sz="2400" b="1" dirty="0">
+              <a:solidFill>
+                <a:schemeClr val="tx1">
+                  <a:lumMod val="50000"/>
+                  <a:lumOff val="50000"/>
+                </a:schemeClr>
+              </a:solidFill>
+            </a:endParaRPr>
+          </a:p>
+        </p:txBody>
+      </p:sp>
+      <p:sp>
+        <p:nvSpPr>
+          <p:cNvPr id="36" name="Rounded Rectangle 35"/>
+          <p:cNvSpPr/>
+          <p:nvPr/>
+        </p:nvSpPr>
+        <p:spPr>
+          <a:xfrm>
+            <a:off x="6375495" y="5502147"/>
+            <a:ext cx="3176778" cy="509526"/>
+          </a:xfrm>
+          <a:prstGeom prst="roundRect">
+            <a:avLst/>
+          </a:prstGeom>
+          <a:solidFill>
+            <a:srgbClr val="9510E4"/>
+          </a:solidFill>
+          <a:ln>
+            <a:noFill/>
+          </a:ln>
+        </p:spPr>
+        <p:style>
+          <a:lnRef idx="2">
+            <a:schemeClr val="accent1">
+              <a:shade val="50000"/>
+            </a:schemeClr>
+          </a:lnRef>
+          <a:fillRef idx="1">
+            <a:schemeClr val="accent1"/>
+          </a:fillRef>
+          <a:effectRef idx="0">
+            <a:schemeClr val="accent1"/>
+          </a:effectRef>
+          <a:fontRef idx="minor">
+            <a:schemeClr val="lt1"/>
+          </a:fontRef>
+        </p:style>
+        <p:txBody>
+          <a:bodyPr rtlCol="0" anchor="ctr"/>
+          <a:lstStyle/>
+          <a:p>
+            <a:pPr algn="ctr"/>
+            <a:r>
+              <a:rPr lang="en-US" sz="2800" b="1" dirty="0" smtClean="0"/>
+              <a:t>Book another </a:t>
+            </a:r>
+            <a:r>
+              <a:rPr lang="en-US" sz="2800" b="1" dirty="0"/>
+              <a:t>Bike</a:t>
+            </a:r>
+            <a:endParaRPr lang="en-AU" sz="2800" b="1" dirty="0"/>
+          </a:p>
+        </p:txBody>
+      </p:sp>
+      <p:sp>
+        <p:nvSpPr>
+          <p:cNvPr id="38" name="TextBox 37"/>
+          <p:cNvSpPr txBox="1"/>
+          <p:nvPr/>
+        </p:nvSpPr>
+        <p:spPr>
+          <a:xfrm>
+            <a:off x="6251198" y="1553909"/>
+            <a:ext cx="3425371" cy="369332"/>
+          </a:xfrm>
+          <a:prstGeom prst="rect">
+            <a:avLst/>
+          </a:prstGeom>
+          <a:noFill/>
+        </p:spPr>
+        <p:txBody>
+          <a:bodyPr wrap="square" rtlCol="0">
+            <a:spAutoFit/>
+          </a:bodyPr>
+          <a:lstStyle/>
+          <a:p>
+            <a:pPr algn="ctr"/>
+            <a:r>
+              <a:rPr lang="en-US" b="1" dirty="0">
+                <a:solidFill>
+                  <a:schemeClr val="tx1">
+                    <a:lumMod val="50000"/>
+                    <a:lumOff val="50000"/>
+                  </a:schemeClr>
+                </a:solidFill>
+              </a:rPr>
+              <a:t>Y</a:t>
+            </a:r>
+            <a:r>
+              <a:rPr lang="en-US" b="1" dirty="0" smtClean="0">
+                <a:solidFill>
+                  <a:schemeClr val="tx1">
+                    <a:lumMod val="50000"/>
+                    <a:lumOff val="50000"/>
+                  </a:schemeClr>
+                </a:solidFill>
+              </a:rPr>
+              <a:t>our </a:t>
+            </a:r>
+            <a:r>
+              <a:rPr lang="en-US" b="1" dirty="0" smtClean="0">
+                <a:solidFill>
+                  <a:schemeClr val="tx1">
+                    <a:lumMod val="50000"/>
+                    <a:lumOff val="50000"/>
+                  </a:schemeClr>
+                </a:solidFill>
+              </a:rPr>
+              <a:t>Bookings</a:t>
+            </a:r>
+            <a:r>
+              <a:rPr lang="en-US" b="1" dirty="0" smtClean="0">
+                <a:solidFill>
+                  <a:schemeClr val="tx1">
+                    <a:lumMod val="50000"/>
+                    <a:lumOff val="50000"/>
+                  </a:schemeClr>
+                </a:solidFill>
+              </a:rPr>
+              <a:t> </a:t>
+            </a:r>
+            <a:r>
+              <a:rPr lang="en-US" b="1" dirty="0" smtClean="0">
+                <a:solidFill>
+                  <a:schemeClr val="tx1">
+                    <a:lumMod val="50000"/>
+                    <a:lumOff val="50000"/>
+                  </a:schemeClr>
+                </a:solidFill>
+              </a:rPr>
+              <a:t>on </a:t>
+            </a:r>
+            <a:r>
+              <a:rPr lang="en-US" b="1" dirty="0" smtClean="0">
+                <a:solidFill>
+                  <a:srgbClr val="9510E4"/>
+                </a:solidFill>
+              </a:rPr>
+              <a:t>Micro2Move</a:t>
+            </a:r>
+            <a:endParaRPr lang="en-AU" b="1" dirty="0">
+              <a:solidFill>
+                <a:srgbClr val="9510E4"/>
+              </a:solidFill>
+            </a:endParaRPr>
+          </a:p>
+        </p:txBody>
+      </p:sp>
+      <p:sp>
+        <p:nvSpPr>
+          <p:cNvPr id="39" name="Rectangle 38"/>
+          <p:cNvSpPr/>
+          <p:nvPr/>
+        </p:nvSpPr>
+        <p:spPr>
+          <a:xfrm>
+            <a:off x="9559183" y="2807370"/>
+            <a:ext cx="69294" cy="2548245"/>
+          </a:xfrm>
+          <a:prstGeom prst="rect">
+            <a:avLst/>
+          </a:prstGeom>
+          <a:solidFill>
+            <a:srgbClr val="FFE1FF"/>
+          </a:solidFill>
+          <a:ln>
+            <a:noFill/>
+          </a:ln>
+        </p:spPr>
+        <p:style>
+          <a:lnRef idx="2">
+            <a:schemeClr val="accent1">
+              <a:shade val="50000"/>
+            </a:schemeClr>
+          </a:lnRef>
+          <a:fillRef idx="1">
+            <a:schemeClr val="accent1"/>
+          </a:fillRef>
+          <a:effectRef idx="0">
+            <a:schemeClr val="accent1"/>
+          </a:effectRef>
+          <a:fontRef idx="minor">
+            <a:schemeClr val="lt1"/>
+          </a:fontRef>
+        </p:style>
+        <p:txBody>
+          <a:bodyPr rtlCol="0" anchor="ctr"/>
+          <a:lstStyle/>
+          <a:p>
+            <a:pPr algn="ctr"/>
+            <a:endParaRPr lang="en-AU"/>
+          </a:p>
+        </p:txBody>
+      </p:sp>
+      <p:sp>
+        <p:nvSpPr>
+          <p:cNvPr id="45" name="Rectangle 44"/>
+          <p:cNvSpPr/>
+          <p:nvPr/>
+        </p:nvSpPr>
+        <p:spPr>
+          <a:xfrm>
+            <a:off x="9559183" y="2844540"/>
+            <a:ext cx="50000" cy="561075"/>
+          </a:xfrm>
+          <a:prstGeom prst="rect">
+            <a:avLst/>
+          </a:prstGeom>
+          <a:solidFill>
+            <a:srgbClr val="FFC3FF"/>
+          </a:solidFill>
+          <a:ln>
+            <a:noFill/>
+          </a:ln>
+        </p:spPr>
+        <p:style>
+          <a:lnRef idx="2">
+            <a:schemeClr val="accent1">
+              <a:shade val="50000"/>
+            </a:schemeClr>
+          </a:lnRef>
+          <a:fillRef idx="1">
+            <a:schemeClr val="accent1"/>
+          </a:fillRef>
+          <a:effectRef idx="0">
+            <a:schemeClr val="accent1"/>
+          </a:effectRef>
+          <a:fontRef idx="minor">
+            <a:schemeClr val="lt1"/>
+          </a:fontRef>
+        </p:style>
+        <p:txBody>
+          <a:bodyPr rtlCol="0" anchor="ctr"/>
+          <a:lstStyle/>
+          <a:p>
+            <a:pPr algn="ctr"/>
+            <a:endParaRPr lang="en-AU"/>
+          </a:p>
+        </p:txBody>
+      </p:sp>
+      <p:sp>
+        <p:nvSpPr>
+          <p:cNvPr id="46" name="Rectangle 45"/>
+          <p:cNvSpPr/>
+          <p:nvPr/>
+        </p:nvSpPr>
+        <p:spPr>
+          <a:xfrm>
+            <a:off x="6375495" y="2813738"/>
+            <a:ext cx="3164399" cy="632289"/>
+          </a:xfrm>
+          <a:prstGeom prst="rect">
+            <a:avLst/>
+          </a:prstGeom>
+          <a:solidFill>
+            <a:srgbClr val="FFEBFF"/>
+          </a:solidFill>
+          <a:ln>
+            <a:noFill/>
+          </a:ln>
+        </p:spPr>
+        <p:style>
+          <a:lnRef idx="2">
+            <a:schemeClr val="accent1">
+              <a:shade val="50000"/>
+            </a:schemeClr>
+          </a:lnRef>
+          <a:fillRef idx="1">
+            <a:schemeClr val="accent1"/>
+          </a:fillRef>
+          <a:effectRef idx="0">
+            <a:schemeClr val="accent1"/>
+          </a:effectRef>
+          <a:fontRef idx="minor">
+            <a:schemeClr val="lt1"/>
+          </a:fontRef>
+        </p:style>
+        <p:txBody>
+          <a:bodyPr rtlCol="0" anchor="ctr"/>
+          <a:lstStyle/>
+          <a:p>
+            <a:pPr algn="ctr"/>
+            <a:endParaRPr lang="en-AU"/>
+          </a:p>
+        </p:txBody>
+      </p:sp>
+      <p:pic>
+        <p:nvPicPr>
+          <p:cNvPr id="47" name="Picture 46"/>
+          <p:cNvPicPr>
+            <a:picLocks noChangeAspect="1"/>
+          </p:cNvPicPr>
+          <p:nvPr/>
+        </p:nvPicPr>
+        <p:blipFill rotWithShape="1">
+          <a:blip r:embed="rId2"/>
+          <a:srcRect l="35787" t="7837" b="12703"/>
+          <a:stretch/>
+        </p:blipFill>
+        <p:spPr>
+          <a:xfrm>
+            <a:off x="6440266" y="2868605"/>
+            <a:ext cx="562100" cy="522553"/>
+          </a:xfrm>
+          <a:prstGeom prst="ellipse">
+            <a:avLst/>
+          </a:prstGeom>
+          <a:ln w="63500" cap="rnd">
+            <a:noFill/>
+          </a:ln>
+          <a:effectLst>
+            <a:outerShdw blurRad="381000" dist="292100" dir="5400000" sx="-80000" sy="-18000" rotWithShape="0">
+              <a:srgbClr val="000000">
+                <a:alpha val="0"/>
+              </a:srgbClr>
+            </a:outerShdw>
+          </a:effectLst>
+          <a:scene3d>
+            <a:camera prst="orthographicFront"/>
+            <a:lightRig rig="contrasting" dir="t">
+              <a:rot lat="0" lon="0" rev="3000000"/>
+            </a:lightRig>
+          </a:scene3d>
+          <a:sp3d contourW="7620">
+            <a:bevelT w="95250" h="31750"/>
+            <a:contourClr>
+              <a:srgbClr val="333333"/>
+            </a:contourClr>
+          </a:sp3d>
+        </p:spPr>
+      </p:pic>
+      <p:sp>
+        <p:nvSpPr>
+          <p:cNvPr id="48" name="Rectangle 47"/>
+          <p:cNvSpPr/>
+          <p:nvPr/>
+        </p:nvSpPr>
+        <p:spPr>
+          <a:xfrm>
+            <a:off x="6375495" y="3453818"/>
+            <a:ext cx="3164399" cy="632289"/>
+          </a:xfrm>
+          <a:prstGeom prst="rect">
+            <a:avLst/>
+          </a:prstGeom>
+          <a:solidFill>
+            <a:srgbClr val="FFF5FF"/>
+          </a:solidFill>
+          <a:ln>
+            <a:noFill/>
+          </a:ln>
+        </p:spPr>
+        <p:style>
+          <a:lnRef idx="2">
+            <a:schemeClr val="accent1">
+              <a:shade val="50000"/>
+            </a:schemeClr>
+          </a:lnRef>
+          <a:fillRef idx="1">
+            <a:schemeClr val="accent1"/>
+          </a:fillRef>
+          <a:effectRef idx="0">
+            <a:schemeClr val="accent1"/>
+          </a:effectRef>
+          <a:fontRef idx="minor">
+            <a:schemeClr val="lt1"/>
+          </a:fontRef>
+        </p:style>
+        <p:txBody>
+          <a:bodyPr rtlCol="0" anchor="ctr"/>
+          <a:lstStyle/>
+          <a:p>
+            <a:pPr algn="ctr"/>
+            <a:endParaRPr lang="en-AU"/>
+          </a:p>
+        </p:txBody>
+      </p:sp>
+      <p:sp>
+        <p:nvSpPr>
+          <p:cNvPr id="49" name="Rectangle 48"/>
+          <p:cNvSpPr/>
+          <p:nvPr/>
+        </p:nvSpPr>
+        <p:spPr>
+          <a:xfrm>
+            <a:off x="6375494" y="4095061"/>
+            <a:ext cx="3164399" cy="632289"/>
+          </a:xfrm>
+          <a:prstGeom prst="rect">
+            <a:avLst/>
+          </a:prstGeom>
+          <a:solidFill>
+            <a:srgbClr val="FFEBFF"/>
+          </a:solidFill>
+          <a:ln>
+            <a:noFill/>
+          </a:ln>
+        </p:spPr>
+        <p:style>
+          <a:lnRef idx="2">
+            <a:schemeClr val="accent1">
+              <a:shade val="50000"/>
+            </a:schemeClr>
+          </a:lnRef>
+          <a:fillRef idx="1">
+            <a:schemeClr val="accent1"/>
+          </a:fillRef>
+          <a:effectRef idx="0">
+            <a:schemeClr val="accent1"/>
+          </a:effectRef>
+          <a:fontRef idx="minor">
+            <a:schemeClr val="lt1"/>
+          </a:fontRef>
+        </p:style>
+        <p:txBody>
+          <a:bodyPr rtlCol="0" anchor="ctr"/>
+          <a:lstStyle/>
+          <a:p>
+            <a:pPr algn="ctr"/>
+            <a:endParaRPr lang="en-AU"/>
+          </a:p>
+        </p:txBody>
+      </p:sp>
+      <p:pic>
+        <p:nvPicPr>
+          <p:cNvPr id="52" name="Picture 51"/>
+          <p:cNvPicPr>
+            <a:picLocks noChangeAspect="1"/>
+          </p:cNvPicPr>
+          <p:nvPr/>
+        </p:nvPicPr>
+        <p:blipFill rotWithShape="1">
+          <a:blip r:embed="rId3"/>
+          <a:srcRect l="28965" r="6291" b="7480"/>
+          <a:stretch/>
+        </p:blipFill>
+        <p:spPr>
+          <a:xfrm>
+            <a:off x="6440162" y="3504463"/>
+            <a:ext cx="562304" cy="553131"/>
+          </a:xfrm>
+          <a:prstGeom prst="ellipse">
+            <a:avLst/>
+          </a:prstGeom>
+          <a:ln w="63500" cap="rnd">
+            <a:noFill/>
+          </a:ln>
+          <a:effectLst>
+            <a:outerShdw blurRad="381000" dist="292100" dir="5400000" sx="-80000" sy="-18000" rotWithShape="0">
+              <a:srgbClr val="000000">
+                <a:alpha val="0"/>
+              </a:srgbClr>
+            </a:outerShdw>
+          </a:effectLst>
+          <a:scene3d>
+            <a:camera prst="orthographicFront"/>
+            <a:lightRig rig="contrasting" dir="t">
+              <a:rot lat="0" lon="0" rev="3000000"/>
+            </a:lightRig>
+          </a:scene3d>
+          <a:sp3d contourW="7620">
+            <a:bevelT w="95250" h="31750"/>
+            <a:contourClr>
+              <a:srgbClr val="333333"/>
+            </a:contourClr>
+          </a:sp3d>
+        </p:spPr>
+      </p:pic>
+      <p:pic>
+        <p:nvPicPr>
+          <p:cNvPr id="53" name="Picture 52"/>
+          <p:cNvPicPr>
+            <a:picLocks noChangeAspect="1"/>
+          </p:cNvPicPr>
+          <p:nvPr/>
+        </p:nvPicPr>
+        <p:blipFill>
+          <a:blip r:embed="rId4"/>
+          <a:stretch>
+            <a:fillRect/>
+          </a:stretch>
+        </p:blipFill>
+        <p:spPr>
+          <a:xfrm>
+            <a:off x="6440162" y="4153862"/>
+            <a:ext cx="576917" cy="543500"/>
+          </a:xfrm>
+          <a:prstGeom prst="ellipse">
+            <a:avLst/>
+          </a:prstGeom>
+          <a:ln w="63500" cap="rnd">
+            <a:noFill/>
+          </a:ln>
+          <a:effectLst>
+            <a:outerShdw blurRad="381000" dist="292100" dir="5400000" sx="-80000" sy="-18000" rotWithShape="0">
+              <a:srgbClr val="000000">
+                <a:alpha val="0"/>
+              </a:srgbClr>
+            </a:outerShdw>
+          </a:effectLst>
+          <a:scene3d>
+            <a:camera prst="orthographicFront"/>
+            <a:lightRig rig="contrasting" dir="t">
+              <a:rot lat="0" lon="0" rev="3000000"/>
+            </a:lightRig>
+          </a:scene3d>
+          <a:sp3d contourW="7620">
+            <a:bevelT w="95250" h="31750"/>
+            <a:contourClr>
+              <a:srgbClr val="333333"/>
+            </a:contourClr>
+          </a:sp3d>
+        </p:spPr>
+      </p:pic>
+      <p:sp>
+        <p:nvSpPr>
+          <p:cNvPr id="56" name="TextBox 55"/>
+          <p:cNvSpPr txBox="1"/>
+          <p:nvPr/>
+        </p:nvSpPr>
+        <p:spPr>
+          <a:xfrm>
+            <a:off x="7067137" y="3000179"/>
+            <a:ext cx="2537423" cy="276999"/>
+          </a:xfrm>
+          <a:prstGeom prst="rect">
+            <a:avLst/>
+          </a:prstGeom>
+          <a:noFill/>
+        </p:spPr>
+        <p:txBody>
+          <a:bodyPr wrap="square" rtlCol="0">
+            <a:spAutoFit/>
+          </a:bodyPr>
+          <a:lstStyle/>
+          <a:p>
+            <a:r>
+              <a:rPr lang="en-US" sz="1200" dirty="0" err="1" smtClean="0">
+                <a:solidFill>
+                  <a:schemeClr val="tx1">
+                    <a:lumMod val="50000"/>
+                    <a:lumOff val="50000"/>
+                  </a:schemeClr>
+                </a:solidFill>
+              </a:rPr>
+              <a:t>BikeA</a:t>
+            </a:r>
+            <a:r>
+              <a:rPr lang="en-US" sz="1200" dirty="0" smtClean="0">
+                <a:solidFill>
+                  <a:schemeClr val="tx1">
+                    <a:lumMod val="50000"/>
+                    <a:lumOff val="50000"/>
+                  </a:schemeClr>
+                </a:solidFill>
+              </a:rPr>
+              <a:t>    31/02/26 – 14/03/26     </a:t>
+            </a:r>
+            <a:r>
+              <a:rPr lang="en-US" sz="1200" dirty="0" smtClean="0">
+                <a:solidFill>
+                  <a:srgbClr val="9510E4"/>
+                </a:solidFill>
+              </a:rPr>
+              <a:t>$285</a:t>
+            </a:r>
+            <a:endParaRPr lang="en-AU" sz="1200" dirty="0">
+              <a:solidFill>
+                <a:srgbClr val="9510E4"/>
+              </a:solidFill>
+            </a:endParaRPr>
+          </a:p>
+        </p:txBody>
+      </p:sp>
+      <p:sp>
+        <p:nvSpPr>
+          <p:cNvPr id="57" name="TextBox 56"/>
+          <p:cNvSpPr txBox="1"/>
+          <p:nvPr/>
+        </p:nvSpPr>
+        <p:spPr>
+          <a:xfrm>
+            <a:off x="7046760" y="3655239"/>
+            <a:ext cx="2537423" cy="276999"/>
+          </a:xfrm>
+          <a:prstGeom prst="rect">
+            <a:avLst/>
+          </a:prstGeom>
+          <a:noFill/>
+        </p:spPr>
+        <p:txBody>
+          <a:bodyPr wrap="square" rtlCol="0">
+            <a:spAutoFit/>
+          </a:bodyPr>
+          <a:lstStyle/>
+          <a:p>
+            <a:r>
+              <a:rPr lang="en-US" sz="1200" dirty="0" err="1" smtClean="0">
+                <a:solidFill>
+                  <a:schemeClr val="tx1">
+                    <a:lumMod val="50000"/>
+                    <a:lumOff val="50000"/>
+                  </a:schemeClr>
+                </a:solidFill>
+              </a:rPr>
+              <a:t>BikeB</a:t>
+            </a:r>
+            <a:r>
+              <a:rPr lang="en-US" sz="1200" dirty="0" smtClean="0">
+                <a:solidFill>
+                  <a:schemeClr val="tx1">
+                    <a:lumMod val="50000"/>
+                    <a:lumOff val="50000"/>
+                  </a:schemeClr>
+                </a:solidFill>
+              </a:rPr>
+              <a:t>     </a:t>
+            </a:r>
+            <a:r>
+              <a:rPr lang="en-US" sz="1200" dirty="0">
+                <a:solidFill>
+                  <a:schemeClr val="tx1">
+                    <a:lumMod val="50000"/>
+                    <a:lumOff val="50000"/>
+                  </a:schemeClr>
+                </a:solidFill>
+              </a:rPr>
+              <a:t>31/02/26 – 14/03/26 </a:t>
+            </a:r>
+            <a:r>
+              <a:rPr lang="en-US" sz="1200" dirty="0" smtClean="0">
+                <a:solidFill>
+                  <a:schemeClr val="tx1">
+                    <a:lumMod val="50000"/>
+                    <a:lumOff val="50000"/>
+                  </a:schemeClr>
+                </a:solidFill>
+              </a:rPr>
+              <a:t>   </a:t>
+            </a:r>
+            <a:r>
+              <a:rPr lang="en-US" sz="1200" dirty="0" smtClean="0">
+                <a:solidFill>
+                  <a:srgbClr val="9510E4"/>
+                </a:solidFill>
+              </a:rPr>
+              <a:t> $172</a:t>
+            </a:r>
+            <a:endParaRPr lang="en-AU" sz="1200" dirty="0">
+              <a:solidFill>
+                <a:srgbClr val="9510E4"/>
+              </a:solidFill>
+            </a:endParaRPr>
+          </a:p>
+        </p:txBody>
+      </p:sp>
+      <p:sp>
+        <p:nvSpPr>
+          <p:cNvPr id="58" name="TextBox 57"/>
+          <p:cNvSpPr txBox="1"/>
+          <p:nvPr/>
+        </p:nvSpPr>
+        <p:spPr>
+          <a:xfrm>
+            <a:off x="7069672" y="4287528"/>
+            <a:ext cx="2537423" cy="276999"/>
+          </a:xfrm>
+          <a:prstGeom prst="rect">
+            <a:avLst/>
+          </a:prstGeom>
+          <a:noFill/>
+        </p:spPr>
+        <p:txBody>
+          <a:bodyPr wrap="square" rtlCol="0">
+            <a:spAutoFit/>
+          </a:bodyPr>
+          <a:lstStyle/>
+          <a:p>
+            <a:r>
+              <a:rPr lang="en-US" sz="1200" dirty="0" err="1" smtClean="0">
+                <a:solidFill>
+                  <a:schemeClr val="tx1">
+                    <a:lumMod val="50000"/>
+                    <a:lumOff val="50000"/>
+                  </a:schemeClr>
+                </a:solidFill>
+              </a:rPr>
+              <a:t>BikeP</a:t>
+            </a:r>
+            <a:r>
+              <a:rPr lang="en-US" sz="1200" dirty="0" smtClean="0">
+                <a:solidFill>
+                  <a:schemeClr val="tx1">
+                    <a:lumMod val="50000"/>
+                    <a:lumOff val="50000"/>
+                  </a:schemeClr>
+                </a:solidFill>
+              </a:rPr>
+              <a:t>    </a:t>
+            </a:r>
+            <a:r>
+              <a:rPr lang="en-US" sz="1200" dirty="0">
+                <a:solidFill>
+                  <a:schemeClr val="tx1">
+                    <a:lumMod val="50000"/>
+                    <a:lumOff val="50000"/>
+                  </a:schemeClr>
+                </a:solidFill>
+              </a:rPr>
+              <a:t> </a:t>
+            </a:r>
+            <a:r>
+              <a:rPr lang="en-US" sz="1200" dirty="0" smtClean="0">
+                <a:solidFill>
+                  <a:schemeClr val="tx1">
+                    <a:lumMod val="50000"/>
+                    <a:lumOff val="50000"/>
+                  </a:schemeClr>
+                </a:solidFill>
+              </a:rPr>
+              <a:t>13/02/27 </a:t>
+            </a:r>
+            <a:r>
+              <a:rPr lang="en-US" sz="1200" dirty="0">
+                <a:solidFill>
+                  <a:schemeClr val="tx1">
+                    <a:lumMod val="50000"/>
+                    <a:lumOff val="50000"/>
+                  </a:schemeClr>
+                </a:solidFill>
+              </a:rPr>
+              <a:t>– </a:t>
+            </a:r>
+            <a:r>
+              <a:rPr lang="en-US" sz="1200" dirty="0" smtClean="0">
+                <a:solidFill>
+                  <a:schemeClr val="tx1">
+                    <a:lumMod val="50000"/>
+                    <a:lumOff val="50000"/>
+                  </a:schemeClr>
+                </a:solidFill>
+              </a:rPr>
+              <a:t>15/07/27       </a:t>
+            </a:r>
+            <a:r>
+              <a:rPr lang="en-US" sz="1200" dirty="0" smtClean="0">
+                <a:solidFill>
+                  <a:srgbClr val="9510E4"/>
+                </a:solidFill>
+              </a:rPr>
+              <a:t>$65</a:t>
+            </a:r>
+            <a:endParaRPr lang="en-AU" sz="1200" dirty="0">
+              <a:solidFill>
+                <a:srgbClr val="9510E4"/>
+              </a:solidFill>
+            </a:endParaRPr>
+          </a:p>
+        </p:txBody>
+      </p:sp>
+      <p:pic>
+        <p:nvPicPr>
+          <p:cNvPr id="4" name="Picture 3"/>
+          <p:cNvPicPr>
+            <a:picLocks noChangeAspect="1"/>
+          </p:cNvPicPr>
+          <p:nvPr/>
+        </p:nvPicPr>
+        <p:blipFill>
+          <a:blip r:embed="rId5"/>
+          <a:stretch>
+            <a:fillRect/>
+          </a:stretch>
+        </p:blipFill>
+        <p:spPr>
+          <a:xfrm>
+            <a:off x="6300111" y="2179345"/>
+            <a:ext cx="3315163" cy="495369"/>
+          </a:xfrm>
+          <a:prstGeom prst="rect">
+            <a:avLst/>
+          </a:prstGeom>
+        </p:spPr>
+      </p:pic>
+      <p:sp>
+        <p:nvSpPr>
+          <p:cNvPr id="61" name="Rectangle 60"/>
+          <p:cNvSpPr/>
+          <p:nvPr/>
+        </p:nvSpPr>
+        <p:spPr>
+          <a:xfrm>
+            <a:off x="6394784" y="4723327"/>
+            <a:ext cx="3164399" cy="632289"/>
+          </a:xfrm>
+          <a:prstGeom prst="rect">
+            <a:avLst/>
+          </a:prstGeom>
+          <a:solidFill>
+            <a:srgbClr val="FFF5FF"/>
+          </a:solidFill>
+          <a:ln>
+            <a:noFill/>
+          </a:ln>
+        </p:spPr>
+        <p:style>
+          <a:lnRef idx="2">
+            <a:schemeClr val="accent1">
+              <a:shade val="50000"/>
+            </a:schemeClr>
+          </a:lnRef>
+          <a:fillRef idx="1">
+            <a:schemeClr val="accent1"/>
+          </a:fillRef>
+          <a:effectRef idx="0">
+            <a:schemeClr val="accent1"/>
+          </a:effectRef>
+          <a:fontRef idx="minor">
+            <a:schemeClr val="lt1"/>
+          </a:fontRef>
+        </p:style>
+        <p:txBody>
+          <a:bodyPr rtlCol="0" anchor="ctr"/>
+          <a:lstStyle/>
+          <a:p>
+            <a:pPr algn="ctr"/>
+            <a:endParaRPr lang="en-AU"/>
+          </a:p>
+        </p:txBody>
+      </p:sp>
+    </p:spTree>
+    <p:extLst>
+      <p:ext uri="{BB962C8B-B14F-4D97-AF65-F5344CB8AC3E}">
+        <p14:creationId xmlns:p14="http://schemas.microsoft.com/office/powerpoint/2010/main" val="473529885"/>
       </p:ext>
     </p:extLst>
   </p:cSld>

--- a/RefDocs/RoughWireframeScreens.pptx
+++ b/RefDocs/RoughWireframeScreens.pptx
@@ -3700,8 +3700,8 @@
         </p:blipFill>
         <p:spPr>
           <a:xfrm>
-            <a:off x="6440266" y="2041291"/>
-            <a:ext cx="562100" cy="522553"/>
+            <a:off x="6529355" y="2124112"/>
+            <a:ext cx="383922" cy="356911"/>
           </a:xfrm>
           <a:prstGeom prst="ellipse">
             <a:avLst/>
@@ -3929,8 +3929,8 @@
         </p:blipFill>
         <p:spPr>
           <a:xfrm>
-            <a:off x="6440162" y="2677149"/>
-            <a:ext cx="562304" cy="553131"/>
+            <a:off x="6546741" y="2781989"/>
+            <a:ext cx="349146" cy="343450"/>
           </a:xfrm>
           <a:prstGeom prst="ellipse">
             <a:avLst/>
@@ -3975,8 +3975,8 @@
         </p:blipFill>
         <p:spPr>
           <a:xfrm>
-            <a:off x="6440162" y="3326548"/>
-            <a:ext cx="576917" cy="543500"/>
+            <a:off x="6549510" y="3429563"/>
+            <a:ext cx="358220" cy="337471"/>
           </a:xfrm>
           <a:prstGeom prst="ellipse">
             <a:avLst/>
@@ -4014,7 +4014,7 @@
           <p:nvPr/>
         </p:nvPicPr>
         <p:blipFill rotWithShape="1">
-          <a:blip r:embed="rId5">
+          <a:blip r:embed="rId5" cstate="print">
             <a:extLst>
               <a:ext uri="{28A0092B-C50C-407E-A947-70E740481C1C}">
                 <a14:useLocalDpi xmlns:a14="http://schemas.microsoft.com/office/drawing/2010/main" val="0"/>
@@ -4026,8 +4026,8 @@
         </p:blipFill>
         <p:spPr bwMode="auto">
           <a:xfrm>
-            <a:off x="6440161" y="4594983"/>
-            <a:ext cx="576917" cy="527886"/>
+            <a:off x="6549509" y="4695039"/>
+            <a:ext cx="358220" cy="327775"/>
           </a:xfrm>
           <a:prstGeom prst="ellipse">
             <a:avLst/>
@@ -4074,7 +4074,7 @@
           <p:nvPr/>
         </p:nvPicPr>
         <p:blipFill rotWithShape="1">
-          <a:blip r:embed="rId6">
+          <a:blip r:embed="rId6" cstate="print">
             <a:extLst>
               <a:ext uri="{28A0092B-C50C-407E-A947-70E740481C1C}">
                 <a14:useLocalDpi xmlns:a14="http://schemas.microsoft.com/office/drawing/2010/main" val="0"/>
@@ -4086,8 +4086,8 @@
         </p:blipFill>
         <p:spPr bwMode="auto">
           <a:xfrm>
-            <a:off x="6420223" y="3933634"/>
-            <a:ext cx="602181" cy="580675"/>
+            <a:off x="6534360" y="4043695"/>
+            <a:ext cx="373906" cy="360553"/>
           </a:xfrm>
           <a:prstGeom prst="ellipse">
             <a:avLst/>
@@ -4134,7 +4134,7 @@
         <p:spPr>
           <a:xfrm>
             <a:off x="7067137" y="2100295"/>
-            <a:ext cx="2537423" cy="369332"/>
+            <a:ext cx="2537423" cy="307777"/>
           </a:xfrm>
           <a:prstGeom prst="rect">
             <a:avLst/>
@@ -4148,7 +4148,7 @@
           <a:lstStyle/>
           <a:p>
             <a:r>
-              <a:rPr lang="en-US" dirty="0" err="1" smtClean="0">
+              <a:rPr lang="en-US" sz="1400" dirty="0" err="1" smtClean="0">
                 <a:solidFill>
                   <a:schemeClr val="tx1">
                     <a:lumMod val="50000"/>
@@ -4159,7 +4159,7 @@
               <a:t>BikeA</a:t>
             </a:r>
             <a:r>
-              <a:rPr lang="en-US" dirty="0" smtClean="0">
+              <a:rPr lang="en-US" sz="1400" dirty="0" smtClean="0">
                 <a:solidFill>
                   <a:schemeClr val="tx1">
                     <a:lumMod val="50000"/>
@@ -4167,25 +4167,193 @@
                   </a:schemeClr>
                 </a:solidFill>
               </a:rPr>
-              <a:t>     Cat-a     </a:t>
-            </a:r>
-            <a:r>
-              <a:rPr lang="en-US" dirty="0" smtClean="0">
+              <a:t>     Cat-a  </a:t>
+            </a:r>
+            <a:r>
+              <a:rPr lang="en-US" sz="1400" dirty="0" smtClean="0">
+                <a:solidFill>
+                  <a:schemeClr val="tx1">
+                    <a:lumMod val="50000"/>
+                    <a:lumOff val="50000"/>
+                  </a:schemeClr>
+                </a:solidFill>
+              </a:rPr>
+              <a:t>  </a:t>
+            </a:r>
+            <a:r>
+              <a:rPr lang="en-US" sz="1400" dirty="0" smtClean="0">
                 <a:solidFill>
                   <a:srgbClr val="9510E4"/>
                 </a:solidFill>
               </a:rPr>
-              <a:t> $85/</a:t>
-            </a:r>
-            <a:r>
-              <a:rPr lang="en-US" dirty="0" err="1" smtClean="0">
+              <a:t> </a:t>
+            </a:r>
+            <a:r>
+              <a:rPr lang="en-US" sz="1400" dirty="0" smtClean="0">
                 <a:solidFill>
                   <a:srgbClr val="9510E4"/>
                 </a:solidFill>
               </a:rPr>
+              <a:t>$</a:t>
+            </a:r>
+            <a:r>
+              <a:rPr lang="en-US" sz="1400" dirty="0" smtClean="0">
+                <a:solidFill>
+                  <a:srgbClr val="9510E4"/>
+                </a:solidFill>
+              </a:rPr>
+              <a:t>85/</a:t>
+            </a:r>
+            <a:r>
+              <a:rPr lang="en-US" sz="1400" dirty="0" err="1" smtClean="0">
+                <a:solidFill>
+                  <a:srgbClr val="9510E4"/>
+                </a:solidFill>
+              </a:rPr>
               <a:t>wk</a:t>
             </a:r>
-            <a:endParaRPr lang="en-AU" dirty="0">
+            <a:r>
+              <a:rPr lang="en-US" sz="1400" dirty="0" smtClean="0">
+                <a:solidFill>
+                  <a:srgbClr val="9510E4"/>
+                </a:solidFill>
+              </a:rPr>
+              <a:t>    ****</a:t>
+            </a:r>
+            <a:r>
+              <a:rPr lang="en-US" sz="1400" dirty="0" smtClean="0">
+                <a:solidFill>
+                  <a:schemeClr val="bg1">
+                    <a:lumMod val="65000"/>
+                  </a:schemeClr>
+                </a:solidFill>
+              </a:rPr>
+              <a:t>*</a:t>
+            </a:r>
+            <a:endParaRPr lang="en-AU" sz="1400" dirty="0">
+              <a:solidFill>
+                <a:schemeClr val="bg1">
+                  <a:lumMod val="65000"/>
+                </a:schemeClr>
+              </a:solidFill>
+            </a:endParaRPr>
+          </a:p>
+        </p:txBody>
+      </p:sp>
+      <p:sp>
+        <p:nvSpPr>
+          <p:cNvPr id="41" name="TextBox 40"/>
+          <p:cNvSpPr txBox="1"/>
+          <p:nvPr/>
+        </p:nvSpPr>
+        <p:spPr>
+          <a:xfrm>
+            <a:off x="7046760" y="2755355"/>
+            <a:ext cx="2590109" cy="307777"/>
+          </a:xfrm>
+          <a:prstGeom prst="rect">
+            <a:avLst/>
+          </a:prstGeom>
+          <a:noFill/>
+        </p:spPr>
+        <p:txBody>
+          <a:bodyPr wrap="square" rtlCol="0">
+            <a:spAutoFit/>
+          </a:bodyPr>
+          <a:lstStyle/>
+          <a:p>
+            <a:r>
+              <a:rPr lang="en-US" sz="1400" dirty="0" err="1" smtClean="0">
+                <a:solidFill>
+                  <a:schemeClr val="tx1">
+                    <a:lumMod val="50000"/>
+                    <a:lumOff val="50000"/>
+                  </a:schemeClr>
+                </a:solidFill>
+              </a:rPr>
+              <a:t>BikeB</a:t>
+            </a:r>
+            <a:r>
+              <a:rPr lang="en-US" sz="1400" dirty="0" smtClean="0">
+                <a:solidFill>
+                  <a:schemeClr val="tx1">
+                    <a:lumMod val="50000"/>
+                    <a:lumOff val="50000"/>
+                  </a:schemeClr>
+                </a:solidFill>
+              </a:rPr>
+              <a:t>     Cat-a  </a:t>
+            </a:r>
+            <a:r>
+              <a:rPr lang="en-US" sz="1400" dirty="0" smtClean="0">
+                <a:solidFill>
+                  <a:schemeClr val="tx1">
+                    <a:lumMod val="50000"/>
+                    <a:lumOff val="50000"/>
+                  </a:schemeClr>
+                </a:solidFill>
+              </a:rPr>
+              <a:t>   </a:t>
+            </a:r>
+            <a:r>
+              <a:rPr lang="en-US" sz="1400" dirty="0" smtClean="0">
+                <a:solidFill>
+                  <a:srgbClr val="9510E4"/>
+                </a:solidFill>
+              </a:rPr>
+              <a:t> </a:t>
+            </a:r>
+            <a:r>
+              <a:rPr lang="en-US" sz="1400" dirty="0" smtClean="0">
+                <a:solidFill>
+                  <a:srgbClr val="9510E4"/>
+                </a:solidFill>
+              </a:rPr>
+              <a:t>$</a:t>
+            </a:r>
+            <a:r>
+              <a:rPr lang="en-US" sz="1400" dirty="0">
+                <a:solidFill>
+                  <a:srgbClr val="9510E4"/>
+                </a:solidFill>
+              </a:rPr>
+              <a:t>71/</a:t>
+            </a:r>
+            <a:r>
+              <a:rPr lang="en-US" sz="1400" dirty="0" err="1">
+                <a:solidFill>
+                  <a:srgbClr val="9510E4"/>
+                </a:solidFill>
+              </a:rPr>
+              <a:t>wk</a:t>
+            </a:r>
+            <a:r>
+              <a:rPr lang="en-US" sz="1400" dirty="0">
+                <a:solidFill>
+                  <a:srgbClr val="9510E4"/>
+                </a:solidFill>
+              </a:rPr>
+              <a:t> </a:t>
+            </a:r>
+            <a:r>
+              <a:rPr lang="en-US" sz="1400" dirty="0" smtClean="0">
+                <a:solidFill>
+                  <a:srgbClr val="9510E4"/>
+                </a:solidFill>
+              </a:rPr>
+              <a:t>   ****</a:t>
+            </a:r>
+            <a:r>
+              <a:rPr lang="en-US" sz="1400" dirty="0" smtClean="0">
+                <a:solidFill>
+                  <a:schemeClr val="bg1">
+                    <a:lumMod val="65000"/>
+                  </a:schemeClr>
+                </a:solidFill>
+              </a:rPr>
+              <a:t>*</a:t>
+            </a:r>
+            <a:endParaRPr lang="en-AU" sz="1400" dirty="0">
               <a:solidFill>
                 <a:srgbClr val="9510E4"/>
               </a:solidFill>
@@ -4195,14 +4363,14 @@
       </p:sp>
       <p:sp>
         <p:nvSpPr>
-          <p:cNvPr id="41" name="TextBox 40"/>
+          <p:cNvPr id="42" name="TextBox 41"/>
           <p:cNvSpPr txBox="1"/>
           <p:nvPr/>
         </p:nvSpPr>
         <p:spPr>
           <a:xfrm>
-            <a:off x="7046760" y="2755355"/>
-            <a:ext cx="2537423" cy="369332"/>
+            <a:off x="7069672" y="3387644"/>
+            <a:ext cx="2594516" cy="307777"/>
           </a:xfrm>
           <a:prstGeom prst="rect">
             <a:avLst/>
@@ -4216,7 +4384,7 @@
           <a:lstStyle/>
           <a:p>
             <a:r>
-              <a:rPr lang="en-US" dirty="0" err="1" smtClean="0">
+              <a:rPr lang="en-US" sz="1400" dirty="0" err="1" smtClean="0">
                 <a:solidFill>
                   <a:schemeClr val="tx1">
                     <a:lumMod val="50000"/>
@@ -4224,10 +4392,10 @@
                   </a:schemeClr>
                 </a:solidFill>
               </a:rPr>
-              <a:t>BikeB</a:t>
-            </a:r>
-            <a:r>
-              <a:rPr lang="en-US" dirty="0" smtClean="0">
+              <a:t>BikeP</a:t>
+            </a:r>
+            <a:r>
+              <a:rPr lang="en-US" sz="1400" dirty="0" smtClean="0">
                 <a:solidFill>
                   <a:schemeClr val="tx1">
                     <a:lumMod val="50000"/>
@@ -4235,25 +4403,59 @@
                   </a:schemeClr>
                 </a:solidFill>
               </a:rPr>
-              <a:t>     Cat-a     </a:t>
-            </a:r>
-            <a:r>
-              <a:rPr lang="en-US" dirty="0" smtClean="0">
+              <a:t>     Cat-b     </a:t>
+            </a:r>
+            <a:r>
+              <a:rPr lang="en-US" sz="1400" dirty="0" smtClean="0">
                 <a:solidFill>
                   <a:srgbClr val="9510E4"/>
                 </a:solidFill>
               </a:rPr>
-              <a:t> $71/</a:t>
-            </a:r>
-            <a:r>
-              <a:rPr lang="en-US" dirty="0" err="1" smtClean="0">
+              <a:t> $</a:t>
+            </a:r>
+            <a:r>
+              <a:rPr lang="en-US" sz="1400" dirty="0" smtClean="0">
                 <a:solidFill>
                   <a:srgbClr val="9510E4"/>
                 </a:solidFill>
               </a:rPr>
+              <a:t>65/</a:t>
+            </a:r>
+            <a:r>
+              <a:rPr lang="en-US" sz="1400" dirty="0" err="1" smtClean="0">
+                <a:solidFill>
+                  <a:srgbClr val="9510E4"/>
+                </a:solidFill>
+              </a:rPr>
               <a:t>wk</a:t>
             </a:r>
-            <a:endParaRPr lang="en-AU" dirty="0">
+            <a:r>
+              <a:rPr lang="en-US" sz="1400" dirty="0">
+                <a:solidFill>
+                  <a:srgbClr val="9510E4"/>
+                </a:solidFill>
+              </a:rPr>
+              <a:t>   </a:t>
+            </a:r>
+            <a:r>
+              <a:rPr lang="en-US" sz="1400" dirty="0" smtClean="0">
+                <a:solidFill>
+                  <a:srgbClr val="9510E4"/>
+                </a:solidFill>
+              </a:rPr>
+              <a:t> ***</a:t>
+            </a:r>
+            <a:r>
+              <a:rPr lang="en-US" sz="1400" dirty="0" smtClean="0">
+                <a:solidFill>
+                  <a:schemeClr val="bg1">
+                    <a:lumMod val="65000"/>
+                  </a:schemeClr>
+                </a:solidFill>
+              </a:rPr>
+              <a:t>**</a:t>
+            </a:r>
+            <a:endParaRPr lang="en-AU" sz="1400" dirty="0">
               <a:solidFill>
                 <a:srgbClr val="9510E4"/>
               </a:solidFill>
@@ -4263,14 +4465,14 @@
       </p:sp>
       <p:sp>
         <p:nvSpPr>
-          <p:cNvPr id="42" name="TextBox 41"/>
+          <p:cNvPr id="43" name="TextBox 42"/>
           <p:cNvSpPr txBox="1"/>
           <p:nvPr/>
         </p:nvSpPr>
         <p:spPr>
           <a:xfrm>
-            <a:off x="7069672" y="3387644"/>
-            <a:ext cx="2537423" cy="369332"/>
+            <a:off x="7062273" y="4065439"/>
+            <a:ext cx="2636486" cy="307777"/>
           </a:xfrm>
           <a:prstGeom prst="rect">
             <a:avLst/>
@@ -4284,7 +4486,7 @@
           <a:lstStyle/>
           <a:p>
             <a:r>
-              <a:rPr lang="en-US" dirty="0" err="1" smtClean="0">
+              <a:rPr lang="en-US" sz="1400" dirty="0" err="1" smtClean="0">
                 <a:solidFill>
                   <a:schemeClr val="tx1">
                     <a:lumMod val="50000"/>
@@ -4292,10 +4494,10 @@
                   </a:schemeClr>
                 </a:solidFill>
               </a:rPr>
-              <a:t>BikeP</a:t>
-            </a:r>
-            <a:r>
-              <a:rPr lang="en-US" dirty="0" smtClean="0">
+              <a:t>BikeQ</a:t>
+            </a:r>
+            <a:r>
+              <a:rPr lang="en-US" sz="1400" dirty="0" smtClean="0">
                 <a:solidFill>
                   <a:schemeClr val="tx1">
                     <a:lumMod val="50000"/>
@@ -4303,25 +4505,86 @@
                   </a:schemeClr>
                 </a:solidFill>
               </a:rPr>
-              <a:t>     Cat-b     </a:t>
-            </a:r>
-            <a:r>
-              <a:rPr lang="en-US" dirty="0" smtClean="0">
+              <a:t>     </a:t>
+            </a:r>
+            <a:r>
+              <a:rPr lang="en-US" sz="1400" dirty="0" smtClean="0">
+                <a:solidFill>
+                  <a:schemeClr val="tx1">
+                    <a:lumMod val="50000"/>
+                    <a:lumOff val="50000"/>
+                  </a:schemeClr>
+                </a:solidFill>
+              </a:rPr>
+              <a:t>Cat-b    </a:t>
+            </a:r>
+            <a:r>
+              <a:rPr lang="en-US" sz="1400" dirty="0" smtClean="0">
                 <a:solidFill>
                   <a:srgbClr val="9510E4"/>
                 </a:solidFill>
               </a:rPr>
-              <a:t> $65/</a:t>
-            </a:r>
-            <a:r>
-              <a:rPr lang="en-US" dirty="0" err="1" smtClean="0">
+              <a:t> </a:t>
+            </a:r>
+            <a:r>
+              <a:rPr lang="en-US" sz="1400" dirty="0" smtClean="0">
                 <a:solidFill>
                   <a:srgbClr val="9510E4"/>
                 </a:solidFill>
               </a:rPr>
+              <a:t>$</a:t>
+            </a:r>
+            <a:r>
+              <a:rPr lang="en-US" sz="1400" dirty="0" smtClean="0">
+                <a:solidFill>
+                  <a:srgbClr val="9510E4"/>
+                </a:solidFill>
+              </a:rPr>
+              <a:t>35/</a:t>
+            </a:r>
+            <a:r>
+              <a:rPr lang="en-US" sz="1400" dirty="0" err="1" smtClean="0">
+                <a:solidFill>
+                  <a:srgbClr val="9510E4"/>
+                </a:solidFill>
+              </a:rPr>
               <a:t>wk</a:t>
             </a:r>
-            <a:endParaRPr lang="en-AU" dirty="0">
+            <a:r>
+              <a:rPr lang="en-US" sz="1400" dirty="0" smtClean="0">
+                <a:solidFill>
+                  <a:srgbClr val="9510E4"/>
+                </a:solidFill>
+              </a:rPr>
+              <a:t> </a:t>
+            </a:r>
+            <a:r>
+              <a:rPr lang="en-US" sz="1400" dirty="0" smtClean="0">
+                <a:solidFill>
+                  <a:srgbClr val="9510E4"/>
+                </a:solidFill>
+              </a:rPr>
+              <a:t>   </a:t>
+            </a:r>
+            <a:r>
+              <a:rPr lang="en-US" sz="1400" dirty="0">
+                <a:solidFill>
+                  <a:srgbClr val="9510E4"/>
+                </a:solidFill>
+              </a:rPr>
+              <a:t>****</a:t>
+            </a:r>
+            <a:r>
+              <a:rPr lang="en-US" sz="1400" dirty="0">
+                <a:solidFill>
+                  <a:schemeClr val="bg1">
+                    <a:lumMod val="65000"/>
+                  </a:schemeClr>
+                </a:solidFill>
+              </a:rPr>
+              <a:t>*</a:t>
+            </a:r>
+            <a:endParaRPr lang="en-AU" sz="1400" dirty="0">
               <a:solidFill>
                 <a:srgbClr val="9510E4"/>
               </a:solidFill>
@@ -4331,14 +4594,14 @@
       </p:sp>
       <p:sp>
         <p:nvSpPr>
-          <p:cNvPr id="43" name="TextBox 42"/>
+          <p:cNvPr id="44" name="TextBox 43"/>
           <p:cNvSpPr txBox="1"/>
           <p:nvPr/>
         </p:nvSpPr>
         <p:spPr>
           <a:xfrm>
-            <a:off x="7062273" y="4057648"/>
-            <a:ext cx="2537423" cy="369332"/>
+            <a:off x="7029158" y="4697728"/>
+            <a:ext cx="2635030" cy="307777"/>
           </a:xfrm>
           <a:prstGeom prst="rect">
             <a:avLst/>
@@ -4352,7 +4615,7 @@
           <a:lstStyle/>
           <a:p>
             <a:r>
-              <a:rPr lang="en-US" dirty="0" err="1" smtClean="0">
+              <a:rPr lang="en-US" sz="1400" dirty="0" err="1" smtClean="0">
                 <a:solidFill>
                   <a:schemeClr val="tx1">
                     <a:lumMod val="50000"/>
@@ -4360,10 +4623,10 @@
                   </a:schemeClr>
                 </a:solidFill>
               </a:rPr>
-              <a:t>BikeQ</a:t>
-            </a:r>
-            <a:r>
-              <a:rPr lang="en-US" dirty="0" smtClean="0">
+              <a:t>BikeD</a:t>
+            </a:r>
+            <a:r>
+              <a:rPr lang="en-US" sz="1400" dirty="0" smtClean="0">
                 <a:solidFill>
                   <a:schemeClr val="tx1">
                     <a:lumMod val="50000"/>
@@ -4371,93 +4634,59 @@
                   </a:schemeClr>
                 </a:solidFill>
               </a:rPr>
-              <a:t>     Cat-b     </a:t>
-            </a:r>
-            <a:r>
-              <a:rPr lang="en-US" dirty="0" smtClean="0">
+              <a:t>     Cat-a     </a:t>
+            </a:r>
+            <a:r>
+              <a:rPr lang="en-US" sz="1400" dirty="0" smtClean="0">
                 <a:solidFill>
                   <a:srgbClr val="9510E4"/>
                 </a:solidFill>
               </a:rPr>
-              <a:t> $35/</a:t>
-            </a:r>
-            <a:r>
-              <a:rPr lang="en-US" dirty="0" err="1" smtClean="0">
+              <a:t> $</a:t>
+            </a:r>
+            <a:r>
+              <a:rPr lang="en-US" sz="1400" dirty="0" smtClean="0">
                 <a:solidFill>
                   <a:srgbClr val="9510E4"/>
                 </a:solidFill>
               </a:rPr>
+              <a:t>15/</a:t>
+            </a:r>
+            <a:r>
+              <a:rPr lang="en-US" sz="1400" dirty="0" err="1" smtClean="0">
+                <a:solidFill>
+                  <a:srgbClr val="9510E4"/>
+                </a:solidFill>
+              </a:rPr>
               <a:t>wk</a:t>
             </a:r>
-            <a:endParaRPr lang="en-AU" dirty="0">
-              <a:solidFill>
-                <a:srgbClr val="9510E4"/>
-              </a:solidFill>
-            </a:endParaRPr>
-          </a:p>
-        </p:txBody>
-      </p:sp>
-      <p:sp>
-        <p:nvSpPr>
-          <p:cNvPr id="44" name="TextBox 43"/>
-          <p:cNvSpPr txBox="1"/>
-          <p:nvPr/>
-        </p:nvSpPr>
-        <p:spPr>
-          <a:xfrm>
-            <a:off x="7029158" y="4697728"/>
-            <a:ext cx="2537423" cy="369332"/>
-          </a:xfrm>
-          <a:prstGeom prst="rect">
-            <a:avLst/>
-          </a:prstGeom>
-          <a:noFill/>
-        </p:spPr>
-        <p:txBody>
-          <a:bodyPr wrap="square" rtlCol="0">
-            <a:spAutoFit/>
-          </a:bodyPr>
-          <a:lstStyle/>
-          <a:p>
-            <a:r>
-              <a:rPr lang="en-US" dirty="0" err="1" smtClean="0">
-                <a:solidFill>
-                  <a:schemeClr val="tx1">
-                    <a:lumMod val="50000"/>
-                    <a:lumOff val="50000"/>
+            <a:r>
+              <a:rPr lang="en-US" sz="1400" dirty="0">
+                <a:solidFill>
+                  <a:srgbClr val="9510E4"/>
+                </a:solidFill>
+              </a:rPr>
+              <a:t>  </a:t>
+            </a:r>
+            <a:r>
+              <a:rPr lang="en-US" sz="1400" dirty="0" smtClean="0">
+                <a:solidFill>
+                  <a:srgbClr val="9510E4"/>
+                </a:solidFill>
+              </a:rPr>
+              <a:t>  **</a:t>
+            </a:r>
+            <a:r>
+              <a:rPr lang="en-US" sz="1400" dirty="0" smtClean="0">
+                <a:solidFill>
+                  <a:schemeClr val="bg1">
+                    <a:lumMod val="65000"/>
                   </a:schemeClr>
                 </a:solidFill>
               </a:rPr>
-              <a:t>BikeD</a:t>
-            </a:r>
-            <a:r>
-              <a:rPr lang="en-US" dirty="0" smtClean="0">
-                <a:solidFill>
-                  <a:schemeClr val="tx1">
-                    <a:lumMod val="50000"/>
-                    <a:lumOff val="50000"/>
-                  </a:schemeClr>
-                </a:solidFill>
-              </a:rPr>
-              <a:t>     Cat-a     </a:t>
-            </a:r>
-            <a:r>
-              <a:rPr lang="en-US" dirty="0" smtClean="0">
-                <a:solidFill>
-                  <a:srgbClr val="9510E4"/>
-                </a:solidFill>
-              </a:rPr>
-              <a:t> $15/</a:t>
-            </a:r>
-            <a:r>
-              <a:rPr lang="en-US" dirty="0" err="1" smtClean="0">
-                <a:solidFill>
-                  <a:srgbClr val="9510E4"/>
-                </a:solidFill>
-              </a:rPr>
-              <a:t>wk</a:t>
-            </a:r>
-            <a:endParaRPr lang="en-AU" dirty="0">
+              <a:t>***</a:t>
+            </a:r>
+            <a:endParaRPr lang="en-AU" sz="1400" dirty="0">
               <a:solidFill>
                 <a:srgbClr val="9510E4"/>
               </a:solidFill>
@@ -4495,1142 +4724,6 @@
           <a:chExt cx="0" cy="0"/>
         </a:xfrm>
       </p:grpSpPr>
-      <p:sp>
-        <p:nvSpPr>
-          <p:cNvPr id="12" name="Rounded Rectangle 11"/>
-          <p:cNvSpPr/>
-          <p:nvPr/>
-        </p:nvSpPr>
-        <p:spPr>
-          <a:xfrm>
-            <a:off x="6251199" y="566056"/>
-            <a:ext cx="3425371" cy="5950857"/>
-          </a:xfrm>
-          <a:prstGeom prst="roundRect">
-            <a:avLst/>
-          </a:prstGeom>
-          <a:solidFill>
-            <a:srgbClr val="FFFAFF"/>
-          </a:solidFill>
-          <a:ln w="38100">
-            <a:solidFill>
-              <a:schemeClr val="tx1">
-                <a:lumMod val="50000"/>
-                <a:lumOff val="50000"/>
-              </a:schemeClr>
-            </a:solidFill>
-          </a:ln>
-        </p:spPr>
-        <p:style>
-          <a:lnRef idx="2">
-            <a:schemeClr val="accent1">
-              <a:shade val="50000"/>
-            </a:schemeClr>
-          </a:lnRef>
-          <a:fillRef idx="1">
-            <a:schemeClr val="accent1"/>
-          </a:fillRef>
-          <a:effectRef idx="0">
-            <a:schemeClr val="accent1"/>
-          </a:effectRef>
-          <a:fontRef idx="minor">
-            <a:schemeClr val="lt1"/>
-          </a:fontRef>
-        </p:style>
-        <p:txBody>
-          <a:bodyPr rtlCol="0" anchor="ctr"/>
-          <a:lstStyle/>
-          <a:p>
-            <a:pPr algn="ctr"/>
-            <a:endParaRPr lang="en-AU" dirty="0"/>
-          </a:p>
-        </p:txBody>
-      </p:sp>
-      <p:sp>
-        <p:nvSpPr>
-          <p:cNvPr id="13" name="TextBox 12"/>
-          <p:cNvSpPr txBox="1"/>
-          <p:nvPr/>
-        </p:nvSpPr>
-        <p:spPr>
-          <a:xfrm>
-            <a:off x="6251199" y="1089659"/>
-            <a:ext cx="3425371" cy="461665"/>
-          </a:xfrm>
-          <a:prstGeom prst="rect">
-            <a:avLst/>
-          </a:prstGeom>
-          <a:noFill/>
-        </p:spPr>
-        <p:txBody>
-          <a:bodyPr wrap="square" rtlCol="0">
-            <a:spAutoFit/>
-          </a:bodyPr>
-          <a:lstStyle/>
-          <a:p>
-            <a:pPr algn="ctr"/>
-            <a:r>
-              <a:rPr lang="en-US" sz="2400" b="1" dirty="0" smtClean="0">
-                <a:solidFill>
-                  <a:schemeClr val="tx1">
-                    <a:lumMod val="50000"/>
-                    <a:lumOff val="50000"/>
-                  </a:schemeClr>
-                </a:solidFill>
-              </a:rPr>
-              <a:t>Welcome </a:t>
-            </a:r>
-            <a:r>
-              <a:rPr lang="en-US" sz="2400" b="1" dirty="0" err="1" smtClean="0">
-                <a:solidFill>
-                  <a:schemeClr val="tx1">
-                    <a:lumMod val="50000"/>
-                    <a:lumOff val="50000"/>
-                  </a:schemeClr>
-                </a:solidFill>
-              </a:rPr>
-              <a:t>OwnerFName</a:t>
-            </a:r>
-            <a:endParaRPr lang="en-AU" sz="2400" b="1" dirty="0">
-              <a:solidFill>
-                <a:schemeClr val="tx1">
-                  <a:lumMod val="50000"/>
-                  <a:lumOff val="50000"/>
-                </a:schemeClr>
-              </a:solidFill>
-            </a:endParaRPr>
-          </a:p>
-        </p:txBody>
-      </p:sp>
-      <p:sp>
-        <p:nvSpPr>
-          <p:cNvPr id="18" name="Rounded Rectangle 17"/>
-          <p:cNvSpPr/>
-          <p:nvPr/>
-        </p:nvSpPr>
-        <p:spPr>
-          <a:xfrm>
-            <a:off x="6375495" y="5502147"/>
-            <a:ext cx="3176778" cy="509526"/>
-          </a:xfrm>
-          <a:prstGeom prst="roundRect">
-            <a:avLst/>
-          </a:prstGeom>
-          <a:solidFill>
-            <a:srgbClr val="9510E4"/>
-          </a:solidFill>
-          <a:ln>
-            <a:noFill/>
-          </a:ln>
-        </p:spPr>
-        <p:style>
-          <a:lnRef idx="2">
-            <a:schemeClr val="accent1">
-              <a:shade val="50000"/>
-            </a:schemeClr>
-          </a:lnRef>
-          <a:fillRef idx="1">
-            <a:schemeClr val="accent1"/>
-          </a:fillRef>
-          <a:effectRef idx="0">
-            <a:schemeClr val="accent1"/>
-          </a:effectRef>
-          <a:fontRef idx="minor">
-            <a:schemeClr val="lt1"/>
-          </a:fontRef>
-        </p:style>
-        <p:txBody>
-          <a:bodyPr rtlCol="0" anchor="ctr"/>
-          <a:lstStyle/>
-          <a:p>
-            <a:pPr algn="ctr"/>
-            <a:r>
-              <a:rPr lang="en-US" sz="2800" b="1" dirty="0"/>
-              <a:t>List a New Bike</a:t>
-            </a:r>
-            <a:endParaRPr lang="en-AU" sz="2800" b="1" dirty="0"/>
-          </a:p>
-        </p:txBody>
-      </p:sp>
-      <p:sp>
-        <p:nvSpPr>
-          <p:cNvPr id="19" name="TextBox 18"/>
-          <p:cNvSpPr txBox="1"/>
-          <p:nvPr/>
-        </p:nvSpPr>
-        <p:spPr>
-          <a:xfrm>
-            <a:off x="6251198" y="1553909"/>
-            <a:ext cx="3425371" cy="369332"/>
-          </a:xfrm>
-          <a:prstGeom prst="rect">
-            <a:avLst/>
-          </a:prstGeom>
-          <a:noFill/>
-        </p:spPr>
-        <p:txBody>
-          <a:bodyPr wrap="square" rtlCol="0">
-            <a:spAutoFit/>
-          </a:bodyPr>
-          <a:lstStyle/>
-          <a:p>
-            <a:pPr algn="ctr"/>
-            <a:r>
-              <a:rPr lang="en-US" b="1" dirty="0">
-                <a:solidFill>
-                  <a:schemeClr val="tx1">
-                    <a:lumMod val="50000"/>
-                    <a:lumOff val="50000"/>
-                  </a:schemeClr>
-                </a:solidFill>
-              </a:rPr>
-              <a:t>Y</a:t>
-            </a:r>
-            <a:r>
-              <a:rPr lang="en-US" b="1" dirty="0" smtClean="0">
-                <a:solidFill>
-                  <a:schemeClr val="tx1">
-                    <a:lumMod val="50000"/>
-                    <a:lumOff val="50000"/>
-                  </a:schemeClr>
-                </a:solidFill>
-              </a:rPr>
-              <a:t>our E-Bikes on </a:t>
-            </a:r>
-            <a:r>
-              <a:rPr lang="en-US" b="1" dirty="0" smtClean="0">
-                <a:solidFill>
-                  <a:srgbClr val="9510E4"/>
-                </a:solidFill>
-              </a:rPr>
-              <a:t>Micro2Move</a:t>
-            </a:r>
-            <a:endParaRPr lang="en-AU" b="1" dirty="0">
-              <a:solidFill>
-                <a:srgbClr val="9510E4"/>
-              </a:solidFill>
-            </a:endParaRPr>
-          </a:p>
-        </p:txBody>
-      </p:sp>
-      <p:sp>
-        <p:nvSpPr>
-          <p:cNvPr id="20" name="Rectangle 19"/>
-          <p:cNvSpPr/>
-          <p:nvPr/>
-        </p:nvSpPr>
-        <p:spPr>
-          <a:xfrm>
-            <a:off x="9551974" y="1980057"/>
-            <a:ext cx="84895" cy="3200139"/>
-          </a:xfrm>
-          <a:prstGeom prst="rect">
-            <a:avLst/>
-          </a:prstGeom>
-          <a:solidFill>
-            <a:srgbClr val="FFE1FF"/>
-          </a:solidFill>
-          <a:ln>
-            <a:noFill/>
-          </a:ln>
-        </p:spPr>
-        <p:style>
-          <a:lnRef idx="2">
-            <a:schemeClr val="accent1">
-              <a:shade val="50000"/>
-            </a:schemeClr>
-          </a:lnRef>
-          <a:fillRef idx="1">
-            <a:schemeClr val="accent1"/>
-          </a:fillRef>
-          <a:effectRef idx="0">
-            <a:schemeClr val="accent1"/>
-          </a:effectRef>
-          <a:fontRef idx="minor">
-            <a:schemeClr val="lt1"/>
-          </a:fontRef>
-        </p:style>
-        <p:txBody>
-          <a:bodyPr rtlCol="0" anchor="ctr"/>
-          <a:lstStyle/>
-          <a:p>
-            <a:pPr algn="ctr"/>
-            <a:endParaRPr lang="en-AU"/>
-          </a:p>
-        </p:txBody>
-      </p:sp>
-      <p:sp>
-        <p:nvSpPr>
-          <p:cNvPr id="21" name="Rectangle 20"/>
-          <p:cNvSpPr/>
-          <p:nvPr/>
-        </p:nvSpPr>
-        <p:spPr>
-          <a:xfrm>
-            <a:off x="9559183" y="2017226"/>
-            <a:ext cx="50000" cy="561075"/>
-          </a:xfrm>
-          <a:prstGeom prst="rect">
-            <a:avLst/>
-          </a:prstGeom>
-          <a:solidFill>
-            <a:srgbClr val="FFC3FF"/>
-          </a:solidFill>
-          <a:ln>
-            <a:noFill/>
-          </a:ln>
-        </p:spPr>
-        <p:style>
-          <a:lnRef idx="2">
-            <a:schemeClr val="accent1">
-              <a:shade val="50000"/>
-            </a:schemeClr>
-          </a:lnRef>
-          <a:fillRef idx="1">
-            <a:schemeClr val="accent1"/>
-          </a:fillRef>
-          <a:effectRef idx="0">
-            <a:schemeClr val="accent1"/>
-          </a:effectRef>
-          <a:fontRef idx="minor">
-            <a:schemeClr val="lt1"/>
-          </a:fontRef>
-        </p:style>
-        <p:txBody>
-          <a:bodyPr rtlCol="0" anchor="ctr"/>
-          <a:lstStyle/>
-          <a:p>
-            <a:pPr algn="ctr"/>
-            <a:endParaRPr lang="en-AU"/>
-          </a:p>
-        </p:txBody>
-      </p:sp>
-      <p:sp>
-        <p:nvSpPr>
-          <p:cNvPr id="25" name="Rectangle 24"/>
-          <p:cNvSpPr/>
-          <p:nvPr/>
-        </p:nvSpPr>
-        <p:spPr>
-          <a:xfrm>
-            <a:off x="6375495" y="1986424"/>
-            <a:ext cx="3164399" cy="632289"/>
-          </a:xfrm>
-          <a:prstGeom prst="rect">
-            <a:avLst/>
-          </a:prstGeom>
-          <a:solidFill>
-            <a:srgbClr val="FFEBFF"/>
-          </a:solidFill>
-          <a:ln>
-            <a:noFill/>
-          </a:ln>
-        </p:spPr>
-        <p:style>
-          <a:lnRef idx="2">
-            <a:schemeClr val="accent1">
-              <a:shade val="50000"/>
-            </a:schemeClr>
-          </a:lnRef>
-          <a:fillRef idx="1">
-            <a:schemeClr val="accent1"/>
-          </a:fillRef>
-          <a:effectRef idx="0">
-            <a:schemeClr val="accent1"/>
-          </a:effectRef>
-          <a:fontRef idx="minor">
-            <a:schemeClr val="lt1"/>
-          </a:fontRef>
-        </p:style>
-        <p:txBody>
-          <a:bodyPr rtlCol="0" anchor="ctr"/>
-          <a:lstStyle/>
-          <a:p>
-            <a:pPr algn="ctr"/>
-            <a:endParaRPr lang="en-AU"/>
-          </a:p>
-        </p:txBody>
-      </p:sp>
-      <p:pic>
-        <p:nvPicPr>
-          <p:cNvPr id="23" name="Picture 22"/>
-          <p:cNvPicPr>
-            <a:picLocks noChangeAspect="1"/>
-          </p:cNvPicPr>
-          <p:nvPr/>
-        </p:nvPicPr>
-        <p:blipFill rotWithShape="1">
-          <a:blip r:embed="rId2"/>
-          <a:srcRect l="35787" t="7837" b="12703"/>
-          <a:stretch/>
-        </p:blipFill>
-        <p:spPr>
-          <a:xfrm>
-            <a:off x="6440266" y="2041291"/>
-            <a:ext cx="562100" cy="522553"/>
-          </a:xfrm>
-          <a:prstGeom prst="ellipse">
-            <a:avLst/>
-          </a:prstGeom>
-          <a:ln w="63500" cap="rnd">
-            <a:noFill/>
-          </a:ln>
-          <a:effectLst>
-            <a:outerShdw blurRad="381000" dist="292100" dir="5400000" sx="-80000" sy="-18000" rotWithShape="0">
-              <a:srgbClr val="000000">
-                <a:alpha val="0"/>
-              </a:srgbClr>
-            </a:outerShdw>
-          </a:effectLst>
-          <a:scene3d>
-            <a:camera prst="orthographicFront"/>
-            <a:lightRig rig="contrasting" dir="t">
-              <a:rot lat="0" lon="0" rev="3000000"/>
-            </a:lightRig>
-          </a:scene3d>
-          <a:sp3d contourW="7620">
-            <a:bevelT w="95250" h="31750"/>
-            <a:contourClr>
-              <a:srgbClr val="333333"/>
-            </a:contourClr>
-          </a:sp3d>
-        </p:spPr>
-      </p:pic>
-      <p:sp>
-        <p:nvSpPr>
-          <p:cNvPr id="26" name="Rectangle 25"/>
-          <p:cNvSpPr/>
-          <p:nvPr/>
-        </p:nvSpPr>
-        <p:spPr>
-          <a:xfrm>
-            <a:off x="6375495" y="2626504"/>
-            <a:ext cx="3164399" cy="632289"/>
-          </a:xfrm>
-          <a:prstGeom prst="rect">
-            <a:avLst/>
-          </a:prstGeom>
-          <a:solidFill>
-            <a:srgbClr val="FFF5FF"/>
-          </a:solidFill>
-          <a:ln>
-            <a:noFill/>
-          </a:ln>
-        </p:spPr>
-        <p:style>
-          <a:lnRef idx="2">
-            <a:schemeClr val="accent1">
-              <a:shade val="50000"/>
-            </a:schemeClr>
-          </a:lnRef>
-          <a:fillRef idx="1">
-            <a:schemeClr val="accent1"/>
-          </a:fillRef>
-          <a:effectRef idx="0">
-            <a:schemeClr val="accent1"/>
-          </a:effectRef>
-          <a:fontRef idx="minor">
-            <a:schemeClr val="lt1"/>
-          </a:fontRef>
-        </p:style>
-        <p:txBody>
-          <a:bodyPr rtlCol="0" anchor="ctr"/>
-          <a:lstStyle/>
-          <a:p>
-            <a:pPr algn="ctr"/>
-            <a:endParaRPr lang="en-AU"/>
-          </a:p>
-        </p:txBody>
-      </p:sp>
-      <p:sp>
-        <p:nvSpPr>
-          <p:cNvPr id="28" name="Rectangle 27"/>
-          <p:cNvSpPr/>
-          <p:nvPr/>
-        </p:nvSpPr>
-        <p:spPr>
-          <a:xfrm>
-            <a:off x="6375494" y="3267747"/>
-            <a:ext cx="3164399" cy="632289"/>
-          </a:xfrm>
-          <a:prstGeom prst="rect">
-            <a:avLst/>
-          </a:prstGeom>
-          <a:solidFill>
-            <a:srgbClr val="FFEBFF"/>
-          </a:solidFill>
-          <a:ln>
-            <a:noFill/>
-          </a:ln>
-        </p:spPr>
-        <p:style>
-          <a:lnRef idx="2">
-            <a:schemeClr val="accent1">
-              <a:shade val="50000"/>
-            </a:schemeClr>
-          </a:lnRef>
-          <a:fillRef idx="1">
-            <a:schemeClr val="accent1"/>
-          </a:fillRef>
-          <a:effectRef idx="0">
-            <a:schemeClr val="accent1"/>
-          </a:effectRef>
-          <a:fontRef idx="minor">
-            <a:schemeClr val="lt1"/>
-          </a:fontRef>
-        </p:style>
-        <p:txBody>
-          <a:bodyPr rtlCol="0" anchor="ctr"/>
-          <a:lstStyle/>
-          <a:p>
-            <a:pPr algn="ctr"/>
-            <a:endParaRPr lang="en-AU"/>
-          </a:p>
-        </p:txBody>
-      </p:sp>
-      <p:sp>
-        <p:nvSpPr>
-          <p:cNvPr id="30" name="Rectangle 29"/>
-          <p:cNvSpPr/>
-          <p:nvPr/>
-        </p:nvSpPr>
-        <p:spPr>
-          <a:xfrm>
-            <a:off x="6375494" y="3907827"/>
-            <a:ext cx="3164399" cy="632289"/>
-          </a:xfrm>
-          <a:prstGeom prst="rect">
-            <a:avLst/>
-          </a:prstGeom>
-          <a:solidFill>
-            <a:srgbClr val="FFF5FF"/>
-          </a:solidFill>
-          <a:ln>
-            <a:noFill/>
-          </a:ln>
-        </p:spPr>
-        <p:style>
-          <a:lnRef idx="2">
-            <a:schemeClr val="accent1">
-              <a:shade val="50000"/>
-            </a:schemeClr>
-          </a:lnRef>
-          <a:fillRef idx="1">
-            <a:schemeClr val="accent1"/>
-          </a:fillRef>
-          <a:effectRef idx="0">
-            <a:schemeClr val="accent1"/>
-          </a:effectRef>
-          <a:fontRef idx="minor">
-            <a:schemeClr val="lt1"/>
-          </a:fontRef>
-        </p:style>
-        <p:txBody>
-          <a:bodyPr rtlCol="0" anchor="ctr"/>
-          <a:lstStyle/>
-          <a:p>
-            <a:pPr algn="ctr"/>
-            <a:endParaRPr lang="en-AU"/>
-          </a:p>
-        </p:txBody>
-      </p:sp>
-      <p:sp>
-        <p:nvSpPr>
-          <p:cNvPr id="32" name="Rectangle 31"/>
-          <p:cNvSpPr/>
-          <p:nvPr/>
-        </p:nvSpPr>
-        <p:spPr>
-          <a:xfrm>
-            <a:off x="6375494" y="4547907"/>
-            <a:ext cx="3164399" cy="632289"/>
-          </a:xfrm>
-          <a:prstGeom prst="rect">
-            <a:avLst/>
-          </a:prstGeom>
-          <a:solidFill>
-            <a:srgbClr val="FFEBFF"/>
-          </a:solidFill>
-          <a:ln>
-            <a:noFill/>
-          </a:ln>
-        </p:spPr>
-        <p:style>
-          <a:lnRef idx="2">
-            <a:schemeClr val="accent1">
-              <a:shade val="50000"/>
-            </a:schemeClr>
-          </a:lnRef>
-          <a:fillRef idx="1">
-            <a:schemeClr val="accent1"/>
-          </a:fillRef>
-          <a:effectRef idx="0">
-            <a:schemeClr val="accent1"/>
-          </a:effectRef>
-          <a:fontRef idx="minor">
-            <a:schemeClr val="lt1"/>
-          </a:fontRef>
-        </p:style>
-        <p:txBody>
-          <a:bodyPr rtlCol="0" anchor="ctr"/>
-          <a:lstStyle/>
-          <a:p>
-            <a:pPr algn="ctr"/>
-            <a:endParaRPr lang="en-AU"/>
-          </a:p>
-        </p:txBody>
-      </p:sp>
-      <p:pic>
-        <p:nvPicPr>
-          <p:cNvPr id="35" name="Picture 34"/>
-          <p:cNvPicPr>
-            <a:picLocks noChangeAspect="1"/>
-          </p:cNvPicPr>
-          <p:nvPr/>
-        </p:nvPicPr>
-        <p:blipFill rotWithShape="1">
-          <a:blip r:embed="rId3"/>
-          <a:srcRect l="28965" r="6291" b="7480"/>
-          <a:stretch/>
-        </p:blipFill>
-        <p:spPr>
-          <a:xfrm>
-            <a:off x="6440162" y="2677149"/>
-            <a:ext cx="562304" cy="553131"/>
-          </a:xfrm>
-          <a:prstGeom prst="ellipse">
-            <a:avLst/>
-          </a:prstGeom>
-          <a:ln w="63500" cap="rnd">
-            <a:noFill/>
-          </a:ln>
-          <a:effectLst>
-            <a:outerShdw blurRad="381000" dist="292100" dir="5400000" sx="-80000" sy="-18000" rotWithShape="0">
-              <a:srgbClr val="000000">
-                <a:alpha val="0"/>
-              </a:srgbClr>
-            </a:outerShdw>
-          </a:effectLst>
-          <a:scene3d>
-            <a:camera prst="orthographicFront"/>
-            <a:lightRig rig="contrasting" dir="t">
-              <a:rot lat="0" lon="0" rev="3000000"/>
-            </a:lightRig>
-          </a:scene3d>
-          <a:sp3d contourW="7620">
-            <a:bevelT w="95250" h="31750"/>
-            <a:contourClr>
-              <a:srgbClr val="333333"/>
-            </a:contourClr>
-          </a:sp3d>
-        </p:spPr>
-      </p:pic>
-      <p:pic>
-        <p:nvPicPr>
-          <p:cNvPr id="37" name="Picture 36"/>
-          <p:cNvPicPr>
-            <a:picLocks noChangeAspect="1"/>
-          </p:cNvPicPr>
-          <p:nvPr/>
-        </p:nvPicPr>
-        <p:blipFill>
-          <a:blip r:embed="rId4"/>
-          <a:stretch>
-            <a:fillRect/>
-          </a:stretch>
-        </p:blipFill>
-        <p:spPr>
-          <a:xfrm>
-            <a:off x="6440162" y="3326548"/>
-            <a:ext cx="576917" cy="543500"/>
-          </a:xfrm>
-          <a:prstGeom prst="ellipse">
-            <a:avLst/>
-          </a:prstGeom>
-          <a:ln w="63500" cap="rnd">
-            <a:noFill/>
-          </a:ln>
-          <a:effectLst>
-            <a:outerShdw blurRad="381000" dist="292100" dir="5400000" sx="-80000" sy="-18000" rotWithShape="0">
-              <a:srgbClr val="000000">
-                <a:alpha val="0"/>
-              </a:srgbClr>
-            </a:outerShdw>
-          </a:effectLst>
-          <a:scene3d>
-            <a:camera prst="orthographicFront"/>
-            <a:lightRig rig="contrasting" dir="t">
-              <a:rot lat="0" lon="0" rev="3000000"/>
-            </a:lightRig>
-          </a:scene3d>
-          <a:sp3d contourW="7620">
-            <a:bevelT w="95250" h="31750"/>
-            <a:contourClr>
-              <a:srgbClr val="333333"/>
-            </a:contourClr>
-          </a:sp3d>
-        </p:spPr>
-      </p:pic>
-      <p:pic>
-        <p:nvPicPr>
-          <p:cNvPr id="1032" name="Picture 8" descr="https://encrypted-tbn0.gstatic.com/images?q=tbn:ANd9GcRajqMZPxoY7U2VIDxwkOQVmI1zk_sYBKQpGoqOUrgC7LExtOUZqcJoy_Fippt5kxhf4fI&amp;s"/>
-          <p:cNvPicPr>
-            <a:picLocks noChangeAspect="1" noChangeArrowheads="1"/>
-          </p:cNvPicPr>
-          <p:nvPr/>
-        </p:nvPicPr>
-        <p:blipFill rotWithShape="1">
-          <a:blip r:embed="rId5">
-            <a:extLst>
-              <a:ext uri="{28A0092B-C50C-407E-A947-70E740481C1C}">
-                <a14:useLocalDpi xmlns:a14="http://schemas.microsoft.com/office/drawing/2010/main" val="0"/>
-              </a:ext>
-            </a:extLst>
-          </a:blip>
-          <a:srcRect l="17436" r="19486"/>
-          <a:stretch/>
-        </p:blipFill>
-        <p:spPr bwMode="auto">
-          <a:xfrm>
-            <a:off x="6440161" y="4594983"/>
-            <a:ext cx="576917" cy="527886"/>
-          </a:xfrm>
-          <a:prstGeom prst="ellipse">
-            <a:avLst/>
-          </a:prstGeom>
-          <a:ln w="63500" cap="rnd">
-            <a:noFill/>
-          </a:ln>
-          <a:effectLst>
-            <a:outerShdw blurRad="381000" dist="292100" dir="5400000" sx="-80000" sy="-18000" rotWithShape="0">
-              <a:srgbClr val="000000">
-                <a:alpha val="0"/>
-              </a:srgbClr>
-            </a:outerShdw>
-          </a:effectLst>
-          <a:scene3d>
-            <a:camera prst="orthographicFront"/>
-            <a:lightRig rig="contrasting" dir="t">
-              <a:rot lat="0" lon="0" rev="3000000"/>
-            </a:lightRig>
-          </a:scene3d>
-          <a:sp3d contourW="7620">
-            <a:bevelT w="95250" h="31750"/>
-            <a:contourClr>
-              <a:srgbClr val="333333"/>
-            </a:contourClr>
-          </a:sp3d>
-          <a:extLst>
-            <a:ext uri="{909E8E84-426E-40DD-AFC4-6F175D3DCCD1}">
-              <a14:hiddenFill xmlns:a14="http://schemas.microsoft.com/office/drawing/2010/main">
-                <a:solidFill>
-                  <a:srgbClr val="FFFFFF"/>
-                </a:solidFill>
-              </a14:hiddenFill>
-            </a:ext>
-          </a:extLst>
-        </p:spPr>
-      </p:pic>
-      <p:pic>
-        <p:nvPicPr>
-          <p:cNvPr id="1034" name="Picture 10" descr="https://encrypted-tbn0.gstatic.com/images?q=tbn:ANd9GcQ7yO2uk6-eQ4HTI1gXEQa4Cmy0cThMeQJLRkga7F5NuLaNgfb09kckDA&amp;s"/>
-          <p:cNvPicPr>
-            <a:picLocks noChangeAspect="1" noChangeArrowheads="1"/>
-          </p:cNvPicPr>
-          <p:nvPr/>
-        </p:nvPicPr>
-        <p:blipFill rotWithShape="1">
-          <a:blip r:embed="rId6">
-            <a:extLst>
-              <a:ext uri="{28A0092B-C50C-407E-A947-70E740481C1C}">
-                <a14:useLocalDpi xmlns:a14="http://schemas.microsoft.com/office/drawing/2010/main" val="0"/>
-              </a:ext>
-            </a:extLst>
-          </a:blip>
-          <a:srcRect l="17630" r="21500"/>
-          <a:stretch/>
-        </p:blipFill>
-        <p:spPr bwMode="auto">
-          <a:xfrm>
-            <a:off x="6420223" y="3933634"/>
-            <a:ext cx="602181" cy="580675"/>
-          </a:xfrm>
-          <a:prstGeom prst="ellipse">
-            <a:avLst/>
-          </a:prstGeom>
-          <a:ln w="63500" cap="rnd">
-            <a:noFill/>
-          </a:ln>
-          <a:effectLst>
-            <a:outerShdw blurRad="381000" dist="292100" dir="5400000" sx="-80000" sy="-18000" rotWithShape="0">
-              <a:srgbClr val="000000">
-                <a:alpha val="0"/>
-              </a:srgbClr>
-            </a:outerShdw>
-          </a:effectLst>
-          <a:scene3d>
-            <a:camera prst="orthographicFront"/>
-            <a:lightRig rig="contrasting" dir="t">
-              <a:rot lat="0" lon="0" rev="3000000"/>
-            </a:lightRig>
-          </a:scene3d>
-          <a:sp3d contourW="7620">
-            <a:bevelT w="95250" h="31750"/>
-            <a:contourClr>
-              <a:srgbClr val="333333"/>
-            </a:contourClr>
-          </a:sp3d>
-          <a:extLst>
-            <a:ext uri="{909E8E84-426E-40DD-AFC4-6F175D3DCCD1}">
-              <a14:hiddenFill xmlns:a14="http://schemas.microsoft.com/office/drawing/2010/main">
-                <a:solidFill>
-                  <a:srgbClr val="FFFFFF"/>
-                </a:solidFill>
-              </a14:hiddenFill>
-            </a:ext>
-          </a:extLst>
-        </p:spPr>
-      </p:pic>
-      <p:sp>
-        <p:nvSpPr>
-          <p:cNvPr id="40" name="TextBox 39"/>
-          <p:cNvSpPr txBox="1"/>
-          <p:nvPr/>
-        </p:nvSpPr>
-        <p:spPr>
-          <a:xfrm>
-            <a:off x="7067137" y="2100295"/>
-            <a:ext cx="2537423" cy="369332"/>
-          </a:xfrm>
-          <a:prstGeom prst="rect">
-            <a:avLst/>
-          </a:prstGeom>
-          <a:noFill/>
-        </p:spPr>
-        <p:txBody>
-          <a:bodyPr wrap="square" rtlCol="0">
-            <a:spAutoFit/>
-          </a:bodyPr>
-          <a:lstStyle/>
-          <a:p>
-            <a:r>
-              <a:rPr lang="en-US" dirty="0" err="1" smtClean="0">
-                <a:solidFill>
-                  <a:schemeClr val="tx1">
-                    <a:lumMod val="50000"/>
-                    <a:lumOff val="50000"/>
-                  </a:schemeClr>
-                </a:solidFill>
-              </a:rPr>
-              <a:t>BikeA</a:t>
-            </a:r>
-            <a:r>
-              <a:rPr lang="en-US" dirty="0" smtClean="0">
-                <a:solidFill>
-                  <a:schemeClr val="tx1">
-                    <a:lumMod val="50000"/>
-                    <a:lumOff val="50000"/>
-                  </a:schemeClr>
-                </a:solidFill>
-              </a:rPr>
-              <a:t>     Cat-a     </a:t>
-            </a:r>
-            <a:r>
-              <a:rPr lang="en-US" dirty="0" smtClean="0">
-                <a:solidFill>
-                  <a:srgbClr val="9510E4"/>
-                </a:solidFill>
-              </a:rPr>
-              <a:t> $85/</a:t>
-            </a:r>
-            <a:r>
-              <a:rPr lang="en-US" dirty="0" err="1" smtClean="0">
-                <a:solidFill>
-                  <a:srgbClr val="9510E4"/>
-                </a:solidFill>
-              </a:rPr>
-              <a:t>wk</a:t>
-            </a:r>
-            <a:endParaRPr lang="en-AU" dirty="0">
-              <a:solidFill>
-                <a:srgbClr val="9510E4"/>
-              </a:solidFill>
-            </a:endParaRPr>
-          </a:p>
-        </p:txBody>
-      </p:sp>
-      <p:sp>
-        <p:nvSpPr>
-          <p:cNvPr id="41" name="TextBox 40"/>
-          <p:cNvSpPr txBox="1"/>
-          <p:nvPr/>
-        </p:nvSpPr>
-        <p:spPr>
-          <a:xfrm>
-            <a:off x="7046760" y="2755355"/>
-            <a:ext cx="2537423" cy="369332"/>
-          </a:xfrm>
-          <a:prstGeom prst="rect">
-            <a:avLst/>
-          </a:prstGeom>
-          <a:noFill/>
-        </p:spPr>
-        <p:txBody>
-          <a:bodyPr wrap="square" rtlCol="0">
-            <a:spAutoFit/>
-          </a:bodyPr>
-          <a:lstStyle/>
-          <a:p>
-            <a:r>
-              <a:rPr lang="en-US" dirty="0" err="1" smtClean="0">
-                <a:solidFill>
-                  <a:schemeClr val="tx1">
-                    <a:lumMod val="50000"/>
-                    <a:lumOff val="50000"/>
-                  </a:schemeClr>
-                </a:solidFill>
-              </a:rPr>
-              <a:t>BikeB</a:t>
-            </a:r>
-            <a:r>
-              <a:rPr lang="en-US" dirty="0" smtClean="0">
-                <a:solidFill>
-                  <a:schemeClr val="tx1">
-                    <a:lumMod val="50000"/>
-                    <a:lumOff val="50000"/>
-                  </a:schemeClr>
-                </a:solidFill>
-              </a:rPr>
-              <a:t>     Cat-a     </a:t>
-            </a:r>
-            <a:r>
-              <a:rPr lang="en-US" dirty="0" smtClean="0">
-                <a:solidFill>
-                  <a:srgbClr val="9510E4"/>
-                </a:solidFill>
-              </a:rPr>
-              <a:t> $71/</a:t>
-            </a:r>
-            <a:r>
-              <a:rPr lang="en-US" dirty="0" err="1" smtClean="0">
-                <a:solidFill>
-                  <a:srgbClr val="9510E4"/>
-                </a:solidFill>
-              </a:rPr>
-              <a:t>wk</a:t>
-            </a:r>
-            <a:endParaRPr lang="en-AU" dirty="0">
-              <a:solidFill>
-                <a:srgbClr val="9510E4"/>
-              </a:solidFill>
-            </a:endParaRPr>
-          </a:p>
-        </p:txBody>
-      </p:sp>
-      <p:sp>
-        <p:nvSpPr>
-          <p:cNvPr id="42" name="TextBox 41"/>
-          <p:cNvSpPr txBox="1"/>
-          <p:nvPr/>
-        </p:nvSpPr>
-        <p:spPr>
-          <a:xfrm>
-            <a:off x="7069672" y="3387644"/>
-            <a:ext cx="2537423" cy="369332"/>
-          </a:xfrm>
-          <a:prstGeom prst="rect">
-            <a:avLst/>
-          </a:prstGeom>
-          <a:noFill/>
-        </p:spPr>
-        <p:txBody>
-          <a:bodyPr wrap="square" rtlCol="0">
-            <a:spAutoFit/>
-          </a:bodyPr>
-          <a:lstStyle/>
-          <a:p>
-            <a:r>
-              <a:rPr lang="en-US" dirty="0" err="1" smtClean="0">
-                <a:solidFill>
-                  <a:schemeClr val="tx1">
-                    <a:lumMod val="50000"/>
-                    <a:lumOff val="50000"/>
-                  </a:schemeClr>
-                </a:solidFill>
-              </a:rPr>
-              <a:t>BikeP</a:t>
-            </a:r>
-            <a:r>
-              <a:rPr lang="en-US" dirty="0" smtClean="0">
-                <a:solidFill>
-                  <a:schemeClr val="tx1">
-                    <a:lumMod val="50000"/>
-                    <a:lumOff val="50000"/>
-                  </a:schemeClr>
-                </a:solidFill>
-              </a:rPr>
-              <a:t>     Cat-b     </a:t>
-            </a:r>
-            <a:r>
-              <a:rPr lang="en-US" dirty="0" smtClean="0">
-                <a:solidFill>
-                  <a:srgbClr val="9510E4"/>
-                </a:solidFill>
-              </a:rPr>
-              <a:t> $65/</a:t>
-            </a:r>
-            <a:r>
-              <a:rPr lang="en-US" dirty="0" err="1" smtClean="0">
-                <a:solidFill>
-                  <a:srgbClr val="9510E4"/>
-                </a:solidFill>
-              </a:rPr>
-              <a:t>wk</a:t>
-            </a:r>
-            <a:endParaRPr lang="en-AU" dirty="0">
-              <a:solidFill>
-                <a:srgbClr val="9510E4"/>
-              </a:solidFill>
-            </a:endParaRPr>
-          </a:p>
-        </p:txBody>
-      </p:sp>
-      <p:sp>
-        <p:nvSpPr>
-          <p:cNvPr id="43" name="TextBox 42"/>
-          <p:cNvSpPr txBox="1"/>
-          <p:nvPr/>
-        </p:nvSpPr>
-        <p:spPr>
-          <a:xfrm>
-            <a:off x="7062273" y="4057648"/>
-            <a:ext cx="2537423" cy="369332"/>
-          </a:xfrm>
-          <a:prstGeom prst="rect">
-            <a:avLst/>
-          </a:prstGeom>
-          <a:noFill/>
-        </p:spPr>
-        <p:txBody>
-          <a:bodyPr wrap="square" rtlCol="0">
-            <a:spAutoFit/>
-          </a:bodyPr>
-          <a:lstStyle/>
-          <a:p>
-            <a:r>
-              <a:rPr lang="en-US" dirty="0" err="1" smtClean="0">
-                <a:solidFill>
-                  <a:schemeClr val="tx1">
-                    <a:lumMod val="50000"/>
-                    <a:lumOff val="50000"/>
-                  </a:schemeClr>
-                </a:solidFill>
-              </a:rPr>
-              <a:t>BikeQ</a:t>
-            </a:r>
-            <a:r>
-              <a:rPr lang="en-US" dirty="0" smtClean="0">
-                <a:solidFill>
-                  <a:schemeClr val="tx1">
-                    <a:lumMod val="50000"/>
-                    <a:lumOff val="50000"/>
-                  </a:schemeClr>
-                </a:solidFill>
-              </a:rPr>
-              <a:t>     Cat-b     </a:t>
-            </a:r>
-            <a:r>
-              <a:rPr lang="en-US" dirty="0" smtClean="0">
-                <a:solidFill>
-                  <a:srgbClr val="9510E4"/>
-                </a:solidFill>
-              </a:rPr>
-              <a:t> $35/</a:t>
-            </a:r>
-            <a:r>
-              <a:rPr lang="en-US" dirty="0" err="1" smtClean="0">
-                <a:solidFill>
-                  <a:srgbClr val="9510E4"/>
-                </a:solidFill>
-              </a:rPr>
-              <a:t>wk</a:t>
-            </a:r>
-            <a:endParaRPr lang="en-AU" dirty="0">
-              <a:solidFill>
-                <a:srgbClr val="9510E4"/>
-              </a:solidFill>
-            </a:endParaRPr>
-          </a:p>
-        </p:txBody>
-      </p:sp>
-      <p:sp>
-        <p:nvSpPr>
-          <p:cNvPr id="44" name="TextBox 43"/>
-          <p:cNvSpPr txBox="1"/>
-          <p:nvPr/>
-        </p:nvSpPr>
-        <p:spPr>
-          <a:xfrm>
-            <a:off x="7029158" y="4697728"/>
-            <a:ext cx="2537423" cy="369332"/>
-          </a:xfrm>
-          <a:prstGeom prst="rect">
-            <a:avLst/>
-          </a:prstGeom>
-          <a:noFill/>
-        </p:spPr>
-        <p:txBody>
-          <a:bodyPr wrap="square" rtlCol="0">
-            <a:spAutoFit/>
-          </a:bodyPr>
-          <a:lstStyle/>
-          <a:p>
-            <a:r>
-              <a:rPr lang="en-US" dirty="0" err="1" smtClean="0">
-                <a:solidFill>
-                  <a:schemeClr val="tx1">
-                    <a:lumMod val="50000"/>
-                    <a:lumOff val="50000"/>
-                  </a:schemeClr>
-                </a:solidFill>
-              </a:rPr>
-              <a:t>BikeD</a:t>
-            </a:r>
-            <a:r>
-              <a:rPr lang="en-US" dirty="0" smtClean="0">
-                <a:solidFill>
-                  <a:schemeClr val="tx1">
-                    <a:lumMod val="50000"/>
-                    <a:lumOff val="50000"/>
-                  </a:schemeClr>
-                </a:solidFill>
-              </a:rPr>
-              <a:t>     Cat-a     </a:t>
-            </a:r>
-            <a:r>
-              <a:rPr lang="en-US" dirty="0" smtClean="0">
-                <a:solidFill>
-                  <a:srgbClr val="9510E4"/>
-                </a:solidFill>
-              </a:rPr>
-              <a:t> $15/</a:t>
-            </a:r>
-            <a:r>
-              <a:rPr lang="en-US" dirty="0" err="1" smtClean="0">
-                <a:solidFill>
-                  <a:srgbClr val="9510E4"/>
-                </a:solidFill>
-              </a:rPr>
-              <a:t>wk</a:t>
-            </a:r>
-            <a:endParaRPr lang="en-AU" dirty="0">
-              <a:solidFill>
-                <a:srgbClr val="9510E4"/>
-              </a:solidFill>
-            </a:endParaRPr>
-          </a:p>
-        </p:txBody>
-      </p:sp>
       <p:pic>
         <p:nvPicPr>
           <p:cNvPr id="2" name="Picture 1"/>
@@ -5640,7 +4733,7 @@
           <p:nvPr/>
         </p:nvPicPr>
         <p:blipFill>
-          <a:blip r:embed="rId7">
+          <a:blip r:embed="rId2">
             <a:extLst>
               <a:ext uri="{28A0092B-C50C-407E-A947-70E740481C1C}">
                 <a14:useLocalDpi xmlns:a14="http://schemas.microsoft.com/office/drawing/2010/main" val="0"/>
@@ -5765,6 +4858,36 @@
           </a:p>
         </p:txBody>
       </p:sp>
+      <p:pic>
+        <p:nvPicPr>
+          <p:cNvPr id="2" name="Picture 1"/>
+          <p:cNvPicPr>
+            <a:picLocks noChangeAspect="1"/>
+          </p:cNvPicPr>
+          <p:nvPr/>
+        </p:nvPicPr>
+        <p:blipFill>
+          <a:blip r:embed="rId3">
+            <a:extLst>
+              <a:ext uri="{28A0092B-C50C-407E-A947-70E740481C1C}">
+                <a14:useLocalDpi xmlns:a14="http://schemas.microsoft.com/office/drawing/2010/main" val="0"/>
+              </a:ext>
+            </a:extLst>
+          </a:blip>
+          <a:stretch>
+            <a:fillRect/>
+          </a:stretch>
+        </p:blipFill>
+        <p:spPr>
+          <a:xfrm>
+            <a:off x="6813776" y="131535"/>
+            <a:ext cx="3571875" cy="6362700"/>
+          </a:xfrm>
+          <a:prstGeom prst="rect">
+            <a:avLst/>
+          </a:prstGeom>
+        </p:spPr>
+      </p:pic>
     </p:spTree>
     <p:extLst>
       <p:ext uri="{BB962C8B-B14F-4D97-AF65-F5344CB8AC3E}">
@@ -5889,18 +5012,7 @@
                   </a:schemeClr>
                 </a:solidFill>
               </a:rPr>
-              <a:t>Rent</a:t>
-            </a:r>
-            <a:r>
-              <a:rPr lang="en-US" sz="2400" b="1" dirty="0" err="1" smtClean="0">
-                <a:solidFill>
-                  <a:schemeClr val="tx1">
-                    <a:lumMod val="50000"/>
-                    <a:lumOff val="50000"/>
-                  </a:schemeClr>
-                </a:solidFill>
-              </a:rPr>
-              <a:t>erFName</a:t>
+              <a:t>RenterFName</a:t>
             </a:r>
             <a:endParaRPr lang="en-AU" sz="2400" b="1" dirty="0">
               <a:solidFill>
@@ -5957,7 +5069,11 @@
             <a:pPr algn="ctr"/>
             <a:r>
               <a:rPr lang="en-US" sz="2800" b="1" dirty="0" smtClean="0"/>
-              <a:t>Book another </a:t>
+              <a:t>Book </a:t>
+            </a:r>
+            <a:r>
+              <a:rPr lang="en-US" sz="2800" b="1" dirty="0" smtClean="0"/>
+              <a:t>a </a:t>
             </a:r>
             <a:r>
               <a:rPr lang="en-US" sz="2800" b="1" dirty="0"/>
@@ -6010,40 +5126,7 @@
                   </a:schemeClr>
                 </a:solidFill>
               </a:rPr>
-              <a:t>our </a:t>
-            </a:r>
-            <a:r>
-              <a:rPr lang="en-US" b="1" dirty="0" smtClean="0">
-                <a:solidFill>
-                  <a:schemeClr val="tx1">
-                    <a:lumMod val="50000"/>
-                    <a:lumOff val="50000"/>
-                  </a:schemeClr>
-                </a:solidFill>
-              </a:rPr>
-              <a:t>Bookings</a:t>
-            </a:r>
-            <a:r>
-              <a:rPr lang="en-US" b="1" dirty="0" smtClean="0">
-                <a:solidFill>
-                  <a:schemeClr val="tx1">
-                    <a:lumMod val="50000"/>
-                    <a:lumOff val="50000"/>
-                  </a:schemeClr>
-                </a:solidFill>
-              </a:rPr>
-              <a:t> </a:t>
-            </a:r>
-            <a:r>
-              <a:rPr lang="en-US" b="1" dirty="0" smtClean="0">
-                <a:solidFill>
-                  <a:schemeClr val="tx1">
-                    <a:lumMod val="50000"/>
-                    <a:lumOff val="50000"/>
-                  </a:schemeClr>
-                </a:solidFill>
-              </a:rPr>
-              <a:t>on </a:t>
+              <a:t>our Bookings on </a:t>
             </a:r>
             <a:r>
               <a:rPr lang="en-US" b="1" dirty="0" smtClean="0">

--- a/RefDocs/RoughWireframeScreens.pptx
+++ b/RefDocs/RoughWireframeScreens.pptx
@@ -6,9 +6,10 @@
   </p:sldMasterIdLst>
   <p:sldIdLst>
     <p:sldId id="256" r:id="rId2"/>
-    <p:sldId id="257" r:id="rId3"/>
-    <p:sldId id="258" r:id="rId4"/>
-    <p:sldId id="259" r:id="rId5"/>
+    <p:sldId id="260" r:id="rId3"/>
+    <p:sldId id="257" r:id="rId4"/>
+    <p:sldId id="258" r:id="rId5"/>
+    <p:sldId id="259" r:id="rId6"/>
   </p:sldIdLst>
   <p:sldSz cx="12192000" cy="6858000"/>
   <p:notesSz cx="6858000" cy="9144000"/>
@@ -246,7 +247,7 @@
           <a:p>
             <a:fld id="{9F3794AE-8A50-4593-BB55-4F3F1393AD41}" type="datetimeFigureOut">
               <a:rPr lang="en-AU" smtClean="0"/>
-              <a:t>22/12/2025</a:t>
+              <a:t>24/12/2025</a:t>
             </a:fld>
             <a:endParaRPr lang="en-AU"/>
           </a:p>
@@ -416,7 +417,7 @@
           <a:p>
             <a:fld id="{9F3794AE-8A50-4593-BB55-4F3F1393AD41}" type="datetimeFigureOut">
               <a:rPr lang="en-AU" smtClean="0"/>
-              <a:t>22/12/2025</a:t>
+              <a:t>24/12/2025</a:t>
             </a:fld>
             <a:endParaRPr lang="en-AU"/>
           </a:p>
@@ -596,7 +597,7 @@
           <a:p>
             <a:fld id="{9F3794AE-8A50-4593-BB55-4F3F1393AD41}" type="datetimeFigureOut">
               <a:rPr lang="en-AU" smtClean="0"/>
-              <a:t>22/12/2025</a:t>
+              <a:t>24/12/2025</a:t>
             </a:fld>
             <a:endParaRPr lang="en-AU"/>
           </a:p>
@@ -766,7 +767,7 @@
           <a:p>
             <a:fld id="{9F3794AE-8A50-4593-BB55-4F3F1393AD41}" type="datetimeFigureOut">
               <a:rPr lang="en-AU" smtClean="0"/>
-              <a:t>22/12/2025</a:t>
+              <a:t>24/12/2025</a:t>
             </a:fld>
             <a:endParaRPr lang="en-AU"/>
           </a:p>
@@ -1012,7 +1013,7 @@
           <a:p>
             <a:fld id="{9F3794AE-8A50-4593-BB55-4F3F1393AD41}" type="datetimeFigureOut">
               <a:rPr lang="en-AU" smtClean="0"/>
-              <a:t>22/12/2025</a:t>
+              <a:t>24/12/2025</a:t>
             </a:fld>
             <a:endParaRPr lang="en-AU"/>
           </a:p>
@@ -1244,7 +1245,7 @@
           <a:p>
             <a:fld id="{9F3794AE-8A50-4593-BB55-4F3F1393AD41}" type="datetimeFigureOut">
               <a:rPr lang="en-AU" smtClean="0"/>
-              <a:t>22/12/2025</a:t>
+              <a:t>24/12/2025</a:t>
             </a:fld>
             <a:endParaRPr lang="en-AU"/>
           </a:p>
@@ -1611,7 +1612,7 @@
           <a:p>
             <a:fld id="{9F3794AE-8A50-4593-BB55-4F3F1393AD41}" type="datetimeFigureOut">
               <a:rPr lang="en-AU" smtClean="0"/>
-              <a:t>22/12/2025</a:t>
+              <a:t>24/12/2025</a:t>
             </a:fld>
             <a:endParaRPr lang="en-AU"/>
           </a:p>
@@ -1729,7 +1730,7 @@
           <a:p>
             <a:fld id="{9F3794AE-8A50-4593-BB55-4F3F1393AD41}" type="datetimeFigureOut">
               <a:rPr lang="en-AU" smtClean="0"/>
-              <a:t>22/12/2025</a:t>
+              <a:t>24/12/2025</a:t>
             </a:fld>
             <a:endParaRPr lang="en-AU"/>
           </a:p>
@@ -1824,7 +1825,7 @@
           <a:p>
             <a:fld id="{9F3794AE-8A50-4593-BB55-4F3F1393AD41}" type="datetimeFigureOut">
               <a:rPr lang="en-AU" smtClean="0"/>
-              <a:t>22/12/2025</a:t>
+              <a:t>24/12/2025</a:t>
             </a:fld>
             <a:endParaRPr lang="en-AU"/>
           </a:p>
@@ -2101,7 +2102,7 @@
           <a:p>
             <a:fld id="{9F3794AE-8A50-4593-BB55-4F3F1393AD41}" type="datetimeFigureOut">
               <a:rPr lang="en-AU" smtClean="0"/>
-              <a:t>22/12/2025</a:t>
+              <a:t>24/12/2025</a:t>
             </a:fld>
             <a:endParaRPr lang="en-AU"/>
           </a:p>
@@ -2354,7 +2355,7 @@
           <a:p>
             <a:fld id="{9F3794AE-8A50-4593-BB55-4F3F1393AD41}" type="datetimeFigureOut">
               <a:rPr lang="en-AU" smtClean="0"/>
-              <a:t>22/12/2025</a:t>
+              <a:t>24/12/2025</a:t>
             </a:fld>
             <a:endParaRPr lang="en-AU"/>
           </a:p>
@@ -2567,7 +2568,7 @@
           <a:p>
             <a:fld id="{9F3794AE-8A50-4593-BB55-4F3F1393AD41}" type="datetimeFigureOut">
               <a:rPr lang="en-AU" smtClean="0"/>
-              <a:t>22/12/2025</a:t>
+              <a:t>24/12/2025</a:t>
             </a:fld>
             <a:endParaRPr lang="en-AU"/>
           </a:p>
@@ -2972,6 +2973,560 @@
           <a:chExt cx="0" cy="0"/>
         </a:xfrm>
       </p:grpSpPr>
+      <p:grpSp>
+        <p:nvGrpSpPr>
+          <p:cNvPr id="3" name="Group 2"/>
+          <p:cNvGrpSpPr/>
+          <p:nvPr/>
+        </p:nvGrpSpPr>
+        <p:grpSpPr>
+          <a:xfrm>
+            <a:off x="1923143" y="566057"/>
+            <a:ext cx="3425371" cy="5950857"/>
+            <a:chOff x="1923143" y="566057"/>
+            <a:chExt cx="3425371" cy="5950857"/>
+          </a:xfrm>
+        </p:grpSpPr>
+        <p:sp>
+          <p:nvSpPr>
+            <p:cNvPr id="5" name="Rounded Rectangle 4"/>
+            <p:cNvSpPr/>
+            <p:nvPr/>
+          </p:nvSpPr>
+          <p:spPr>
+            <a:xfrm>
+              <a:off x="1923143" y="566057"/>
+              <a:ext cx="3425371" cy="5950857"/>
+            </a:xfrm>
+            <a:prstGeom prst="roundRect">
+              <a:avLst/>
+            </a:prstGeom>
+            <a:solidFill>
+              <a:srgbClr val="FFFAFF"/>
+            </a:solidFill>
+            <a:ln w="38100">
+              <a:solidFill>
+                <a:schemeClr val="tx1">
+                  <a:lumMod val="50000"/>
+                  <a:lumOff val="50000"/>
+                </a:schemeClr>
+              </a:solidFill>
+            </a:ln>
+          </p:spPr>
+          <p:style>
+            <a:lnRef idx="2">
+              <a:schemeClr val="accent1">
+                <a:shade val="50000"/>
+              </a:schemeClr>
+            </a:lnRef>
+            <a:fillRef idx="1">
+              <a:schemeClr val="accent1"/>
+            </a:fillRef>
+            <a:effectRef idx="0">
+              <a:schemeClr val="accent1"/>
+            </a:effectRef>
+            <a:fontRef idx="minor">
+              <a:schemeClr val="lt1"/>
+            </a:fontRef>
+          </p:style>
+          <p:txBody>
+            <a:bodyPr rtlCol="0" anchor="ctr"/>
+            <a:lstStyle/>
+            <a:p>
+              <a:pPr algn="ctr"/>
+              <a:endParaRPr lang="en-AU" dirty="0"/>
+            </a:p>
+          </p:txBody>
+        </p:sp>
+        <p:sp>
+          <p:nvSpPr>
+            <p:cNvPr id="33" name="Freeform 32"/>
+            <p:cNvSpPr/>
+            <p:nvPr/>
+          </p:nvSpPr>
+          <p:spPr>
+            <a:xfrm>
+              <a:off x="1953294" y="5429294"/>
+              <a:ext cx="3387600" cy="1080000"/>
+            </a:xfrm>
+            <a:custGeom>
+              <a:avLst/>
+              <a:gdLst>
+                <a:gd name="connsiteX0" fmla="*/ 0 w 3396344"/>
+                <a:gd name="connsiteY0" fmla="*/ 0 h 1119633"/>
+                <a:gd name="connsiteX1" fmla="*/ 3396344 w 3396344"/>
+                <a:gd name="connsiteY1" fmla="*/ 0 h 1119633"/>
+                <a:gd name="connsiteX2" fmla="*/ 3396344 w 3396344"/>
+                <a:gd name="connsiteY2" fmla="*/ 548726 h 1119633"/>
+                <a:gd name="connsiteX3" fmla="*/ 2825437 w 3396344"/>
+                <a:gd name="connsiteY3" fmla="*/ 1119633 h 1119633"/>
+                <a:gd name="connsiteX4" fmla="*/ 541880 w 3396344"/>
+                <a:gd name="connsiteY4" fmla="*/ 1119633 h 1119633"/>
+                <a:gd name="connsiteX5" fmla="*/ 15838 w 3396344"/>
+                <a:gd name="connsiteY5" fmla="*/ 770949 h 1119633"/>
+                <a:gd name="connsiteX6" fmla="*/ 0 w 3396344"/>
+                <a:gd name="connsiteY6" fmla="*/ 719928 h 1119633"/>
+              </a:gdLst>
+              <a:ahLst/>
+              <a:cxnLst>
+                <a:cxn ang="0">
+                  <a:pos x="connsiteX0" y="connsiteY0"/>
+                </a:cxn>
+                <a:cxn ang="0">
+                  <a:pos x="connsiteX1" y="connsiteY1"/>
+                </a:cxn>
+                <a:cxn ang="0">
+                  <a:pos x="connsiteX2" y="connsiteY2"/>
+                </a:cxn>
+                <a:cxn ang="0">
+                  <a:pos x="connsiteX3" y="connsiteY3"/>
+                </a:cxn>
+                <a:cxn ang="0">
+                  <a:pos x="connsiteX4" y="connsiteY4"/>
+                </a:cxn>
+                <a:cxn ang="0">
+                  <a:pos x="connsiteX5" y="connsiteY5"/>
+                </a:cxn>
+                <a:cxn ang="0">
+                  <a:pos x="connsiteX6" y="connsiteY6"/>
+                </a:cxn>
+              </a:cxnLst>
+              <a:rect l="l" t="t" r="r" b="b"/>
+              <a:pathLst>
+                <a:path w="3396344" h="1119633">
+                  <a:moveTo>
+                    <a:pt x="0" y="0"/>
+                  </a:moveTo>
+                  <a:lnTo>
+                    <a:pt x="3396344" y="0"/>
+                  </a:lnTo>
+                  <a:lnTo>
+                    <a:pt x="3396344" y="548726"/>
+                  </a:lnTo>
+                  <a:cubicBezTo>
+                    <a:pt x="3396344" y="864029"/>
+                    <a:pt x="3140740" y="1119633"/>
+                    <a:pt x="2825437" y="1119633"/>
+                  </a:cubicBezTo>
+                  <a:lnTo>
+                    <a:pt x="541880" y="1119633"/>
+                  </a:lnTo>
+                  <a:cubicBezTo>
+                    <a:pt x="305403" y="1119633"/>
+                    <a:pt x="102507" y="975856"/>
+                    <a:pt x="15838" y="770949"/>
+                  </a:cubicBezTo>
+                  <a:lnTo>
+                    <a:pt x="0" y="719928"/>
+                  </a:lnTo>
+                  <a:close/>
+                </a:path>
+              </a:pathLst>
+            </a:custGeom>
+            <a:solidFill>
+              <a:srgbClr val="FFEBFF"/>
+            </a:solidFill>
+            <a:ln>
+              <a:noFill/>
+            </a:ln>
+          </p:spPr>
+          <p:style>
+            <a:lnRef idx="2">
+              <a:schemeClr val="accent1">
+                <a:shade val="50000"/>
+              </a:schemeClr>
+            </a:lnRef>
+            <a:fillRef idx="1">
+              <a:schemeClr val="accent1"/>
+            </a:fillRef>
+            <a:effectRef idx="0">
+              <a:schemeClr val="accent1"/>
+            </a:effectRef>
+            <a:fontRef idx="minor">
+              <a:schemeClr val="lt1"/>
+            </a:fontRef>
+          </p:style>
+          <p:txBody>
+            <a:bodyPr rtlCol="0" anchor="ctr"/>
+            <a:lstStyle/>
+            <a:p>
+              <a:pPr algn="ctr"/>
+              <a:endParaRPr lang="en-AU" dirty="0"/>
+            </a:p>
+          </p:txBody>
+        </p:sp>
+      </p:grpSp>
+      <p:sp>
+        <p:nvSpPr>
+          <p:cNvPr id="36" name="TextBox 35"/>
+          <p:cNvSpPr txBox="1"/>
+          <p:nvPr/>
+        </p:nvSpPr>
+        <p:spPr>
+          <a:xfrm>
+            <a:off x="2324100" y="5859780"/>
+            <a:ext cx="594360" cy="533400"/>
+          </a:xfrm>
+          <a:prstGeom prst="rect">
+            <a:avLst/>
+          </a:prstGeom>
+          <a:noFill/>
+        </p:spPr>
+        <p:txBody>
+          <a:bodyPr wrap="square" rtlCol="0">
+            <a:spAutoFit/>
+          </a:bodyPr>
+          <a:lstStyle/>
+          <a:p>
+            <a:endParaRPr lang="en-AU" dirty="0"/>
+          </a:p>
+        </p:txBody>
+      </p:sp>
+      <p:sp>
+        <p:nvSpPr>
+          <p:cNvPr id="38" name="TextBox 37"/>
+          <p:cNvSpPr txBox="1"/>
+          <p:nvPr/>
+        </p:nvSpPr>
+        <p:spPr>
+          <a:xfrm>
+            <a:off x="2164080" y="5631240"/>
+            <a:ext cx="678180" cy="523220"/>
+          </a:xfrm>
+          <a:prstGeom prst="rect">
+            <a:avLst/>
+          </a:prstGeom>
+          <a:noFill/>
+        </p:spPr>
+        <p:txBody>
+          <a:bodyPr wrap="square" rtlCol="0">
+            <a:spAutoFit/>
+          </a:bodyPr>
+          <a:lstStyle/>
+          <a:p>
+            <a:pPr algn="ctr"/>
+            <a:r>
+              <a:rPr lang="en-AU" b="1" dirty="0" smtClean="0">
+                <a:solidFill>
+                  <a:srgbClr val="9510E4"/>
+                </a:solidFill>
+              </a:rPr>
+              <a:t>🚲</a:t>
+            </a:r>
+            <a:br>
+              <a:rPr lang="en-AU" b="1" dirty="0" smtClean="0">
+                <a:solidFill>
+                  <a:srgbClr val="9510E4"/>
+                </a:solidFill>
+              </a:rPr>
+            </a:br>
+            <a:r>
+              <a:rPr lang="en-AU" sz="1000" b="1" dirty="0" smtClean="0">
+                <a:solidFill>
+                  <a:srgbClr val="9510E4"/>
+                </a:solidFill>
+              </a:rPr>
+              <a:t>My </a:t>
+            </a:r>
+            <a:r>
+              <a:rPr lang="en-AU" sz="1000" b="1" dirty="0">
+                <a:solidFill>
+                  <a:srgbClr val="9510E4"/>
+                </a:solidFill>
+              </a:rPr>
+              <a:t>Rides</a:t>
+            </a:r>
+          </a:p>
+        </p:txBody>
+      </p:sp>
+      <p:sp>
+        <p:nvSpPr>
+          <p:cNvPr id="45" name="TextBox 44"/>
+          <p:cNvSpPr txBox="1"/>
+          <p:nvPr/>
+        </p:nvSpPr>
+        <p:spPr>
+          <a:xfrm>
+            <a:off x="3520440" y="5612160"/>
+            <a:ext cx="678180" cy="523220"/>
+          </a:xfrm>
+          <a:prstGeom prst="rect">
+            <a:avLst/>
+          </a:prstGeom>
+          <a:noFill/>
+        </p:spPr>
+        <p:txBody>
+          <a:bodyPr wrap="square" rtlCol="0">
+            <a:spAutoFit/>
+          </a:bodyPr>
+          <a:lstStyle/>
+          <a:p>
+            <a:pPr algn="ctr"/>
+            <a:r>
+              <a:rPr lang="en-AU" b="1" dirty="0">
+                <a:solidFill>
+                  <a:schemeClr val="bg1">
+                    <a:lumMod val="50000"/>
+                  </a:schemeClr>
+                </a:solidFill>
+              </a:rPr>
+              <a:t>🌐</a:t>
+            </a:r>
+            <a:r>
+              <a:rPr lang="en-AU" b="1" dirty="0" smtClean="0">
+                <a:solidFill>
+                  <a:schemeClr val="bg1">
+                    <a:lumMod val="50000"/>
+                  </a:schemeClr>
+                </a:solidFill>
+              </a:rPr>
+              <a:t/>
+            </a:r>
+            <a:br>
+              <a:rPr lang="en-AU" b="1" dirty="0" smtClean="0">
+                <a:solidFill>
+                  <a:schemeClr val="bg1">
+                    <a:lumMod val="50000"/>
+                  </a:schemeClr>
+                </a:solidFill>
+              </a:rPr>
+            </a:br>
+            <a:r>
+              <a:rPr lang="en-AU" sz="1000" b="1" dirty="0" smtClean="0">
+                <a:solidFill>
+                  <a:schemeClr val="bg1">
+                    <a:lumMod val="50000"/>
+                  </a:schemeClr>
+                </a:solidFill>
+              </a:rPr>
+              <a:t>Explore</a:t>
+            </a:r>
+            <a:endParaRPr lang="en-AU" sz="1000" b="1" dirty="0">
+              <a:solidFill>
+                <a:schemeClr val="bg1">
+                  <a:lumMod val="50000"/>
+                </a:schemeClr>
+              </a:solidFill>
+            </a:endParaRPr>
+          </a:p>
+        </p:txBody>
+      </p:sp>
+      <p:sp>
+        <p:nvSpPr>
+          <p:cNvPr id="46" name="TextBox 45"/>
+          <p:cNvSpPr txBox="1"/>
+          <p:nvPr/>
+        </p:nvSpPr>
+        <p:spPr>
+          <a:xfrm>
+            <a:off x="4198620" y="5631240"/>
+            <a:ext cx="678180" cy="523220"/>
+          </a:xfrm>
+          <a:prstGeom prst="rect">
+            <a:avLst/>
+          </a:prstGeom>
+          <a:noFill/>
+        </p:spPr>
+        <p:txBody>
+          <a:bodyPr wrap="square" rtlCol="0">
+            <a:spAutoFit/>
+          </a:bodyPr>
+          <a:lstStyle/>
+          <a:p>
+            <a:pPr algn="ctr"/>
+            <a:r>
+              <a:rPr lang="en-AU" b="1" dirty="0">
+                <a:solidFill>
+                  <a:schemeClr val="bg1">
+                    <a:lumMod val="50000"/>
+                  </a:schemeClr>
+                </a:solidFill>
+              </a:rPr>
+              <a:t>👤</a:t>
+            </a:r>
+            <a:r>
+              <a:rPr lang="en-AU" b="1" dirty="0" smtClean="0">
+                <a:solidFill>
+                  <a:schemeClr val="bg1">
+                    <a:lumMod val="50000"/>
+                  </a:schemeClr>
+                </a:solidFill>
+              </a:rPr>
+              <a:t/>
+            </a:r>
+            <a:br>
+              <a:rPr lang="en-AU" b="1" dirty="0" smtClean="0">
+                <a:solidFill>
+                  <a:schemeClr val="bg1">
+                    <a:lumMod val="50000"/>
+                  </a:schemeClr>
+                </a:solidFill>
+              </a:rPr>
+            </a:br>
+            <a:r>
+              <a:rPr lang="en-AU" sz="1000" b="1" dirty="0" smtClean="0">
+                <a:solidFill>
+                  <a:schemeClr val="bg1">
+                    <a:lumMod val="50000"/>
+                  </a:schemeClr>
+                </a:solidFill>
+              </a:rPr>
+              <a:t>Profile</a:t>
+            </a:r>
+            <a:endParaRPr lang="en-AU" sz="1000" b="1" dirty="0">
+              <a:solidFill>
+                <a:schemeClr val="bg1">
+                  <a:lumMod val="50000"/>
+                </a:schemeClr>
+              </a:solidFill>
+            </a:endParaRPr>
+          </a:p>
+        </p:txBody>
+      </p:sp>
+      <p:sp>
+        <p:nvSpPr>
+          <p:cNvPr id="8" name="Oval 7"/>
+          <p:cNvSpPr/>
+          <p:nvPr/>
+        </p:nvSpPr>
+        <p:spPr>
+          <a:xfrm>
+            <a:off x="3036665" y="5646480"/>
+            <a:ext cx="327471" cy="338054"/>
+          </a:xfrm>
+          <a:prstGeom prst="ellipse">
+            <a:avLst/>
+          </a:prstGeom>
+          <a:solidFill>
+            <a:srgbClr val="FFC3FF"/>
+          </a:solidFill>
+          <a:ln>
+            <a:noFill/>
+          </a:ln>
+        </p:spPr>
+        <p:style>
+          <a:lnRef idx="2">
+            <a:schemeClr val="accent1">
+              <a:shade val="50000"/>
+            </a:schemeClr>
+          </a:lnRef>
+          <a:fillRef idx="1">
+            <a:schemeClr val="accent1"/>
+          </a:fillRef>
+          <a:effectRef idx="0">
+            <a:schemeClr val="accent1"/>
+          </a:effectRef>
+          <a:fontRef idx="minor">
+            <a:schemeClr val="lt1"/>
+          </a:fontRef>
+        </p:style>
+        <p:txBody>
+          <a:bodyPr rtlCol="0" anchor="ctr"/>
+          <a:lstStyle/>
+          <a:p>
+            <a:pPr algn="ctr"/>
+            <a:endParaRPr lang="en-AU">
+              <a:solidFill>
+                <a:schemeClr val="bg1">
+                  <a:lumMod val="50000"/>
+                </a:schemeClr>
+              </a:solidFill>
+            </a:endParaRPr>
+          </a:p>
+        </p:txBody>
+      </p:sp>
+      <p:sp>
+        <p:nvSpPr>
+          <p:cNvPr id="39" name="TextBox 38"/>
+          <p:cNvSpPr txBox="1"/>
+          <p:nvPr/>
+        </p:nvSpPr>
+        <p:spPr>
+          <a:xfrm>
+            <a:off x="2842260" y="5631180"/>
+            <a:ext cx="701040" cy="527060"/>
+          </a:xfrm>
+          <a:prstGeom prst="rect">
+            <a:avLst/>
+          </a:prstGeom>
+          <a:noFill/>
+        </p:spPr>
+        <p:txBody>
+          <a:bodyPr wrap="square" rtlCol="0">
+            <a:spAutoFit/>
+          </a:bodyPr>
+          <a:lstStyle/>
+          <a:p>
+            <a:pPr algn="ctr"/>
+            <a:r>
+              <a:rPr lang="en-AU" b="1" dirty="0" smtClean="0">
+                <a:solidFill>
+                  <a:schemeClr val="bg1">
+                    <a:lumMod val="50000"/>
+                  </a:schemeClr>
+                </a:solidFill>
+              </a:rPr>
+              <a:t>🚲</a:t>
+            </a:r>
+            <a:br>
+              <a:rPr lang="en-AU" b="1" dirty="0" smtClean="0">
+                <a:solidFill>
+                  <a:schemeClr val="bg1">
+                    <a:lumMod val="50000"/>
+                  </a:schemeClr>
+                </a:solidFill>
+              </a:rPr>
+            </a:br>
+            <a:r>
+              <a:rPr lang="en-AU" sz="1000" b="1" dirty="0" smtClean="0">
+                <a:solidFill>
+                  <a:schemeClr val="bg1">
+                    <a:lumMod val="50000"/>
+                  </a:schemeClr>
+                </a:solidFill>
+              </a:rPr>
+              <a:t>My Bikes</a:t>
+            </a:r>
+            <a:endParaRPr lang="en-AU" sz="1000" b="1" dirty="0">
+              <a:solidFill>
+                <a:schemeClr val="bg1">
+                  <a:lumMod val="50000"/>
+                </a:schemeClr>
+              </a:solidFill>
+            </a:endParaRPr>
+          </a:p>
+        </p:txBody>
+      </p:sp>
+    </p:spTree>
+    <p:extLst>
+      <p:ext uri="{BB962C8B-B14F-4D97-AF65-F5344CB8AC3E}">
+        <p14:creationId xmlns:p14="http://schemas.microsoft.com/office/powerpoint/2010/main" val="2715128838"/>
+      </p:ext>
+    </p:extLst>
+  </p:cSld>
+  <p:clrMapOvr>
+    <a:masterClrMapping/>
+  </p:clrMapOvr>
+</p:sld>
+</file>
+
+<file path=ppt/slides/slide2.xml><?xml version="1.0" encoding="utf-8"?>
+<p:sld xmlns:a="http://schemas.openxmlformats.org/drawingml/2006/main" xmlns:r="http://schemas.openxmlformats.org/officeDocument/2006/relationships" xmlns:p="http://schemas.openxmlformats.org/presentationml/2006/main">
+  <p:cSld>
+    <p:spTree>
+      <p:nvGrpSpPr>
+        <p:cNvPr id="1" name=""/>
+        <p:cNvGrpSpPr/>
+        <p:nvPr/>
+      </p:nvGrpSpPr>
+      <p:grpSpPr>
+        <a:xfrm>
+          <a:off x="0" y="0"/>
+          <a:ext cx="0" cy="0"/>
+          <a:chOff x="0" y="0"/>
+          <a:chExt cx="0" cy="0"/>
+        </a:xfrm>
+      </p:grpSpPr>
       <p:sp>
         <p:nvSpPr>
           <p:cNvPr id="5" name="Rounded Rectangle 4"/>
@@ -4167,42 +4722,15 @@
                   </a:schemeClr>
                 </a:solidFill>
               </a:rPr>
-              <a:t>     Cat-a  </a:t>
+              <a:t>     Cat-a    </a:t>
             </a:r>
             <a:r>
               <a:rPr lang="en-US" sz="1400" dirty="0" smtClean="0">
                 <a:solidFill>
-                  <a:schemeClr val="tx1">
-                    <a:lumMod val="50000"/>
-                    <a:lumOff val="50000"/>
-                  </a:schemeClr>
-                </a:solidFill>
-              </a:rPr>
-              <a:t>  </a:t>
-            </a:r>
-            <a:r>
-              <a:rPr lang="en-US" sz="1400" dirty="0" smtClean="0">
-                <a:solidFill>
                   <a:srgbClr val="9510E4"/>
                 </a:solidFill>
               </a:rPr>
-              <a:t> </a:t>
-            </a:r>
-            <a:r>
-              <a:rPr lang="en-US" sz="1400" dirty="0" smtClean="0">
-                <a:solidFill>
-                  <a:srgbClr val="9510E4"/>
-                </a:solidFill>
-              </a:rPr>
-              <a:t>$</a:t>
-            </a:r>
-            <a:r>
-              <a:rPr lang="en-US" sz="1400" dirty="0" smtClean="0">
-                <a:solidFill>
-                  <a:srgbClr val="9510E4"/>
-                </a:solidFill>
-              </a:rPr>
-              <a:t>85/</a:t>
+              <a:t> $85/</a:t>
             </a:r>
             <a:r>
               <a:rPr lang="en-US" sz="1400" dirty="0" err="1" smtClean="0">
@@ -4282,34 +4810,15 @@
                   </a:schemeClr>
                 </a:solidFill>
               </a:rPr>
-              <a:t>     Cat-a  </a:t>
+              <a:t>     Cat-a     </a:t>
             </a:r>
             <a:r>
               <a:rPr lang="en-US" sz="1400" dirty="0" smtClean="0">
                 <a:solidFill>
-                  <a:schemeClr val="tx1">
-                    <a:lumMod val="50000"/>
-                    <a:lumOff val="50000"/>
-                  </a:schemeClr>
-                </a:solidFill>
-              </a:rPr>
-              <a:t>   </a:t>
-            </a:r>
-            <a:r>
-              <a:rPr lang="en-US" sz="1400" dirty="0" smtClean="0">
-                <a:solidFill>
                   <a:srgbClr val="9510E4"/>
                 </a:solidFill>
               </a:rPr>
-              <a:t> </a:t>
-            </a:r>
-            <a:r>
-              <a:rPr lang="en-US" sz="1400" dirty="0" smtClean="0">
-                <a:solidFill>
-                  <a:srgbClr val="9510E4"/>
-                </a:solidFill>
-              </a:rPr>
-              <a:t>$</a:t>
+              <a:t> $</a:t>
             </a:r>
             <a:r>
               <a:rPr lang="en-US" sz="1400" dirty="0">
@@ -4411,15 +4920,7 @@
                   <a:srgbClr val="9510E4"/>
                 </a:solidFill>
               </a:rPr>
-              <a:t> $</a:t>
-            </a:r>
-            <a:r>
-              <a:rPr lang="en-US" sz="1400" dirty="0" smtClean="0">
-                <a:solidFill>
-                  <a:srgbClr val="9510E4"/>
-                </a:solidFill>
-              </a:rPr>
-              <a:t>65/</a:t>
+              <a:t> $65/</a:t>
             </a:r>
             <a:r>
               <a:rPr lang="en-US" sz="1400" dirty="0" err="1" smtClean="0">
@@ -4505,18 +5006,23 @@
                   </a:schemeClr>
                 </a:solidFill>
               </a:rPr>
-              <a:t>     </a:t>
+              <a:t>     Cat-b    </a:t>
             </a:r>
             <a:r>
               <a:rPr lang="en-US" sz="1400" dirty="0" smtClean="0">
                 <a:solidFill>
-                  <a:schemeClr val="tx1">
-                    <a:lumMod val="50000"/>
-                    <a:lumOff val="50000"/>
-                  </a:schemeClr>
-                </a:solidFill>
-              </a:rPr>
-              <a:t>Cat-b    </a:t>
+                  <a:srgbClr val="9510E4"/>
+                </a:solidFill>
+              </a:rPr>
+              <a:t> $35/</a:t>
+            </a:r>
+            <a:r>
+              <a:rPr lang="en-US" sz="1400" dirty="0" err="1" smtClean="0">
+                <a:solidFill>
+                  <a:srgbClr val="9510E4"/>
+                </a:solidFill>
+              </a:rPr>
+              <a:t>wk</a:t>
             </a:r>
             <a:r>
               <a:rPr lang="en-US" sz="1400" dirty="0" smtClean="0">
@@ -4524,47 +5030,7 @@
                   <a:srgbClr val="9510E4"/>
                 </a:solidFill>
               </a:rPr>
-              <a:t> </a:t>
-            </a:r>
-            <a:r>
-              <a:rPr lang="en-US" sz="1400" dirty="0" smtClean="0">
-                <a:solidFill>
-                  <a:srgbClr val="9510E4"/>
-                </a:solidFill>
-              </a:rPr>
-              <a:t>$</a:t>
-            </a:r>
-            <a:r>
-              <a:rPr lang="en-US" sz="1400" dirty="0" smtClean="0">
-                <a:solidFill>
-                  <a:srgbClr val="9510E4"/>
-                </a:solidFill>
-              </a:rPr>
-              <a:t>35/</a:t>
-            </a:r>
-            <a:r>
-              <a:rPr lang="en-US" sz="1400" dirty="0" err="1" smtClean="0">
-                <a:solidFill>
-                  <a:srgbClr val="9510E4"/>
-                </a:solidFill>
-              </a:rPr>
-              <a:t>wk</a:t>
-            </a:r>
-            <a:r>
-              <a:rPr lang="en-US" sz="1400" dirty="0" smtClean="0">
-                <a:solidFill>
-                  <a:srgbClr val="9510E4"/>
-                </a:solidFill>
-              </a:rPr>
-              <a:t> </a:t>
-            </a:r>
-            <a:r>
-              <a:rPr lang="en-US" sz="1400" dirty="0" smtClean="0">
-                <a:solidFill>
-                  <a:srgbClr val="9510E4"/>
-                </a:solidFill>
-              </a:rPr>
-              <a:t>   </a:t>
+              <a:t>    </a:t>
             </a:r>
             <a:r>
               <a:rPr lang="en-US" sz="1400" dirty="0">
@@ -4642,15 +5108,7 @@
                   <a:srgbClr val="9510E4"/>
                 </a:solidFill>
               </a:rPr>
-              <a:t> $</a:t>
-            </a:r>
-            <a:r>
-              <a:rPr lang="en-US" sz="1400" dirty="0" smtClean="0">
-                <a:solidFill>
-                  <a:srgbClr val="9510E4"/>
-                </a:solidFill>
-              </a:rPr>
-              <a:t>15/</a:t>
+              <a:t> $15/</a:t>
             </a:r>
             <a:r>
               <a:rPr lang="en-US" sz="1400" dirty="0" err="1" smtClean="0">
@@ -4697,7 +5155,7 @@
     </p:spTree>
     <p:extLst>
       <p:ext uri="{BB962C8B-B14F-4D97-AF65-F5344CB8AC3E}">
-        <p14:creationId xmlns:p14="http://schemas.microsoft.com/office/powerpoint/2010/main" val="2715128838"/>
+        <p14:creationId xmlns:p14="http://schemas.microsoft.com/office/powerpoint/2010/main" val="3255079351"/>
       </p:ext>
     </p:extLst>
   </p:cSld>
@@ -4707,7 +5165,7 @@
 </p:sld>
 </file>
 
-<file path=ppt/slides/slide2.xml><?xml version="1.0" encoding="utf-8"?>
+<file path=ppt/slides/slide3.xml><?xml version="1.0" encoding="utf-8"?>
 <p:sld xmlns:a="http://schemas.openxmlformats.org/drawingml/2006/main" xmlns:r="http://schemas.openxmlformats.org/officeDocument/2006/relationships" xmlns:p="http://schemas.openxmlformats.org/presentationml/2006/main">
   <p:cSld>
     <p:spTree>
@@ -4767,7 +5225,7 @@
 </p:sld>
 </file>
 
-<file path=ppt/slides/slide3.xml><?xml version="1.0" encoding="utf-8"?>
+<file path=ppt/slides/slide4.xml><?xml version="1.0" encoding="utf-8"?>
 <p:sld xmlns:a="http://schemas.openxmlformats.org/drawingml/2006/main" xmlns:r="http://schemas.openxmlformats.org/officeDocument/2006/relationships" xmlns:p="http://schemas.openxmlformats.org/presentationml/2006/main">
   <p:cSld>
     <p:spTree>
@@ -4901,7 +5359,7 @@
 </p:sld>
 </file>
 
-<file path=ppt/slides/slide4.xml><?xml version="1.0" encoding="utf-8"?>
+<file path=ppt/slides/slide5.xml><?xml version="1.0" encoding="utf-8"?>
 <p:sld xmlns:a="http://schemas.openxmlformats.org/drawingml/2006/main" xmlns:r="http://schemas.openxmlformats.org/officeDocument/2006/relationships" xmlns:p="http://schemas.openxmlformats.org/presentationml/2006/main">
   <p:cSld>
     <p:spTree>
@@ -5069,11 +5527,7 @@
             <a:pPr algn="ctr"/>
             <a:r>
               <a:rPr lang="en-US" sz="2800" b="1" dirty="0" smtClean="0"/>
-              <a:t>Book </a:t>
-            </a:r>
-            <a:r>
-              <a:rPr lang="en-US" sz="2800" b="1" dirty="0" smtClean="0"/>
-              <a:t>a </a:t>
+              <a:t>Book a </a:t>
             </a:r>
             <a:r>
               <a:rPr lang="en-US" sz="2800" b="1" dirty="0"/>

--- a/RefDocs/RoughWireframeScreens.pptx
+++ b/RefDocs/RoughWireframeScreens.pptx
@@ -6,10 +6,13 @@
   </p:sldMasterIdLst>
   <p:sldIdLst>
     <p:sldId id="256" r:id="rId2"/>
-    <p:sldId id="260" r:id="rId3"/>
-    <p:sldId id="257" r:id="rId4"/>
-    <p:sldId id="258" r:id="rId5"/>
-    <p:sldId id="259" r:id="rId6"/>
+    <p:sldId id="263" r:id="rId3"/>
+    <p:sldId id="262" r:id="rId4"/>
+    <p:sldId id="264" r:id="rId5"/>
+    <p:sldId id="260" r:id="rId6"/>
+    <p:sldId id="257" r:id="rId7"/>
+    <p:sldId id="258" r:id="rId8"/>
+    <p:sldId id="259" r:id="rId9"/>
   </p:sldIdLst>
   <p:sldSz cx="12192000" cy="6858000"/>
   <p:notesSz cx="6858000" cy="9144000"/>
@@ -2973,99 +2976,115 @@
           <a:chExt cx="0" cy="0"/>
         </a:xfrm>
       </p:grpSpPr>
+      <p:sp>
+        <p:nvSpPr>
+          <p:cNvPr id="17" name="Rectangle 16"/>
+          <p:cNvSpPr/>
+          <p:nvPr/>
+        </p:nvSpPr>
+        <p:spPr>
+          <a:xfrm>
+            <a:off x="480060" y="175260"/>
+            <a:ext cx="10828020" cy="5996940"/>
+          </a:xfrm>
+          <a:prstGeom prst="rect">
+            <a:avLst/>
+          </a:prstGeom>
+        </p:spPr>
+        <p:style>
+          <a:lnRef idx="2">
+            <a:schemeClr val="accent1">
+              <a:shade val="50000"/>
+            </a:schemeClr>
+          </a:lnRef>
+          <a:fillRef idx="1">
+            <a:schemeClr val="accent1"/>
+          </a:fillRef>
+          <a:effectRef idx="0">
+            <a:schemeClr val="accent1"/>
+          </a:effectRef>
+          <a:fontRef idx="minor">
+            <a:schemeClr val="lt1"/>
+          </a:fontRef>
+        </p:style>
+        <p:txBody>
+          <a:bodyPr rtlCol="0" anchor="ctr"/>
+          <a:lstStyle/>
+          <a:p>
+            <a:pPr algn="ctr"/>
+            <a:endParaRPr lang="en-AU"/>
+          </a:p>
+        </p:txBody>
+      </p:sp>
       <p:grpSp>
         <p:nvGrpSpPr>
-          <p:cNvPr id="3" name="Group 2"/>
+          <p:cNvPr id="16" name="Group 15"/>
           <p:cNvGrpSpPr/>
           <p:nvPr/>
         </p:nvGrpSpPr>
         <p:grpSpPr>
           <a:xfrm>
-            <a:off x="1923143" y="566057"/>
-            <a:ext cx="3425371" cy="5950857"/>
-            <a:chOff x="1923143" y="566057"/>
-            <a:chExt cx="3425371" cy="5950857"/>
+            <a:off x="6333672" y="0"/>
+            <a:ext cx="3374571" cy="6858000"/>
+            <a:chOff x="6333672" y="0"/>
+            <a:chExt cx="3374571" cy="6858000"/>
           </a:xfrm>
         </p:grpSpPr>
-        <p:sp>
-          <p:nvSpPr>
-            <p:cNvPr id="5" name="Rounded Rectangle 4"/>
-            <p:cNvSpPr/>
+        <p:pic>
+          <p:nvPicPr>
+            <p:cNvPr id="15" name="Picture 14"/>
+            <p:cNvPicPr>
+              <a:picLocks noChangeAspect="1"/>
+            </p:cNvPicPr>
             <p:nvPr/>
-          </p:nvSpPr>
+          </p:nvPicPr>
+          <p:blipFill>
+            <a:blip r:embed="rId2">
+              <a:extLst>
+                <a:ext uri="{28A0092B-C50C-407E-A947-70E740481C1C}">
+                  <a14:useLocalDpi xmlns:a14="http://schemas.microsoft.com/office/drawing/2010/main" val="0"/>
+                </a:ext>
+              </a:extLst>
+            </a:blip>
+            <a:srcRect l="1587"/>
+            <a:stretch>
+              <a:fillRect/>
+            </a:stretch>
+          </p:blipFill>
           <p:spPr>
             <a:xfrm>
-              <a:off x="1923143" y="566057"/>
-              <a:ext cx="3425371" cy="5950857"/>
-            </a:xfrm>
-            <a:prstGeom prst="roundRect">
-              <a:avLst/>
-            </a:prstGeom>
-            <a:solidFill>
-              <a:srgbClr val="FFFAFF"/>
-            </a:solidFill>
-            <a:ln w="38100">
-              <a:solidFill>
-                <a:schemeClr val="tx1">
-                  <a:lumMod val="50000"/>
-                  <a:lumOff val="50000"/>
-                </a:schemeClr>
-              </a:solidFill>
-            </a:ln>
-          </p:spPr>
-          <p:style>
-            <a:lnRef idx="2">
-              <a:schemeClr val="accent1">
-                <a:shade val="50000"/>
-              </a:schemeClr>
-            </a:lnRef>
-            <a:fillRef idx="1">
-              <a:schemeClr val="accent1"/>
-            </a:fillRef>
-            <a:effectRef idx="0">
-              <a:schemeClr val="accent1"/>
-            </a:effectRef>
-            <a:fontRef idx="minor">
-              <a:schemeClr val="lt1"/>
-            </a:fontRef>
-          </p:style>
-          <p:txBody>
-            <a:bodyPr rtlCol="0" anchor="ctr"/>
-            <a:lstStyle/>
-            <a:p>
-              <a:pPr algn="ctr"/>
-              <a:endParaRPr lang="en-AU" dirty="0"/>
-            </a:p>
-          </p:txBody>
-        </p:sp>
-        <p:sp>
-          <p:nvSpPr>
-            <p:cNvPr id="33" name="Freeform 32"/>
-            <p:cNvSpPr/>
-            <p:nvPr/>
-          </p:nvSpPr>
-          <p:spPr>
-            <a:xfrm>
-              <a:off x="1953294" y="5429294"/>
-              <a:ext cx="3387600" cy="1080000"/>
+              <a:off x="6333672" y="0"/>
+              <a:ext cx="3374571" cy="6858000"/>
             </a:xfrm>
             <a:custGeom>
               <a:avLst/>
               <a:gdLst>
-                <a:gd name="connsiteX0" fmla="*/ 0 w 3396344"/>
-                <a:gd name="connsiteY0" fmla="*/ 0 h 1119633"/>
-                <a:gd name="connsiteX1" fmla="*/ 3396344 w 3396344"/>
-                <a:gd name="connsiteY1" fmla="*/ 0 h 1119633"/>
-                <a:gd name="connsiteX2" fmla="*/ 3396344 w 3396344"/>
-                <a:gd name="connsiteY2" fmla="*/ 548726 h 1119633"/>
-                <a:gd name="connsiteX3" fmla="*/ 2825437 w 3396344"/>
-                <a:gd name="connsiteY3" fmla="*/ 1119633 h 1119633"/>
-                <a:gd name="connsiteX4" fmla="*/ 541880 w 3396344"/>
-                <a:gd name="connsiteY4" fmla="*/ 1119633 h 1119633"/>
-                <a:gd name="connsiteX5" fmla="*/ 15838 w 3396344"/>
-                <a:gd name="connsiteY5" fmla="*/ 770949 h 1119633"/>
-                <a:gd name="connsiteX6" fmla="*/ 0 w 3396344"/>
-                <a:gd name="connsiteY6" fmla="*/ 719928 h 1119633"/>
+                <a:gd name="connsiteX0" fmla="*/ 280488 w 3374571"/>
+                <a:gd name="connsiteY0" fmla="*/ 624840 h 6858000"/>
+                <a:gd name="connsiteX1" fmla="*/ 280488 w 3374571"/>
+                <a:gd name="connsiteY1" fmla="*/ 5984534 h 6858000"/>
+                <a:gd name="connsiteX2" fmla="*/ 3107508 w 3374571"/>
+                <a:gd name="connsiteY2" fmla="*/ 5984534 h 6858000"/>
+                <a:gd name="connsiteX3" fmla="*/ 3107508 w 3374571"/>
+                <a:gd name="connsiteY3" fmla="*/ 624840 h 6858000"/>
+                <a:gd name="connsiteX4" fmla="*/ 562440 w 3374571"/>
+                <a:gd name="connsiteY4" fmla="*/ 0 h 6858000"/>
+                <a:gd name="connsiteX5" fmla="*/ 2812131 w 3374571"/>
+                <a:gd name="connsiteY5" fmla="*/ 0 h 6858000"/>
+                <a:gd name="connsiteX6" fmla="*/ 3374571 w 3374571"/>
+                <a:gd name="connsiteY6" fmla="*/ 562440 h 6858000"/>
+                <a:gd name="connsiteX7" fmla="*/ 3374571 w 3374571"/>
+                <a:gd name="connsiteY7" fmla="*/ 6295560 h 6858000"/>
+                <a:gd name="connsiteX8" fmla="*/ 2812131 w 3374571"/>
+                <a:gd name="connsiteY8" fmla="*/ 6858000 h 6858000"/>
+                <a:gd name="connsiteX9" fmla="*/ 562440 w 3374571"/>
+                <a:gd name="connsiteY9" fmla="*/ 6858000 h 6858000"/>
+                <a:gd name="connsiteX10" fmla="*/ 0 w 3374571"/>
+                <a:gd name="connsiteY10" fmla="*/ 6295560 h 6858000"/>
+                <a:gd name="connsiteX11" fmla="*/ 0 w 3374571"/>
+                <a:gd name="connsiteY11" fmla="*/ 562440 h 6858000"/>
+                <a:gd name="connsiteX12" fmla="*/ 562440 w 3374571"/>
+                <a:gd name="connsiteY12" fmla="*/ 0 h 6858000"/>
               </a:gdLst>
               <a:ahLst/>
               <a:cxnLst>
@@ -3090,41 +3109,177 @@
                 <a:cxn ang="0">
                   <a:pos x="connsiteX6" y="connsiteY6"/>
                 </a:cxn>
+                <a:cxn ang="0">
+                  <a:pos x="connsiteX7" y="connsiteY7"/>
+                </a:cxn>
+                <a:cxn ang="0">
+                  <a:pos x="connsiteX8" y="connsiteY8"/>
+                </a:cxn>
+                <a:cxn ang="0">
+                  <a:pos x="connsiteX9" y="connsiteY9"/>
+                </a:cxn>
+                <a:cxn ang="0">
+                  <a:pos x="connsiteX10" y="connsiteY10"/>
+                </a:cxn>
+                <a:cxn ang="0">
+                  <a:pos x="connsiteX11" y="connsiteY11"/>
+                </a:cxn>
+                <a:cxn ang="0">
+                  <a:pos x="connsiteX12" y="connsiteY12"/>
+                </a:cxn>
               </a:cxnLst>
               <a:rect l="l" t="t" r="r" b="b"/>
               <a:pathLst>
-                <a:path w="3396344" h="1119633">
+                <a:path w="3374571" h="6858000">
                   <a:moveTo>
-                    <a:pt x="0" y="0"/>
+                    <a:pt x="280488" y="624840"/>
                   </a:moveTo>
                   <a:lnTo>
-                    <a:pt x="3396344" y="0"/>
+                    <a:pt x="280488" y="5984534"/>
                   </a:lnTo>
                   <a:lnTo>
-                    <a:pt x="3396344" y="548726"/>
+                    <a:pt x="3107508" y="5984534"/>
+                  </a:lnTo>
+                  <a:lnTo>
+                    <a:pt x="3107508" y="624840"/>
+                  </a:lnTo>
+                  <a:close/>
+                  <a:moveTo>
+                    <a:pt x="562440" y="0"/>
+                  </a:moveTo>
+                  <a:lnTo>
+                    <a:pt x="2812131" y="0"/>
                   </a:lnTo>
                   <a:cubicBezTo>
-                    <a:pt x="3396344" y="864029"/>
-                    <a:pt x="3140740" y="1119633"/>
-                    <a:pt x="2825437" y="1119633"/>
+                    <a:pt x="3122758" y="0"/>
+                    <a:pt x="3374571" y="251813"/>
+                    <a:pt x="3374571" y="562440"/>
                   </a:cubicBezTo>
                   <a:lnTo>
-                    <a:pt x="541880" y="1119633"/>
+                    <a:pt x="3374571" y="6295560"/>
                   </a:lnTo>
                   <a:cubicBezTo>
-                    <a:pt x="305403" y="1119633"/>
-                    <a:pt x="102507" y="975856"/>
-                    <a:pt x="15838" y="770949"/>
+                    <a:pt x="3374571" y="6606187"/>
+                    <a:pt x="3122758" y="6858000"/>
+                    <a:pt x="2812131" y="6858000"/>
                   </a:cubicBezTo>
                   <a:lnTo>
-                    <a:pt x="0" y="719928"/>
+                    <a:pt x="562440" y="6858000"/>
+                  </a:lnTo>
+                  <a:cubicBezTo>
+                    <a:pt x="251813" y="6858000"/>
+                    <a:pt x="0" y="6606187"/>
+                    <a:pt x="0" y="6295560"/>
+                  </a:cubicBezTo>
+                  <a:lnTo>
+                    <a:pt x="0" y="562440"/>
+                  </a:lnTo>
+                  <a:cubicBezTo>
+                    <a:pt x="0" y="251813"/>
+                    <a:pt x="251813" y="0"/>
+                    <a:pt x="562440" y="0"/>
+                  </a:cubicBezTo>
+                  <a:close/>
+                </a:path>
+              </a:pathLst>
+            </a:custGeom>
+          </p:spPr>
+        </p:pic>
+        <p:sp>
+          <p:nvSpPr>
+            <p:cNvPr id="22" name="Freeform 21"/>
+            <p:cNvSpPr/>
+            <p:nvPr/>
+          </p:nvSpPr>
+          <p:spPr>
+            <a:xfrm>
+              <a:off x="6553200" y="5746928"/>
+              <a:ext cx="2941320" cy="851993"/>
+            </a:xfrm>
+            <a:custGeom>
+              <a:avLst/>
+              <a:gdLst>
+                <a:gd name="connsiteX0" fmla="*/ 19964 w 2941320"/>
+                <a:gd name="connsiteY0" fmla="*/ 0 h 851993"/>
+                <a:gd name="connsiteX1" fmla="*/ 2921356 w 2941320"/>
+                <a:gd name="connsiteY1" fmla="*/ 0 h 851993"/>
+                <a:gd name="connsiteX2" fmla="*/ 2941320 w 2941320"/>
+                <a:gd name="connsiteY2" fmla="*/ 98884 h 851993"/>
+                <a:gd name="connsiteX3" fmla="*/ 2941320 w 2941320"/>
+                <a:gd name="connsiteY3" fmla="*/ 545922 h 851993"/>
+                <a:gd name="connsiteX4" fmla="*/ 2635249 w 2941320"/>
+                <a:gd name="connsiteY4" fmla="*/ 851993 h 851993"/>
+                <a:gd name="connsiteX5" fmla="*/ 306071 w 2941320"/>
+                <a:gd name="connsiteY5" fmla="*/ 851993 h 851993"/>
+                <a:gd name="connsiteX6" fmla="*/ 0 w 2941320"/>
+                <a:gd name="connsiteY6" fmla="*/ 545922 h 851993"/>
+                <a:gd name="connsiteX7" fmla="*/ 0 w 2941320"/>
+                <a:gd name="connsiteY7" fmla="*/ 98884 h 851993"/>
+              </a:gdLst>
+              <a:ahLst/>
+              <a:cxnLst>
+                <a:cxn ang="0">
+                  <a:pos x="connsiteX0" y="connsiteY0"/>
+                </a:cxn>
+                <a:cxn ang="0">
+                  <a:pos x="connsiteX1" y="connsiteY1"/>
+                </a:cxn>
+                <a:cxn ang="0">
+                  <a:pos x="connsiteX2" y="connsiteY2"/>
+                </a:cxn>
+                <a:cxn ang="0">
+                  <a:pos x="connsiteX3" y="connsiteY3"/>
+                </a:cxn>
+                <a:cxn ang="0">
+                  <a:pos x="connsiteX4" y="connsiteY4"/>
+                </a:cxn>
+                <a:cxn ang="0">
+                  <a:pos x="connsiteX5" y="connsiteY5"/>
+                </a:cxn>
+                <a:cxn ang="0">
+                  <a:pos x="connsiteX6" y="connsiteY6"/>
+                </a:cxn>
+                <a:cxn ang="0">
+                  <a:pos x="connsiteX7" y="connsiteY7"/>
+                </a:cxn>
+              </a:cxnLst>
+              <a:rect l="l" t="t" r="r" b="b"/>
+              <a:pathLst>
+                <a:path w="2941320" h="851993">
+                  <a:moveTo>
+                    <a:pt x="19964" y="0"/>
+                  </a:moveTo>
+                  <a:lnTo>
+                    <a:pt x="2921356" y="0"/>
+                  </a:lnTo>
+                  <a:lnTo>
+                    <a:pt x="2941320" y="98884"/>
+                  </a:lnTo>
+                  <a:lnTo>
+                    <a:pt x="2941320" y="545922"/>
+                  </a:lnTo>
+                  <a:cubicBezTo>
+                    <a:pt x="2941320" y="714960"/>
+                    <a:pt x="2804287" y="851993"/>
+                    <a:pt x="2635249" y="851993"/>
+                  </a:cubicBezTo>
+                  <a:lnTo>
+                    <a:pt x="306071" y="851993"/>
+                  </a:lnTo>
+                  <a:cubicBezTo>
+                    <a:pt x="137033" y="851993"/>
+                    <a:pt x="0" y="714960"/>
+                    <a:pt x="0" y="545922"/>
+                  </a:cubicBezTo>
+                  <a:lnTo>
+                    <a:pt x="0" y="98884"/>
                   </a:lnTo>
                   <a:close/>
                 </a:path>
               </a:pathLst>
             </a:custGeom>
             <a:solidFill>
-              <a:srgbClr val="FFEBFF"/>
+              <a:srgbClr val="F4E1FF"/>
             </a:solidFill>
             <a:ln>
               <a:noFill/>
@@ -3151,258 +3306,210 @@
             <a:lstStyle/>
             <a:p>
               <a:pPr algn="ctr"/>
-              <a:endParaRPr lang="en-AU" dirty="0"/>
+              <a:endParaRPr lang="en-AU"/>
             </a:p>
           </p:txBody>
         </p:sp>
       </p:grpSp>
-      <p:sp>
-        <p:nvSpPr>
-          <p:cNvPr id="36" name="TextBox 35"/>
-          <p:cNvSpPr txBox="1"/>
+      <p:pic>
+        <p:nvPicPr>
+          <p:cNvPr id="23" name="Picture 22"/>
+          <p:cNvPicPr>
+            <a:picLocks noChangeAspect="1"/>
+          </p:cNvPicPr>
           <p:nvPr/>
-        </p:nvSpPr>
+        </p:nvPicPr>
+        <p:blipFill>
+          <a:blip r:embed="rId2">
+            <a:extLst>
+              <a:ext uri="{28A0092B-C50C-407E-A947-70E740481C1C}">
+                <a14:useLocalDpi xmlns:a14="http://schemas.microsoft.com/office/drawing/2010/main" val="0"/>
+              </a:ext>
+            </a:extLst>
+          </a:blip>
+          <a:srcRect l="1587"/>
+          <a:stretch>
+            <a:fillRect/>
+          </a:stretch>
+        </p:blipFill>
         <p:spPr>
           <a:xfrm>
-            <a:off x="2324100" y="5859780"/>
-            <a:ext cx="594360" cy="533400"/>
+            <a:off x="1014549" y="0"/>
+            <a:ext cx="3374571" cy="6858000"/>
+          </a:xfrm>
+          <a:custGeom>
+            <a:avLst/>
+            <a:gdLst>
+              <a:gd name="connsiteX0" fmla="*/ 280488 w 3374571"/>
+              <a:gd name="connsiteY0" fmla="*/ 624840 h 6858000"/>
+              <a:gd name="connsiteX1" fmla="*/ 280488 w 3374571"/>
+              <a:gd name="connsiteY1" fmla="*/ 5984534 h 6858000"/>
+              <a:gd name="connsiteX2" fmla="*/ 3107508 w 3374571"/>
+              <a:gd name="connsiteY2" fmla="*/ 5984534 h 6858000"/>
+              <a:gd name="connsiteX3" fmla="*/ 3107508 w 3374571"/>
+              <a:gd name="connsiteY3" fmla="*/ 624840 h 6858000"/>
+              <a:gd name="connsiteX4" fmla="*/ 562440 w 3374571"/>
+              <a:gd name="connsiteY4" fmla="*/ 0 h 6858000"/>
+              <a:gd name="connsiteX5" fmla="*/ 2812131 w 3374571"/>
+              <a:gd name="connsiteY5" fmla="*/ 0 h 6858000"/>
+              <a:gd name="connsiteX6" fmla="*/ 3374571 w 3374571"/>
+              <a:gd name="connsiteY6" fmla="*/ 562440 h 6858000"/>
+              <a:gd name="connsiteX7" fmla="*/ 3374571 w 3374571"/>
+              <a:gd name="connsiteY7" fmla="*/ 6295560 h 6858000"/>
+              <a:gd name="connsiteX8" fmla="*/ 2812131 w 3374571"/>
+              <a:gd name="connsiteY8" fmla="*/ 6858000 h 6858000"/>
+              <a:gd name="connsiteX9" fmla="*/ 562440 w 3374571"/>
+              <a:gd name="connsiteY9" fmla="*/ 6858000 h 6858000"/>
+              <a:gd name="connsiteX10" fmla="*/ 0 w 3374571"/>
+              <a:gd name="connsiteY10" fmla="*/ 6295560 h 6858000"/>
+              <a:gd name="connsiteX11" fmla="*/ 0 w 3374571"/>
+              <a:gd name="connsiteY11" fmla="*/ 562440 h 6858000"/>
+              <a:gd name="connsiteX12" fmla="*/ 562440 w 3374571"/>
+              <a:gd name="connsiteY12" fmla="*/ 0 h 6858000"/>
+            </a:gdLst>
+            <a:ahLst/>
+            <a:cxnLst>
+              <a:cxn ang="0">
+                <a:pos x="connsiteX0" y="connsiteY0"/>
+              </a:cxn>
+              <a:cxn ang="0">
+                <a:pos x="connsiteX1" y="connsiteY1"/>
+              </a:cxn>
+              <a:cxn ang="0">
+                <a:pos x="connsiteX2" y="connsiteY2"/>
+              </a:cxn>
+              <a:cxn ang="0">
+                <a:pos x="connsiteX3" y="connsiteY3"/>
+              </a:cxn>
+              <a:cxn ang="0">
+                <a:pos x="connsiteX4" y="connsiteY4"/>
+              </a:cxn>
+              <a:cxn ang="0">
+                <a:pos x="connsiteX5" y="connsiteY5"/>
+              </a:cxn>
+              <a:cxn ang="0">
+                <a:pos x="connsiteX6" y="connsiteY6"/>
+              </a:cxn>
+              <a:cxn ang="0">
+                <a:pos x="connsiteX7" y="connsiteY7"/>
+              </a:cxn>
+              <a:cxn ang="0">
+                <a:pos x="connsiteX8" y="connsiteY8"/>
+              </a:cxn>
+              <a:cxn ang="0">
+                <a:pos x="connsiteX9" y="connsiteY9"/>
+              </a:cxn>
+              <a:cxn ang="0">
+                <a:pos x="connsiteX10" y="connsiteY10"/>
+              </a:cxn>
+              <a:cxn ang="0">
+                <a:pos x="connsiteX11" y="connsiteY11"/>
+              </a:cxn>
+              <a:cxn ang="0">
+                <a:pos x="connsiteX12" y="connsiteY12"/>
+              </a:cxn>
+            </a:cxnLst>
+            <a:rect l="l" t="t" r="r" b="b"/>
+            <a:pathLst>
+              <a:path w="3374571" h="6858000">
+                <a:moveTo>
+                  <a:pt x="280488" y="624840"/>
+                </a:moveTo>
+                <a:lnTo>
+                  <a:pt x="280488" y="5984534"/>
+                </a:lnTo>
+                <a:lnTo>
+                  <a:pt x="3107508" y="5984534"/>
+                </a:lnTo>
+                <a:lnTo>
+                  <a:pt x="3107508" y="624840"/>
+                </a:lnTo>
+                <a:close/>
+                <a:moveTo>
+                  <a:pt x="562440" y="0"/>
+                </a:moveTo>
+                <a:lnTo>
+                  <a:pt x="2812131" y="0"/>
+                </a:lnTo>
+                <a:cubicBezTo>
+                  <a:pt x="3122758" y="0"/>
+                  <a:pt x="3374571" y="251813"/>
+                  <a:pt x="3374571" y="562440"/>
+                </a:cubicBezTo>
+                <a:lnTo>
+                  <a:pt x="3374571" y="6295560"/>
+                </a:lnTo>
+                <a:cubicBezTo>
+                  <a:pt x="3374571" y="6606187"/>
+                  <a:pt x="3122758" y="6858000"/>
+                  <a:pt x="2812131" y="6858000"/>
+                </a:cubicBezTo>
+                <a:lnTo>
+                  <a:pt x="562440" y="6858000"/>
+                </a:lnTo>
+                <a:cubicBezTo>
+                  <a:pt x="251813" y="6858000"/>
+                  <a:pt x="0" y="6606187"/>
+                  <a:pt x="0" y="6295560"/>
+                </a:cubicBezTo>
+                <a:lnTo>
+                  <a:pt x="0" y="562440"/>
+                </a:lnTo>
+                <a:cubicBezTo>
+                  <a:pt x="0" y="251813"/>
+                  <a:pt x="251813" y="0"/>
+                  <a:pt x="562440" y="0"/>
+                </a:cubicBezTo>
+                <a:close/>
+              </a:path>
+            </a:pathLst>
+          </a:custGeom>
+        </p:spPr>
+      </p:pic>
+    </p:spTree>
+    <p:extLst>
+      <p:ext uri="{BB962C8B-B14F-4D97-AF65-F5344CB8AC3E}">
+        <p14:creationId xmlns:p14="http://schemas.microsoft.com/office/powerpoint/2010/main" val="2715128838"/>
+      </p:ext>
+    </p:extLst>
+  </p:cSld>
+  <p:clrMapOvr>
+    <a:masterClrMapping/>
+  </p:clrMapOvr>
+</p:sld>
+</file>
+
+<file path=ppt/slides/slide2.xml><?xml version="1.0" encoding="utf-8"?>
+<p:sld xmlns:a="http://schemas.openxmlformats.org/drawingml/2006/main" xmlns:r="http://schemas.openxmlformats.org/officeDocument/2006/relationships" xmlns:p="http://schemas.openxmlformats.org/presentationml/2006/main">
+  <p:cSld>
+    <p:spTree>
+      <p:nvGrpSpPr>
+        <p:cNvPr id="1" name=""/>
+        <p:cNvGrpSpPr/>
+        <p:nvPr/>
+      </p:nvGrpSpPr>
+      <p:grpSpPr>
+        <a:xfrm>
+          <a:off x="0" y="0"/>
+          <a:ext cx="0" cy="0"/>
+          <a:chOff x="0" y="0"/>
+          <a:chExt cx="0" cy="0"/>
+        </a:xfrm>
+      </p:grpSpPr>
+      <p:sp>
+        <p:nvSpPr>
+          <p:cNvPr id="20" name="Rectangle 19"/>
+          <p:cNvSpPr/>
+          <p:nvPr/>
+        </p:nvSpPr>
+        <p:spPr>
+          <a:xfrm>
+            <a:off x="480060" y="175260"/>
+            <a:ext cx="10828020" cy="5996940"/>
           </a:xfrm>
           <a:prstGeom prst="rect">
             <a:avLst/>
           </a:prstGeom>
-          <a:noFill/>
-        </p:spPr>
-        <p:txBody>
-          <a:bodyPr wrap="square" rtlCol="0">
-            <a:spAutoFit/>
-          </a:bodyPr>
-          <a:lstStyle/>
-          <a:p>
-            <a:endParaRPr lang="en-AU" dirty="0"/>
-          </a:p>
-        </p:txBody>
-      </p:sp>
-      <p:sp>
-        <p:nvSpPr>
-          <p:cNvPr id="38" name="TextBox 37"/>
-          <p:cNvSpPr txBox="1"/>
-          <p:nvPr/>
-        </p:nvSpPr>
-        <p:spPr>
-          <a:xfrm>
-            <a:off x="2164080" y="5631240"/>
-            <a:ext cx="678180" cy="523220"/>
-          </a:xfrm>
-          <a:prstGeom prst="rect">
-            <a:avLst/>
-          </a:prstGeom>
-          <a:noFill/>
-        </p:spPr>
-        <p:txBody>
-          <a:bodyPr wrap="square" rtlCol="0">
-            <a:spAutoFit/>
-          </a:bodyPr>
-          <a:lstStyle/>
-          <a:p>
-            <a:pPr algn="ctr"/>
-            <a:r>
-              <a:rPr lang="en-AU" b="1" dirty="0" smtClean="0">
-                <a:solidFill>
-                  <a:srgbClr val="9510E4"/>
-                </a:solidFill>
-              </a:rPr>
-              <a:t>🚲</a:t>
-            </a:r>
-            <a:br>
-              <a:rPr lang="en-AU" b="1" dirty="0" smtClean="0">
-                <a:solidFill>
-                  <a:srgbClr val="9510E4"/>
-                </a:solidFill>
-              </a:rPr>
-            </a:br>
-            <a:r>
-              <a:rPr lang="en-AU" sz="1000" b="1" dirty="0" smtClean="0">
-                <a:solidFill>
-                  <a:srgbClr val="9510E4"/>
-                </a:solidFill>
-              </a:rPr>
-              <a:t>My </a:t>
-            </a:r>
-            <a:r>
-              <a:rPr lang="en-AU" sz="1000" b="1" dirty="0">
-                <a:solidFill>
-                  <a:srgbClr val="9510E4"/>
-                </a:solidFill>
-              </a:rPr>
-              <a:t>Rides</a:t>
-            </a:r>
-          </a:p>
-        </p:txBody>
-      </p:sp>
-      <p:sp>
-        <p:nvSpPr>
-          <p:cNvPr id="45" name="TextBox 44"/>
-          <p:cNvSpPr txBox="1"/>
-          <p:nvPr/>
-        </p:nvSpPr>
-        <p:spPr>
-          <a:xfrm>
-            <a:off x="3520440" y="5612160"/>
-            <a:ext cx="678180" cy="523220"/>
-          </a:xfrm>
-          <a:prstGeom prst="rect">
-            <a:avLst/>
-          </a:prstGeom>
-          <a:noFill/>
-        </p:spPr>
-        <p:txBody>
-          <a:bodyPr wrap="square" rtlCol="0">
-            <a:spAutoFit/>
-          </a:bodyPr>
-          <a:lstStyle/>
-          <a:p>
-            <a:pPr algn="ctr"/>
-            <a:r>
-              <a:rPr lang="en-AU" b="1" dirty="0">
-                <a:solidFill>
-                  <a:schemeClr val="bg1">
-                    <a:lumMod val="50000"/>
-                  </a:schemeClr>
-                </a:solidFill>
-              </a:rPr>
-              <a:t>🌐</a:t>
-            </a:r>
-            <a:r>
-              <a:rPr lang="en-AU" b="1" dirty="0" smtClean="0">
-                <a:solidFill>
-                  <a:schemeClr val="bg1">
-                    <a:lumMod val="50000"/>
-                  </a:schemeClr>
-                </a:solidFill>
-              </a:rPr>
-              <a:t/>
-            </a:r>
-            <a:br>
-              <a:rPr lang="en-AU" b="1" dirty="0" smtClean="0">
-                <a:solidFill>
-                  <a:schemeClr val="bg1">
-                    <a:lumMod val="50000"/>
-                  </a:schemeClr>
-                </a:solidFill>
-              </a:rPr>
-            </a:br>
-            <a:r>
-              <a:rPr lang="en-AU" sz="1000" b="1" dirty="0" smtClean="0">
-                <a:solidFill>
-                  <a:schemeClr val="bg1">
-                    <a:lumMod val="50000"/>
-                  </a:schemeClr>
-                </a:solidFill>
-              </a:rPr>
-              <a:t>Explore</a:t>
-            </a:r>
-            <a:endParaRPr lang="en-AU" sz="1000" b="1" dirty="0">
-              <a:solidFill>
-                <a:schemeClr val="bg1">
-                  <a:lumMod val="50000"/>
-                </a:schemeClr>
-              </a:solidFill>
-            </a:endParaRPr>
-          </a:p>
-        </p:txBody>
-      </p:sp>
-      <p:sp>
-        <p:nvSpPr>
-          <p:cNvPr id="46" name="TextBox 45"/>
-          <p:cNvSpPr txBox="1"/>
-          <p:nvPr/>
-        </p:nvSpPr>
-        <p:spPr>
-          <a:xfrm>
-            <a:off x="4198620" y="5631240"/>
-            <a:ext cx="678180" cy="523220"/>
-          </a:xfrm>
-          <a:prstGeom prst="rect">
-            <a:avLst/>
-          </a:prstGeom>
-          <a:noFill/>
-        </p:spPr>
-        <p:txBody>
-          <a:bodyPr wrap="square" rtlCol="0">
-            <a:spAutoFit/>
-          </a:bodyPr>
-          <a:lstStyle/>
-          <a:p>
-            <a:pPr algn="ctr"/>
-            <a:r>
-              <a:rPr lang="en-AU" b="1" dirty="0">
-                <a:solidFill>
-                  <a:schemeClr val="bg1">
-                    <a:lumMod val="50000"/>
-                  </a:schemeClr>
-                </a:solidFill>
-              </a:rPr>
-              <a:t>👤</a:t>
-            </a:r>
-            <a:r>
-              <a:rPr lang="en-AU" b="1" dirty="0" smtClean="0">
-                <a:solidFill>
-                  <a:schemeClr val="bg1">
-                    <a:lumMod val="50000"/>
-                  </a:schemeClr>
-                </a:solidFill>
-              </a:rPr>
-              <a:t/>
-            </a:r>
-            <a:br>
-              <a:rPr lang="en-AU" b="1" dirty="0" smtClean="0">
-                <a:solidFill>
-                  <a:schemeClr val="bg1">
-                    <a:lumMod val="50000"/>
-                  </a:schemeClr>
-                </a:solidFill>
-              </a:rPr>
-            </a:br>
-            <a:r>
-              <a:rPr lang="en-AU" sz="1000" b="1" dirty="0" smtClean="0">
-                <a:solidFill>
-                  <a:schemeClr val="bg1">
-                    <a:lumMod val="50000"/>
-                  </a:schemeClr>
-                </a:solidFill>
-              </a:rPr>
-              <a:t>Profile</a:t>
-            </a:r>
-            <a:endParaRPr lang="en-AU" sz="1000" b="1" dirty="0">
-              <a:solidFill>
-                <a:schemeClr val="bg1">
-                  <a:lumMod val="50000"/>
-                </a:schemeClr>
-              </a:solidFill>
-            </a:endParaRPr>
-          </a:p>
-        </p:txBody>
-      </p:sp>
-      <p:sp>
-        <p:nvSpPr>
-          <p:cNvPr id="8" name="Oval 7"/>
-          <p:cNvSpPr/>
-          <p:nvPr/>
-        </p:nvSpPr>
-        <p:spPr>
-          <a:xfrm>
-            <a:off x="3036665" y="5646480"/>
-            <a:ext cx="327471" cy="338054"/>
-          </a:xfrm>
-          <a:prstGeom prst="ellipse">
-            <a:avLst/>
-          </a:prstGeom>
-          <a:solidFill>
-            <a:srgbClr val="FFC3FF"/>
-          </a:solidFill>
-          <a:ln>
-            <a:noFill/>
-          </a:ln>
         </p:spPr>
         <p:style>
           <a:lnRef idx="2">
@@ -3425,82 +3532,1264 @@
           <a:lstStyle/>
           <a:p>
             <a:pPr algn="ctr"/>
-            <a:endParaRPr lang="en-AU">
+            <a:endParaRPr lang="en-AU"/>
+          </a:p>
+        </p:txBody>
+      </p:sp>
+      <p:grpSp>
+        <p:nvGrpSpPr>
+          <p:cNvPr id="2" name="Group 1"/>
+          <p:cNvGrpSpPr/>
+          <p:nvPr/>
+        </p:nvGrpSpPr>
+        <p:grpSpPr>
+          <a:xfrm>
+            <a:off x="1767587" y="0"/>
+            <a:ext cx="3374571" cy="6858000"/>
+            <a:chOff x="4950097" y="0"/>
+            <a:chExt cx="3374571" cy="6858000"/>
+          </a:xfrm>
+        </p:grpSpPr>
+        <p:grpSp>
+          <p:nvGrpSpPr>
+            <p:cNvPr id="33" name="Group 32"/>
+            <p:cNvGrpSpPr/>
+            <p:nvPr/>
+          </p:nvGrpSpPr>
+          <p:grpSpPr>
+            <a:xfrm>
+              <a:off x="4950097" y="0"/>
+              <a:ext cx="3374571" cy="6858000"/>
+              <a:chOff x="6333672" y="0"/>
+              <a:chExt cx="3374571" cy="6858000"/>
+            </a:xfrm>
+          </p:grpSpPr>
+          <p:pic>
+            <p:nvPicPr>
+              <p:cNvPr id="36" name="Picture 35"/>
+              <p:cNvPicPr>
+                <a:picLocks noChangeAspect="1"/>
+              </p:cNvPicPr>
+              <p:nvPr/>
+            </p:nvPicPr>
+            <p:blipFill>
+              <a:blip r:embed="rId2">
+                <a:extLst>
+                  <a:ext uri="{28A0092B-C50C-407E-A947-70E740481C1C}">
+                    <a14:useLocalDpi xmlns:a14="http://schemas.microsoft.com/office/drawing/2010/main" val="0"/>
+                  </a:ext>
+                </a:extLst>
+              </a:blip>
+              <a:srcRect l="1587"/>
+              <a:stretch>
+                <a:fillRect/>
+              </a:stretch>
+            </p:blipFill>
+            <p:spPr>
+              <a:xfrm>
+                <a:off x="6333672" y="0"/>
+                <a:ext cx="3374571" cy="6858000"/>
+              </a:xfrm>
+              <a:custGeom>
+                <a:avLst/>
+                <a:gdLst>
+                  <a:gd name="connsiteX0" fmla="*/ 280488 w 3374571"/>
+                  <a:gd name="connsiteY0" fmla="*/ 624840 h 6858000"/>
+                  <a:gd name="connsiteX1" fmla="*/ 280488 w 3374571"/>
+                  <a:gd name="connsiteY1" fmla="*/ 5984534 h 6858000"/>
+                  <a:gd name="connsiteX2" fmla="*/ 3107508 w 3374571"/>
+                  <a:gd name="connsiteY2" fmla="*/ 5984534 h 6858000"/>
+                  <a:gd name="connsiteX3" fmla="*/ 3107508 w 3374571"/>
+                  <a:gd name="connsiteY3" fmla="*/ 624840 h 6858000"/>
+                  <a:gd name="connsiteX4" fmla="*/ 562440 w 3374571"/>
+                  <a:gd name="connsiteY4" fmla="*/ 0 h 6858000"/>
+                  <a:gd name="connsiteX5" fmla="*/ 2812131 w 3374571"/>
+                  <a:gd name="connsiteY5" fmla="*/ 0 h 6858000"/>
+                  <a:gd name="connsiteX6" fmla="*/ 3374571 w 3374571"/>
+                  <a:gd name="connsiteY6" fmla="*/ 562440 h 6858000"/>
+                  <a:gd name="connsiteX7" fmla="*/ 3374571 w 3374571"/>
+                  <a:gd name="connsiteY7" fmla="*/ 6295560 h 6858000"/>
+                  <a:gd name="connsiteX8" fmla="*/ 2812131 w 3374571"/>
+                  <a:gd name="connsiteY8" fmla="*/ 6858000 h 6858000"/>
+                  <a:gd name="connsiteX9" fmla="*/ 562440 w 3374571"/>
+                  <a:gd name="connsiteY9" fmla="*/ 6858000 h 6858000"/>
+                  <a:gd name="connsiteX10" fmla="*/ 0 w 3374571"/>
+                  <a:gd name="connsiteY10" fmla="*/ 6295560 h 6858000"/>
+                  <a:gd name="connsiteX11" fmla="*/ 0 w 3374571"/>
+                  <a:gd name="connsiteY11" fmla="*/ 562440 h 6858000"/>
+                  <a:gd name="connsiteX12" fmla="*/ 562440 w 3374571"/>
+                  <a:gd name="connsiteY12" fmla="*/ 0 h 6858000"/>
+                </a:gdLst>
+                <a:ahLst/>
+                <a:cxnLst>
+                  <a:cxn ang="0">
+                    <a:pos x="connsiteX0" y="connsiteY0"/>
+                  </a:cxn>
+                  <a:cxn ang="0">
+                    <a:pos x="connsiteX1" y="connsiteY1"/>
+                  </a:cxn>
+                  <a:cxn ang="0">
+                    <a:pos x="connsiteX2" y="connsiteY2"/>
+                  </a:cxn>
+                  <a:cxn ang="0">
+                    <a:pos x="connsiteX3" y="connsiteY3"/>
+                  </a:cxn>
+                  <a:cxn ang="0">
+                    <a:pos x="connsiteX4" y="connsiteY4"/>
+                  </a:cxn>
+                  <a:cxn ang="0">
+                    <a:pos x="connsiteX5" y="connsiteY5"/>
+                  </a:cxn>
+                  <a:cxn ang="0">
+                    <a:pos x="connsiteX6" y="connsiteY6"/>
+                  </a:cxn>
+                  <a:cxn ang="0">
+                    <a:pos x="connsiteX7" y="connsiteY7"/>
+                  </a:cxn>
+                  <a:cxn ang="0">
+                    <a:pos x="connsiteX8" y="connsiteY8"/>
+                  </a:cxn>
+                  <a:cxn ang="0">
+                    <a:pos x="connsiteX9" y="connsiteY9"/>
+                  </a:cxn>
+                  <a:cxn ang="0">
+                    <a:pos x="connsiteX10" y="connsiteY10"/>
+                  </a:cxn>
+                  <a:cxn ang="0">
+                    <a:pos x="connsiteX11" y="connsiteY11"/>
+                  </a:cxn>
+                  <a:cxn ang="0">
+                    <a:pos x="connsiteX12" y="connsiteY12"/>
+                  </a:cxn>
+                </a:cxnLst>
+                <a:rect l="l" t="t" r="r" b="b"/>
+                <a:pathLst>
+                  <a:path w="3374571" h="6858000">
+                    <a:moveTo>
+                      <a:pt x="280488" y="624840"/>
+                    </a:moveTo>
+                    <a:lnTo>
+                      <a:pt x="280488" y="5984534"/>
+                    </a:lnTo>
+                    <a:lnTo>
+                      <a:pt x="3107508" y="5984534"/>
+                    </a:lnTo>
+                    <a:lnTo>
+                      <a:pt x="3107508" y="624840"/>
+                    </a:lnTo>
+                    <a:close/>
+                    <a:moveTo>
+                      <a:pt x="562440" y="0"/>
+                    </a:moveTo>
+                    <a:lnTo>
+                      <a:pt x="2812131" y="0"/>
+                    </a:lnTo>
+                    <a:cubicBezTo>
+                      <a:pt x="3122758" y="0"/>
+                      <a:pt x="3374571" y="251813"/>
+                      <a:pt x="3374571" y="562440"/>
+                    </a:cubicBezTo>
+                    <a:lnTo>
+                      <a:pt x="3374571" y="6295560"/>
+                    </a:lnTo>
+                    <a:cubicBezTo>
+                      <a:pt x="3374571" y="6606187"/>
+                      <a:pt x="3122758" y="6858000"/>
+                      <a:pt x="2812131" y="6858000"/>
+                    </a:cubicBezTo>
+                    <a:lnTo>
+                      <a:pt x="562440" y="6858000"/>
+                    </a:lnTo>
+                    <a:cubicBezTo>
+                      <a:pt x="251813" y="6858000"/>
+                      <a:pt x="0" y="6606187"/>
+                      <a:pt x="0" y="6295560"/>
+                    </a:cubicBezTo>
+                    <a:lnTo>
+                      <a:pt x="0" y="562440"/>
+                    </a:lnTo>
+                    <a:cubicBezTo>
+                      <a:pt x="0" y="251813"/>
+                      <a:pt x="251813" y="0"/>
+                      <a:pt x="562440" y="0"/>
+                    </a:cubicBezTo>
+                    <a:close/>
+                  </a:path>
+                </a:pathLst>
+              </a:custGeom>
+            </p:spPr>
+          </p:pic>
+          <p:sp>
+            <p:nvSpPr>
+              <p:cNvPr id="44" name="Freeform 43"/>
+              <p:cNvSpPr/>
+              <p:nvPr/>
+            </p:nvSpPr>
+            <p:spPr>
+              <a:xfrm>
+                <a:off x="6553200" y="5746928"/>
+                <a:ext cx="2941320" cy="851993"/>
+              </a:xfrm>
+              <a:custGeom>
+                <a:avLst/>
+                <a:gdLst>
+                  <a:gd name="connsiteX0" fmla="*/ 19964 w 2941320"/>
+                  <a:gd name="connsiteY0" fmla="*/ 0 h 851993"/>
+                  <a:gd name="connsiteX1" fmla="*/ 2921356 w 2941320"/>
+                  <a:gd name="connsiteY1" fmla="*/ 0 h 851993"/>
+                  <a:gd name="connsiteX2" fmla="*/ 2941320 w 2941320"/>
+                  <a:gd name="connsiteY2" fmla="*/ 98884 h 851993"/>
+                  <a:gd name="connsiteX3" fmla="*/ 2941320 w 2941320"/>
+                  <a:gd name="connsiteY3" fmla="*/ 545922 h 851993"/>
+                  <a:gd name="connsiteX4" fmla="*/ 2635249 w 2941320"/>
+                  <a:gd name="connsiteY4" fmla="*/ 851993 h 851993"/>
+                  <a:gd name="connsiteX5" fmla="*/ 306071 w 2941320"/>
+                  <a:gd name="connsiteY5" fmla="*/ 851993 h 851993"/>
+                  <a:gd name="connsiteX6" fmla="*/ 0 w 2941320"/>
+                  <a:gd name="connsiteY6" fmla="*/ 545922 h 851993"/>
+                  <a:gd name="connsiteX7" fmla="*/ 0 w 2941320"/>
+                  <a:gd name="connsiteY7" fmla="*/ 98884 h 851993"/>
+                </a:gdLst>
+                <a:ahLst/>
+                <a:cxnLst>
+                  <a:cxn ang="0">
+                    <a:pos x="connsiteX0" y="connsiteY0"/>
+                  </a:cxn>
+                  <a:cxn ang="0">
+                    <a:pos x="connsiteX1" y="connsiteY1"/>
+                  </a:cxn>
+                  <a:cxn ang="0">
+                    <a:pos x="connsiteX2" y="connsiteY2"/>
+                  </a:cxn>
+                  <a:cxn ang="0">
+                    <a:pos x="connsiteX3" y="connsiteY3"/>
+                  </a:cxn>
+                  <a:cxn ang="0">
+                    <a:pos x="connsiteX4" y="connsiteY4"/>
+                  </a:cxn>
+                  <a:cxn ang="0">
+                    <a:pos x="connsiteX5" y="connsiteY5"/>
+                  </a:cxn>
+                  <a:cxn ang="0">
+                    <a:pos x="connsiteX6" y="connsiteY6"/>
+                  </a:cxn>
+                  <a:cxn ang="0">
+                    <a:pos x="connsiteX7" y="connsiteY7"/>
+                  </a:cxn>
+                </a:cxnLst>
+                <a:rect l="l" t="t" r="r" b="b"/>
+                <a:pathLst>
+                  <a:path w="2941320" h="851993">
+                    <a:moveTo>
+                      <a:pt x="19964" y="0"/>
+                    </a:moveTo>
+                    <a:lnTo>
+                      <a:pt x="2921356" y="0"/>
+                    </a:lnTo>
+                    <a:lnTo>
+                      <a:pt x="2941320" y="98884"/>
+                    </a:lnTo>
+                    <a:lnTo>
+                      <a:pt x="2941320" y="545922"/>
+                    </a:lnTo>
+                    <a:cubicBezTo>
+                      <a:pt x="2941320" y="714960"/>
+                      <a:pt x="2804287" y="851993"/>
+                      <a:pt x="2635249" y="851993"/>
+                    </a:cubicBezTo>
+                    <a:lnTo>
+                      <a:pt x="306071" y="851993"/>
+                    </a:lnTo>
+                    <a:cubicBezTo>
+                      <a:pt x="137033" y="851993"/>
+                      <a:pt x="0" y="714960"/>
+                      <a:pt x="0" y="545922"/>
+                    </a:cubicBezTo>
+                    <a:lnTo>
+                      <a:pt x="0" y="98884"/>
+                    </a:lnTo>
+                    <a:close/>
+                  </a:path>
+                </a:pathLst>
+              </a:custGeom>
               <a:solidFill>
-                <a:schemeClr val="bg1">
-                  <a:lumMod val="50000"/>
+                <a:srgbClr val="F4E1FF"/>
+              </a:solidFill>
+              <a:ln>
+                <a:noFill/>
+              </a:ln>
+            </p:spPr>
+            <p:style>
+              <a:lnRef idx="2">
+                <a:schemeClr val="accent1">
+                  <a:shade val="50000"/>
                 </a:schemeClr>
-              </a:solidFill>
-            </a:endParaRPr>
-          </a:p>
-        </p:txBody>
-      </p:sp>
-      <p:sp>
-        <p:nvSpPr>
-          <p:cNvPr id="39" name="TextBox 38"/>
-          <p:cNvSpPr txBox="1"/>
-          <p:nvPr/>
-        </p:nvSpPr>
-        <p:spPr>
-          <a:xfrm>
-            <a:off x="2842260" y="5631180"/>
-            <a:ext cx="701040" cy="527060"/>
-          </a:xfrm>
-          <a:prstGeom prst="rect">
-            <a:avLst/>
-          </a:prstGeom>
-          <a:noFill/>
-        </p:spPr>
-        <p:txBody>
-          <a:bodyPr wrap="square" rtlCol="0">
-            <a:spAutoFit/>
-          </a:bodyPr>
-          <a:lstStyle/>
-          <a:p>
-            <a:pPr algn="ctr"/>
-            <a:r>
-              <a:rPr lang="en-AU" b="1" dirty="0" smtClean="0">
+              </a:lnRef>
+              <a:fillRef idx="1">
+                <a:schemeClr val="accent1"/>
+              </a:fillRef>
+              <a:effectRef idx="0">
+                <a:schemeClr val="accent1"/>
+              </a:effectRef>
+              <a:fontRef idx="minor">
+                <a:schemeClr val="lt1"/>
+              </a:fontRef>
+            </p:style>
+            <p:txBody>
+              <a:bodyPr rtlCol="0" anchor="ctr"/>
+              <a:lstStyle/>
+              <a:p>
+                <a:pPr algn="ctr"/>
+                <a:endParaRPr lang="en-AU"/>
+              </a:p>
+            </p:txBody>
+          </p:sp>
+        </p:grpSp>
+        <p:sp>
+          <p:nvSpPr>
+            <p:cNvPr id="38" name="TextBox 37"/>
+            <p:cNvSpPr txBox="1"/>
+            <p:nvPr/>
+          </p:nvSpPr>
+          <p:spPr>
+            <a:xfrm>
+              <a:off x="5321859" y="5848701"/>
+              <a:ext cx="678180" cy="523220"/>
+            </a:xfrm>
+            <a:prstGeom prst="rect">
+              <a:avLst/>
+            </a:prstGeom>
+            <a:noFill/>
+          </p:spPr>
+          <p:txBody>
+            <a:bodyPr wrap="square" rtlCol="0">
+              <a:spAutoFit/>
+            </a:bodyPr>
+            <a:lstStyle/>
+            <a:p>
+              <a:pPr algn="ctr"/>
+              <a:r>
+                <a:rPr lang="en-AU" b="1" dirty="0" smtClean="0">
+                  <a:solidFill>
+                    <a:srgbClr val="9510E4"/>
+                  </a:solidFill>
+                </a:rPr>
+                <a:t>🚲</a:t>
+              </a:r>
+              <a:br>
+                <a:rPr lang="en-AU" b="1" dirty="0" smtClean="0">
+                  <a:solidFill>
+                    <a:srgbClr val="9510E4"/>
+                  </a:solidFill>
+                </a:rPr>
+              </a:br>
+              <a:r>
+                <a:rPr lang="en-AU" sz="1000" b="1" dirty="0" smtClean="0">
+                  <a:solidFill>
+                    <a:srgbClr val="9510E4"/>
+                  </a:solidFill>
+                </a:rPr>
+                <a:t>My </a:t>
+              </a:r>
+              <a:r>
+                <a:rPr lang="en-AU" sz="1000" b="1" dirty="0">
+                  <a:solidFill>
+                    <a:srgbClr val="9510E4"/>
+                  </a:solidFill>
+                </a:rPr>
+                <a:t>Rides</a:t>
+              </a:r>
+            </a:p>
+          </p:txBody>
+        </p:sp>
+        <p:sp>
+          <p:nvSpPr>
+            <p:cNvPr id="45" name="TextBox 44"/>
+            <p:cNvSpPr txBox="1"/>
+            <p:nvPr/>
+          </p:nvSpPr>
+          <p:spPr>
+            <a:xfrm>
+              <a:off x="6701079" y="5849717"/>
+              <a:ext cx="678180" cy="523220"/>
+            </a:xfrm>
+            <a:prstGeom prst="rect">
+              <a:avLst/>
+            </a:prstGeom>
+            <a:noFill/>
+          </p:spPr>
+          <p:txBody>
+            <a:bodyPr wrap="square" rtlCol="0">
+              <a:spAutoFit/>
+            </a:bodyPr>
+            <a:lstStyle/>
+            <a:p>
+              <a:pPr algn="ctr"/>
+              <a:r>
+                <a:rPr lang="en-AU" b="1" dirty="0">
+                  <a:solidFill>
+                    <a:schemeClr val="bg1">
+                      <a:lumMod val="50000"/>
+                    </a:schemeClr>
+                  </a:solidFill>
+                </a:rPr>
+                <a:t>🌐</a:t>
+              </a:r>
+              <a:r>
+                <a:rPr lang="en-AU" b="1" dirty="0" smtClean="0">
+                  <a:solidFill>
+                    <a:schemeClr val="bg1">
+                      <a:lumMod val="50000"/>
+                    </a:schemeClr>
+                  </a:solidFill>
+                </a:rPr>
+                <a:t/>
+              </a:r>
+              <a:br>
+                <a:rPr lang="en-AU" b="1" dirty="0" smtClean="0">
+                  <a:solidFill>
+                    <a:schemeClr val="bg1">
+                      <a:lumMod val="50000"/>
+                    </a:schemeClr>
+                  </a:solidFill>
+                </a:rPr>
+              </a:br>
+              <a:r>
+                <a:rPr lang="en-AU" sz="1000" b="1" dirty="0" smtClean="0">
+                  <a:solidFill>
+                    <a:schemeClr val="bg1">
+                      <a:lumMod val="50000"/>
+                    </a:schemeClr>
+                  </a:solidFill>
+                </a:rPr>
+                <a:t>Explore</a:t>
+              </a:r>
+              <a:endParaRPr lang="en-AU" sz="1000" b="1" dirty="0">
                 <a:solidFill>
                   <a:schemeClr val="bg1">
                     <a:lumMod val="50000"/>
                   </a:schemeClr>
                 </a:solidFill>
-              </a:rPr>
-              <a:t>🚲</a:t>
-            </a:r>
-            <a:br>
-              <a:rPr lang="en-AU" b="1" dirty="0" smtClean="0">
+              </a:endParaRPr>
+            </a:p>
+          </p:txBody>
+        </p:sp>
+        <p:sp>
+          <p:nvSpPr>
+            <p:cNvPr id="46" name="TextBox 45"/>
+            <p:cNvSpPr txBox="1"/>
+            <p:nvPr/>
+          </p:nvSpPr>
+          <p:spPr>
+            <a:xfrm>
+              <a:off x="7379259" y="5848701"/>
+              <a:ext cx="678180" cy="523220"/>
+            </a:xfrm>
+            <a:prstGeom prst="rect">
+              <a:avLst/>
+            </a:prstGeom>
+            <a:noFill/>
+          </p:spPr>
+          <p:txBody>
+            <a:bodyPr wrap="square" rtlCol="0">
+              <a:spAutoFit/>
+            </a:bodyPr>
+            <a:lstStyle/>
+            <a:p>
+              <a:pPr algn="ctr"/>
+              <a:r>
+                <a:rPr lang="en-AU" b="1" dirty="0">
+                  <a:solidFill>
+                    <a:schemeClr val="bg1">
+                      <a:lumMod val="50000"/>
+                    </a:schemeClr>
+                  </a:solidFill>
+                </a:rPr>
+                <a:t>👤</a:t>
+              </a:r>
+              <a:r>
+                <a:rPr lang="en-AU" b="1" dirty="0" smtClean="0">
+                  <a:solidFill>
+                    <a:schemeClr val="bg1">
+                      <a:lumMod val="50000"/>
+                    </a:schemeClr>
+                  </a:solidFill>
+                </a:rPr>
+                <a:t/>
+              </a:r>
+              <a:br>
+                <a:rPr lang="en-AU" b="1" dirty="0" smtClean="0">
+                  <a:solidFill>
+                    <a:schemeClr val="bg1">
+                      <a:lumMod val="50000"/>
+                    </a:schemeClr>
+                  </a:solidFill>
+                </a:rPr>
+              </a:br>
+              <a:r>
+                <a:rPr lang="en-AU" sz="1000" b="1" dirty="0" smtClean="0">
+                  <a:solidFill>
+                    <a:schemeClr val="bg1">
+                      <a:lumMod val="50000"/>
+                    </a:schemeClr>
+                  </a:solidFill>
+                </a:rPr>
+                <a:t>Profile</a:t>
+              </a:r>
+              <a:endParaRPr lang="en-AU" sz="1000" b="1" dirty="0">
                 <a:solidFill>
                   <a:schemeClr val="bg1">
                     <a:lumMod val="50000"/>
                   </a:schemeClr>
                 </a:solidFill>
-              </a:rPr>
-            </a:br>
-            <a:r>
-              <a:rPr lang="en-AU" sz="1000" b="1" dirty="0" smtClean="0">
+              </a:endParaRPr>
+            </a:p>
+          </p:txBody>
+        </p:sp>
+        <p:sp>
+          <p:nvSpPr>
+            <p:cNvPr id="8" name="Oval 7"/>
+            <p:cNvSpPr/>
+            <p:nvPr/>
+          </p:nvSpPr>
+          <p:spPr>
+            <a:xfrm>
+              <a:off x="6194444" y="5863941"/>
+              <a:ext cx="327471" cy="338054"/>
+            </a:xfrm>
+            <a:prstGeom prst="ellipse">
+              <a:avLst/>
+            </a:prstGeom>
+            <a:solidFill>
+              <a:srgbClr val="FFC3FF"/>
+            </a:solidFill>
+            <a:ln>
+              <a:noFill/>
+            </a:ln>
+          </p:spPr>
+          <p:style>
+            <a:lnRef idx="2">
+              <a:schemeClr val="accent1">
+                <a:shade val="50000"/>
+              </a:schemeClr>
+            </a:lnRef>
+            <a:fillRef idx="1">
+              <a:schemeClr val="accent1"/>
+            </a:fillRef>
+            <a:effectRef idx="0">
+              <a:schemeClr val="accent1"/>
+            </a:effectRef>
+            <a:fontRef idx="minor">
+              <a:schemeClr val="lt1"/>
+            </a:fontRef>
+          </p:style>
+          <p:txBody>
+            <a:bodyPr rtlCol="0" anchor="ctr"/>
+            <a:lstStyle/>
+            <a:p>
+              <a:pPr algn="ctr"/>
+              <a:endParaRPr lang="en-AU">
                 <a:solidFill>
                   <a:schemeClr val="bg1">
                     <a:lumMod val="50000"/>
                   </a:schemeClr>
                 </a:solidFill>
-              </a:rPr>
-              <a:t>My Bikes</a:t>
-            </a:r>
-            <a:endParaRPr lang="en-AU" sz="1000" b="1" dirty="0">
+              </a:endParaRPr>
+            </a:p>
+          </p:txBody>
+        </p:sp>
+        <p:sp>
+          <p:nvSpPr>
+            <p:cNvPr id="39" name="TextBox 38"/>
+            <p:cNvSpPr txBox="1"/>
+            <p:nvPr/>
+          </p:nvSpPr>
+          <p:spPr>
+            <a:xfrm>
+              <a:off x="6000039" y="5848641"/>
+              <a:ext cx="701040" cy="527060"/>
+            </a:xfrm>
+            <a:prstGeom prst="rect">
+              <a:avLst/>
+            </a:prstGeom>
+            <a:noFill/>
+          </p:spPr>
+          <p:txBody>
+            <a:bodyPr wrap="square" rtlCol="0">
+              <a:spAutoFit/>
+            </a:bodyPr>
+            <a:lstStyle/>
+            <a:p>
+              <a:pPr algn="ctr"/>
+              <a:r>
+                <a:rPr lang="en-AU" b="1" dirty="0" smtClean="0">
+                  <a:solidFill>
+                    <a:schemeClr val="bg1">
+                      <a:lumMod val="50000"/>
+                    </a:schemeClr>
+                  </a:solidFill>
+                </a:rPr>
+                <a:t>🚲</a:t>
+              </a:r>
+              <a:br>
+                <a:rPr lang="en-AU" b="1" dirty="0" smtClean="0">
+                  <a:solidFill>
+                    <a:schemeClr val="bg1">
+                      <a:lumMod val="50000"/>
+                    </a:schemeClr>
+                  </a:solidFill>
+                </a:rPr>
+              </a:br>
+              <a:r>
+                <a:rPr lang="en-AU" sz="1000" b="1" dirty="0" smtClean="0">
+                  <a:solidFill>
+                    <a:schemeClr val="bg1">
+                      <a:lumMod val="50000"/>
+                    </a:schemeClr>
+                  </a:solidFill>
+                </a:rPr>
+                <a:t>My Bikes</a:t>
+              </a:r>
+              <a:endParaRPr lang="en-AU" sz="1000" b="1" dirty="0">
+                <a:solidFill>
+                  <a:schemeClr val="bg1">
+                    <a:lumMod val="50000"/>
+                  </a:schemeClr>
+                </a:solidFill>
+              </a:endParaRPr>
+            </a:p>
+          </p:txBody>
+        </p:sp>
+      </p:grpSp>
+      <p:grpSp>
+        <p:nvGrpSpPr>
+          <p:cNvPr id="3" name="Group 2"/>
+          <p:cNvGrpSpPr/>
+          <p:nvPr/>
+        </p:nvGrpSpPr>
+        <p:grpSpPr>
+          <a:xfrm>
+            <a:off x="7049589" y="0"/>
+            <a:ext cx="3374571" cy="6858000"/>
+            <a:chOff x="8817429" y="0"/>
+            <a:chExt cx="3374571" cy="6858000"/>
+          </a:xfrm>
+        </p:grpSpPr>
+        <p:grpSp>
+          <p:nvGrpSpPr>
+            <p:cNvPr id="16" name="Group 15"/>
+            <p:cNvGrpSpPr/>
+            <p:nvPr/>
+          </p:nvGrpSpPr>
+          <p:grpSpPr>
+            <a:xfrm>
+              <a:off x="8817429" y="0"/>
+              <a:ext cx="3374571" cy="6858000"/>
+              <a:chOff x="6333672" y="0"/>
+              <a:chExt cx="3374571" cy="6858000"/>
+            </a:xfrm>
+          </p:grpSpPr>
+          <p:pic>
+            <p:nvPicPr>
+              <p:cNvPr id="15" name="Picture 14"/>
+              <p:cNvPicPr>
+                <a:picLocks noChangeAspect="1"/>
+              </p:cNvPicPr>
+              <p:nvPr/>
+            </p:nvPicPr>
+            <p:blipFill>
+              <a:blip r:embed="rId2">
+                <a:extLst>
+                  <a:ext uri="{28A0092B-C50C-407E-A947-70E740481C1C}">
+                    <a14:useLocalDpi xmlns:a14="http://schemas.microsoft.com/office/drawing/2010/main" val="0"/>
+                  </a:ext>
+                </a:extLst>
+              </a:blip>
+              <a:srcRect l="1587"/>
+              <a:stretch>
+                <a:fillRect/>
+              </a:stretch>
+            </p:blipFill>
+            <p:spPr>
+              <a:xfrm>
+                <a:off x="6333672" y="0"/>
+                <a:ext cx="3374571" cy="6858000"/>
+              </a:xfrm>
+              <a:custGeom>
+                <a:avLst/>
+                <a:gdLst>
+                  <a:gd name="connsiteX0" fmla="*/ 280488 w 3374571"/>
+                  <a:gd name="connsiteY0" fmla="*/ 624840 h 6858000"/>
+                  <a:gd name="connsiteX1" fmla="*/ 280488 w 3374571"/>
+                  <a:gd name="connsiteY1" fmla="*/ 5984534 h 6858000"/>
+                  <a:gd name="connsiteX2" fmla="*/ 3107508 w 3374571"/>
+                  <a:gd name="connsiteY2" fmla="*/ 5984534 h 6858000"/>
+                  <a:gd name="connsiteX3" fmla="*/ 3107508 w 3374571"/>
+                  <a:gd name="connsiteY3" fmla="*/ 624840 h 6858000"/>
+                  <a:gd name="connsiteX4" fmla="*/ 562440 w 3374571"/>
+                  <a:gd name="connsiteY4" fmla="*/ 0 h 6858000"/>
+                  <a:gd name="connsiteX5" fmla="*/ 2812131 w 3374571"/>
+                  <a:gd name="connsiteY5" fmla="*/ 0 h 6858000"/>
+                  <a:gd name="connsiteX6" fmla="*/ 3374571 w 3374571"/>
+                  <a:gd name="connsiteY6" fmla="*/ 562440 h 6858000"/>
+                  <a:gd name="connsiteX7" fmla="*/ 3374571 w 3374571"/>
+                  <a:gd name="connsiteY7" fmla="*/ 6295560 h 6858000"/>
+                  <a:gd name="connsiteX8" fmla="*/ 2812131 w 3374571"/>
+                  <a:gd name="connsiteY8" fmla="*/ 6858000 h 6858000"/>
+                  <a:gd name="connsiteX9" fmla="*/ 562440 w 3374571"/>
+                  <a:gd name="connsiteY9" fmla="*/ 6858000 h 6858000"/>
+                  <a:gd name="connsiteX10" fmla="*/ 0 w 3374571"/>
+                  <a:gd name="connsiteY10" fmla="*/ 6295560 h 6858000"/>
+                  <a:gd name="connsiteX11" fmla="*/ 0 w 3374571"/>
+                  <a:gd name="connsiteY11" fmla="*/ 562440 h 6858000"/>
+                  <a:gd name="connsiteX12" fmla="*/ 562440 w 3374571"/>
+                  <a:gd name="connsiteY12" fmla="*/ 0 h 6858000"/>
+                </a:gdLst>
+                <a:ahLst/>
+                <a:cxnLst>
+                  <a:cxn ang="0">
+                    <a:pos x="connsiteX0" y="connsiteY0"/>
+                  </a:cxn>
+                  <a:cxn ang="0">
+                    <a:pos x="connsiteX1" y="connsiteY1"/>
+                  </a:cxn>
+                  <a:cxn ang="0">
+                    <a:pos x="connsiteX2" y="connsiteY2"/>
+                  </a:cxn>
+                  <a:cxn ang="0">
+                    <a:pos x="connsiteX3" y="connsiteY3"/>
+                  </a:cxn>
+                  <a:cxn ang="0">
+                    <a:pos x="connsiteX4" y="connsiteY4"/>
+                  </a:cxn>
+                  <a:cxn ang="0">
+                    <a:pos x="connsiteX5" y="connsiteY5"/>
+                  </a:cxn>
+                  <a:cxn ang="0">
+                    <a:pos x="connsiteX6" y="connsiteY6"/>
+                  </a:cxn>
+                  <a:cxn ang="0">
+                    <a:pos x="connsiteX7" y="connsiteY7"/>
+                  </a:cxn>
+                  <a:cxn ang="0">
+                    <a:pos x="connsiteX8" y="connsiteY8"/>
+                  </a:cxn>
+                  <a:cxn ang="0">
+                    <a:pos x="connsiteX9" y="connsiteY9"/>
+                  </a:cxn>
+                  <a:cxn ang="0">
+                    <a:pos x="connsiteX10" y="connsiteY10"/>
+                  </a:cxn>
+                  <a:cxn ang="0">
+                    <a:pos x="connsiteX11" y="connsiteY11"/>
+                  </a:cxn>
+                  <a:cxn ang="0">
+                    <a:pos x="connsiteX12" y="connsiteY12"/>
+                  </a:cxn>
+                </a:cxnLst>
+                <a:rect l="l" t="t" r="r" b="b"/>
+                <a:pathLst>
+                  <a:path w="3374571" h="6858000">
+                    <a:moveTo>
+                      <a:pt x="280488" y="624840"/>
+                    </a:moveTo>
+                    <a:lnTo>
+                      <a:pt x="280488" y="5984534"/>
+                    </a:lnTo>
+                    <a:lnTo>
+                      <a:pt x="3107508" y="5984534"/>
+                    </a:lnTo>
+                    <a:lnTo>
+                      <a:pt x="3107508" y="624840"/>
+                    </a:lnTo>
+                    <a:close/>
+                    <a:moveTo>
+                      <a:pt x="562440" y="0"/>
+                    </a:moveTo>
+                    <a:lnTo>
+                      <a:pt x="2812131" y="0"/>
+                    </a:lnTo>
+                    <a:cubicBezTo>
+                      <a:pt x="3122758" y="0"/>
+                      <a:pt x="3374571" y="251813"/>
+                      <a:pt x="3374571" y="562440"/>
+                    </a:cubicBezTo>
+                    <a:lnTo>
+                      <a:pt x="3374571" y="6295560"/>
+                    </a:lnTo>
+                    <a:cubicBezTo>
+                      <a:pt x="3374571" y="6606187"/>
+                      <a:pt x="3122758" y="6858000"/>
+                      <a:pt x="2812131" y="6858000"/>
+                    </a:cubicBezTo>
+                    <a:lnTo>
+                      <a:pt x="562440" y="6858000"/>
+                    </a:lnTo>
+                    <a:cubicBezTo>
+                      <a:pt x="251813" y="6858000"/>
+                      <a:pt x="0" y="6606187"/>
+                      <a:pt x="0" y="6295560"/>
+                    </a:cubicBezTo>
+                    <a:lnTo>
+                      <a:pt x="0" y="562440"/>
+                    </a:lnTo>
+                    <a:cubicBezTo>
+                      <a:pt x="0" y="251813"/>
+                      <a:pt x="251813" y="0"/>
+                      <a:pt x="562440" y="0"/>
+                    </a:cubicBezTo>
+                    <a:close/>
+                  </a:path>
+                </a:pathLst>
+              </a:custGeom>
+            </p:spPr>
+          </p:pic>
+          <p:sp>
+            <p:nvSpPr>
+              <p:cNvPr id="22" name="Freeform 21"/>
+              <p:cNvSpPr/>
+              <p:nvPr/>
+            </p:nvSpPr>
+            <p:spPr>
+              <a:xfrm>
+                <a:off x="6553200" y="5746928"/>
+                <a:ext cx="2941320" cy="851993"/>
+              </a:xfrm>
+              <a:custGeom>
+                <a:avLst/>
+                <a:gdLst>
+                  <a:gd name="connsiteX0" fmla="*/ 19964 w 2941320"/>
+                  <a:gd name="connsiteY0" fmla="*/ 0 h 851993"/>
+                  <a:gd name="connsiteX1" fmla="*/ 2921356 w 2941320"/>
+                  <a:gd name="connsiteY1" fmla="*/ 0 h 851993"/>
+                  <a:gd name="connsiteX2" fmla="*/ 2941320 w 2941320"/>
+                  <a:gd name="connsiteY2" fmla="*/ 98884 h 851993"/>
+                  <a:gd name="connsiteX3" fmla="*/ 2941320 w 2941320"/>
+                  <a:gd name="connsiteY3" fmla="*/ 545922 h 851993"/>
+                  <a:gd name="connsiteX4" fmla="*/ 2635249 w 2941320"/>
+                  <a:gd name="connsiteY4" fmla="*/ 851993 h 851993"/>
+                  <a:gd name="connsiteX5" fmla="*/ 306071 w 2941320"/>
+                  <a:gd name="connsiteY5" fmla="*/ 851993 h 851993"/>
+                  <a:gd name="connsiteX6" fmla="*/ 0 w 2941320"/>
+                  <a:gd name="connsiteY6" fmla="*/ 545922 h 851993"/>
+                  <a:gd name="connsiteX7" fmla="*/ 0 w 2941320"/>
+                  <a:gd name="connsiteY7" fmla="*/ 98884 h 851993"/>
+                </a:gdLst>
+                <a:ahLst/>
+                <a:cxnLst>
+                  <a:cxn ang="0">
+                    <a:pos x="connsiteX0" y="connsiteY0"/>
+                  </a:cxn>
+                  <a:cxn ang="0">
+                    <a:pos x="connsiteX1" y="connsiteY1"/>
+                  </a:cxn>
+                  <a:cxn ang="0">
+                    <a:pos x="connsiteX2" y="connsiteY2"/>
+                  </a:cxn>
+                  <a:cxn ang="0">
+                    <a:pos x="connsiteX3" y="connsiteY3"/>
+                  </a:cxn>
+                  <a:cxn ang="0">
+                    <a:pos x="connsiteX4" y="connsiteY4"/>
+                  </a:cxn>
+                  <a:cxn ang="0">
+                    <a:pos x="connsiteX5" y="connsiteY5"/>
+                  </a:cxn>
+                  <a:cxn ang="0">
+                    <a:pos x="connsiteX6" y="connsiteY6"/>
+                  </a:cxn>
+                  <a:cxn ang="0">
+                    <a:pos x="connsiteX7" y="connsiteY7"/>
+                  </a:cxn>
+                </a:cxnLst>
+                <a:rect l="l" t="t" r="r" b="b"/>
+                <a:pathLst>
+                  <a:path w="2941320" h="851993">
+                    <a:moveTo>
+                      <a:pt x="19964" y="0"/>
+                    </a:moveTo>
+                    <a:lnTo>
+                      <a:pt x="2921356" y="0"/>
+                    </a:lnTo>
+                    <a:lnTo>
+                      <a:pt x="2941320" y="98884"/>
+                    </a:lnTo>
+                    <a:lnTo>
+                      <a:pt x="2941320" y="545922"/>
+                    </a:lnTo>
+                    <a:cubicBezTo>
+                      <a:pt x="2941320" y="714960"/>
+                      <a:pt x="2804287" y="851993"/>
+                      <a:pt x="2635249" y="851993"/>
+                    </a:cubicBezTo>
+                    <a:lnTo>
+                      <a:pt x="306071" y="851993"/>
+                    </a:lnTo>
+                    <a:cubicBezTo>
+                      <a:pt x="137033" y="851993"/>
+                      <a:pt x="0" y="714960"/>
+                      <a:pt x="0" y="545922"/>
+                    </a:cubicBezTo>
+                    <a:lnTo>
+                      <a:pt x="0" y="98884"/>
+                    </a:lnTo>
+                    <a:close/>
+                  </a:path>
+                </a:pathLst>
+              </a:custGeom>
               <a:solidFill>
-                <a:schemeClr val="bg1">
-                  <a:lumMod val="50000"/>
+                <a:srgbClr val="F4E1FF"/>
+              </a:solidFill>
+              <a:ln>
+                <a:noFill/>
+              </a:ln>
+            </p:spPr>
+            <p:style>
+              <a:lnRef idx="2">
+                <a:schemeClr val="accent1">
+                  <a:shade val="50000"/>
                 </a:schemeClr>
-              </a:solidFill>
-            </a:endParaRPr>
-          </a:p>
-        </p:txBody>
-      </p:sp>
+              </a:lnRef>
+              <a:fillRef idx="1">
+                <a:schemeClr val="accent1"/>
+              </a:fillRef>
+              <a:effectRef idx="0">
+                <a:schemeClr val="accent1"/>
+              </a:effectRef>
+              <a:fontRef idx="minor">
+                <a:schemeClr val="lt1"/>
+              </a:fontRef>
+            </p:style>
+            <p:txBody>
+              <a:bodyPr rtlCol="0" anchor="ctr"/>
+              <a:lstStyle/>
+              <a:p>
+                <a:pPr algn="ctr"/>
+                <a:endParaRPr lang="en-AU"/>
+              </a:p>
+            </p:txBody>
+          </p:sp>
+        </p:grpSp>
+        <p:sp>
+          <p:nvSpPr>
+            <p:cNvPr id="25" name="TextBox 24"/>
+            <p:cNvSpPr txBox="1"/>
+            <p:nvPr/>
+          </p:nvSpPr>
+          <p:spPr>
+            <a:xfrm>
+              <a:off x="9242697" y="5844921"/>
+              <a:ext cx="678180" cy="523220"/>
+            </a:xfrm>
+            <a:prstGeom prst="rect">
+              <a:avLst/>
+            </a:prstGeom>
+            <a:noFill/>
+          </p:spPr>
+          <p:txBody>
+            <a:bodyPr wrap="square" rtlCol="0">
+              <a:spAutoFit/>
+            </a:bodyPr>
+            <a:lstStyle/>
+            <a:p>
+              <a:pPr algn="ctr"/>
+              <a:r>
+                <a:rPr lang="en-AU" b="1" dirty="0" smtClean="0">
+                  <a:solidFill>
+                    <a:schemeClr val="bg1">
+                      <a:lumMod val="50000"/>
+                    </a:schemeClr>
+                  </a:solidFill>
+                </a:rPr>
+                <a:t>🚲</a:t>
+              </a:r>
+              <a:br>
+                <a:rPr lang="en-AU" b="1" dirty="0" smtClean="0">
+                  <a:solidFill>
+                    <a:schemeClr val="bg1">
+                      <a:lumMod val="50000"/>
+                    </a:schemeClr>
+                  </a:solidFill>
+                </a:rPr>
+              </a:br>
+              <a:r>
+                <a:rPr lang="en-AU" sz="1000" b="1" dirty="0" smtClean="0">
+                  <a:solidFill>
+                    <a:schemeClr val="bg1">
+                      <a:lumMod val="50000"/>
+                    </a:schemeClr>
+                  </a:solidFill>
+                </a:rPr>
+                <a:t>My </a:t>
+              </a:r>
+              <a:r>
+                <a:rPr lang="en-AU" sz="1000" b="1" dirty="0">
+                  <a:solidFill>
+                    <a:schemeClr val="bg1">
+                      <a:lumMod val="50000"/>
+                    </a:schemeClr>
+                  </a:solidFill>
+                </a:rPr>
+                <a:t>Rides</a:t>
+              </a:r>
+            </a:p>
+          </p:txBody>
+        </p:sp>
+        <p:sp>
+          <p:nvSpPr>
+            <p:cNvPr id="26" name="TextBox 25"/>
+            <p:cNvSpPr txBox="1"/>
+            <p:nvPr/>
+          </p:nvSpPr>
+          <p:spPr>
+            <a:xfrm>
+              <a:off x="10621917" y="5845937"/>
+              <a:ext cx="678180" cy="523220"/>
+            </a:xfrm>
+            <a:prstGeom prst="rect">
+              <a:avLst/>
+            </a:prstGeom>
+            <a:noFill/>
+          </p:spPr>
+          <p:txBody>
+            <a:bodyPr wrap="square" rtlCol="0">
+              <a:spAutoFit/>
+            </a:bodyPr>
+            <a:lstStyle/>
+            <a:p>
+              <a:pPr algn="ctr"/>
+              <a:r>
+                <a:rPr lang="en-AU" b="1" dirty="0">
+                  <a:solidFill>
+                    <a:schemeClr val="bg1">
+                      <a:lumMod val="50000"/>
+                    </a:schemeClr>
+                  </a:solidFill>
+                </a:rPr>
+                <a:t>🌐</a:t>
+              </a:r>
+              <a:r>
+                <a:rPr lang="en-AU" b="1" dirty="0" smtClean="0">
+                  <a:solidFill>
+                    <a:schemeClr val="bg1">
+                      <a:lumMod val="50000"/>
+                    </a:schemeClr>
+                  </a:solidFill>
+                </a:rPr>
+                <a:t/>
+              </a:r>
+              <a:br>
+                <a:rPr lang="en-AU" b="1" dirty="0" smtClean="0">
+                  <a:solidFill>
+                    <a:schemeClr val="bg1">
+                      <a:lumMod val="50000"/>
+                    </a:schemeClr>
+                  </a:solidFill>
+                </a:rPr>
+              </a:br>
+              <a:r>
+                <a:rPr lang="en-AU" sz="1000" b="1" dirty="0" smtClean="0">
+                  <a:solidFill>
+                    <a:schemeClr val="bg1">
+                      <a:lumMod val="50000"/>
+                    </a:schemeClr>
+                  </a:solidFill>
+                </a:rPr>
+                <a:t>Explore</a:t>
+              </a:r>
+              <a:endParaRPr lang="en-AU" sz="1000" b="1" dirty="0">
+                <a:solidFill>
+                  <a:schemeClr val="bg1">
+                    <a:lumMod val="50000"/>
+                  </a:schemeClr>
+                </a:solidFill>
+              </a:endParaRPr>
+            </a:p>
+          </p:txBody>
+        </p:sp>
+        <p:sp>
+          <p:nvSpPr>
+            <p:cNvPr id="27" name="TextBox 26"/>
+            <p:cNvSpPr txBox="1"/>
+            <p:nvPr/>
+          </p:nvSpPr>
+          <p:spPr>
+            <a:xfrm>
+              <a:off x="11300097" y="5844921"/>
+              <a:ext cx="678180" cy="523220"/>
+            </a:xfrm>
+            <a:prstGeom prst="rect">
+              <a:avLst/>
+            </a:prstGeom>
+            <a:noFill/>
+          </p:spPr>
+          <p:txBody>
+            <a:bodyPr wrap="square" rtlCol="0">
+              <a:spAutoFit/>
+            </a:bodyPr>
+            <a:lstStyle/>
+            <a:p>
+              <a:pPr algn="ctr"/>
+              <a:r>
+                <a:rPr lang="en-AU" b="1" dirty="0">
+                  <a:solidFill>
+                    <a:schemeClr val="bg1">
+                      <a:lumMod val="50000"/>
+                    </a:schemeClr>
+                  </a:solidFill>
+                </a:rPr>
+                <a:t>👤</a:t>
+              </a:r>
+              <a:r>
+                <a:rPr lang="en-AU" b="1" dirty="0" smtClean="0">
+                  <a:solidFill>
+                    <a:schemeClr val="bg1">
+                      <a:lumMod val="50000"/>
+                    </a:schemeClr>
+                  </a:solidFill>
+                </a:rPr>
+                <a:t/>
+              </a:r>
+              <a:br>
+                <a:rPr lang="en-AU" b="1" dirty="0" smtClean="0">
+                  <a:solidFill>
+                    <a:schemeClr val="bg1">
+                      <a:lumMod val="50000"/>
+                    </a:schemeClr>
+                  </a:solidFill>
+                </a:rPr>
+              </a:br>
+              <a:r>
+                <a:rPr lang="en-AU" sz="1000" b="1" dirty="0" smtClean="0">
+                  <a:solidFill>
+                    <a:schemeClr val="bg1">
+                      <a:lumMod val="50000"/>
+                    </a:schemeClr>
+                  </a:solidFill>
+                </a:rPr>
+                <a:t>Profile</a:t>
+              </a:r>
+              <a:endParaRPr lang="en-AU" sz="1000" b="1" dirty="0">
+                <a:solidFill>
+                  <a:schemeClr val="bg1">
+                    <a:lumMod val="50000"/>
+                  </a:schemeClr>
+                </a:solidFill>
+              </a:endParaRPr>
+            </a:p>
+          </p:txBody>
+        </p:sp>
+        <p:sp>
+          <p:nvSpPr>
+            <p:cNvPr id="28" name="Oval 27"/>
+            <p:cNvSpPr/>
+            <p:nvPr/>
+          </p:nvSpPr>
+          <p:spPr>
+            <a:xfrm>
+              <a:off x="10115282" y="5860161"/>
+              <a:ext cx="327471" cy="338054"/>
+            </a:xfrm>
+            <a:prstGeom prst="ellipse">
+              <a:avLst/>
+            </a:prstGeom>
+            <a:solidFill>
+              <a:srgbClr val="FFC3FF"/>
+            </a:solidFill>
+            <a:ln>
+              <a:noFill/>
+            </a:ln>
+          </p:spPr>
+          <p:style>
+            <a:lnRef idx="2">
+              <a:schemeClr val="accent1">
+                <a:shade val="50000"/>
+              </a:schemeClr>
+            </a:lnRef>
+            <a:fillRef idx="1">
+              <a:schemeClr val="accent1"/>
+            </a:fillRef>
+            <a:effectRef idx="0">
+              <a:schemeClr val="accent1"/>
+            </a:effectRef>
+            <a:fontRef idx="minor">
+              <a:schemeClr val="lt1"/>
+            </a:fontRef>
+          </p:style>
+          <p:txBody>
+            <a:bodyPr rtlCol="0" anchor="ctr"/>
+            <a:lstStyle/>
+            <a:p>
+              <a:pPr algn="ctr"/>
+              <a:endParaRPr lang="en-AU">
+                <a:solidFill>
+                  <a:schemeClr val="bg1">
+                    <a:lumMod val="50000"/>
+                  </a:schemeClr>
+                </a:solidFill>
+              </a:endParaRPr>
+            </a:p>
+          </p:txBody>
+        </p:sp>
+        <p:sp>
+          <p:nvSpPr>
+            <p:cNvPr id="29" name="TextBox 28"/>
+            <p:cNvSpPr txBox="1"/>
+            <p:nvPr/>
+          </p:nvSpPr>
+          <p:spPr>
+            <a:xfrm>
+              <a:off x="9920877" y="5844861"/>
+              <a:ext cx="701040" cy="527060"/>
+            </a:xfrm>
+            <a:prstGeom prst="rect">
+              <a:avLst/>
+            </a:prstGeom>
+            <a:noFill/>
+          </p:spPr>
+          <p:txBody>
+            <a:bodyPr wrap="square" rtlCol="0">
+              <a:spAutoFit/>
+            </a:bodyPr>
+            <a:lstStyle/>
+            <a:p>
+              <a:pPr algn="ctr"/>
+              <a:r>
+                <a:rPr lang="en-AU" b="1" dirty="0" smtClean="0">
+                  <a:solidFill>
+                    <a:srgbClr val="9510E4"/>
+                  </a:solidFill>
+                </a:rPr>
+                <a:t>🚲</a:t>
+              </a:r>
+              <a:br>
+                <a:rPr lang="en-AU" b="1" dirty="0" smtClean="0">
+                  <a:solidFill>
+                    <a:srgbClr val="9510E4"/>
+                  </a:solidFill>
+                </a:rPr>
+              </a:br>
+              <a:r>
+                <a:rPr lang="en-AU" sz="1000" b="1" dirty="0" smtClean="0">
+                  <a:solidFill>
+                    <a:srgbClr val="9510E4"/>
+                  </a:solidFill>
+                </a:rPr>
+                <a:t>My Bikes</a:t>
+              </a:r>
+              <a:endParaRPr lang="en-AU" sz="1000" b="1" dirty="0">
+                <a:solidFill>
+                  <a:srgbClr val="9510E4"/>
+                </a:solidFill>
+              </a:endParaRPr>
+            </a:p>
+          </p:txBody>
+        </p:sp>
+      </p:grpSp>
     </p:spTree>
     <p:extLst>
       <p:ext uri="{BB962C8B-B14F-4D97-AF65-F5344CB8AC3E}">
-        <p14:creationId xmlns:p14="http://schemas.microsoft.com/office/powerpoint/2010/main" val="2715128838"/>
+        <p14:creationId xmlns:p14="http://schemas.microsoft.com/office/powerpoint/2010/main" val="4173789534"/>
       </p:ext>
     </p:extLst>
   </p:cSld>
@@ -3510,7 +4799,1703 @@
 </p:sld>
 </file>
 
-<file path=ppt/slides/slide2.xml><?xml version="1.0" encoding="utf-8"?>
+<file path=ppt/slides/slide3.xml><?xml version="1.0" encoding="utf-8"?>
+<p:sld xmlns:a="http://schemas.openxmlformats.org/drawingml/2006/main" xmlns:r="http://schemas.openxmlformats.org/officeDocument/2006/relationships" xmlns:p="http://schemas.openxmlformats.org/presentationml/2006/main">
+  <p:cSld>
+    <p:spTree>
+      <p:nvGrpSpPr>
+        <p:cNvPr id="1" name=""/>
+        <p:cNvGrpSpPr/>
+        <p:nvPr/>
+      </p:nvGrpSpPr>
+      <p:grpSpPr>
+        <a:xfrm>
+          <a:off x="0" y="0"/>
+          <a:ext cx="0" cy="0"/>
+          <a:chOff x="0" y="0"/>
+          <a:chExt cx="0" cy="0"/>
+        </a:xfrm>
+      </p:grpSpPr>
+      <p:sp>
+        <p:nvSpPr>
+          <p:cNvPr id="65" name="Rectangle 64"/>
+          <p:cNvSpPr/>
+          <p:nvPr/>
+        </p:nvSpPr>
+        <p:spPr>
+          <a:xfrm>
+            <a:off x="480060" y="175260"/>
+            <a:ext cx="10828020" cy="5996940"/>
+          </a:xfrm>
+          <a:prstGeom prst="rect">
+            <a:avLst/>
+          </a:prstGeom>
+        </p:spPr>
+        <p:style>
+          <a:lnRef idx="2">
+            <a:schemeClr val="accent1">
+              <a:shade val="50000"/>
+            </a:schemeClr>
+          </a:lnRef>
+          <a:fillRef idx="1">
+            <a:schemeClr val="accent1"/>
+          </a:fillRef>
+          <a:effectRef idx="0">
+            <a:schemeClr val="accent1"/>
+          </a:effectRef>
+          <a:fontRef idx="minor">
+            <a:schemeClr val="lt1"/>
+          </a:fontRef>
+        </p:style>
+        <p:txBody>
+          <a:bodyPr rtlCol="0" anchor="ctr"/>
+          <a:lstStyle/>
+          <a:p>
+            <a:pPr algn="ctr"/>
+            <a:endParaRPr lang="en-AU"/>
+          </a:p>
+        </p:txBody>
+      </p:sp>
+      <p:grpSp>
+        <p:nvGrpSpPr>
+          <p:cNvPr id="2" name="Group 1"/>
+          <p:cNvGrpSpPr/>
+          <p:nvPr/>
+        </p:nvGrpSpPr>
+        <p:grpSpPr>
+          <a:xfrm>
+            <a:off x="1767587" y="0"/>
+            <a:ext cx="3374571" cy="6858000"/>
+            <a:chOff x="4950097" y="0"/>
+            <a:chExt cx="3374571" cy="6858000"/>
+          </a:xfrm>
+        </p:grpSpPr>
+        <p:grpSp>
+          <p:nvGrpSpPr>
+            <p:cNvPr id="33" name="Group 32"/>
+            <p:cNvGrpSpPr/>
+            <p:nvPr/>
+          </p:nvGrpSpPr>
+          <p:grpSpPr>
+            <a:xfrm>
+              <a:off x="4950097" y="0"/>
+              <a:ext cx="3374571" cy="6858000"/>
+              <a:chOff x="6333672" y="0"/>
+              <a:chExt cx="3374571" cy="6858000"/>
+            </a:xfrm>
+          </p:grpSpPr>
+          <p:pic>
+            <p:nvPicPr>
+              <p:cNvPr id="36" name="Picture 35"/>
+              <p:cNvPicPr>
+                <a:picLocks noChangeAspect="1"/>
+              </p:cNvPicPr>
+              <p:nvPr/>
+            </p:nvPicPr>
+            <p:blipFill>
+              <a:blip r:embed="rId2">
+                <a:extLst>
+                  <a:ext uri="{28A0092B-C50C-407E-A947-70E740481C1C}">
+                    <a14:useLocalDpi xmlns:a14="http://schemas.microsoft.com/office/drawing/2010/main" val="0"/>
+                  </a:ext>
+                </a:extLst>
+              </a:blip>
+              <a:srcRect l="1587"/>
+              <a:stretch>
+                <a:fillRect/>
+              </a:stretch>
+            </p:blipFill>
+            <p:spPr>
+              <a:xfrm>
+                <a:off x="6333672" y="0"/>
+                <a:ext cx="3374571" cy="6858000"/>
+              </a:xfrm>
+              <a:custGeom>
+                <a:avLst/>
+                <a:gdLst>
+                  <a:gd name="connsiteX0" fmla="*/ 280488 w 3374571"/>
+                  <a:gd name="connsiteY0" fmla="*/ 624840 h 6858000"/>
+                  <a:gd name="connsiteX1" fmla="*/ 280488 w 3374571"/>
+                  <a:gd name="connsiteY1" fmla="*/ 5984534 h 6858000"/>
+                  <a:gd name="connsiteX2" fmla="*/ 3107508 w 3374571"/>
+                  <a:gd name="connsiteY2" fmla="*/ 5984534 h 6858000"/>
+                  <a:gd name="connsiteX3" fmla="*/ 3107508 w 3374571"/>
+                  <a:gd name="connsiteY3" fmla="*/ 624840 h 6858000"/>
+                  <a:gd name="connsiteX4" fmla="*/ 562440 w 3374571"/>
+                  <a:gd name="connsiteY4" fmla="*/ 0 h 6858000"/>
+                  <a:gd name="connsiteX5" fmla="*/ 2812131 w 3374571"/>
+                  <a:gd name="connsiteY5" fmla="*/ 0 h 6858000"/>
+                  <a:gd name="connsiteX6" fmla="*/ 3374571 w 3374571"/>
+                  <a:gd name="connsiteY6" fmla="*/ 562440 h 6858000"/>
+                  <a:gd name="connsiteX7" fmla="*/ 3374571 w 3374571"/>
+                  <a:gd name="connsiteY7" fmla="*/ 6295560 h 6858000"/>
+                  <a:gd name="connsiteX8" fmla="*/ 2812131 w 3374571"/>
+                  <a:gd name="connsiteY8" fmla="*/ 6858000 h 6858000"/>
+                  <a:gd name="connsiteX9" fmla="*/ 562440 w 3374571"/>
+                  <a:gd name="connsiteY9" fmla="*/ 6858000 h 6858000"/>
+                  <a:gd name="connsiteX10" fmla="*/ 0 w 3374571"/>
+                  <a:gd name="connsiteY10" fmla="*/ 6295560 h 6858000"/>
+                  <a:gd name="connsiteX11" fmla="*/ 0 w 3374571"/>
+                  <a:gd name="connsiteY11" fmla="*/ 562440 h 6858000"/>
+                  <a:gd name="connsiteX12" fmla="*/ 562440 w 3374571"/>
+                  <a:gd name="connsiteY12" fmla="*/ 0 h 6858000"/>
+                </a:gdLst>
+                <a:ahLst/>
+                <a:cxnLst>
+                  <a:cxn ang="0">
+                    <a:pos x="connsiteX0" y="connsiteY0"/>
+                  </a:cxn>
+                  <a:cxn ang="0">
+                    <a:pos x="connsiteX1" y="connsiteY1"/>
+                  </a:cxn>
+                  <a:cxn ang="0">
+                    <a:pos x="connsiteX2" y="connsiteY2"/>
+                  </a:cxn>
+                  <a:cxn ang="0">
+                    <a:pos x="connsiteX3" y="connsiteY3"/>
+                  </a:cxn>
+                  <a:cxn ang="0">
+                    <a:pos x="connsiteX4" y="connsiteY4"/>
+                  </a:cxn>
+                  <a:cxn ang="0">
+                    <a:pos x="connsiteX5" y="connsiteY5"/>
+                  </a:cxn>
+                  <a:cxn ang="0">
+                    <a:pos x="connsiteX6" y="connsiteY6"/>
+                  </a:cxn>
+                  <a:cxn ang="0">
+                    <a:pos x="connsiteX7" y="connsiteY7"/>
+                  </a:cxn>
+                  <a:cxn ang="0">
+                    <a:pos x="connsiteX8" y="connsiteY8"/>
+                  </a:cxn>
+                  <a:cxn ang="0">
+                    <a:pos x="connsiteX9" y="connsiteY9"/>
+                  </a:cxn>
+                  <a:cxn ang="0">
+                    <a:pos x="connsiteX10" y="connsiteY10"/>
+                  </a:cxn>
+                  <a:cxn ang="0">
+                    <a:pos x="connsiteX11" y="connsiteY11"/>
+                  </a:cxn>
+                  <a:cxn ang="0">
+                    <a:pos x="connsiteX12" y="connsiteY12"/>
+                  </a:cxn>
+                </a:cxnLst>
+                <a:rect l="l" t="t" r="r" b="b"/>
+                <a:pathLst>
+                  <a:path w="3374571" h="6858000">
+                    <a:moveTo>
+                      <a:pt x="280488" y="624840"/>
+                    </a:moveTo>
+                    <a:lnTo>
+                      <a:pt x="280488" y="5984534"/>
+                    </a:lnTo>
+                    <a:lnTo>
+                      <a:pt x="3107508" y="5984534"/>
+                    </a:lnTo>
+                    <a:lnTo>
+                      <a:pt x="3107508" y="624840"/>
+                    </a:lnTo>
+                    <a:close/>
+                    <a:moveTo>
+                      <a:pt x="562440" y="0"/>
+                    </a:moveTo>
+                    <a:lnTo>
+                      <a:pt x="2812131" y="0"/>
+                    </a:lnTo>
+                    <a:cubicBezTo>
+                      <a:pt x="3122758" y="0"/>
+                      <a:pt x="3374571" y="251813"/>
+                      <a:pt x="3374571" y="562440"/>
+                    </a:cubicBezTo>
+                    <a:lnTo>
+                      <a:pt x="3374571" y="6295560"/>
+                    </a:lnTo>
+                    <a:cubicBezTo>
+                      <a:pt x="3374571" y="6606187"/>
+                      <a:pt x="3122758" y="6858000"/>
+                      <a:pt x="2812131" y="6858000"/>
+                    </a:cubicBezTo>
+                    <a:lnTo>
+                      <a:pt x="562440" y="6858000"/>
+                    </a:lnTo>
+                    <a:cubicBezTo>
+                      <a:pt x="251813" y="6858000"/>
+                      <a:pt x="0" y="6606187"/>
+                      <a:pt x="0" y="6295560"/>
+                    </a:cubicBezTo>
+                    <a:lnTo>
+                      <a:pt x="0" y="562440"/>
+                    </a:lnTo>
+                    <a:cubicBezTo>
+                      <a:pt x="0" y="251813"/>
+                      <a:pt x="251813" y="0"/>
+                      <a:pt x="562440" y="0"/>
+                    </a:cubicBezTo>
+                    <a:close/>
+                  </a:path>
+                </a:pathLst>
+              </a:custGeom>
+            </p:spPr>
+          </p:pic>
+          <p:sp>
+            <p:nvSpPr>
+              <p:cNvPr id="44" name="Freeform 43"/>
+              <p:cNvSpPr/>
+              <p:nvPr/>
+            </p:nvSpPr>
+            <p:spPr>
+              <a:xfrm>
+                <a:off x="6553200" y="5746928"/>
+                <a:ext cx="2941320" cy="851993"/>
+              </a:xfrm>
+              <a:custGeom>
+                <a:avLst/>
+                <a:gdLst>
+                  <a:gd name="connsiteX0" fmla="*/ 19964 w 2941320"/>
+                  <a:gd name="connsiteY0" fmla="*/ 0 h 851993"/>
+                  <a:gd name="connsiteX1" fmla="*/ 2921356 w 2941320"/>
+                  <a:gd name="connsiteY1" fmla="*/ 0 h 851993"/>
+                  <a:gd name="connsiteX2" fmla="*/ 2941320 w 2941320"/>
+                  <a:gd name="connsiteY2" fmla="*/ 98884 h 851993"/>
+                  <a:gd name="connsiteX3" fmla="*/ 2941320 w 2941320"/>
+                  <a:gd name="connsiteY3" fmla="*/ 545922 h 851993"/>
+                  <a:gd name="connsiteX4" fmla="*/ 2635249 w 2941320"/>
+                  <a:gd name="connsiteY4" fmla="*/ 851993 h 851993"/>
+                  <a:gd name="connsiteX5" fmla="*/ 306071 w 2941320"/>
+                  <a:gd name="connsiteY5" fmla="*/ 851993 h 851993"/>
+                  <a:gd name="connsiteX6" fmla="*/ 0 w 2941320"/>
+                  <a:gd name="connsiteY6" fmla="*/ 545922 h 851993"/>
+                  <a:gd name="connsiteX7" fmla="*/ 0 w 2941320"/>
+                  <a:gd name="connsiteY7" fmla="*/ 98884 h 851993"/>
+                </a:gdLst>
+                <a:ahLst/>
+                <a:cxnLst>
+                  <a:cxn ang="0">
+                    <a:pos x="connsiteX0" y="connsiteY0"/>
+                  </a:cxn>
+                  <a:cxn ang="0">
+                    <a:pos x="connsiteX1" y="connsiteY1"/>
+                  </a:cxn>
+                  <a:cxn ang="0">
+                    <a:pos x="connsiteX2" y="connsiteY2"/>
+                  </a:cxn>
+                  <a:cxn ang="0">
+                    <a:pos x="connsiteX3" y="connsiteY3"/>
+                  </a:cxn>
+                  <a:cxn ang="0">
+                    <a:pos x="connsiteX4" y="connsiteY4"/>
+                  </a:cxn>
+                  <a:cxn ang="0">
+                    <a:pos x="connsiteX5" y="connsiteY5"/>
+                  </a:cxn>
+                  <a:cxn ang="0">
+                    <a:pos x="connsiteX6" y="connsiteY6"/>
+                  </a:cxn>
+                  <a:cxn ang="0">
+                    <a:pos x="connsiteX7" y="connsiteY7"/>
+                  </a:cxn>
+                </a:cxnLst>
+                <a:rect l="l" t="t" r="r" b="b"/>
+                <a:pathLst>
+                  <a:path w="2941320" h="851993">
+                    <a:moveTo>
+                      <a:pt x="19964" y="0"/>
+                    </a:moveTo>
+                    <a:lnTo>
+                      <a:pt x="2921356" y="0"/>
+                    </a:lnTo>
+                    <a:lnTo>
+                      <a:pt x="2941320" y="98884"/>
+                    </a:lnTo>
+                    <a:lnTo>
+                      <a:pt x="2941320" y="545922"/>
+                    </a:lnTo>
+                    <a:cubicBezTo>
+                      <a:pt x="2941320" y="714960"/>
+                      <a:pt x="2804287" y="851993"/>
+                      <a:pt x="2635249" y="851993"/>
+                    </a:cubicBezTo>
+                    <a:lnTo>
+                      <a:pt x="306071" y="851993"/>
+                    </a:lnTo>
+                    <a:cubicBezTo>
+                      <a:pt x="137033" y="851993"/>
+                      <a:pt x="0" y="714960"/>
+                      <a:pt x="0" y="545922"/>
+                    </a:cubicBezTo>
+                    <a:lnTo>
+                      <a:pt x="0" y="98884"/>
+                    </a:lnTo>
+                    <a:close/>
+                  </a:path>
+                </a:pathLst>
+              </a:custGeom>
+              <a:solidFill>
+                <a:srgbClr val="F4E1FF"/>
+              </a:solidFill>
+              <a:ln>
+                <a:noFill/>
+              </a:ln>
+            </p:spPr>
+            <p:style>
+              <a:lnRef idx="2">
+                <a:schemeClr val="accent1">
+                  <a:shade val="50000"/>
+                </a:schemeClr>
+              </a:lnRef>
+              <a:fillRef idx="1">
+                <a:schemeClr val="accent1"/>
+              </a:fillRef>
+              <a:effectRef idx="0">
+                <a:schemeClr val="accent1"/>
+              </a:effectRef>
+              <a:fontRef idx="minor">
+                <a:schemeClr val="lt1"/>
+              </a:fontRef>
+            </p:style>
+            <p:txBody>
+              <a:bodyPr rtlCol="0" anchor="ctr"/>
+              <a:lstStyle/>
+              <a:p>
+                <a:pPr algn="ctr"/>
+                <a:endParaRPr lang="en-AU"/>
+              </a:p>
+            </p:txBody>
+          </p:sp>
+        </p:grpSp>
+        <p:sp>
+          <p:nvSpPr>
+            <p:cNvPr id="38" name="TextBox 37"/>
+            <p:cNvSpPr txBox="1"/>
+            <p:nvPr/>
+          </p:nvSpPr>
+          <p:spPr>
+            <a:xfrm>
+              <a:off x="5321859" y="5848701"/>
+              <a:ext cx="678180" cy="523220"/>
+            </a:xfrm>
+            <a:prstGeom prst="rect">
+              <a:avLst/>
+            </a:prstGeom>
+            <a:noFill/>
+          </p:spPr>
+          <p:txBody>
+            <a:bodyPr wrap="square" rtlCol="0">
+              <a:spAutoFit/>
+            </a:bodyPr>
+            <a:lstStyle/>
+            <a:p>
+              <a:pPr algn="ctr"/>
+              <a:r>
+                <a:rPr lang="en-AU" b="1" dirty="0" smtClean="0">
+                  <a:solidFill>
+                    <a:schemeClr val="bg1">
+                      <a:lumMod val="50000"/>
+                    </a:schemeClr>
+                  </a:solidFill>
+                </a:rPr>
+                <a:t>🚲</a:t>
+              </a:r>
+              <a:br>
+                <a:rPr lang="en-AU" b="1" dirty="0" smtClean="0">
+                  <a:solidFill>
+                    <a:schemeClr val="bg1">
+                      <a:lumMod val="50000"/>
+                    </a:schemeClr>
+                  </a:solidFill>
+                </a:rPr>
+              </a:br>
+              <a:r>
+                <a:rPr lang="en-AU" sz="1000" b="1" dirty="0" smtClean="0">
+                  <a:solidFill>
+                    <a:schemeClr val="bg1">
+                      <a:lumMod val="50000"/>
+                    </a:schemeClr>
+                  </a:solidFill>
+                </a:rPr>
+                <a:t>My </a:t>
+              </a:r>
+              <a:r>
+                <a:rPr lang="en-AU" sz="1000" b="1" dirty="0">
+                  <a:solidFill>
+                    <a:schemeClr val="bg1">
+                      <a:lumMod val="50000"/>
+                    </a:schemeClr>
+                  </a:solidFill>
+                </a:rPr>
+                <a:t>Rides</a:t>
+              </a:r>
+            </a:p>
+          </p:txBody>
+        </p:sp>
+        <p:sp>
+          <p:nvSpPr>
+            <p:cNvPr id="45" name="TextBox 44"/>
+            <p:cNvSpPr txBox="1"/>
+            <p:nvPr/>
+          </p:nvSpPr>
+          <p:spPr>
+            <a:xfrm>
+              <a:off x="6701079" y="5849717"/>
+              <a:ext cx="678180" cy="523220"/>
+            </a:xfrm>
+            <a:prstGeom prst="rect">
+              <a:avLst/>
+            </a:prstGeom>
+            <a:noFill/>
+          </p:spPr>
+          <p:txBody>
+            <a:bodyPr wrap="square" rtlCol="0">
+              <a:spAutoFit/>
+            </a:bodyPr>
+            <a:lstStyle/>
+            <a:p>
+              <a:pPr algn="ctr"/>
+              <a:r>
+                <a:rPr lang="en-AU" b="1" dirty="0">
+                  <a:solidFill>
+                    <a:srgbClr val="9510E4"/>
+                  </a:solidFill>
+                </a:rPr>
+                <a:t>🌐</a:t>
+              </a:r>
+              <a:r>
+                <a:rPr lang="en-AU" b="1" dirty="0" smtClean="0">
+                  <a:solidFill>
+                    <a:srgbClr val="9510E4"/>
+                  </a:solidFill>
+                </a:rPr>
+                <a:t/>
+              </a:r>
+              <a:br>
+                <a:rPr lang="en-AU" b="1" dirty="0" smtClean="0">
+                  <a:solidFill>
+                    <a:srgbClr val="9510E4"/>
+                  </a:solidFill>
+                </a:rPr>
+              </a:br>
+              <a:r>
+                <a:rPr lang="en-AU" sz="1000" b="1" dirty="0" smtClean="0">
+                  <a:solidFill>
+                    <a:srgbClr val="9510E4"/>
+                  </a:solidFill>
+                </a:rPr>
+                <a:t>Explore</a:t>
+              </a:r>
+              <a:endParaRPr lang="en-AU" sz="1000" b="1" dirty="0">
+                <a:solidFill>
+                  <a:srgbClr val="9510E4"/>
+                </a:solidFill>
+              </a:endParaRPr>
+            </a:p>
+          </p:txBody>
+        </p:sp>
+        <p:sp>
+          <p:nvSpPr>
+            <p:cNvPr id="46" name="TextBox 45"/>
+            <p:cNvSpPr txBox="1"/>
+            <p:nvPr/>
+          </p:nvSpPr>
+          <p:spPr>
+            <a:xfrm>
+              <a:off x="7379259" y="5848701"/>
+              <a:ext cx="678180" cy="523220"/>
+            </a:xfrm>
+            <a:prstGeom prst="rect">
+              <a:avLst/>
+            </a:prstGeom>
+            <a:noFill/>
+          </p:spPr>
+          <p:txBody>
+            <a:bodyPr wrap="square" rtlCol="0">
+              <a:spAutoFit/>
+            </a:bodyPr>
+            <a:lstStyle/>
+            <a:p>
+              <a:pPr algn="ctr"/>
+              <a:r>
+                <a:rPr lang="en-AU" b="1" dirty="0">
+                  <a:solidFill>
+                    <a:schemeClr val="bg1">
+                      <a:lumMod val="50000"/>
+                    </a:schemeClr>
+                  </a:solidFill>
+                </a:rPr>
+                <a:t>👤</a:t>
+              </a:r>
+              <a:r>
+                <a:rPr lang="en-AU" b="1" dirty="0" smtClean="0">
+                  <a:solidFill>
+                    <a:schemeClr val="bg1">
+                      <a:lumMod val="50000"/>
+                    </a:schemeClr>
+                  </a:solidFill>
+                </a:rPr>
+                <a:t/>
+              </a:r>
+              <a:br>
+                <a:rPr lang="en-AU" b="1" dirty="0" smtClean="0">
+                  <a:solidFill>
+                    <a:schemeClr val="bg1">
+                      <a:lumMod val="50000"/>
+                    </a:schemeClr>
+                  </a:solidFill>
+                </a:rPr>
+              </a:br>
+              <a:r>
+                <a:rPr lang="en-AU" sz="1000" b="1" dirty="0" smtClean="0">
+                  <a:solidFill>
+                    <a:schemeClr val="bg1">
+                      <a:lumMod val="50000"/>
+                    </a:schemeClr>
+                  </a:solidFill>
+                </a:rPr>
+                <a:t>Profile</a:t>
+              </a:r>
+              <a:endParaRPr lang="en-AU" sz="1000" b="1" dirty="0">
+                <a:solidFill>
+                  <a:schemeClr val="bg1">
+                    <a:lumMod val="50000"/>
+                  </a:schemeClr>
+                </a:solidFill>
+              </a:endParaRPr>
+            </a:p>
+          </p:txBody>
+        </p:sp>
+        <p:sp>
+          <p:nvSpPr>
+            <p:cNvPr id="8" name="Oval 7"/>
+            <p:cNvSpPr/>
+            <p:nvPr/>
+          </p:nvSpPr>
+          <p:spPr>
+            <a:xfrm>
+              <a:off x="6194444" y="5863941"/>
+              <a:ext cx="327471" cy="338054"/>
+            </a:xfrm>
+            <a:prstGeom prst="ellipse">
+              <a:avLst/>
+            </a:prstGeom>
+            <a:solidFill>
+              <a:srgbClr val="FFC3FF"/>
+            </a:solidFill>
+            <a:ln>
+              <a:noFill/>
+            </a:ln>
+          </p:spPr>
+          <p:style>
+            <a:lnRef idx="2">
+              <a:schemeClr val="accent1">
+                <a:shade val="50000"/>
+              </a:schemeClr>
+            </a:lnRef>
+            <a:fillRef idx="1">
+              <a:schemeClr val="accent1"/>
+            </a:fillRef>
+            <a:effectRef idx="0">
+              <a:schemeClr val="accent1"/>
+            </a:effectRef>
+            <a:fontRef idx="minor">
+              <a:schemeClr val="lt1"/>
+            </a:fontRef>
+          </p:style>
+          <p:txBody>
+            <a:bodyPr rtlCol="0" anchor="ctr"/>
+            <a:lstStyle/>
+            <a:p>
+              <a:pPr algn="ctr"/>
+              <a:endParaRPr lang="en-AU">
+                <a:solidFill>
+                  <a:schemeClr val="bg1">
+                    <a:lumMod val="50000"/>
+                  </a:schemeClr>
+                </a:solidFill>
+              </a:endParaRPr>
+            </a:p>
+          </p:txBody>
+        </p:sp>
+        <p:sp>
+          <p:nvSpPr>
+            <p:cNvPr id="39" name="TextBox 38"/>
+            <p:cNvSpPr txBox="1"/>
+            <p:nvPr/>
+          </p:nvSpPr>
+          <p:spPr>
+            <a:xfrm>
+              <a:off x="6000039" y="5848641"/>
+              <a:ext cx="701040" cy="527060"/>
+            </a:xfrm>
+            <a:prstGeom prst="rect">
+              <a:avLst/>
+            </a:prstGeom>
+            <a:noFill/>
+          </p:spPr>
+          <p:txBody>
+            <a:bodyPr wrap="square" rtlCol="0">
+              <a:spAutoFit/>
+            </a:bodyPr>
+            <a:lstStyle/>
+            <a:p>
+              <a:pPr algn="ctr"/>
+              <a:r>
+                <a:rPr lang="en-AU" b="1" dirty="0" smtClean="0">
+                  <a:solidFill>
+                    <a:schemeClr val="bg1">
+                      <a:lumMod val="50000"/>
+                    </a:schemeClr>
+                  </a:solidFill>
+                </a:rPr>
+                <a:t>🚲</a:t>
+              </a:r>
+              <a:br>
+                <a:rPr lang="en-AU" b="1" dirty="0" smtClean="0">
+                  <a:solidFill>
+                    <a:schemeClr val="bg1">
+                      <a:lumMod val="50000"/>
+                    </a:schemeClr>
+                  </a:solidFill>
+                </a:rPr>
+              </a:br>
+              <a:r>
+                <a:rPr lang="en-AU" sz="1000" b="1" dirty="0" smtClean="0">
+                  <a:solidFill>
+                    <a:schemeClr val="bg1">
+                      <a:lumMod val="50000"/>
+                    </a:schemeClr>
+                  </a:solidFill>
+                </a:rPr>
+                <a:t>My Bikes</a:t>
+              </a:r>
+              <a:endParaRPr lang="en-AU" sz="1000" b="1" dirty="0">
+                <a:solidFill>
+                  <a:schemeClr val="bg1">
+                    <a:lumMod val="50000"/>
+                  </a:schemeClr>
+                </a:solidFill>
+              </a:endParaRPr>
+            </a:p>
+          </p:txBody>
+        </p:sp>
+      </p:grpSp>
+      <p:grpSp>
+        <p:nvGrpSpPr>
+          <p:cNvPr id="3" name="Group 2"/>
+          <p:cNvGrpSpPr/>
+          <p:nvPr/>
+        </p:nvGrpSpPr>
+        <p:grpSpPr>
+          <a:xfrm>
+            <a:off x="7049589" y="0"/>
+            <a:ext cx="3374571" cy="6858000"/>
+            <a:chOff x="8817429" y="0"/>
+            <a:chExt cx="3374571" cy="6858000"/>
+          </a:xfrm>
+        </p:grpSpPr>
+        <p:grpSp>
+          <p:nvGrpSpPr>
+            <p:cNvPr id="16" name="Group 15"/>
+            <p:cNvGrpSpPr/>
+            <p:nvPr/>
+          </p:nvGrpSpPr>
+          <p:grpSpPr>
+            <a:xfrm>
+              <a:off x="8817429" y="0"/>
+              <a:ext cx="3374571" cy="6858000"/>
+              <a:chOff x="6333672" y="0"/>
+              <a:chExt cx="3374571" cy="6858000"/>
+            </a:xfrm>
+          </p:grpSpPr>
+          <p:pic>
+            <p:nvPicPr>
+              <p:cNvPr id="15" name="Picture 14"/>
+              <p:cNvPicPr>
+                <a:picLocks noChangeAspect="1"/>
+              </p:cNvPicPr>
+              <p:nvPr/>
+            </p:nvPicPr>
+            <p:blipFill>
+              <a:blip r:embed="rId2">
+                <a:extLst>
+                  <a:ext uri="{28A0092B-C50C-407E-A947-70E740481C1C}">
+                    <a14:useLocalDpi xmlns:a14="http://schemas.microsoft.com/office/drawing/2010/main" val="0"/>
+                  </a:ext>
+                </a:extLst>
+              </a:blip>
+              <a:srcRect l="1587"/>
+              <a:stretch>
+                <a:fillRect/>
+              </a:stretch>
+            </p:blipFill>
+            <p:spPr>
+              <a:xfrm>
+                <a:off x="6333672" y="0"/>
+                <a:ext cx="3374571" cy="6858000"/>
+              </a:xfrm>
+              <a:custGeom>
+                <a:avLst/>
+                <a:gdLst>
+                  <a:gd name="connsiteX0" fmla="*/ 280488 w 3374571"/>
+                  <a:gd name="connsiteY0" fmla="*/ 624840 h 6858000"/>
+                  <a:gd name="connsiteX1" fmla="*/ 280488 w 3374571"/>
+                  <a:gd name="connsiteY1" fmla="*/ 5984534 h 6858000"/>
+                  <a:gd name="connsiteX2" fmla="*/ 3107508 w 3374571"/>
+                  <a:gd name="connsiteY2" fmla="*/ 5984534 h 6858000"/>
+                  <a:gd name="connsiteX3" fmla="*/ 3107508 w 3374571"/>
+                  <a:gd name="connsiteY3" fmla="*/ 624840 h 6858000"/>
+                  <a:gd name="connsiteX4" fmla="*/ 562440 w 3374571"/>
+                  <a:gd name="connsiteY4" fmla="*/ 0 h 6858000"/>
+                  <a:gd name="connsiteX5" fmla="*/ 2812131 w 3374571"/>
+                  <a:gd name="connsiteY5" fmla="*/ 0 h 6858000"/>
+                  <a:gd name="connsiteX6" fmla="*/ 3374571 w 3374571"/>
+                  <a:gd name="connsiteY6" fmla="*/ 562440 h 6858000"/>
+                  <a:gd name="connsiteX7" fmla="*/ 3374571 w 3374571"/>
+                  <a:gd name="connsiteY7" fmla="*/ 6295560 h 6858000"/>
+                  <a:gd name="connsiteX8" fmla="*/ 2812131 w 3374571"/>
+                  <a:gd name="connsiteY8" fmla="*/ 6858000 h 6858000"/>
+                  <a:gd name="connsiteX9" fmla="*/ 562440 w 3374571"/>
+                  <a:gd name="connsiteY9" fmla="*/ 6858000 h 6858000"/>
+                  <a:gd name="connsiteX10" fmla="*/ 0 w 3374571"/>
+                  <a:gd name="connsiteY10" fmla="*/ 6295560 h 6858000"/>
+                  <a:gd name="connsiteX11" fmla="*/ 0 w 3374571"/>
+                  <a:gd name="connsiteY11" fmla="*/ 562440 h 6858000"/>
+                  <a:gd name="connsiteX12" fmla="*/ 562440 w 3374571"/>
+                  <a:gd name="connsiteY12" fmla="*/ 0 h 6858000"/>
+                </a:gdLst>
+                <a:ahLst/>
+                <a:cxnLst>
+                  <a:cxn ang="0">
+                    <a:pos x="connsiteX0" y="connsiteY0"/>
+                  </a:cxn>
+                  <a:cxn ang="0">
+                    <a:pos x="connsiteX1" y="connsiteY1"/>
+                  </a:cxn>
+                  <a:cxn ang="0">
+                    <a:pos x="connsiteX2" y="connsiteY2"/>
+                  </a:cxn>
+                  <a:cxn ang="0">
+                    <a:pos x="connsiteX3" y="connsiteY3"/>
+                  </a:cxn>
+                  <a:cxn ang="0">
+                    <a:pos x="connsiteX4" y="connsiteY4"/>
+                  </a:cxn>
+                  <a:cxn ang="0">
+                    <a:pos x="connsiteX5" y="connsiteY5"/>
+                  </a:cxn>
+                  <a:cxn ang="0">
+                    <a:pos x="connsiteX6" y="connsiteY6"/>
+                  </a:cxn>
+                  <a:cxn ang="0">
+                    <a:pos x="connsiteX7" y="connsiteY7"/>
+                  </a:cxn>
+                  <a:cxn ang="0">
+                    <a:pos x="connsiteX8" y="connsiteY8"/>
+                  </a:cxn>
+                  <a:cxn ang="0">
+                    <a:pos x="connsiteX9" y="connsiteY9"/>
+                  </a:cxn>
+                  <a:cxn ang="0">
+                    <a:pos x="connsiteX10" y="connsiteY10"/>
+                  </a:cxn>
+                  <a:cxn ang="0">
+                    <a:pos x="connsiteX11" y="connsiteY11"/>
+                  </a:cxn>
+                  <a:cxn ang="0">
+                    <a:pos x="connsiteX12" y="connsiteY12"/>
+                  </a:cxn>
+                </a:cxnLst>
+                <a:rect l="l" t="t" r="r" b="b"/>
+                <a:pathLst>
+                  <a:path w="3374571" h="6858000">
+                    <a:moveTo>
+                      <a:pt x="280488" y="624840"/>
+                    </a:moveTo>
+                    <a:lnTo>
+                      <a:pt x="280488" y="5984534"/>
+                    </a:lnTo>
+                    <a:lnTo>
+                      <a:pt x="3107508" y="5984534"/>
+                    </a:lnTo>
+                    <a:lnTo>
+                      <a:pt x="3107508" y="624840"/>
+                    </a:lnTo>
+                    <a:close/>
+                    <a:moveTo>
+                      <a:pt x="562440" y="0"/>
+                    </a:moveTo>
+                    <a:lnTo>
+                      <a:pt x="2812131" y="0"/>
+                    </a:lnTo>
+                    <a:cubicBezTo>
+                      <a:pt x="3122758" y="0"/>
+                      <a:pt x="3374571" y="251813"/>
+                      <a:pt x="3374571" y="562440"/>
+                    </a:cubicBezTo>
+                    <a:lnTo>
+                      <a:pt x="3374571" y="6295560"/>
+                    </a:lnTo>
+                    <a:cubicBezTo>
+                      <a:pt x="3374571" y="6606187"/>
+                      <a:pt x="3122758" y="6858000"/>
+                      <a:pt x="2812131" y="6858000"/>
+                    </a:cubicBezTo>
+                    <a:lnTo>
+                      <a:pt x="562440" y="6858000"/>
+                    </a:lnTo>
+                    <a:cubicBezTo>
+                      <a:pt x="251813" y="6858000"/>
+                      <a:pt x="0" y="6606187"/>
+                      <a:pt x="0" y="6295560"/>
+                    </a:cubicBezTo>
+                    <a:lnTo>
+                      <a:pt x="0" y="562440"/>
+                    </a:lnTo>
+                    <a:cubicBezTo>
+                      <a:pt x="0" y="251813"/>
+                      <a:pt x="251813" y="0"/>
+                      <a:pt x="562440" y="0"/>
+                    </a:cubicBezTo>
+                    <a:close/>
+                  </a:path>
+                </a:pathLst>
+              </a:custGeom>
+            </p:spPr>
+          </p:pic>
+          <p:sp>
+            <p:nvSpPr>
+              <p:cNvPr id="22" name="Freeform 21"/>
+              <p:cNvSpPr/>
+              <p:nvPr/>
+            </p:nvSpPr>
+            <p:spPr>
+              <a:xfrm>
+                <a:off x="6553200" y="5746928"/>
+                <a:ext cx="2941320" cy="851993"/>
+              </a:xfrm>
+              <a:custGeom>
+                <a:avLst/>
+                <a:gdLst>
+                  <a:gd name="connsiteX0" fmla="*/ 19964 w 2941320"/>
+                  <a:gd name="connsiteY0" fmla="*/ 0 h 851993"/>
+                  <a:gd name="connsiteX1" fmla="*/ 2921356 w 2941320"/>
+                  <a:gd name="connsiteY1" fmla="*/ 0 h 851993"/>
+                  <a:gd name="connsiteX2" fmla="*/ 2941320 w 2941320"/>
+                  <a:gd name="connsiteY2" fmla="*/ 98884 h 851993"/>
+                  <a:gd name="connsiteX3" fmla="*/ 2941320 w 2941320"/>
+                  <a:gd name="connsiteY3" fmla="*/ 545922 h 851993"/>
+                  <a:gd name="connsiteX4" fmla="*/ 2635249 w 2941320"/>
+                  <a:gd name="connsiteY4" fmla="*/ 851993 h 851993"/>
+                  <a:gd name="connsiteX5" fmla="*/ 306071 w 2941320"/>
+                  <a:gd name="connsiteY5" fmla="*/ 851993 h 851993"/>
+                  <a:gd name="connsiteX6" fmla="*/ 0 w 2941320"/>
+                  <a:gd name="connsiteY6" fmla="*/ 545922 h 851993"/>
+                  <a:gd name="connsiteX7" fmla="*/ 0 w 2941320"/>
+                  <a:gd name="connsiteY7" fmla="*/ 98884 h 851993"/>
+                </a:gdLst>
+                <a:ahLst/>
+                <a:cxnLst>
+                  <a:cxn ang="0">
+                    <a:pos x="connsiteX0" y="connsiteY0"/>
+                  </a:cxn>
+                  <a:cxn ang="0">
+                    <a:pos x="connsiteX1" y="connsiteY1"/>
+                  </a:cxn>
+                  <a:cxn ang="0">
+                    <a:pos x="connsiteX2" y="connsiteY2"/>
+                  </a:cxn>
+                  <a:cxn ang="0">
+                    <a:pos x="connsiteX3" y="connsiteY3"/>
+                  </a:cxn>
+                  <a:cxn ang="0">
+                    <a:pos x="connsiteX4" y="connsiteY4"/>
+                  </a:cxn>
+                  <a:cxn ang="0">
+                    <a:pos x="connsiteX5" y="connsiteY5"/>
+                  </a:cxn>
+                  <a:cxn ang="0">
+                    <a:pos x="connsiteX6" y="connsiteY6"/>
+                  </a:cxn>
+                  <a:cxn ang="0">
+                    <a:pos x="connsiteX7" y="connsiteY7"/>
+                  </a:cxn>
+                </a:cxnLst>
+                <a:rect l="l" t="t" r="r" b="b"/>
+                <a:pathLst>
+                  <a:path w="2941320" h="851993">
+                    <a:moveTo>
+                      <a:pt x="19964" y="0"/>
+                    </a:moveTo>
+                    <a:lnTo>
+                      <a:pt x="2921356" y="0"/>
+                    </a:lnTo>
+                    <a:lnTo>
+                      <a:pt x="2941320" y="98884"/>
+                    </a:lnTo>
+                    <a:lnTo>
+                      <a:pt x="2941320" y="545922"/>
+                    </a:lnTo>
+                    <a:cubicBezTo>
+                      <a:pt x="2941320" y="714960"/>
+                      <a:pt x="2804287" y="851993"/>
+                      <a:pt x="2635249" y="851993"/>
+                    </a:cubicBezTo>
+                    <a:lnTo>
+                      <a:pt x="306071" y="851993"/>
+                    </a:lnTo>
+                    <a:cubicBezTo>
+                      <a:pt x="137033" y="851993"/>
+                      <a:pt x="0" y="714960"/>
+                      <a:pt x="0" y="545922"/>
+                    </a:cubicBezTo>
+                    <a:lnTo>
+                      <a:pt x="0" y="98884"/>
+                    </a:lnTo>
+                    <a:close/>
+                  </a:path>
+                </a:pathLst>
+              </a:custGeom>
+              <a:solidFill>
+                <a:srgbClr val="F4E1FF"/>
+              </a:solidFill>
+              <a:ln>
+                <a:noFill/>
+              </a:ln>
+            </p:spPr>
+            <p:style>
+              <a:lnRef idx="2">
+                <a:schemeClr val="accent1">
+                  <a:shade val="50000"/>
+                </a:schemeClr>
+              </a:lnRef>
+              <a:fillRef idx="1">
+                <a:schemeClr val="accent1"/>
+              </a:fillRef>
+              <a:effectRef idx="0">
+                <a:schemeClr val="accent1"/>
+              </a:effectRef>
+              <a:fontRef idx="minor">
+                <a:schemeClr val="lt1"/>
+              </a:fontRef>
+            </p:style>
+            <p:txBody>
+              <a:bodyPr rtlCol="0" anchor="ctr"/>
+              <a:lstStyle/>
+              <a:p>
+                <a:pPr algn="ctr"/>
+                <a:endParaRPr lang="en-AU"/>
+              </a:p>
+            </p:txBody>
+          </p:sp>
+        </p:grpSp>
+        <p:sp>
+          <p:nvSpPr>
+            <p:cNvPr id="25" name="TextBox 24"/>
+            <p:cNvSpPr txBox="1"/>
+            <p:nvPr/>
+          </p:nvSpPr>
+          <p:spPr>
+            <a:xfrm>
+              <a:off x="9242697" y="5844921"/>
+              <a:ext cx="678180" cy="523220"/>
+            </a:xfrm>
+            <a:prstGeom prst="rect">
+              <a:avLst/>
+            </a:prstGeom>
+            <a:noFill/>
+          </p:spPr>
+          <p:txBody>
+            <a:bodyPr wrap="square" rtlCol="0">
+              <a:spAutoFit/>
+            </a:bodyPr>
+            <a:lstStyle/>
+            <a:p>
+              <a:pPr algn="ctr"/>
+              <a:r>
+                <a:rPr lang="en-AU" b="1" dirty="0" smtClean="0">
+                  <a:solidFill>
+                    <a:schemeClr val="bg1">
+                      <a:lumMod val="50000"/>
+                    </a:schemeClr>
+                  </a:solidFill>
+                </a:rPr>
+                <a:t>🚲</a:t>
+              </a:r>
+              <a:br>
+                <a:rPr lang="en-AU" b="1" dirty="0" smtClean="0">
+                  <a:solidFill>
+                    <a:schemeClr val="bg1">
+                      <a:lumMod val="50000"/>
+                    </a:schemeClr>
+                  </a:solidFill>
+                </a:rPr>
+              </a:br>
+              <a:r>
+                <a:rPr lang="en-AU" sz="1000" b="1" dirty="0" smtClean="0">
+                  <a:solidFill>
+                    <a:schemeClr val="bg1">
+                      <a:lumMod val="50000"/>
+                    </a:schemeClr>
+                  </a:solidFill>
+                </a:rPr>
+                <a:t>My </a:t>
+              </a:r>
+              <a:r>
+                <a:rPr lang="en-AU" sz="1000" b="1" dirty="0">
+                  <a:solidFill>
+                    <a:schemeClr val="bg1">
+                      <a:lumMod val="50000"/>
+                    </a:schemeClr>
+                  </a:solidFill>
+                </a:rPr>
+                <a:t>Rides</a:t>
+              </a:r>
+            </a:p>
+          </p:txBody>
+        </p:sp>
+        <p:sp>
+          <p:nvSpPr>
+            <p:cNvPr id="26" name="TextBox 25"/>
+            <p:cNvSpPr txBox="1"/>
+            <p:nvPr/>
+          </p:nvSpPr>
+          <p:spPr>
+            <a:xfrm>
+              <a:off x="10621917" y="5845937"/>
+              <a:ext cx="678180" cy="523220"/>
+            </a:xfrm>
+            <a:prstGeom prst="rect">
+              <a:avLst/>
+            </a:prstGeom>
+            <a:noFill/>
+          </p:spPr>
+          <p:txBody>
+            <a:bodyPr wrap="square" rtlCol="0">
+              <a:spAutoFit/>
+            </a:bodyPr>
+            <a:lstStyle/>
+            <a:p>
+              <a:pPr algn="ctr"/>
+              <a:r>
+                <a:rPr lang="en-AU" b="1" dirty="0">
+                  <a:solidFill>
+                    <a:schemeClr val="bg1">
+                      <a:lumMod val="50000"/>
+                    </a:schemeClr>
+                  </a:solidFill>
+                </a:rPr>
+                <a:t>🌐</a:t>
+              </a:r>
+              <a:r>
+                <a:rPr lang="en-AU" b="1" dirty="0" smtClean="0">
+                  <a:solidFill>
+                    <a:schemeClr val="bg1">
+                      <a:lumMod val="50000"/>
+                    </a:schemeClr>
+                  </a:solidFill>
+                </a:rPr>
+                <a:t/>
+              </a:r>
+              <a:br>
+                <a:rPr lang="en-AU" b="1" dirty="0" smtClean="0">
+                  <a:solidFill>
+                    <a:schemeClr val="bg1">
+                      <a:lumMod val="50000"/>
+                    </a:schemeClr>
+                  </a:solidFill>
+                </a:rPr>
+              </a:br>
+              <a:r>
+                <a:rPr lang="en-AU" sz="1000" b="1" dirty="0" smtClean="0">
+                  <a:solidFill>
+                    <a:schemeClr val="bg1">
+                      <a:lumMod val="50000"/>
+                    </a:schemeClr>
+                  </a:solidFill>
+                </a:rPr>
+                <a:t>Explore</a:t>
+              </a:r>
+              <a:endParaRPr lang="en-AU" sz="1000" b="1" dirty="0">
+                <a:solidFill>
+                  <a:schemeClr val="bg1">
+                    <a:lumMod val="50000"/>
+                  </a:schemeClr>
+                </a:solidFill>
+              </a:endParaRPr>
+            </a:p>
+          </p:txBody>
+        </p:sp>
+        <p:sp>
+          <p:nvSpPr>
+            <p:cNvPr id="27" name="TextBox 26"/>
+            <p:cNvSpPr txBox="1"/>
+            <p:nvPr/>
+          </p:nvSpPr>
+          <p:spPr>
+            <a:xfrm>
+              <a:off x="11300097" y="5844921"/>
+              <a:ext cx="678180" cy="523220"/>
+            </a:xfrm>
+            <a:prstGeom prst="rect">
+              <a:avLst/>
+            </a:prstGeom>
+            <a:noFill/>
+          </p:spPr>
+          <p:txBody>
+            <a:bodyPr wrap="square" rtlCol="0">
+              <a:spAutoFit/>
+            </a:bodyPr>
+            <a:lstStyle/>
+            <a:p>
+              <a:pPr algn="ctr"/>
+              <a:r>
+                <a:rPr lang="en-AU" b="1" dirty="0">
+                  <a:solidFill>
+                    <a:srgbClr val="9510E4"/>
+                  </a:solidFill>
+                </a:rPr>
+                <a:t>👤</a:t>
+              </a:r>
+              <a:r>
+                <a:rPr lang="en-AU" b="1" dirty="0" smtClean="0">
+                  <a:solidFill>
+                    <a:srgbClr val="9510E4"/>
+                  </a:solidFill>
+                </a:rPr>
+                <a:t/>
+              </a:r>
+              <a:br>
+                <a:rPr lang="en-AU" b="1" dirty="0" smtClean="0">
+                  <a:solidFill>
+                    <a:srgbClr val="9510E4"/>
+                  </a:solidFill>
+                </a:rPr>
+              </a:br>
+              <a:r>
+                <a:rPr lang="en-AU" sz="1000" b="1" dirty="0" smtClean="0">
+                  <a:solidFill>
+                    <a:srgbClr val="9510E4"/>
+                  </a:solidFill>
+                </a:rPr>
+                <a:t>Profile</a:t>
+              </a:r>
+              <a:endParaRPr lang="en-AU" sz="1000" b="1" dirty="0">
+                <a:solidFill>
+                  <a:srgbClr val="9510E4"/>
+                </a:solidFill>
+              </a:endParaRPr>
+            </a:p>
+          </p:txBody>
+        </p:sp>
+        <p:sp>
+          <p:nvSpPr>
+            <p:cNvPr id="28" name="Oval 27"/>
+            <p:cNvSpPr/>
+            <p:nvPr/>
+          </p:nvSpPr>
+          <p:spPr>
+            <a:xfrm>
+              <a:off x="10115282" y="5860161"/>
+              <a:ext cx="327471" cy="338054"/>
+            </a:xfrm>
+            <a:prstGeom prst="ellipse">
+              <a:avLst/>
+            </a:prstGeom>
+            <a:solidFill>
+              <a:srgbClr val="FFC3FF"/>
+            </a:solidFill>
+            <a:ln>
+              <a:noFill/>
+            </a:ln>
+          </p:spPr>
+          <p:style>
+            <a:lnRef idx="2">
+              <a:schemeClr val="accent1">
+                <a:shade val="50000"/>
+              </a:schemeClr>
+            </a:lnRef>
+            <a:fillRef idx="1">
+              <a:schemeClr val="accent1"/>
+            </a:fillRef>
+            <a:effectRef idx="0">
+              <a:schemeClr val="accent1"/>
+            </a:effectRef>
+            <a:fontRef idx="minor">
+              <a:schemeClr val="lt1"/>
+            </a:fontRef>
+          </p:style>
+          <p:txBody>
+            <a:bodyPr rtlCol="0" anchor="ctr"/>
+            <a:lstStyle/>
+            <a:p>
+              <a:pPr algn="ctr"/>
+              <a:endParaRPr lang="en-AU">
+                <a:solidFill>
+                  <a:schemeClr val="bg1">
+                    <a:lumMod val="50000"/>
+                  </a:schemeClr>
+                </a:solidFill>
+              </a:endParaRPr>
+            </a:p>
+          </p:txBody>
+        </p:sp>
+        <p:sp>
+          <p:nvSpPr>
+            <p:cNvPr id="29" name="TextBox 28"/>
+            <p:cNvSpPr txBox="1"/>
+            <p:nvPr/>
+          </p:nvSpPr>
+          <p:spPr>
+            <a:xfrm>
+              <a:off x="9920877" y="5844861"/>
+              <a:ext cx="701040" cy="527060"/>
+            </a:xfrm>
+            <a:prstGeom prst="rect">
+              <a:avLst/>
+            </a:prstGeom>
+            <a:noFill/>
+          </p:spPr>
+          <p:txBody>
+            <a:bodyPr wrap="square" rtlCol="0">
+              <a:spAutoFit/>
+            </a:bodyPr>
+            <a:lstStyle/>
+            <a:p>
+              <a:pPr algn="ctr"/>
+              <a:r>
+                <a:rPr lang="en-AU" b="1" dirty="0" smtClean="0">
+                  <a:solidFill>
+                    <a:schemeClr val="bg1">
+                      <a:lumMod val="50000"/>
+                    </a:schemeClr>
+                  </a:solidFill>
+                </a:rPr>
+                <a:t>🚲</a:t>
+              </a:r>
+              <a:br>
+                <a:rPr lang="en-AU" b="1" dirty="0" smtClean="0">
+                  <a:solidFill>
+                    <a:schemeClr val="bg1">
+                      <a:lumMod val="50000"/>
+                    </a:schemeClr>
+                  </a:solidFill>
+                </a:rPr>
+              </a:br>
+              <a:r>
+                <a:rPr lang="en-AU" sz="1000" b="1" dirty="0" smtClean="0">
+                  <a:solidFill>
+                    <a:schemeClr val="bg1">
+                      <a:lumMod val="50000"/>
+                    </a:schemeClr>
+                  </a:solidFill>
+                </a:rPr>
+                <a:t>My Bikes</a:t>
+              </a:r>
+              <a:endParaRPr lang="en-AU" sz="1000" b="1" dirty="0">
+                <a:solidFill>
+                  <a:schemeClr val="bg1">
+                    <a:lumMod val="50000"/>
+                  </a:schemeClr>
+                </a:solidFill>
+              </a:endParaRPr>
+            </a:p>
+          </p:txBody>
+        </p:sp>
+      </p:grpSp>
+    </p:spTree>
+    <p:extLst>
+      <p:ext uri="{BB962C8B-B14F-4D97-AF65-F5344CB8AC3E}">
+        <p14:creationId xmlns:p14="http://schemas.microsoft.com/office/powerpoint/2010/main" val="1617093858"/>
+      </p:ext>
+    </p:extLst>
+  </p:cSld>
+  <p:clrMapOvr>
+    <a:masterClrMapping/>
+  </p:clrMapOvr>
+</p:sld>
+</file>
+
+<file path=ppt/slides/slide4.xml><?xml version="1.0" encoding="utf-8"?>
+<p:sld xmlns:a="http://schemas.openxmlformats.org/drawingml/2006/main" xmlns:r="http://schemas.openxmlformats.org/officeDocument/2006/relationships" xmlns:p="http://schemas.openxmlformats.org/presentationml/2006/main">
+  <p:cSld>
+    <p:spTree>
+      <p:nvGrpSpPr>
+        <p:cNvPr id="1" name=""/>
+        <p:cNvGrpSpPr/>
+        <p:nvPr/>
+      </p:nvGrpSpPr>
+      <p:grpSpPr>
+        <a:xfrm>
+          <a:off x="0" y="0"/>
+          <a:ext cx="0" cy="0"/>
+          <a:chOff x="0" y="0"/>
+          <a:chExt cx="0" cy="0"/>
+        </a:xfrm>
+      </p:grpSpPr>
+      <p:sp>
+        <p:nvSpPr>
+          <p:cNvPr id="4" name="Rectangle 3"/>
+          <p:cNvSpPr/>
+          <p:nvPr/>
+        </p:nvSpPr>
+        <p:spPr>
+          <a:xfrm>
+            <a:off x="5882640" y="213360"/>
+            <a:ext cx="3345180" cy="6233160"/>
+          </a:xfrm>
+          <a:prstGeom prst="rect">
+            <a:avLst/>
+          </a:prstGeom>
+        </p:spPr>
+        <p:style>
+          <a:lnRef idx="2">
+            <a:schemeClr val="accent1">
+              <a:shade val="50000"/>
+            </a:schemeClr>
+          </a:lnRef>
+          <a:fillRef idx="1">
+            <a:schemeClr val="accent1"/>
+          </a:fillRef>
+          <a:effectRef idx="0">
+            <a:schemeClr val="accent1"/>
+          </a:effectRef>
+          <a:fontRef idx="minor">
+            <a:schemeClr val="lt1"/>
+          </a:fontRef>
+        </p:style>
+        <p:txBody>
+          <a:bodyPr rtlCol="0" anchor="ctr"/>
+          <a:lstStyle/>
+          <a:p>
+            <a:pPr algn="ctr"/>
+            <a:endParaRPr lang="en-AU"/>
+          </a:p>
+        </p:txBody>
+      </p:sp>
+      <p:pic>
+        <p:nvPicPr>
+          <p:cNvPr id="21" name="Picture 20"/>
+          <p:cNvPicPr>
+            <a:picLocks noChangeAspect="1"/>
+          </p:cNvPicPr>
+          <p:nvPr/>
+        </p:nvPicPr>
+        <p:blipFill>
+          <a:blip r:embed="rId2">
+            <a:extLst>
+              <a:ext uri="{28A0092B-C50C-407E-A947-70E740481C1C}">
+                <a14:useLocalDpi xmlns:a14="http://schemas.microsoft.com/office/drawing/2010/main" val="0"/>
+              </a:ext>
+            </a:extLst>
+          </a:blip>
+          <a:srcRect l="1587"/>
+          <a:stretch>
+            <a:fillRect/>
+          </a:stretch>
+        </p:blipFill>
+        <p:spPr>
+          <a:xfrm>
+            <a:off x="1014549" y="0"/>
+            <a:ext cx="3374571" cy="6858000"/>
+          </a:xfrm>
+          <a:custGeom>
+            <a:avLst/>
+            <a:gdLst>
+              <a:gd name="connsiteX0" fmla="*/ 280488 w 3374571"/>
+              <a:gd name="connsiteY0" fmla="*/ 624840 h 6858000"/>
+              <a:gd name="connsiteX1" fmla="*/ 280488 w 3374571"/>
+              <a:gd name="connsiteY1" fmla="*/ 5984534 h 6858000"/>
+              <a:gd name="connsiteX2" fmla="*/ 3107508 w 3374571"/>
+              <a:gd name="connsiteY2" fmla="*/ 5984534 h 6858000"/>
+              <a:gd name="connsiteX3" fmla="*/ 3107508 w 3374571"/>
+              <a:gd name="connsiteY3" fmla="*/ 624840 h 6858000"/>
+              <a:gd name="connsiteX4" fmla="*/ 562440 w 3374571"/>
+              <a:gd name="connsiteY4" fmla="*/ 0 h 6858000"/>
+              <a:gd name="connsiteX5" fmla="*/ 2812131 w 3374571"/>
+              <a:gd name="connsiteY5" fmla="*/ 0 h 6858000"/>
+              <a:gd name="connsiteX6" fmla="*/ 3374571 w 3374571"/>
+              <a:gd name="connsiteY6" fmla="*/ 562440 h 6858000"/>
+              <a:gd name="connsiteX7" fmla="*/ 3374571 w 3374571"/>
+              <a:gd name="connsiteY7" fmla="*/ 6295560 h 6858000"/>
+              <a:gd name="connsiteX8" fmla="*/ 2812131 w 3374571"/>
+              <a:gd name="connsiteY8" fmla="*/ 6858000 h 6858000"/>
+              <a:gd name="connsiteX9" fmla="*/ 562440 w 3374571"/>
+              <a:gd name="connsiteY9" fmla="*/ 6858000 h 6858000"/>
+              <a:gd name="connsiteX10" fmla="*/ 0 w 3374571"/>
+              <a:gd name="connsiteY10" fmla="*/ 6295560 h 6858000"/>
+              <a:gd name="connsiteX11" fmla="*/ 0 w 3374571"/>
+              <a:gd name="connsiteY11" fmla="*/ 562440 h 6858000"/>
+              <a:gd name="connsiteX12" fmla="*/ 562440 w 3374571"/>
+              <a:gd name="connsiteY12" fmla="*/ 0 h 6858000"/>
+            </a:gdLst>
+            <a:ahLst/>
+            <a:cxnLst>
+              <a:cxn ang="0">
+                <a:pos x="connsiteX0" y="connsiteY0"/>
+              </a:cxn>
+              <a:cxn ang="0">
+                <a:pos x="connsiteX1" y="connsiteY1"/>
+              </a:cxn>
+              <a:cxn ang="0">
+                <a:pos x="connsiteX2" y="connsiteY2"/>
+              </a:cxn>
+              <a:cxn ang="0">
+                <a:pos x="connsiteX3" y="connsiteY3"/>
+              </a:cxn>
+              <a:cxn ang="0">
+                <a:pos x="connsiteX4" y="connsiteY4"/>
+              </a:cxn>
+              <a:cxn ang="0">
+                <a:pos x="connsiteX5" y="connsiteY5"/>
+              </a:cxn>
+              <a:cxn ang="0">
+                <a:pos x="connsiteX6" y="connsiteY6"/>
+              </a:cxn>
+              <a:cxn ang="0">
+                <a:pos x="connsiteX7" y="connsiteY7"/>
+              </a:cxn>
+              <a:cxn ang="0">
+                <a:pos x="connsiteX8" y="connsiteY8"/>
+              </a:cxn>
+              <a:cxn ang="0">
+                <a:pos x="connsiteX9" y="connsiteY9"/>
+              </a:cxn>
+              <a:cxn ang="0">
+                <a:pos x="connsiteX10" y="connsiteY10"/>
+              </a:cxn>
+              <a:cxn ang="0">
+                <a:pos x="connsiteX11" y="connsiteY11"/>
+              </a:cxn>
+              <a:cxn ang="0">
+                <a:pos x="connsiteX12" y="connsiteY12"/>
+              </a:cxn>
+            </a:cxnLst>
+            <a:rect l="l" t="t" r="r" b="b"/>
+            <a:pathLst>
+              <a:path w="3374571" h="6858000">
+                <a:moveTo>
+                  <a:pt x="280488" y="624840"/>
+                </a:moveTo>
+                <a:lnTo>
+                  <a:pt x="280488" y="5984534"/>
+                </a:lnTo>
+                <a:lnTo>
+                  <a:pt x="3107508" y="5984534"/>
+                </a:lnTo>
+                <a:lnTo>
+                  <a:pt x="3107508" y="624840"/>
+                </a:lnTo>
+                <a:close/>
+                <a:moveTo>
+                  <a:pt x="562440" y="0"/>
+                </a:moveTo>
+                <a:lnTo>
+                  <a:pt x="2812131" y="0"/>
+                </a:lnTo>
+                <a:cubicBezTo>
+                  <a:pt x="3122758" y="0"/>
+                  <a:pt x="3374571" y="251813"/>
+                  <a:pt x="3374571" y="562440"/>
+                </a:cubicBezTo>
+                <a:lnTo>
+                  <a:pt x="3374571" y="6295560"/>
+                </a:lnTo>
+                <a:cubicBezTo>
+                  <a:pt x="3374571" y="6606187"/>
+                  <a:pt x="3122758" y="6858000"/>
+                  <a:pt x="2812131" y="6858000"/>
+                </a:cubicBezTo>
+                <a:lnTo>
+                  <a:pt x="562440" y="6858000"/>
+                </a:lnTo>
+                <a:cubicBezTo>
+                  <a:pt x="251813" y="6858000"/>
+                  <a:pt x="0" y="6606187"/>
+                  <a:pt x="0" y="6295560"/>
+                </a:cubicBezTo>
+                <a:lnTo>
+                  <a:pt x="0" y="562440"/>
+                </a:lnTo>
+                <a:cubicBezTo>
+                  <a:pt x="0" y="251813"/>
+                  <a:pt x="251813" y="0"/>
+                  <a:pt x="562440" y="0"/>
+                </a:cubicBezTo>
+                <a:close/>
+              </a:path>
+            </a:pathLst>
+          </a:custGeom>
+        </p:spPr>
+      </p:pic>
+      <p:pic>
+        <p:nvPicPr>
+          <p:cNvPr id="23" name="Picture 22"/>
+          <p:cNvPicPr>
+            <a:picLocks noChangeAspect="1"/>
+          </p:cNvPicPr>
+          <p:nvPr/>
+        </p:nvPicPr>
+        <p:blipFill>
+          <a:blip r:embed="rId2">
+            <a:extLst>
+              <a:ext uri="{28A0092B-C50C-407E-A947-70E740481C1C}">
+                <a14:useLocalDpi xmlns:a14="http://schemas.microsoft.com/office/drawing/2010/main" val="0"/>
+              </a:ext>
+            </a:extLst>
+          </a:blip>
+          <a:srcRect l="1587"/>
+          <a:stretch>
+            <a:fillRect/>
+          </a:stretch>
+        </p:blipFill>
+        <p:spPr>
+          <a:xfrm>
+            <a:off x="5876109" y="0"/>
+            <a:ext cx="3374571" cy="6858000"/>
+          </a:xfrm>
+          <a:custGeom>
+            <a:avLst/>
+            <a:gdLst>
+              <a:gd name="connsiteX0" fmla="*/ 280488 w 3374571"/>
+              <a:gd name="connsiteY0" fmla="*/ 624840 h 6858000"/>
+              <a:gd name="connsiteX1" fmla="*/ 280488 w 3374571"/>
+              <a:gd name="connsiteY1" fmla="*/ 5984534 h 6858000"/>
+              <a:gd name="connsiteX2" fmla="*/ 3107508 w 3374571"/>
+              <a:gd name="connsiteY2" fmla="*/ 5984534 h 6858000"/>
+              <a:gd name="connsiteX3" fmla="*/ 3107508 w 3374571"/>
+              <a:gd name="connsiteY3" fmla="*/ 624840 h 6858000"/>
+              <a:gd name="connsiteX4" fmla="*/ 562440 w 3374571"/>
+              <a:gd name="connsiteY4" fmla="*/ 0 h 6858000"/>
+              <a:gd name="connsiteX5" fmla="*/ 2812131 w 3374571"/>
+              <a:gd name="connsiteY5" fmla="*/ 0 h 6858000"/>
+              <a:gd name="connsiteX6" fmla="*/ 3374571 w 3374571"/>
+              <a:gd name="connsiteY6" fmla="*/ 562440 h 6858000"/>
+              <a:gd name="connsiteX7" fmla="*/ 3374571 w 3374571"/>
+              <a:gd name="connsiteY7" fmla="*/ 6295560 h 6858000"/>
+              <a:gd name="connsiteX8" fmla="*/ 2812131 w 3374571"/>
+              <a:gd name="connsiteY8" fmla="*/ 6858000 h 6858000"/>
+              <a:gd name="connsiteX9" fmla="*/ 562440 w 3374571"/>
+              <a:gd name="connsiteY9" fmla="*/ 6858000 h 6858000"/>
+              <a:gd name="connsiteX10" fmla="*/ 0 w 3374571"/>
+              <a:gd name="connsiteY10" fmla="*/ 6295560 h 6858000"/>
+              <a:gd name="connsiteX11" fmla="*/ 0 w 3374571"/>
+              <a:gd name="connsiteY11" fmla="*/ 562440 h 6858000"/>
+              <a:gd name="connsiteX12" fmla="*/ 562440 w 3374571"/>
+              <a:gd name="connsiteY12" fmla="*/ 0 h 6858000"/>
+            </a:gdLst>
+            <a:ahLst/>
+            <a:cxnLst>
+              <a:cxn ang="0">
+                <a:pos x="connsiteX0" y="connsiteY0"/>
+              </a:cxn>
+              <a:cxn ang="0">
+                <a:pos x="connsiteX1" y="connsiteY1"/>
+              </a:cxn>
+              <a:cxn ang="0">
+                <a:pos x="connsiteX2" y="connsiteY2"/>
+              </a:cxn>
+              <a:cxn ang="0">
+                <a:pos x="connsiteX3" y="connsiteY3"/>
+              </a:cxn>
+              <a:cxn ang="0">
+                <a:pos x="connsiteX4" y="connsiteY4"/>
+              </a:cxn>
+              <a:cxn ang="0">
+                <a:pos x="connsiteX5" y="connsiteY5"/>
+              </a:cxn>
+              <a:cxn ang="0">
+                <a:pos x="connsiteX6" y="connsiteY6"/>
+              </a:cxn>
+              <a:cxn ang="0">
+                <a:pos x="connsiteX7" y="connsiteY7"/>
+              </a:cxn>
+              <a:cxn ang="0">
+                <a:pos x="connsiteX8" y="connsiteY8"/>
+              </a:cxn>
+              <a:cxn ang="0">
+                <a:pos x="connsiteX9" y="connsiteY9"/>
+              </a:cxn>
+              <a:cxn ang="0">
+                <a:pos x="connsiteX10" y="connsiteY10"/>
+              </a:cxn>
+              <a:cxn ang="0">
+                <a:pos x="connsiteX11" y="connsiteY11"/>
+              </a:cxn>
+              <a:cxn ang="0">
+                <a:pos x="connsiteX12" y="connsiteY12"/>
+              </a:cxn>
+            </a:cxnLst>
+            <a:rect l="l" t="t" r="r" b="b"/>
+            <a:pathLst>
+              <a:path w="3374571" h="6858000">
+                <a:moveTo>
+                  <a:pt x="280488" y="624840"/>
+                </a:moveTo>
+                <a:lnTo>
+                  <a:pt x="280488" y="5984534"/>
+                </a:lnTo>
+                <a:lnTo>
+                  <a:pt x="3107508" y="5984534"/>
+                </a:lnTo>
+                <a:lnTo>
+                  <a:pt x="3107508" y="624840"/>
+                </a:lnTo>
+                <a:close/>
+                <a:moveTo>
+                  <a:pt x="562440" y="0"/>
+                </a:moveTo>
+                <a:lnTo>
+                  <a:pt x="2812131" y="0"/>
+                </a:lnTo>
+                <a:cubicBezTo>
+                  <a:pt x="3122758" y="0"/>
+                  <a:pt x="3374571" y="251813"/>
+                  <a:pt x="3374571" y="562440"/>
+                </a:cubicBezTo>
+                <a:lnTo>
+                  <a:pt x="3374571" y="6295560"/>
+                </a:lnTo>
+                <a:cubicBezTo>
+                  <a:pt x="3374571" y="6606187"/>
+                  <a:pt x="3122758" y="6858000"/>
+                  <a:pt x="2812131" y="6858000"/>
+                </a:cubicBezTo>
+                <a:lnTo>
+                  <a:pt x="562440" y="6858000"/>
+                </a:lnTo>
+                <a:cubicBezTo>
+                  <a:pt x="251813" y="6858000"/>
+                  <a:pt x="0" y="6606187"/>
+                  <a:pt x="0" y="6295560"/>
+                </a:cubicBezTo>
+                <a:lnTo>
+                  <a:pt x="0" y="562440"/>
+                </a:lnTo>
+                <a:cubicBezTo>
+                  <a:pt x="0" y="251813"/>
+                  <a:pt x="251813" y="0"/>
+                  <a:pt x="562440" y="0"/>
+                </a:cubicBezTo>
+                <a:close/>
+              </a:path>
+            </a:pathLst>
+          </a:custGeom>
+        </p:spPr>
+      </p:pic>
+    </p:spTree>
+    <p:extLst>
+      <p:ext uri="{BB962C8B-B14F-4D97-AF65-F5344CB8AC3E}">
+        <p14:creationId xmlns:p14="http://schemas.microsoft.com/office/powerpoint/2010/main" val="1442850195"/>
+      </p:ext>
+    </p:extLst>
+  </p:cSld>
+  <p:clrMapOvr>
+    <a:masterClrMapping/>
+  </p:clrMapOvr>
+</p:sld>
+</file>
+
+<file path=ppt/slides/slide5.xml><?xml version="1.0" encoding="utf-8"?>
 <p:sld xmlns:a="http://schemas.openxmlformats.org/drawingml/2006/main" xmlns:r="http://schemas.openxmlformats.org/officeDocument/2006/relationships" xmlns:p="http://schemas.openxmlformats.org/presentationml/2006/main">
   <p:cSld>
     <p:spTree>
@@ -5165,7 +8150,7 @@
 </p:sld>
 </file>
 
-<file path=ppt/slides/slide3.xml><?xml version="1.0" encoding="utf-8"?>
+<file path=ppt/slides/slide6.xml><?xml version="1.0" encoding="utf-8"?>
 <p:sld xmlns:a="http://schemas.openxmlformats.org/drawingml/2006/main" xmlns:r="http://schemas.openxmlformats.org/officeDocument/2006/relationships" xmlns:p="http://schemas.openxmlformats.org/presentationml/2006/main">
   <p:cSld>
     <p:spTree>
@@ -5225,7 +8210,7 @@
 </p:sld>
 </file>
 
-<file path=ppt/slides/slide4.xml><?xml version="1.0" encoding="utf-8"?>
+<file path=ppt/slides/slide7.xml><?xml version="1.0" encoding="utf-8"?>
 <p:sld xmlns:a="http://schemas.openxmlformats.org/drawingml/2006/main" xmlns:r="http://schemas.openxmlformats.org/officeDocument/2006/relationships" xmlns:p="http://schemas.openxmlformats.org/presentationml/2006/main">
   <p:cSld>
     <p:spTree>
@@ -5359,7 +8344,7 @@
 </p:sld>
 </file>
 
-<file path=ppt/slides/slide5.xml><?xml version="1.0" encoding="utf-8"?>
+<file path=ppt/slides/slide8.xml><?xml version="1.0" encoding="utf-8"?>
 <p:sld xmlns:a="http://schemas.openxmlformats.org/drawingml/2006/main" xmlns:r="http://schemas.openxmlformats.org/officeDocument/2006/relationships" xmlns:p="http://schemas.openxmlformats.org/presentationml/2006/main">
   <p:cSld>
     <p:spTree>

--- a/RefDocs/RoughWireframeScreens.pptx
+++ b/RefDocs/RoughWireframeScreens.pptx
@@ -170,7 +170,7 @@
           </a:lstStyle>
           <a:p>
             <a:r>
-              <a:rPr lang="en-US" smtClean="0"/>
+              <a:rPr lang="en-US"/>
               <a:t>Click to edit Master title style</a:t>
             </a:r>
             <a:endParaRPr lang="en-AU"/>
@@ -235,7 +235,7 @@
           </a:lstStyle>
           <a:p>
             <a:r>
-              <a:rPr lang="en-US" smtClean="0"/>
+              <a:rPr lang="en-US"/>
               <a:t>Click to edit Master subtitle style</a:t>
             </a:r>
             <a:endParaRPr lang="en-AU"/>
@@ -259,7 +259,7 @@
           <a:p>
             <a:fld id="{9F3794AE-8A50-4593-BB55-4F3F1393AD41}" type="datetimeFigureOut">
               <a:rPr lang="en-AU" smtClean="0"/>
-              <a:t>24/12/2025</a:t>
+              <a:t>26/12/2025</a:t>
             </a:fld>
             <a:endParaRPr lang="en-AU"/>
           </a:p>
@@ -353,7 +353,7 @@
           <a:lstStyle/>
           <a:p>
             <a:r>
-              <a:rPr lang="en-US" smtClean="0"/>
+              <a:rPr lang="en-US"/>
               <a:t>Click to edit Master title style</a:t>
             </a:r>
             <a:endParaRPr lang="en-AU"/>
@@ -377,35 +377,35 @@
           <a:p>
             <a:pPr lvl="0"/>
             <a:r>
-              <a:rPr lang="en-US" smtClean="0"/>
+              <a:rPr lang="en-US"/>
               <a:t>Click to edit Master text styles</a:t>
             </a:r>
           </a:p>
           <a:p>
             <a:pPr lvl="1"/>
             <a:r>
-              <a:rPr lang="en-US" smtClean="0"/>
+              <a:rPr lang="en-US"/>
               <a:t>Second level</a:t>
             </a:r>
           </a:p>
           <a:p>
             <a:pPr lvl="2"/>
             <a:r>
-              <a:rPr lang="en-US" smtClean="0"/>
+              <a:rPr lang="en-US"/>
               <a:t>Third level</a:t>
             </a:r>
           </a:p>
           <a:p>
             <a:pPr lvl="3"/>
             <a:r>
-              <a:rPr lang="en-US" smtClean="0"/>
+              <a:rPr lang="en-US"/>
               <a:t>Fourth level</a:t>
             </a:r>
           </a:p>
           <a:p>
             <a:pPr lvl="4"/>
             <a:r>
-              <a:rPr lang="en-US" smtClean="0"/>
+              <a:rPr lang="en-US"/>
               <a:t>Fifth level</a:t>
             </a:r>
             <a:endParaRPr lang="en-AU"/>
@@ -429,7 +429,7 @@
           <a:p>
             <a:fld id="{9F3794AE-8A50-4593-BB55-4F3F1393AD41}" type="datetimeFigureOut">
               <a:rPr lang="en-AU" smtClean="0"/>
-              <a:t>24/12/2025</a:t>
+              <a:t>26/12/2025</a:t>
             </a:fld>
             <a:endParaRPr lang="en-AU"/>
           </a:p>
@@ -528,7 +528,7 @@
           <a:lstStyle/>
           <a:p>
             <a:r>
-              <a:rPr lang="en-US" smtClean="0"/>
+              <a:rPr lang="en-US"/>
               <a:t>Click to edit Master title style</a:t>
             </a:r>
             <a:endParaRPr lang="en-AU"/>
@@ -557,35 +557,35 @@
           <a:p>
             <a:pPr lvl="0"/>
             <a:r>
-              <a:rPr lang="en-US" smtClean="0"/>
+              <a:rPr lang="en-US"/>
               <a:t>Click to edit Master text styles</a:t>
             </a:r>
           </a:p>
           <a:p>
             <a:pPr lvl="1"/>
             <a:r>
-              <a:rPr lang="en-US" smtClean="0"/>
+              <a:rPr lang="en-US"/>
               <a:t>Second level</a:t>
             </a:r>
           </a:p>
           <a:p>
             <a:pPr lvl="2"/>
             <a:r>
-              <a:rPr lang="en-US" smtClean="0"/>
+              <a:rPr lang="en-US"/>
               <a:t>Third level</a:t>
             </a:r>
           </a:p>
           <a:p>
             <a:pPr lvl="3"/>
             <a:r>
-              <a:rPr lang="en-US" smtClean="0"/>
+              <a:rPr lang="en-US"/>
               <a:t>Fourth level</a:t>
             </a:r>
           </a:p>
           <a:p>
             <a:pPr lvl="4"/>
             <a:r>
-              <a:rPr lang="en-US" smtClean="0"/>
+              <a:rPr lang="en-US"/>
               <a:t>Fifth level</a:t>
             </a:r>
             <a:endParaRPr lang="en-AU"/>
@@ -609,7 +609,7 @@
           <a:p>
             <a:fld id="{9F3794AE-8A50-4593-BB55-4F3F1393AD41}" type="datetimeFigureOut">
               <a:rPr lang="en-AU" smtClean="0"/>
-              <a:t>24/12/2025</a:t>
+              <a:t>26/12/2025</a:t>
             </a:fld>
             <a:endParaRPr lang="en-AU"/>
           </a:p>
@@ -703,7 +703,7 @@
           <a:lstStyle/>
           <a:p>
             <a:r>
-              <a:rPr lang="en-US" smtClean="0"/>
+              <a:rPr lang="en-US"/>
               <a:t>Click to edit Master title style</a:t>
             </a:r>
             <a:endParaRPr lang="en-AU"/>
@@ -727,35 +727,35 @@
           <a:p>
             <a:pPr lvl="0"/>
             <a:r>
-              <a:rPr lang="en-US" smtClean="0"/>
+              <a:rPr lang="en-US"/>
               <a:t>Click to edit Master text styles</a:t>
             </a:r>
           </a:p>
           <a:p>
             <a:pPr lvl="1"/>
             <a:r>
-              <a:rPr lang="en-US" smtClean="0"/>
+              <a:rPr lang="en-US"/>
               <a:t>Second level</a:t>
             </a:r>
           </a:p>
           <a:p>
             <a:pPr lvl="2"/>
             <a:r>
-              <a:rPr lang="en-US" smtClean="0"/>
+              <a:rPr lang="en-US"/>
               <a:t>Third level</a:t>
             </a:r>
           </a:p>
           <a:p>
             <a:pPr lvl="3"/>
             <a:r>
-              <a:rPr lang="en-US" smtClean="0"/>
+              <a:rPr lang="en-US"/>
               <a:t>Fourth level</a:t>
             </a:r>
           </a:p>
           <a:p>
             <a:pPr lvl="4"/>
             <a:r>
-              <a:rPr lang="en-US" smtClean="0"/>
+              <a:rPr lang="en-US"/>
               <a:t>Fifth level</a:t>
             </a:r>
             <a:endParaRPr lang="en-AU"/>
@@ -779,7 +779,7 @@
           <a:p>
             <a:fld id="{9F3794AE-8A50-4593-BB55-4F3F1393AD41}" type="datetimeFigureOut">
               <a:rPr lang="en-AU" smtClean="0"/>
-              <a:t>24/12/2025</a:t>
+              <a:t>26/12/2025</a:t>
             </a:fld>
             <a:endParaRPr lang="en-AU"/>
           </a:p>
@@ -882,7 +882,7 @@
           </a:lstStyle>
           <a:p>
             <a:r>
-              <a:rPr lang="en-US" smtClean="0"/>
+              <a:rPr lang="en-US"/>
               <a:t>Click to edit Master title style</a:t>
             </a:r>
             <a:endParaRPr lang="en-AU"/>
@@ -1002,7 +1002,7 @@
           <a:p>
             <a:pPr lvl="0"/>
             <a:r>
-              <a:rPr lang="en-US" smtClean="0"/>
+              <a:rPr lang="en-US"/>
               <a:t>Click to edit Master text styles</a:t>
             </a:r>
           </a:p>
@@ -1025,7 +1025,7 @@
           <a:p>
             <a:fld id="{9F3794AE-8A50-4593-BB55-4F3F1393AD41}" type="datetimeFigureOut">
               <a:rPr lang="en-AU" smtClean="0"/>
-              <a:t>24/12/2025</a:t>
+              <a:t>26/12/2025</a:t>
             </a:fld>
             <a:endParaRPr lang="en-AU"/>
           </a:p>
@@ -1119,7 +1119,7 @@
           <a:lstStyle/>
           <a:p>
             <a:r>
-              <a:rPr lang="en-US" smtClean="0"/>
+              <a:rPr lang="en-US"/>
               <a:t>Click to edit Master title style</a:t>
             </a:r>
             <a:endParaRPr lang="en-AU"/>
@@ -1148,35 +1148,35 @@
           <a:p>
             <a:pPr lvl="0"/>
             <a:r>
-              <a:rPr lang="en-US" smtClean="0"/>
+              <a:rPr lang="en-US"/>
               <a:t>Click to edit Master text styles</a:t>
             </a:r>
           </a:p>
           <a:p>
             <a:pPr lvl="1"/>
             <a:r>
-              <a:rPr lang="en-US" smtClean="0"/>
+              <a:rPr lang="en-US"/>
               <a:t>Second level</a:t>
             </a:r>
           </a:p>
           <a:p>
             <a:pPr lvl="2"/>
             <a:r>
-              <a:rPr lang="en-US" smtClean="0"/>
+              <a:rPr lang="en-US"/>
               <a:t>Third level</a:t>
             </a:r>
           </a:p>
           <a:p>
             <a:pPr lvl="3"/>
             <a:r>
-              <a:rPr lang="en-US" smtClean="0"/>
+              <a:rPr lang="en-US"/>
               <a:t>Fourth level</a:t>
             </a:r>
           </a:p>
           <a:p>
             <a:pPr lvl="4"/>
             <a:r>
-              <a:rPr lang="en-US" smtClean="0"/>
+              <a:rPr lang="en-US"/>
               <a:t>Fifth level</a:t>
             </a:r>
             <a:endParaRPr lang="en-AU"/>
@@ -1205,35 +1205,35 @@
           <a:p>
             <a:pPr lvl="0"/>
             <a:r>
-              <a:rPr lang="en-US" smtClean="0"/>
+              <a:rPr lang="en-US"/>
               <a:t>Click to edit Master text styles</a:t>
             </a:r>
           </a:p>
           <a:p>
             <a:pPr lvl="1"/>
             <a:r>
-              <a:rPr lang="en-US" smtClean="0"/>
+              <a:rPr lang="en-US"/>
               <a:t>Second level</a:t>
             </a:r>
           </a:p>
           <a:p>
             <a:pPr lvl="2"/>
             <a:r>
-              <a:rPr lang="en-US" smtClean="0"/>
+              <a:rPr lang="en-US"/>
               <a:t>Third level</a:t>
             </a:r>
           </a:p>
           <a:p>
             <a:pPr lvl="3"/>
             <a:r>
-              <a:rPr lang="en-US" smtClean="0"/>
+              <a:rPr lang="en-US"/>
               <a:t>Fourth level</a:t>
             </a:r>
           </a:p>
           <a:p>
             <a:pPr lvl="4"/>
             <a:r>
-              <a:rPr lang="en-US" smtClean="0"/>
+              <a:rPr lang="en-US"/>
               <a:t>Fifth level</a:t>
             </a:r>
             <a:endParaRPr lang="en-AU"/>
@@ -1257,7 +1257,7 @@
           <a:p>
             <a:fld id="{9F3794AE-8A50-4593-BB55-4F3F1393AD41}" type="datetimeFigureOut">
               <a:rPr lang="en-AU" smtClean="0"/>
-              <a:t>24/12/2025</a:t>
+              <a:t>26/12/2025</a:t>
             </a:fld>
             <a:endParaRPr lang="en-AU"/>
           </a:p>
@@ -1356,7 +1356,7 @@
           <a:lstStyle/>
           <a:p>
             <a:r>
-              <a:rPr lang="en-US" smtClean="0"/>
+              <a:rPr lang="en-US"/>
               <a:t>Click to edit Master title style</a:t>
             </a:r>
             <a:endParaRPr lang="en-AU"/>
@@ -1422,7 +1422,7 @@
           <a:p>
             <a:pPr lvl="0"/>
             <a:r>
-              <a:rPr lang="en-US" smtClean="0"/>
+              <a:rPr lang="en-US"/>
               <a:t>Click to edit Master text styles</a:t>
             </a:r>
           </a:p>
@@ -1450,35 +1450,35 @@
           <a:p>
             <a:pPr lvl="0"/>
             <a:r>
-              <a:rPr lang="en-US" smtClean="0"/>
+              <a:rPr lang="en-US"/>
               <a:t>Click to edit Master text styles</a:t>
             </a:r>
           </a:p>
           <a:p>
             <a:pPr lvl="1"/>
             <a:r>
-              <a:rPr lang="en-US" smtClean="0"/>
+              <a:rPr lang="en-US"/>
               <a:t>Second level</a:t>
             </a:r>
           </a:p>
           <a:p>
             <a:pPr lvl="2"/>
             <a:r>
-              <a:rPr lang="en-US" smtClean="0"/>
+              <a:rPr lang="en-US"/>
               <a:t>Third level</a:t>
             </a:r>
           </a:p>
           <a:p>
             <a:pPr lvl="3"/>
             <a:r>
-              <a:rPr lang="en-US" smtClean="0"/>
+              <a:rPr lang="en-US"/>
               <a:t>Fourth level</a:t>
             </a:r>
           </a:p>
           <a:p>
             <a:pPr lvl="4"/>
             <a:r>
-              <a:rPr lang="en-US" smtClean="0"/>
+              <a:rPr lang="en-US"/>
               <a:t>Fifth level</a:t>
             </a:r>
             <a:endParaRPr lang="en-AU"/>
@@ -1544,7 +1544,7 @@
           <a:p>
             <a:pPr lvl="0"/>
             <a:r>
-              <a:rPr lang="en-US" smtClean="0"/>
+              <a:rPr lang="en-US"/>
               <a:t>Click to edit Master text styles</a:t>
             </a:r>
           </a:p>
@@ -1572,35 +1572,35 @@
           <a:p>
             <a:pPr lvl="0"/>
             <a:r>
-              <a:rPr lang="en-US" smtClean="0"/>
+              <a:rPr lang="en-US"/>
               <a:t>Click to edit Master text styles</a:t>
             </a:r>
           </a:p>
           <a:p>
             <a:pPr lvl="1"/>
             <a:r>
-              <a:rPr lang="en-US" smtClean="0"/>
+              <a:rPr lang="en-US"/>
               <a:t>Second level</a:t>
             </a:r>
           </a:p>
           <a:p>
             <a:pPr lvl="2"/>
             <a:r>
-              <a:rPr lang="en-US" smtClean="0"/>
+              <a:rPr lang="en-US"/>
               <a:t>Third level</a:t>
             </a:r>
           </a:p>
           <a:p>
             <a:pPr lvl="3"/>
             <a:r>
-              <a:rPr lang="en-US" smtClean="0"/>
+              <a:rPr lang="en-US"/>
               <a:t>Fourth level</a:t>
             </a:r>
           </a:p>
           <a:p>
             <a:pPr lvl="4"/>
             <a:r>
-              <a:rPr lang="en-US" smtClean="0"/>
+              <a:rPr lang="en-US"/>
               <a:t>Fifth level</a:t>
             </a:r>
             <a:endParaRPr lang="en-AU"/>
@@ -1624,7 +1624,7 @@
           <a:p>
             <a:fld id="{9F3794AE-8A50-4593-BB55-4F3F1393AD41}" type="datetimeFigureOut">
               <a:rPr lang="en-AU" smtClean="0"/>
-              <a:t>24/12/2025</a:t>
+              <a:t>26/12/2025</a:t>
             </a:fld>
             <a:endParaRPr lang="en-AU"/>
           </a:p>
@@ -1718,7 +1718,7 @@
           <a:lstStyle/>
           <a:p>
             <a:r>
-              <a:rPr lang="en-US" smtClean="0"/>
+              <a:rPr lang="en-US"/>
               <a:t>Click to edit Master title style</a:t>
             </a:r>
             <a:endParaRPr lang="en-AU"/>
@@ -1742,7 +1742,7 @@
           <a:p>
             <a:fld id="{9F3794AE-8A50-4593-BB55-4F3F1393AD41}" type="datetimeFigureOut">
               <a:rPr lang="en-AU" smtClean="0"/>
-              <a:t>24/12/2025</a:t>
+              <a:t>26/12/2025</a:t>
             </a:fld>
             <a:endParaRPr lang="en-AU"/>
           </a:p>
@@ -1837,7 +1837,7 @@
           <a:p>
             <a:fld id="{9F3794AE-8A50-4593-BB55-4F3F1393AD41}" type="datetimeFigureOut">
               <a:rPr lang="en-AU" smtClean="0"/>
-              <a:t>24/12/2025</a:t>
+              <a:t>26/12/2025</a:t>
             </a:fld>
             <a:endParaRPr lang="en-AU"/>
           </a:p>
@@ -1940,7 +1940,7 @@
           </a:lstStyle>
           <a:p>
             <a:r>
-              <a:rPr lang="en-US" smtClean="0"/>
+              <a:rPr lang="en-US"/>
               <a:t>Click to edit Master title style</a:t>
             </a:r>
             <a:endParaRPr lang="en-AU"/>
@@ -1997,35 +1997,35 @@
           <a:p>
             <a:pPr lvl="0"/>
             <a:r>
-              <a:rPr lang="en-US" smtClean="0"/>
+              <a:rPr lang="en-US"/>
               <a:t>Click to edit Master text styles</a:t>
             </a:r>
           </a:p>
           <a:p>
             <a:pPr lvl="1"/>
             <a:r>
-              <a:rPr lang="en-US" smtClean="0"/>
+              <a:rPr lang="en-US"/>
               <a:t>Second level</a:t>
             </a:r>
           </a:p>
           <a:p>
             <a:pPr lvl="2"/>
             <a:r>
-              <a:rPr lang="en-US" smtClean="0"/>
+              <a:rPr lang="en-US"/>
               <a:t>Third level</a:t>
             </a:r>
           </a:p>
           <a:p>
             <a:pPr lvl="3"/>
             <a:r>
-              <a:rPr lang="en-US" smtClean="0"/>
+              <a:rPr lang="en-US"/>
               <a:t>Fourth level</a:t>
             </a:r>
           </a:p>
           <a:p>
             <a:pPr lvl="4"/>
             <a:r>
-              <a:rPr lang="en-US" smtClean="0"/>
+              <a:rPr lang="en-US"/>
               <a:t>Fifth level</a:t>
             </a:r>
             <a:endParaRPr lang="en-AU"/>
@@ -2091,7 +2091,7 @@
           <a:p>
             <a:pPr lvl="0"/>
             <a:r>
-              <a:rPr lang="en-US" smtClean="0"/>
+              <a:rPr lang="en-US"/>
               <a:t>Click to edit Master text styles</a:t>
             </a:r>
           </a:p>
@@ -2114,7 +2114,7 @@
           <a:p>
             <a:fld id="{9F3794AE-8A50-4593-BB55-4F3F1393AD41}" type="datetimeFigureOut">
               <a:rPr lang="en-AU" smtClean="0"/>
-              <a:t>24/12/2025</a:t>
+              <a:t>26/12/2025</a:t>
             </a:fld>
             <a:endParaRPr lang="en-AU"/>
           </a:p>
@@ -2217,7 +2217,7 @@
           </a:lstStyle>
           <a:p>
             <a:r>
-              <a:rPr lang="en-US" smtClean="0"/>
+              <a:rPr lang="en-US"/>
               <a:t>Click to edit Master title style</a:t>
             </a:r>
             <a:endParaRPr lang="en-AU"/>
@@ -2344,7 +2344,7 @@
           <a:p>
             <a:pPr lvl="0"/>
             <a:r>
-              <a:rPr lang="en-US" smtClean="0"/>
+              <a:rPr lang="en-US"/>
               <a:t>Click to edit Master text styles</a:t>
             </a:r>
           </a:p>
@@ -2367,7 +2367,7 @@
           <a:p>
             <a:fld id="{9F3794AE-8A50-4593-BB55-4F3F1393AD41}" type="datetimeFigureOut">
               <a:rPr lang="en-AU" smtClean="0"/>
-              <a:t>24/12/2025</a:t>
+              <a:t>26/12/2025</a:t>
             </a:fld>
             <a:endParaRPr lang="en-AU"/>
           </a:p>
@@ -2476,7 +2476,7 @@
           <a:lstStyle/>
           <a:p>
             <a:r>
-              <a:rPr lang="en-US" smtClean="0"/>
+              <a:rPr lang="en-US"/>
               <a:t>Click to edit Master title style</a:t>
             </a:r>
             <a:endParaRPr lang="en-AU"/>
@@ -2510,35 +2510,35 @@
           <a:p>
             <a:pPr lvl="0"/>
             <a:r>
-              <a:rPr lang="en-US" smtClean="0"/>
+              <a:rPr lang="en-US"/>
               <a:t>Click to edit Master text styles</a:t>
             </a:r>
           </a:p>
           <a:p>
             <a:pPr lvl="1"/>
             <a:r>
-              <a:rPr lang="en-US" smtClean="0"/>
+              <a:rPr lang="en-US"/>
               <a:t>Second level</a:t>
             </a:r>
           </a:p>
           <a:p>
             <a:pPr lvl="2"/>
             <a:r>
-              <a:rPr lang="en-US" smtClean="0"/>
+              <a:rPr lang="en-US"/>
               <a:t>Third level</a:t>
             </a:r>
           </a:p>
           <a:p>
             <a:pPr lvl="3"/>
             <a:r>
-              <a:rPr lang="en-US" smtClean="0"/>
+              <a:rPr lang="en-US"/>
               <a:t>Fourth level</a:t>
             </a:r>
           </a:p>
           <a:p>
             <a:pPr lvl="4"/>
             <a:r>
-              <a:rPr lang="en-US" smtClean="0"/>
+              <a:rPr lang="en-US"/>
               <a:t>Fifth level</a:t>
             </a:r>
             <a:endParaRPr lang="en-AU"/>
@@ -2580,7 +2580,7 @@
           <a:p>
             <a:fld id="{9F3794AE-8A50-4593-BB55-4F3F1393AD41}" type="datetimeFigureOut">
               <a:rPr lang="en-AU" smtClean="0"/>
-              <a:t>24/12/2025</a:t>
+              <a:t>26/12/2025</a:t>
             </a:fld>
             <a:endParaRPr lang="en-AU"/>
           </a:p>
@@ -3528,7 +3528,7 @@
           <a:lstStyle/>
           <a:p>
             <a:r>
-              <a:rPr lang="en-US" sz="4400" b="1" dirty="0" smtClean="0"/>
+              <a:rPr lang="en-US" sz="4400" b="1" dirty="0"/>
               <a:t>Owner E-Bike Calendar</a:t>
             </a:r>
             <a:endParaRPr lang="en-AU" sz="4400" b="1" dirty="0"/>
@@ -3676,7 +3676,7 @@
                 <a:lstStyle/>
                 <a:p>
                   <a:r>
-                    <a:rPr lang="en-US" sz="2000" b="1" dirty="0" smtClean="0">
+                    <a:rPr lang="en-US" sz="2000" b="1" dirty="0">
                       <a:solidFill>
                         <a:srgbClr val="9510E4"/>
                       </a:solidFill>
@@ -4027,7 +4027,7 @@
                 <a:p>
                   <a:pPr algn="ctr"/>
                   <a:r>
-                    <a:rPr lang="en-AU" b="1" dirty="0" smtClean="0">
+                    <a:rPr lang="en-AU" b="1" dirty="0">
                       <a:solidFill>
                         <a:schemeClr val="bg1">
                           <a:lumMod val="50000"/>
@@ -4037,7 +4037,7 @@
                     <a:t>🚲</a:t>
                   </a:r>
                   <a:br>
-                    <a:rPr lang="en-AU" b="1" dirty="0" smtClean="0">
+                    <a:rPr lang="en-AU" b="1" dirty="0">
                       <a:solidFill>
                         <a:schemeClr val="bg1">
                           <a:lumMod val="50000"/>
@@ -4046,16 +4046,6 @@
                     </a:rPr>
                   </a:br>
                   <a:r>
-                    <a:rPr lang="en-AU" sz="1000" b="1" dirty="0" smtClean="0">
-                      <a:solidFill>
-                        <a:schemeClr val="bg1">
-                          <a:lumMod val="50000"/>
-                        </a:schemeClr>
-                      </a:solidFill>
-                    </a:rPr>
-                    <a:t>My </a:t>
-                  </a:r>
-                  <a:r>
                     <a:rPr lang="en-AU" sz="1000" b="1" dirty="0">
                       <a:solidFill>
                         <a:schemeClr val="bg1">
@@ -4063,7 +4053,7 @@
                         </a:schemeClr>
                       </a:solidFill>
                     </a:rPr>
-                    <a:t>Rides</a:t>
+                    <a:t>My Rides</a:t>
                   </a:r>
                 </a:p>
               </p:txBody>
@@ -4101,18 +4091,8 @@
                     </a:rPr>
                     <a:t>🌐</a:t>
                   </a:r>
-                  <a:r>
-                    <a:rPr lang="en-AU" b="1" dirty="0" smtClean="0">
-                      <a:solidFill>
-                        <a:schemeClr val="bg1">
-                          <a:lumMod val="50000"/>
-                        </a:schemeClr>
-                      </a:solidFill>
-                    </a:rPr>
-                    <a:t/>
-                  </a:r>
                   <a:br>
-                    <a:rPr lang="en-AU" b="1" dirty="0" smtClean="0">
+                    <a:rPr lang="en-AU" b="1" dirty="0">
                       <a:solidFill>
                         <a:schemeClr val="bg1">
                           <a:lumMod val="50000"/>
@@ -4121,7 +4101,7 @@
                     </a:rPr>
                   </a:br>
                   <a:r>
-                    <a:rPr lang="en-AU" sz="1000" b="1" dirty="0" smtClean="0">
+                    <a:rPr lang="en-AU" sz="1000" b="1" dirty="0">
                       <a:solidFill>
                         <a:schemeClr val="bg1">
                           <a:lumMod val="50000"/>
@@ -4130,13 +4110,6 @@
                     </a:rPr>
                     <a:t>Explore</a:t>
                   </a:r>
-                  <a:endParaRPr lang="en-AU" sz="1000" b="1" dirty="0">
-                    <a:solidFill>
-                      <a:schemeClr val="bg1">
-                        <a:lumMod val="50000"/>
-                      </a:schemeClr>
-                    </a:solidFill>
-                  </a:endParaRPr>
                 </a:p>
               </p:txBody>
             </p:sp>
@@ -4173,18 +4146,8 @@
                     </a:rPr>
                     <a:t>👤</a:t>
                   </a:r>
-                  <a:r>
-                    <a:rPr lang="en-AU" b="1" dirty="0" smtClean="0">
-                      <a:solidFill>
-                        <a:schemeClr val="bg1">
-                          <a:lumMod val="50000"/>
-                        </a:schemeClr>
-                      </a:solidFill>
-                    </a:rPr>
-                    <a:t/>
-                  </a:r>
                   <a:br>
-                    <a:rPr lang="en-AU" b="1" dirty="0" smtClean="0">
+                    <a:rPr lang="en-AU" b="1" dirty="0">
                       <a:solidFill>
                         <a:schemeClr val="bg1">
                           <a:lumMod val="50000"/>
@@ -4193,7 +4156,7 @@
                     </a:rPr>
                   </a:br>
                   <a:r>
-                    <a:rPr lang="en-AU" sz="1000" b="1" dirty="0" smtClean="0">
+                    <a:rPr lang="en-AU" sz="1000" b="1" dirty="0">
                       <a:solidFill>
                         <a:schemeClr val="bg1">
                           <a:lumMod val="50000"/>
@@ -4202,13 +4165,6 @@
                     </a:rPr>
                     <a:t>Profile</a:t>
                   </a:r>
-                  <a:endParaRPr lang="en-AU" sz="1000" b="1" dirty="0">
-                    <a:solidFill>
-                      <a:schemeClr val="bg1">
-                        <a:lumMod val="50000"/>
-                      </a:schemeClr>
-                    </a:solidFill>
-                  </a:endParaRPr>
                 </a:p>
               </p:txBody>
             </p:sp>
@@ -4288,7 +4244,7 @@
                 <a:p>
                   <a:pPr algn="ctr"/>
                   <a:r>
-                    <a:rPr lang="en-AU" b="1" dirty="0" smtClean="0">
+                    <a:rPr lang="en-AU" b="1" dirty="0">
                       <a:solidFill>
                         <a:srgbClr val="9510E4"/>
                       </a:solidFill>
@@ -4296,25 +4252,20 @@
                     <a:t>🚲</a:t>
                   </a:r>
                   <a:br>
-                    <a:rPr lang="en-AU" b="1" dirty="0" smtClean="0">
+                    <a:rPr lang="en-AU" b="1" dirty="0">
                       <a:solidFill>
                         <a:srgbClr val="9510E4"/>
                       </a:solidFill>
                     </a:rPr>
                   </a:br>
                   <a:r>
-                    <a:rPr lang="en-AU" sz="1000" b="1" dirty="0" smtClean="0">
+                    <a:rPr lang="en-AU" sz="1000" b="1" dirty="0">
                       <a:solidFill>
                         <a:srgbClr val="9510E4"/>
                       </a:solidFill>
                     </a:rPr>
                     <a:t>My Bikes</a:t>
                   </a:r>
-                  <a:endParaRPr lang="en-AU" sz="1000" b="1" dirty="0">
-                    <a:solidFill>
-                      <a:srgbClr val="9510E4"/>
-                    </a:solidFill>
-                  </a:endParaRPr>
                 </a:p>
               </p:txBody>
             </p:sp>
@@ -4364,7 +4315,7 @@
             <a:lstStyle/>
             <a:p>
               <a:r>
-                <a:rPr lang="en-US" sz="1050" dirty="0" smtClean="0">
+                <a:rPr lang="en-US" sz="1050" dirty="0">
                   <a:solidFill>
                     <a:schemeClr val="tx1">
                       <a:lumMod val="65000"/>
@@ -4410,7 +4361,7 @@
             <a:lstStyle/>
             <a:p>
               <a:r>
-                <a:rPr lang="en-US" sz="900" dirty="0" smtClean="0">
+                <a:rPr lang="en-US" sz="900" dirty="0">
                   <a:solidFill>
                     <a:schemeClr val="tx1">
                       <a:lumMod val="65000"/>
@@ -4477,7 +4428,7 @@
             <a:lstStyle/>
             <a:p>
               <a:r>
-                <a:rPr lang="en-US" sz="1050" dirty="0" smtClean="0">
+                <a:rPr lang="en-US" sz="1050" dirty="0">
                   <a:solidFill>
                     <a:schemeClr val="bg1">
                       <a:lumMod val="65000"/>
@@ -4521,7 +4472,7 @@
             <a:lstStyle/>
             <a:p>
               <a:r>
-                <a:rPr lang="en-US" sz="900" dirty="0" smtClean="0">
+                <a:rPr lang="en-US" sz="900" dirty="0">
                   <a:solidFill>
                     <a:schemeClr val="tx1">
                       <a:lumMod val="65000"/>
@@ -4588,7 +4539,7 @@
             <a:lstStyle/>
             <a:p>
               <a:r>
-                <a:rPr lang="en-US" sz="1050" dirty="0" smtClean="0">
+                <a:rPr lang="en-US" sz="1050" dirty="0">
                   <a:solidFill>
                     <a:schemeClr val="bg1">
                       <a:lumMod val="65000"/>
@@ -4632,7 +4583,7 @@
             <a:lstStyle/>
             <a:p>
               <a:r>
-                <a:rPr lang="en-US" sz="900" dirty="0" smtClean="0">
+                <a:rPr lang="en-US" sz="900" dirty="0">
                   <a:solidFill>
                     <a:schemeClr val="tx1">
                       <a:lumMod val="65000"/>
@@ -4699,7 +4650,7 @@
             <a:lstStyle/>
             <a:p>
               <a:r>
-                <a:rPr lang="en-US" sz="1050" dirty="0" smtClean="0">
+                <a:rPr lang="en-US" sz="1050" dirty="0">
                   <a:solidFill>
                     <a:schemeClr val="bg1">
                       <a:lumMod val="65000"/>
@@ -4743,7 +4694,7 @@
             <a:lstStyle/>
             <a:p>
               <a:r>
-                <a:rPr lang="en-US" sz="900" dirty="0" smtClean="0">
+                <a:rPr lang="en-US" sz="900" dirty="0">
                   <a:solidFill>
                     <a:schemeClr val="tx1">
                       <a:lumMod val="65000"/>
@@ -4810,7 +4761,7 @@
             <a:lstStyle/>
             <a:p>
               <a:r>
-                <a:rPr lang="en-US" sz="1050" dirty="0" smtClean="0">
+                <a:rPr lang="en-US" sz="1050" dirty="0">
                   <a:solidFill>
                     <a:schemeClr val="bg1">
                       <a:lumMod val="65000"/>
@@ -4854,7 +4805,7 @@
             <a:lstStyle/>
             <a:p>
               <a:r>
-                <a:rPr lang="en-US" sz="900" dirty="0" smtClean="0">
+                <a:rPr lang="en-US" sz="900" dirty="0">
                   <a:solidFill>
                     <a:schemeClr val="tx1">
                       <a:lumMod val="65000"/>
@@ -4975,7 +4926,7 @@
             <a:lstStyle/>
             <a:p>
               <a:r>
-                <a:rPr lang="en-AU" sz="1050" dirty="0" smtClean="0">
+                <a:rPr lang="en-AU" sz="1050" dirty="0">
                   <a:solidFill>
                     <a:schemeClr val="bg1">
                       <a:lumMod val="65000"/>
@@ -4994,29 +4945,7 @@
                   </a:solidFill>
                   <a:latin typeface="Lato" panose="020F0502020204030203" pitchFamily="34" charset="0"/>
                 </a:rPr>
-                <a:t>Union Road, </a:t>
-              </a:r>
-              <a:r>
-                <a:rPr lang="en-US" sz="1050" dirty="0" smtClean="0">
-                  <a:solidFill>
-                    <a:schemeClr val="bg1">
-                      <a:lumMod val="65000"/>
-                    </a:schemeClr>
-                  </a:solidFill>
-                  <a:latin typeface="Lato" panose="020F0502020204030203" pitchFamily="34" charset="0"/>
-                </a:rPr>
-                <a:t>Kensington </a:t>
-              </a:r>
-              <a:r>
-                <a:rPr lang="en-US" sz="1050" dirty="0">
-                  <a:solidFill>
-                    <a:schemeClr val="bg1">
-                      <a:lumMod val="65000"/>
-                    </a:schemeClr>
-                  </a:solidFill>
-                  <a:latin typeface="Lato" panose="020F0502020204030203" pitchFamily="34" charset="0"/>
-                </a:rPr>
-                <a:t>NSW 2052</a:t>
+                <a:t>Union Road, Kensington NSW 2052</a:t>
               </a:r>
               <a:endParaRPr lang="en-AU" sz="1050" dirty="0">
                 <a:solidFill>
@@ -5052,7 +4981,7 @@
             <a:lstStyle/>
             <a:p>
               <a:r>
-                <a:rPr lang="en-US" sz="900" dirty="0" smtClean="0">
+                <a:rPr lang="en-US" sz="900" dirty="0">
                   <a:solidFill>
                     <a:schemeClr val="tx1">
                       <a:lumMod val="65000"/>
@@ -5120,7 +5049,7 @@
             <a:p>
               <a:pPr algn="ctr"/>
               <a:r>
-                <a:rPr lang="en-US" sz="1400" b="1" dirty="0" smtClean="0">
+                <a:rPr lang="en-US" sz="1400" b="1" dirty="0">
                   <a:solidFill>
                     <a:schemeClr val="bg1"/>
                   </a:solidFill>
@@ -5210,7 +5139,7 @@
             <a:lstStyle/>
             <a:p>
               <a:r>
-                <a:rPr lang="en-US" sz="900" dirty="0" smtClean="0">
+                <a:rPr lang="en-US" sz="900" dirty="0">
                   <a:solidFill>
                     <a:schemeClr val="tx1">
                       <a:lumMod val="65000"/>
@@ -5222,7 +5151,7 @@
                 <a:t>I confirm all </a:t>
               </a:r>
               <a:r>
-                <a:rPr lang="en-US" sz="1000" b="1" u="sng" dirty="0" smtClean="0">
+                <a:rPr lang="en-US" sz="1000" b="1" u="sng" dirty="0">
                   <a:solidFill>
                     <a:srgbClr val="9510E4"/>
                   </a:solidFill>
@@ -5231,7 +5160,7 @@
                 <a:t>e-bike features</a:t>
               </a:r>
               <a:r>
-                <a:rPr lang="en-US" sz="900" dirty="0" smtClean="0">
+                <a:rPr lang="en-US" sz="900" dirty="0">
                   <a:solidFill>
                     <a:schemeClr val="bg1">
                       <a:lumMod val="50000"/>
@@ -5845,7 +5774,7 @@
           <a:lstStyle/>
           <a:p>
             <a:r>
-              <a:rPr lang="en-US" sz="2000" b="1" dirty="0" smtClean="0">
+              <a:rPr lang="en-US" sz="2000" b="1" dirty="0">
                 <a:solidFill>
                   <a:srgbClr val="9510E4"/>
                 </a:solidFill>
@@ -5885,7 +5814,7 @@
           <a:lstStyle/>
           <a:p>
             <a:r>
-              <a:rPr lang="en-US" sz="1400" b="1" dirty="0" smtClean="0">
+              <a:rPr lang="en-US" sz="1400" b="1" dirty="0">
                 <a:solidFill>
                   <a:schemeClr val="tx1">
                     <a:lumMod val="65000"/>
@@ -5931,7 +5860,7 @@
           <a:lstStyle/>
           <a:p>
             <a:r>
-              <a:rPr lang="en-US" sz="4400" b="1" dirty="0" smtClean="0"/>
+              <a:rPr lang="en-US" sz="4400" b="1" dirty="0"/>
               <a:t>Renter E-Bike Filter</a:t>
             </a:r>
             <a:endParaRPr lang="en-AU" sz="4400" b="1" dirty="0"/>
@@ -6315,7 +6244,7 @@
               <a:p>
                 <a:pPr algn="ctr"/>
                 <a:r>
-                  <a:rPr lang="en-AU" b="1" dirty="0" smtClean="0">
+                  <a:rPr lang="en-AU" b="1" dirty="0">
                     <a:solidFill>
                       <a:srgbClr val="9510E4"/>
                     </a:solidFill>
@@ -6323,27 +6252,19 @@
                   <a:t>🚲</a:t>
                 </a:r>
                 <a:br>
-                  <a:rPr lang="en-AU" b="1" dirty="0" smtClean="0">
+                  <a:rPr lang="en-AU" b="1" dirty="0">
                     <a:solidFill>
                       <a:srgbClr val="9510E4"/>
                     </a:solidFill>
                   </a:rPr>
                 </a:br>
                 <a:r>
-                  <a:rPr lang="en-AU" sz="1000" b="1" dirty="0" smtClean="0">
-                    <a:solidFill>
-                      <a:srgbClr val="9510E4"/>
-                    </a:solidFill>
-                  </a:rPr>
-                  <a:t>My </a:t>
-                </a:r>
-                <a:r>
                   <a:rPr lang="en-AU" sz="1000" b="1" dirty="0">
                     <a:solidFill>
                       <a:srgbClr val="9510E4"/>
                     </a:solidFill>
                   </a:rPr>
-                  <a:t>Rides</a:t>
+                  <a:t>My Rides</a:t>
                 </a:r>
               </a:p>
             </p:txBody>
@@ -6381,18 +6302,8 @@
                   </a:rPr>
                   <a:t>🌐</a:t>
                 </a:r>
-                <a:r>
-                  <a:rPr lang="en-AU" b="1" dirty="0" smtClean="0">
-                    <a:solidFill>
-                      <a:schemeClr val="bg1">
-                        <a:lumMod val="50000"/>
-                      </a:schemeClr>
-                    </a:solidFill>
-                  </a:rPr>
-                  <a:t/>
-                </a:r>
                 <a:br>
-                  <a:rPr lang="en-AU" b="1" dirty="0" smtClean="0">
+                  <a:rPr lang="en-AU" b="1" dirty="0">
                     <a:solidFill>
                       <a:schemeClr val="bg1">
                         <a:lumMod val="50000"/>
@@ -6401,7 +6312,7 @@
                   </a:rPr>
                 </a:br>
                 <a:r>
-                  <a:rPr lang="en-AU" sz="1000" b="1" dirty="0" smtClean="0">
+                  <a:rPr lang="en-AU" sz="1000" b="1" dirty="0">
                     <a:solidFill>
                       <a:schemeClr val="bg1">
                         <a:lumMod val="50000"/>
@@ -6410,13 +6321,6 @@
                   </a:rPr>
                   <a:t>Explore</a:t>
                 </a:r>
-                <a:endParaRPr lang="en-AU" sz="1000" b="1" dirty="0">
-                  <a:solidFill>
-                    <a:schemeClr val="bg1">
-                      <a:lumMod val="50000"/>
-                    </a:schemeClr>
-                  </a:solidFill>
-                </a:endParaRPr>
               </a:p>
             </p:txBody>
           </p:sp>
@@ -6453,18 +6357,8 @@
                   </a:rPr>
                   <a:t>👤</a:t>
                 </a:r>
-                <a:r>
-                  <a:rPr lang="en-AU" b="1" dirty="0" smtClean="0">
-                    <a:solidFill>
-                      <a:schemeClr val="bg1">
-                        <a:lumMod val="50000"/>
-                      </a:schemeClr>
-                    </a:solidFill>
-                  </a:rPr>
-                  <a:t/>
-                </a:r>
                 <a:br>
-                  <a:rPr lang="en-AU" b="1" dirty="0" smtClean="0">
+                  <a:rPr lang="en-AU" b="1" dirty="0">
                     <a:solidFill>
                       <a:schemeClr val="bg1">
                         <a:lumMod val="50000"/>
@@ -6473,7 +6367,7 @@
                   </a:rPr>
                 </a:br>
                 <a:r>
-                  <a:rPr lang="en-AU" sz="1000" b="1" dirty="0" smtClean="0">
+                  <a:rPr lang="en-AU" sz="1000" b="1" dirty="0">
                     <a:solidFill>
                       <a:schemeClr val="bg1">
                         <a:lumMod val="50000"/>
@@ -6482,13 +6376,6 @@
                   </a:rPr>
                   <a:t>Profile</a:t>
                 </a:r>
-                <a:endParaRPr lang="en-AU" sz="1000" b="1" dirty="0">
-                  <a:solidFill>
-                    <a:schemeClr val="bg1">
-                      <a:lumMod val="50000"/>
-                    </a:schemeClr>
-                  </a:solidFill>
-                </a:endParaRPr>
               </a:p>
             </p:txBody>
           </p:sp>
@@ -6568,7 +6455,7 @@
               <a:p>
                 <a:pPr algn="ctr"/>
                 <a:r>
-                  <a:rPr lang="en-AU" b="1" dirty="0" smtClean="0">
+                  <a:rPr lang="en-AU" b="1" dirty="0">
                     <a:solidFill>
                       <a:schemeClr val="bg1">
                         <a:lumMod val="50000"/>
@@ -6578,7 +6465,7 @@
                   <a:t>🚲</a:t>
                 </a:r>
                 <a:br>
-                  <a:rPr lang="en-AU" b="1" dirty="0" smtClean="0">
+                  <a:rPr lang="en-AU" b="1" dirty="0">
                     <a:solidFill>
                       <a:schemeClr val="bg1">
                         <a:lumMod val="50000"/>
@@ -6587,7 +6474,7 @@
                   </a:rPr>
                 </a:br>
                 <a:r>
-                  <a:rPr lang="en-AU" sz="1000" b="1" dirty="0" smtClean="0">
+                  <a:rPr lang="en-AU" sz="1000" b="1" dirty="0">
                     <a:solidFill>
                       <a:schemeClr val="bg1">
                         <a:lumMod val="50000"/>
@@ -6596,13 +6483,6 @@
                   </a:rPr>
                   <a:t>My Bikes</a:t>
                 </a:r>
-                <a:endParaRPr lang="en-AU" sz="1000" b="1" dirty="0">
-                  <a:solidFill>
-                    <a:schemeClr val="bg1">
-                      <a:lumMod val="50000"/>
-                    </a:schemeClr>
-                  </a:solidFill>
-                </a:endParaRPr>
               </a:p>
             </p:txBody>
           </p:sp>
@@ -6728,7 +6608,7 @@
             <a:lstStyle/>
             <a:p>
               <a:r>
-                <a:rPr lang="en-US" sz="1200" b="1" dirty="0" smtClean="0">
+                <a:rPr lang="en-US" sz="1200" b="1" dirty="0">
                   <a:solidFill>
                     <a:srgbClr val="9510E4"/>
                   </a:solidFill>
@@ -7057,19 +6937,7 @@
                   </a:solidFill>
                   <a:latin typeface="Lato" panose="020F0502020204030203" pitchFamily="34" charset="0"/>
                 </a:rPr>
-                <a:t>2</a:t>
-              </a:r>
-              <a:r>
-                <a:rPr lang="en-US" sz="1050" dirty="0" smtClean="0">
-                  <a:solidFill>
-                    <a:schemeClr val="tx1">
-                      <a:lumMod val="65000"/>
-                      <a:lumOff val="35000"/>
-                    </a:schemeClr>
-                  </a:solidFill>
-                  <a:latin typeface="Lato" panose="020F0502020204030203" pitchFamily="34" charset="0"/>
-                </a:rPr>
-                <a:t>3 Jan, 2026 – 21 Dec, 2027</a:t>
+                <a:t>23 Jan, 2026 – 21 Dec, 2027</a:t>
               </a:r>
               <a:endParaRPr lang="en-AU" sz="1050" dirty="0"/>
             </a:p>
@@ -7102,7 +6970,7 @@
                 </a:lnSpc>
               </a:pPr>
               <a:r>
-                <a:rPr lang="en-AU" sz="1400" b="1" dirty="0" smtClean="0">
+                <a:rPr lang="en-AU" sz="1400" b="1" dirty="0">
                   <a:solidFill>
                     <a:srgbClr val="9510E4"/>
                   </a:solidFill>
@@ -7111,7 +6979,7 @@
                 <a:t>   🚲</a:t>
               </a:r>
               <a:r>
-                <a:rPr lang="en-AU" sz="1000" b="1" dirty="0" smtClean="0">
+                <a:rPr lang="en-AU" sz="1000" b="1" dirty="0">
                   <a:solidFill>
                     <a:schemeClr val="bg1">
                       <a:lumMod val="50000"/>
@@ -7122,7 +6990,7 @@
                 <a:t>    </a:t>
               </a:r>
               <a:r>
-                <a:rPr lang="en-AU" sz="1000" dirty="0" smtClean="0">
+                <a:rPr lang="en-AU" sz="1000" dirty="0">
                   <a:solidFill>
                     <a:schemeClr val="bg1">
                       <a:lumMod val="50000"/>
@@ -7146,21 +7014,12 @@
                   </a:solidFill>
                   <a:latin typeface="Lato" panose="020F0502020204030203" pitchFamily="34" charset="0"/>
                 </a:rPr>
-                <a:t>$/</a:t>
-              </a:r>
-              <a:r>
-                <a:rPr lang="en-US" sz="1000" b="1" dirty="0" smtClean="0">
-                  <a:solidFill>
-                    <a:srgbClr val="9510E4"/>
-                  </a:solidFill>
-                  <a:latin typeface="Lato" panose="020F0502020204030203" pitchFamily="34" charset="0"/>
-                </a:rPr>
-                <a:t>Wk  68</a:t>
+                <a:t>$/Wk  68</a:t>
               </a:r>
             </a:p>
             <a:p>
               <a:r>
-                <a:rPr lang="en-AU" sz="1100" b="1" dirty="0" smtClean="0">
+                <a:rPr lang="en-AU" sz="1100" b="1" dirty="0">
                   <a:solidFill>
                     <a:srgbClr val="9510E4"/>
                   </a:solidFill>
@@ -7169,7 +7028,7 @@
                 <a:t>     </a:t>
               </a:r>
               <a:r>
-                <a:rPr lang="en-AU" sz="1600" b="1" dirty="0" smtClean="0">
+                <a:rPr lang="en-AU" sz="1600" b="1" dirty="0">
                   <a:solidFill>
                     <a:srgbClr val="9510E4"/>
                   </a:solidFill>
@@ -7178,7 +7037,7 @@
                 <a:t>📍</a:t>
               </a:r>
               <a:r>
-                <a:rPr lang="en-AU" sz="1100" b="1" dirty="0" smtClean="0">
+                <a:rPr lang="en-AU" sz="1100" b="1" dirty="0">
                   <a:solidFill>
                     <a:srgbClr val="9510E4"/>
                   </a:solidFill>
@@ -7198,7 +7057,7 @@
                 <a:t>E10 </a:t>
               </a:r>
               <a:r>
-                <a:rPr lang="en-US" sz="1000" dirty="0" smtClean="0">
+                <a:rPr lang="en-US" sz="1000" dirty="0">
                   <a:solidFill>
                     <a:schemeClr val="bg1">
                       <a:lumMod val="50000"/>
@@ -7209,24 +7068,13 @@
                 <a:t>Union Road,                               </a:t>
               </a:r>
               <a:r>
-                <a:rPr lang="en-US" sz="1000" dirty="0" smtClean="0">
+                <a:rPr lang="en-US" sz="1000" dirty="0">
                   <a:solidFill>
                     <a:srgbClr val="FFEBFF"/>
                   </a:solidFill>
                   <a:latin typeface="Lato" panose="020F0502020204030203" pitchFamily="34" charset="0"/>
                 </a:rPr>
                 <a:t>.  </a:t>
-              </a:r>
-              <a:r>
-                <a:rPr lang="en-US" sz="1000" dirty="0" smtClean="0">
-                  <a:solidFill>
-                    <a:schemeClr val="bg1">
-                      <a:lumMod val="50000"/>
-                    </a:schemeClr>
-                  </a:solidFill>
-                  <a:latin typeface="Lato" panose="020F0502020204030203" pitchFamily="34" charset="0"/>
-                </a:rPr>
-                <a:t>             Kensington </a:t>
               </a:r>
               <a:r>
                 <a:rPr lang="en-US" sz="1000" dirty="0">
@@ -7237,7 +7085,7 @@
                   </a:solidFill>
                   <a:latin typeface="Lato" panose="020F0502020204030203" pitchFamily="34" charset="0"/>
                 </a:rPr>
-                <a:t>NSW 2052</a:t>
+                <a:t>             Kensington NSW 2052</a:t>
               </a:r>
               <a:endParaRPr lang="en-AU" sz="1000" dirty="0">
                 <a:solidFill>
@@ -7371,7 +7219,7 @@
             <a:lstStyle/>
             <a:p>
               <a:r>
-                <a:rPr lang="en-US" sz="1200" b="1" dirty="0" smtClean="0">
+                <a:rPr lang="en-US" sz="1200" b="1" dirty="0">
                   <a:solidFill>
                     <a:srgbClr val="9510E4"/>
                   </a:solidFill>
@@ -7693,7 +7541,7 @@
             <a:lstStyle/>
             <a:p>
               <a:r>
-                <a:rPr lang="en-US" sz="1050" dirty="0" smtClean="0">
+                <a:rPr lang="en-US" sz="1050" dirty="0">
                   <a:solidFill>
                     <a:schemeClr val="tx1">
                       <a:lumMod val="65000"/>
@@ -7735,7 +7583,7 @@
                 </a:lnSpc>
               </a:pPr>
               <a:r>
-                <a:rPr lang="en-AU" sz="1400" b="1" dirty="0" smtClean="0">
+                <a:rPr lang="en-AU" sz="1400" b="1" dirty="0">
                   <a:solidFill>
                     <a:srgbClr val="9510E4"/>
                   </a:solidFill>
@@ -7744,7 +7592,7 @@
                 <a:t>   🚲</a:t>
               </a:r>
               <a:r>
-                <a:rPr lang="en-AU" sz="1000" b="1" dirty="0" smtClean="0">
+                <a:rPr lang="en-AU" sz="1000" b="1" dirty="0">
                   <a:solidFill>
                     <a:schemeClr val="bg1">
                       <a:lumMod val="50000"/>
@@ -7755,7 +7603,7 @@
                 <a:t>    </a:t>
               </a:r>
               <a:r>
-                <a:rPr lang="en-AU" sz="1000" dirty="0" smtClean="0">
+                <a:rPr lang="en-AU" sz="1000" dirty="0">
                   <a:solidFill>
                     <a:schemeClr val="bg1">
                       <a:lumMod val="50000"/>
@@ -7779,21 +7627,12 @@
                   </a:solidFill>
                   <a:latin typeface="Lato" panose="020F0502020204030203" pitchFamily="34" charset="0"/>
                 </a:rPr>
-                <a:t>$/</a:t>
-              </a:r>
-              <a:r>
-                <a:rPr lang="en-US" sz="1000" b="1" dirty="0" smtClean="0">
-                  <a:solidFill>
-                    <a:srgbClr val="9510E4"/>
-                  </a:solidFill>
-                  <a:latin typeface="Lato" panose="020F0502020204030203" pitchFamily="34" charset="0"/>
-                </a:rPr>
-                <a:t>Wk  63</a:t>
+                <a:t>$/Wk  63</a:t>
               </a:r>
             </a:p>
             <a:p>
               <a:r>
-                <a:rPr lang="en-AU" sz="1100" b="1" dirty="0" smtClean="0">
+                <a:rPr lang="en-AU" sz="1100" b="1" dirty="0">
                   <a:solidFill>
                     <a:srgbClr val="9510E4"/>
                   </a:solidFill>
@@ -7802,7 +7641,7 @@
                 <a:t>     </a:t>
               </a:r>
               <a:r>
-                <a:rPr lang="en-AU" sz="1600" b="1" dirty="0" smtClean="0">
+                <a:rPr lang="en-AU" sz="1600" b="1" dirty="0">
                   <a:solidFill>
                     <a:srgbClr val="9510E4"/>
                   </a:solidFill>
@@ -7811,24 +7650,13 @@
                 <a:t>📍</a:t>
               </a:r>
               <a:r>
-                <a:rPr lang="en-AU" sz="1100" b="1" dirty="0" smtClean="0">
+                <a:rPr lang="en-AU" sz="1100" b="1" dirty="0">
                   <a:solidFill>
                     <a:srgbClr val="9510E4"/>
                   </a:solidFill>
                   <a:latin typeface="Lato" panose="020F0502020204030203" pitchFamily="34" charset="0"/>
                 </a:rPr>
                 <a:t>  </a:t>
-              </a:r>
-              <a:r>
-                <a:rPr lang="en-US" sz="1000" dirty="0" smtClean="0">
-                  <a:solidFill>
-                    <a:schemeClr val="bg1">
-                      <a:lumMod val="50000"/>
-                    </a:schemeClr>
-                  </a:solidFill>
-                  <a:latin typeface="Lato" panose="020F0502020204030203" pitchFamily="34" charset="0"/>
-                </a:rPr>
-                <a:t>Gate </a:t>
               </a:r>
               <a:r>
                 <a:rPr lang="en-US" sz="1000" dirty="0">
@@ -7839,7 +7667,16 @@
                   </a:solidFill>
                   <a:latin typeface="Lato" panose="020F0502020204030203" pitchFamily="34" charset="0"/>
                 </a:rPr>
-                <a:t>2 B5, High St, </a:t>
+                <a:t>Gate 2 B5, High St,                               </a:t>
+              </a:r>
+              <a:r>
+                <a:rPr lang="en-US" sz="1000" dirty="0">
+                  <a:solidFill>
+                    <a:srgbClr val="FFEBFF"/>
+                  </a:solidFill>
+                  <a:latin typeface="Lato" panose="020F0502020204030203" pitchFamily="34" charset="0"/>
+                </a:rPr>
+                <a:t>.  </a:t>
               </a:r>
               <a:r>
                 <a:rPr lang="en-US" sz="1000" dirty="0">
@@ -7850,49 +7687,7 @@
                   </a:solidFill>
                   <a:latin typeface="Lato" panose="020F0502020204030203" pitchFamily="34" charset="0"/>
                 </a:rPr>
-                <a:t> </a:t>
-              </a:r>
-              <a:r>
-                <a:rPr lang="en-US" sz="1000" dirty="0" smtClean="0">
-                  <a:solidFill>
-                    <a:schemeClr val="bg1">
-                      <a:lumMod val="50000"/>
-                    </a:schemeClr>
-                  </a:solidFill>
-                  <a:latin typeface="Lato" panose="020F0502020204030203" pitchFamily="34" charset="0"/>
-                </a:rPr>
-                <a:t>                             </a:t>
-              </a:r>
-              <a:r>
-                <a:rPr lang="en-US" sz="1000" dirty="0" smtClean="0">
-                  <a:solidFill>
-                    <a:srgbClr val="FFEBFF"/>
-                  </a:solidFill>
-                  <a:latin typeface="Lato" panose="020F0502020204030203" pitchFamily="34" charset="0"/>
-                </a:rPr>
-                <a:t>.  </a:t>
-              </a:r>
-              <a:r>
-                <a:rPr lang="en-US" sz="1000" dirty="0" smtClean="0">
-                  <a:solidFill>
-                    <a:schemeClr val="bg1">
-                      <a:lumMod val="50000"/>
-                    </a:schemeClr>
-                  </a:solidFill>
-                  <a:latin typeface="Lato" panose="020F0502020204030203" pitchFamily="34" charset="0"/>
-                </a:rPr>
-                <a:t>             Kensington </a:t>
-              </a:r>
-              <a:r>
-                <a:rPr lang="en-US" sz="1000" dirty="0">
-                  <a:solidFill>
-                    <a:schemeClr val="bg1">
-                      <a:lumMod val="50000"/>
-                    </a:schemeClr>
-                  </a:solidFill>
-                  <a:latin typeface="Lato" panose="020F0502020204030203" pitchFamily="34" charset="0"/>
-                </a:rPr>
-                <a:t>NSW 2052</a:t>
+                <a:t>             Kensington NSW 2052</a:t>
               </a:r>
               <a:endParaRPr lang="en-AU" sz="1000" dirty="0">
                 <a:solidFill>
@@ -8285,7 +8080,7 @@
             <a:p>
               <a:pPr algn="ctr"/>
               <a:r>
-                <a:rPr lang="en-AU" b="1" dirty="0" smtClean="0">
+                <a:rPr lang="en-AU" b="1" dirty="0">
                   <a:solidFill>
                     <a:srgbClr val="9510E4"/>
                   </a:solidFill>
@@ -8293,27 +8088,19 @@
                 <a:t>🚲</a:t>
               </a:r>
               <a:br>
-                <a:rPr lang="en-AU" b="1" dirty="0" smtClean="0">
+                <a:rPr lang="en-AU" b="1" dirty="0">
                   <a:solidFill>
                     <a:srgbClr val="9510E4"/>
                   </a:solidFill>
                 </a:rPr>
               </a:br>
               <a:r>
-                <a:rPr lang="en-AU" sz="1000" b="1" dirty="0" smtClean="0">
-                  <a:solidFill>
-                    <a:srgbClr val="9510E4"/>
-                  </a:solidFill>
-                </a:rPr>
-                <a:t>My </a:t>
-              </a:r>
-              <a:r>
                 <a:rPr lang="en-AU" sz="1000" b="1" dirty="0">
                   <a:solidFill>
                     <a:srgbClr val="9510E4"/>
                   </a:solidFill>
                 </a:rPr>
-                <a:t>Rides</a:t>
+                <a:t>My Rides</a:t>
               </a:r>
             </a:p>
           </p:txBody>
@@ -8351,18 +8138,8 @@
                 </a:rPr>
                 <a:t>🌐</a:t>
               </a:r>
-              <a:r>
-                <a:rPr lang="en-AU" b="1" dirty="0" smtClean="0">
-                  <a:solidFill>
-                    <a:schemeClr val="bg1">
-                      <a:lumMod val="50000"/>
-                    </a:schemeClr>
-                  </a:solidFill>
-                </a:rPr>
-                <a:t/>
-              </a:r>
               <a:br>
-                <a:rPr lang="en-AU" b="1" dirty="0" smtClean="0">
+                <a:rPr lang="en-AU" b="1" dirty="0">
                   <a:solidFill>
                     <a:schemeClr val="bg1">
                       <a:lumMod val="50000"/>
@@ -8371,7 +8148,7 @@
                 </a:rPr>
               </a:br>
               <a:r>
-                <a:rPr lang="en-AU" sz="1000" b="1" dirty="0" smtClean="0">
+                <a:rPr lang="en-AU" sz="1000" b="1" dirty="0">
                   <a:solidFill>
                     <a:schemeClr val="bg1">
                       <a:lumMod val="50000"/>
@@ -8380,13 +8157,6 @@
                 </a:rPr>
                 <a:t>Explore</a:t>
               </a:r>
-              <a:endParaRPr lang="en-AU" sz="1000" b="1" dirty="0">
-                <a:solidFill>
-                  <a:schemeClr val="bg1">
-                    <a:lumMod val="50000"/>
-                  </a:schemeClr>
-                </a:solidFill>
-              </a:endParaRPr>
             </a:p>
           </p:txBody>
         </p:sp>
@@ -8423,18 +8193,8 @@
                 </a:rPr>
                 <a:t>👤</a:t>
               </a:r>
-              <a:r>
-                <a:rPr lang="en-AU" b="1" dirty="0" smtClean="0">
-                  <a:solidFill>
-                    <a:schemeClr val="bg1">
-                      <a:lumMod val="50000"/>
-                    </a:schemeClr>
-                  </a:solidFill>
-                </a:rPr>
-                <a:t/>
-              </a:r>
               <a:br>
-                <a:rPr lang="en-AU" b="1" dirty="0" smtClean="0">
+                <a:rPr lang="en-AU" b="1" dirty="0">
                   <a:solidFill>
                     <a:schemeClr val="bg1">
                       <a:lumMod val="50000"/>
@@ -8443,7 +8203,7 @@
                 </a:rPr>
               </a:br>
               <a:r>
-                <a:rPr lang="en-AU" sz="1000" b="1" dirty="0" smtClean="0">
+                <a:rPr lang="en-AU" sz="1000" b="1" dirty="0">
                   <a:solidFill>
                     <a:schemeClr val="bg1">
                       <a:lumMod val="50000"/>
@@ -8452,13 +8212,6 @@
                 </a:rPr>
                 <a:t>Profile</a:t>
               </a:r>
-              <a:endParaRPr lang="en-AU" sz="1000" b="1" dirty="0">
-                <a:solidFill>
-                  <a:schemeClr val="bg1">
-                    <a:lumMod val="50000"/>
-                  </a:schemeClr>
-                </a:solidFill>
-              </a:endParaRPr>
             </a:p>
           </p:txBody>
         </p:sp>
@@ -8538,7 +8291,7 @@
             <a:p>
               <a:pPr algn="ctr"/>
               <a:r>
-                <a:rPr lang="en-AU" b="1" dirty="0" smtClean="0">
+                <a:rPr lang="en-AU" b="1" dirty="0">
                   <a:solidFill>
                     <a:schemeClr val="bg1">
                       <a:lumMod val="50000"/>
@@ -8548,7 +8301,7 @@
                 <a:t>🚲</a:t>
               </a:r>
               <a:br>
-                <a:rPr lang="en-AU" b="1" dirty="0" smtClean="0">
+                <a:rPr lang="en-AU" b="1" dirty="0">
                   <a:solidFill>
                     <a:schemeClr val="bg1">
                       <a:lumMod val="50000"/>
@@ -8557,7 +8310,7 @@
                 </a:rPr>
               </a:br>
               <a:r>
-                <a:rPr lang="en-AU" sz="1000" b="1" dirty="0" smtClean="0">
+                <a:rPr lang="en-AU" sz="1000" b="1" dirty="0">
                   <a:solidFill>
                     <a:schemeClr val="bg1">
                       <a:lumMod val="50000"/>
@@ -8566,13 +8319,6 @@
                 </a:rPr>
                 <a:t>My Bikes</a:t>
               </a:r>
-              <a:endParaRPr lang="en-AU" sz="1000" b="1" dirty="0">
-                <a:solidFill>
-                  <a:schemeClr val="bg1">
-                    <a:lumMod val="50000"/>
-                  </a:schemeClr>
-                </a:solidFill>
-              </a:endParaRPr>
             </a:p>
           </p:txBody>
         </p:sp>
@@ -8622,7 +8368,7 @@
           <a:p>
             <a:pPr algn="ctr"/>
             <a:r>
-              <a:rPr lang="en-US" sz="1400" b="1" dirty="0" smtClean="0">
+              <a:rPr lang="en-US" sz="1400" b="1" dirty="0">
                 <a:solidFill>
                   <a:schemeClr val="bg1"/>
                 </a:solidFill>
@@ -8690,7 +8436,7 @@
           <a:lstStyle/>
           <a:p>
             <a:r>
-              <a:rPr lang="en-US" sz="1200" b="1" dirty="0" smtClean="0">
+              <a:rPr lang="en-US" sz="1200" b="1" dirty="0">
                 <a:solidFill>
                   <a:schemeClr val="bg1">
                     <a:lumMod val="95000"/>
@@ -8701,7 +8447,7 @@
               <a:t>Sam’s E-Bike                                                 </a:t>
             </a:r>
             <a:r>
-              <a:rPr lang="en-US" sz="1050" dirty="0" smtClean="0">
+              <a:rPr lang="en-US" sz="1050" dirty="0">
                 <a:solidFill>
                   <a:schemeClr val="bg1">
                     <a:lumMod val="95000"/>
@@ -8981,7 +8727,7 @@
           <a:lstStyle/>
           <a:p>
             <a:r>
-              <a:rPr lang="en-US" sz="1000" b="1" dirty="0" smtClean="0">
+              <a:rPr lang="en-US" sz="1000" b="1" dirty="0">
                 <a:solidFill>
                   <a:srgbClr val="9510E4"/>
                 </a:solidFill>
@@ -9001,7 +8747,7 @@
               <a:t>$136</a:t>
             </a:r>
             <a:r>
-              <a:rPr lang="en-AU" sz="1000" b="1" dirty="0" smtClean="0">
+              <a:rPr lang="en-AU" sz="1000" b="1" dirty="0">
                 <a:solidFill>
                   <a:srgbClr val="9510E4"/>
                 </a:solidFill>
@@ -9010,7 +8756,7 @@
               <a:t>             </a:t>
             </a:r>
             <a:r>
-              <a:rPr lang="en-AU" sz="1400" b="1" dirty="0" smtClean="0">
+              <a:rPr lang="en-AU" sz="1400" b="1" dirty="0">
                 <a:solidFill>
                   <a:srgbClr val="9510E4"/>
                 </a:solidFill>
@@ -9019,7 +8765,7 @@
               <a:t>🚲</a:t>
             </a:r>
             <a:r>
-              <a:rPr lang="en-AU" sz="1000" b="1" dirty="0" smtClean="0">
+              <a:rPr lang="en-AU" sz="1000" b="1" dirty="0">
                 <a:solidFill>
                   <a:schemeClr val="bg1">
                     <a:lumMod val="50000"/>
@@ -9030,7 +8776,7 @@
               <a:t>    </a:t>
             </a:r>
             <a:r>
-              <a:rPr lang="en-AU" sz="1000" dirty="0" smtClean="0">
+              <a:rPr lang="en-AU" sz="1000" dirty="0">
                 <a:solidFill>
                   <a:schemeClr val="bg1">
                     <a:lumMod val="50000"/>
@@ -9051,7 +8797,7 @@
           </a:p>
           <a:p>
             <a:r>
-              <a:rPr lang="en-AU" sz="1100" b="1" dirty="0" smtClean="0">
+              <a:rPr lang="en-AU" sz="1100" b="1" dirty="0">
                 <a:solidFill>
                   <a:srgbClr val="9510E4"/>
                 </a:solidFill>
@@ -9060,7 +8806,7 @@
               <a:t>   </a:t>
             </a:r>
             <a:r>
-              <a:rPr lang="en-AU" sz="1200" b="1" dirty="0" smtClean="0">
+              <a:rPr lang="en-AU" sz="1200" b="1" dirty="0">
                 <a:solidFill>
                   <a:srgbClr val="9510E4"/>
                 </a:solidFill>
@@ -9069,7 +8815,7 @@
               <a:t>📍</a:t>
             </a:r>
             <a:r>
-              <a:rPr lang="en-AU" sz="1000" b="1" dirty="0" smtClean="0">
+              <a:rPr lang="en-AU" sz="1000" b="1" dirty="0">
                 <a:solidFill>
                   <a:srgbClr val="9510E4"/>
                 </a:solidFill>
@@ -9089,17 +8835,6 @@
               <a:t>E10 </a:t>
             </a:r>
             <a:r>
-              <a:rPr lang="en-US" sz="1000" dirty="0" smtClean="0">
-                <a:solidFill>
-                  <a:schemeClr val="bg1">
-                    <a:lumMod val="50000"/>
-                  </a:schemeClr>
-                </a:solidFill>
-                <a:latin typeface="Lato" panose="020F0502020204030203" pitchFamily="34" charset="0"/>
-              </a:rPr>
-              <a:t>Union Road, Kensington </a:t>
-            </a:r>
-            <a:r>
               <a:rPr lang="en-US" sz="1000" dirty="0">
                 <a:solidFill>
                   <a:schemeClr val="bg1">
@@ -9108,7 +8843,7 @@
                 </a:solidFill>
                 <a:latin typeface="Lato" panose="020F0502020204030203" pitchFamily="34" charset="0"/>
               </a:rPr>
-              <a:t>NSW 2052</a:t>
+              <a:t>Union Road, Kensington NSW 2052</a:t>
             </a:r>
             <a:endParaRPr lang="en-AU" sz="1000" dirty="0">
               <a:solidFill>
@@ -9174,7 +8909,7 @@
           <a:lstStyle/>
           <a:p>
             <a:r>
-              <a:rPr lang="en-US" sz="4400" b="1" dirty="0" smtClean="0"/>
+              <a:rPr lang="en-US" sz="4400" b="1" dirty="0"/>
               <a:t>Renter Book E-Bike</a:t>
             </a:r>
             <a:endParaRPr lang="en-AU" sz="4400" b="1" dirty="0"/>
@@ -9558,7 +9293,7 @@
               <a:p>
                 <a:pPr algn="ctr"/>
                 <a:r>
-                  <a:rPr lang="en-AU" b="1" dirty="0" smtClean="0">
+                  <a:rPr lang="en-AU" b="1" dirty="0">
                     <a:solidFill>
                       <a:srgbClr val="9510E4"/>
                     </a:solidFill>
@@ -9566,27 +9301,19 @@
                   <a:t>🚲</a:t>
                 </a:r>
                 <a:br>
-                  <a:rPr lang="en-AU" b="1" dirty="0" smtClean="0">
+                  <a:rPr lang="en-AU" b="1" dirty="0">
                     <a:solidFill>
                       <a:srgbClr val="9510E4"/>
                     </a:solidFill>
                   </a:rPr>
                 </a:br>
                 <a:r>
-                  <a:rPr lang="en-AU" sz="1000" b="1" dirty="0" smtClean="0">
-                    <a:solidFill>
-                      <a:srgbClr val="9510E4"/>
-                    </a:solidFill>
-                  </a:rPr>
-                  <a:t>My </a:t>
-                </a:r>
-                <a:r>
                   <a:rPr lang="en-AU" sz="1000" b="1" dirty="0">
                     <a:solidFill>
                       <a:srgbClr val="9510E4"/>
                     </a:solidFill>
                   </a:rPr>
-                  <a:t>Rides</a:t>
+                  <a:t>My Rides</a:t>
                 </a:r>
               </a:p>
             </p:txBody>
@@ -9624,18 +9351,8 @@
                   </a:rPr>
                   <a:t>🌐</a:t>
                 </a:r>
-                <a:r>
-                  <a:rPr lang="en-AU" b="1" dirty="0" smtClean="0">
-                    <a:solidFill>
-                      <a:schemeClr val="bg1">
-                        <a:lumMod val="50000"/>
-                      </a:schemeClr>
-                    </a:solidFill>
-                  </a:rPr>
-                  <a:t/>
-                </a:r>
                 <a:br>
-                  <a:rPr lang="en-AU" b="1" dirty="0" smtClean="0">
+                  <a:rPr lang="en-AU" b="1" dirty="0">
                     <a:solidFill>
                       <a:schemeClr val="bg1">
                         <a:lumMod val="50000"/>
@@ -9644,7 +9361,7 @@
                   </a:rPr>
                 </a:br>
                 <a:r>
-                  <a:rPr lang="en-AU" sz="1000" b="1" dirty="0" smtClean="0">
+                  <a:rPr lang="en-AU" sz="1000" b="1" dirty="0">
                     <a:solidFill>
                       <a:schemeClr val="bg1">
                         <a:lumMod val="50000"/>
@@ -9653,13 +9370,6 @@
                   </a:rPr>
                   <a:t>Explore</a:t>
                 </a:r>
-                <a:endParaRPr lang="en-AU" sz="1000" b="1" dirty="0">
-                  <a:solidFill>
-                    <a:schemeClr val="bg1">
-                      <a:lumMod val="50000"/>
-                    </a:schemeClr>
-                  </a:solidFill>
-                </a:endParaRPr>
               </a:p>
             </p:txBody>
           </p:sp>
@@ -9696,18 +9406,8 @@
                   </a:rPr>
                   <a:t>👤</a:t>
                 </a:r>
-                <a:r>
-                  <a:rPr lang="en-AU" b="1" dirty="0" smtClean="0">
-                    <a:solidFill>
-                      <a:schemeClr val="bg1">
-                        <a:lumMod val="50000"/>
-                      </a:schemeClr>
-                    </a:solidFill>
-                  </a:rPr>
-                  <a:t/>
-                </a:r>
                 <a:br>
-                  <a:rPr lang="en-AU" b="1" dirty="0" smtClean="0">
+                  <a:rPr lang="en-AU" b="1" dirty="0">
                     <a:solidFill>
                       <a:schemeClr val="bg1">
                         <a:lumMod val="50000"/>
@@ -9716,7 +9416,7 @@
                   </a:rPr>
                 </a:br>
                 <a:r>
-                  <a:rPr lang="en-AU" sz="1000" b="1" dirty="0" smtClean="0">
+                  <a:rPr lang="en-AU" sz="1000" b="1" dirty="0">
                     <a:solidFill>
                       <a:schemeClr val="bg1">
                         <a:lumMod val="50000"/>
@@ -9725,13 +9425,6 @@
                   </a:rPr>
                   <a:t>Profile</a:t>
                 </a:r>
-                <a:endParaRPr lang="en-AU" sz="1000" b="1" dirty="0">
-                  <a:solidFill>
-                    <a:schemeClr val="bg1">
-                      <a:lumMod val="50000"/>
-                    </a:schemeClr>
-                  </a:solidFill>
-                </a:endParaRPr>
               </a:p>
             </p:txBody>
           </p:sp>
@@ -9811,7 +9504,7 @@
               <a:p>
                 <a:pPr algn="ctr"/>
                 <a:r>
-                  <a:rPr lang="en-AU" b="1" dirty="0" smtClean="0">
+                  <a:rPr lang="en-AU" b="1" dirty="0">
                     <a:solidFill>
                       <a:schemeClr val="bg1">
                         <a:lumMod val="50000"/>
@@ -9821,7 +9514,7 @@
                   <a:t>🚲</a:t>
                 </a:r>
                 <a:br>
-                  <a:rPr lang="en-AU" b="1" dirty="0" smtClean="0">
+                  <a:rPr lang="en-AU" b="1" dirty="0">
                     <a:solidFill>
                       <a:schemeClr val="bg1">
                         <a:lumMod val="50000"/>
@@ -9830,7 +9523,7 @@
                   </a:rPr>
                 </a:br>
                 <a:r>
-                  <a:rPr lang="en-AU" sz="1000" b="1" dirty="0" smtClean="0">
+                  <a:rPr lang="en-AU" sz="1000" b="1" dirty="0">
                     <a:solidFill>
                       <a:schemeClr val="bg1">
                         <a:lumMod val="50000"/>
@@ -9839,13 +9532,6 @@
                   </a:rPr>
                   <a:t>My Bikes</a:t>
                 </a:r>
-                <a:endParaRPr lang="en-AU" sz="1000" b="1" dirty="0">
-                  <a:solidFill>
-                    <a:schemeClr val="bg1">
-                      <a:lumMod val="50000"/>
-                    </a:schemeClr>
-                  </a:solidFill>
-                </a:endParaRPr>
               </a:p>
             </p:txBody>
           </p:sp>
@@ -9918,7 +9604,7 @@
             <a:lstStyle/>
             <a:p>
               <a:r>
-                <a:rPr lang="en-US" sz="2000" b="1" dirty="0" smtClean="0">
+                <a:rPr lang="en-US" sz="2000" b="1" dirty="0">
                   <a:solidFill>
                     <a:srgbClr val="9510E4"/>
                   </a:solidFill>
@@ -10314,7 +10000,7 @@
               <a:p>
                 <a:pPr algn="ctr"/>
                 <a:r>
-                  <a:rPr lang="en-AU" b="1" dirty="0" smtClean="0">
+                  <a:rPr lang="en-AU" b="1" dirty="0">
                     <a:solidFill>
                       <a:srgbClr val="9510E4"/>
                     </a:solidFill>
@@ -10322,27 +10008,19 @@
                   <a:t>🚲</a:t>
                 </a:r>
                 <a:br>
-                  <a:rPr lang="en-AU" b="1" dirty="0" smtClean="0">
+                  <a:rPr lang="en-AU" b="1" dirty="0">
                     <a:solidFill>
                       <a:srgbClr val="9510E4"/>
                     </a:solidFill>
                   </a:rPr>
                 </a:br>
                 <a:r>
-                  <a:rPr lang="en-AU" sz="1000" b="1" dirty="0" smtClean="0">
-                    <a:solidFill>
-                      <a:srgbClr val="9510E4"/>
-                    </a:solidFill>
-                  </a:rPr>
-                  <a:t>My </a:t>
-                </a:r>
-                <a:r>
                   <a:rPr lang="en-AU" sz="1000" b="1" dirty="0">
                     <a:solidFill>
                       <a:srgbClr val="9510E4"/>
                     </a:solidFill>
                   </a:rPr>
-                  <a:t>Rides</a:t>
+                  <a:t>My Rides</a:t>
                 </a:r>
               </a:p>
             </p:txBody>
@@ -10380,18 +10058,8 @@
                   </a:rPr>
                   <a:t>🌐</a:t>
                 </a:r>
-                <a:r>
-                  <a:rPr lang="en-AU" b="1" dirty="0" smtClean="0">
-                    <a:solidFill>
-                      <a:schemeClr val="bg1">
-                        <a:lumMod val="50000"/>
-                      </a:schemeClr>
-                    </a:solidFill>
-                  </a:rPr>
-                  <a:t/>
-                </a:r>
                 <a:br>
-                  <a:rPr lang="en-AU" b="1" dirty="0" smtClean="0">
+                  <a:rPr lang="en-AU" b="1" dirty="0">
                     <a:solidFill>
                       <a:schemeClr val="bg1">
                         <a:lumMod val="50000"/>
@@ -10400,7 +10068,7 @@
                   </a:rPr>
                 </a:br>
                 <a:r>
-                  <a:rPr lang="en-AU" sz="1000" b="1" dirty="0" smtClean="0">
+                  <a:rPr lang="en-AU" sz="1000" b="1" dirty="0">
                     <a:solidFill>
                       <a:schemeClr val="bg1">
                         <a:lumMod val="50000"/>
@@ -10409,13 +10077,6 @@
                   </a:rPr>
                   <a:t>Explore</a:t>
                 </a:r>
-                <a:endParaRPr lang="en-AU" sz="1000" b="1" dirty="0">
-                  <a:solidFill>
-                    <a:schemeClr val="bg1">
-                      <a:lumMod val="50000"/>
-                    </a:schemeClr>
-                  </a:solidFill>
-                </a:endParaRPr>
               </a:p>
             </p:txBody>
           </p:sp>
@@ -10452,18 +10113,8 @@
                   </a:rPr>
                   <a:t>👤</a:t>
                 </a:r>
-                <a:r>
-                  <a:rPr lang="en-AU" b="1" dirty="0" smtClean="0">
-                    <a:solidFill>
-                      <a:schemeClr val="bg1">
-                        <a:lumMod val="50000"/>
-                      </a:schemeClr>
-                    </a:solidFill>
-                  </a:rPr>
-                  <a:t/>
-                </a:r>
                 <a:br>
-                  <a:rPr lang="en-AU" b="1" dirty="0" smtClean="0">
+                  <a:rPr lang="en-AU" b="1" dirty="0">
                     <a:solidFill>
                       <a:schemeClr val="bg1">
                         <a:lumMod val="50000"/>
@@ -10472,7 +10123,7 @@
                   </a:rPr>
                 </a:br>
                 <a:r>
-                  <a:rPr lang="en-AU" sz="1000" b="1" dirty="0" smtClean="0">
+                  <a:rPr lang="en-AU" sz="1000" b="1" dirty="0">
                     <a:solidFill>
                       <a:schemeClr val="bg1">
                         <a:lumMod val="50000"/>
@@ -10481,13 +10132,6 @@
                   </a:rPr>
                   <a:t>Profile</a:t>
                 </a:r>
-                <a:endParaRPr lang="en-AU" sz="1000" b="1" dirty="0">
-                  <a:solidFill>
-                    <a:schemeClr val="bg1">
-                      <a:lumMod val="50000"/>
-                    </a:schemeClr>
-                  </a:solidFill>
-                </a:endParaRPr>
               </a:p>
             </p:txBody>
           </p:sp>
@@ -10567,7 +10211,7 @@
               <a:p>
                 <a:pPr algn="ctr"/>
                 <a:r>
-                  <a:rPr lang="en-AU" b="1" dirty="0" smtClean="0">
+                  <a:rPr lang="en-AU" b="1" dirty="0">
                     <a:solidFill>
                       <a:schemeClr val="bg1">
                         <a:lumMod val="50000"/>
@@ -10577,7 +10221,7 @@
                   <a:t>🚲</a:t>
                 </a:r>
                 <a:br>
-                  <a:rPr lang="en-AU" b="1" dirty="0" smtClean="0">
+                  <a:rPr lang="en-AU" b="1" dirty="0">
                     <a:solidFill>
                       <a:schemeClr val="bg1">
                         <a:lumMod val="50000"/>
@@ -10586,7 +10230,7 @@
                   </a:rPr>
                 </a:br>
                 <a:r>
-                  <a:rPr lang="en-AU" sz="1000" b="1" dirty="0" smtClean="0">
+                  <a:rPr lang="en-AU" sz="1000" b="1" dirty="0">
                     <a:solidFill>
                       <a:schemeClr val="bg1">
                         <a:lumMod val="50000"/>
@@ -10595,13 +10239,6 @@
                   </a:rPr>
                   <a:t>My Bikes</a:t>
                 </a:r>
-                <a:endParaRPr lang="en-AU" sz="1000" b="1" dirty="0">
-                  <a:solidFill>
-                    <a:schemeClr val="bg1">
-                      <a:lumMod val="50000"/>
-                    </a:schemeClr>
-                  </a:solidFill>
-                </a:endParaRPr>
               </a:p>
             </p:txBody>
           </p:sp>
@@ -10651,7 +10288,7 @@
             <a:p>
               <a:pPr algn="ctr"/>
               <a:r>
-                <a:rPr lang="en-US" sz="1400" b="1" dirty="0" smtClean="0">
+                <a:rPr lang="en-US" sz="1400" b="1" dirty="0">
                   <a:solidFill>
                     <a:schemeClr val="bg1"/>
                   </a:solidFill>
@@ -10719,7 +10356,7 @@
             <a:lstStyle/>
             <a:p>
               <a:r>
-                <a:rPr lang="en-US" sz="1200" b="1" dirty="0" smtClean="0">
+                <a:rPr lang="en-US" sz="1200" b="1" dirty="0">
                   <a:solidFill>
                     <a:schemeClr val="bg1">
                       <a:lumMod val="95000"/>
@@ -10727,10 +10364,10 @@
                   </a:solidFill>
                   <a:latin typeface="Lato" panose="020F0502020204030203" pitchFamily="34" charset="0"/>
                 </a:rPr>
-                <a:t>Sam’s E-Bike                                                 </a:t>
+                <a:t>Sam’s E-Bike                                         </a:t>
               </a:r>
               <a:r>
-                <a:rPr lang="en-US" sz="1050" dirty="0" smtClean="0">
+                <a:rPr lang="en-US" sz="1050" dirty="0">
                   <a:solidFill>
                     <a:schemeClr val="bg1">
                       <a:lumMod val="95000"/>
@@ -10950,7 +10587,7 @@
           </p:nvSpPr>
           <p:spPr>
             <a:xfrm>
-              <a:off x="7401742" y="2715086"/>
+              <a:off x="7401742" y="2705254"/>
               <a:ext cx="108000" cy="98182"/>
             </a:xfrm>
             <a:prstGeom prst="star5">
@@ -11010,7 +10647,7 @@
             <a:lstStyle/>
             <a:p>
               <a:r>
-                <a:rPr lang="en-US" sz="1000" b="1" dirty="0" smtClean="0">
+                <a:rPr lang="en-US" sz="1000" b="1" dirty="0">
                   <a:solidFill>
                     <a:srgbClr val="9510E4"/>
                   </a:solidFill>
@@ -11030,7 +10667,7 @@
                 <a:t>$136</a:t>
               </a:r>
               <a:r>
-                <a:rPr lang="en-AU" sz="1000" b="1" dirty="0" smtClean="0">
+                <a:rPr lang="en-AU" sz="1000" b="1" dirty="0">
                   <a:solidFill>
                     <a:srgbClr val="9510E4"/>
                   </a:solidFill>
@@ -11039,7 +10676,7 @@
                 <a:t>             </a:t>
               </a:r>
               <a:r>
-                <a:rPr lang="en-AU" sz="1400" b="1" dirty="0" smtClean="0">
+                <a:rPr lang="en-AU" sz="1400" b="1" dirty="0">
                   <a:solidFill>
                     <a:srgbClr val="9510E4"/>
                   </a:solidFill>
@@ -11048,7 +10685,7 @@
                 <a:t>🚲</a:t>
               </a:r>
               <a:r>
-                <a:rPr lang="en-AU" sz="1000" b="1" dirty="0" smtClean="0">
+                <a:rPr lang="en-AU" sz="1000" b="1" dirty="0">
                   <a:solidFill>
                     <a:schemeClr val="bg1">
                       <a:lumMod val="50000"/>
@@ -11059,7 +10696,7 @@
                 <a:t>    </a:t>
               </a:r>
               <a:r>
-                <a:rPr lang="en-AU" sz="1000" dirty="0" smtClean="0">
+                <a:rPr lang="en-AU" sz="1000" dirty="0">
                   <a:solidFill>
                     <a:schemeClr val="bg1">
                       <a:lumMod val="50000"/>
@@ -11080,7 +10717,7 @@
             </a:p>
             <a:p>
               <a:r>
-                <a:rPr lang="en-AU" sz="1100" b="1" dirty="0" smtClean="0">
+                <a:rPr lang="en-AU" sz="1100" b="1" dirty="0">
                   <a:solidFill>
                     <a:srgbClr val="9510E4"/>
                   </a:solidFill>
@@ -11089,7 +10726,7 @@
                 <a:t>   </a:t>
               </a:r>
               <a:r>
-                <a:rPr lang="en-AU" sz="1200" b="1" dirty="0" smtClean="0">
+                <a:rPr lang="en-AU" sz="1200" b="1" dirty="0">
                   <a:solidFill>
                     <a:srgbClr val="9510E4"/>
                   </a:solidFill>
@@ -11098,7 +10735,7 @@
                 <a:t>📍</a:t>
               </a:r>
               <a:r>
-                <a:rPr lang="en-AU" sz="1000" b="1" dirty="0" smtClean="0">
+                <a:rPr lang="en-AU" sz="1000" b="1" dirty="0">
                   <a:solidFill>
                     <a:srgbClr val="9510E4"/>
                   </a:solidFill>
@@ -11118,7 +10755,7 @@
                 <a:t>E10 </a:t>
               </a:r>
               <a:r>
-                <a:rPr lang="en-US" sz="1000" dirty="0" smtClean="0">
+                <a:rPr lang="en-US" sz="1000" dirty="0">
                   <a:solidFill>
                     <a:schemeClr val="bg1">
                       <a:lumMod val="50000"/>
@@ -11126,7 +10763,26 @@
                   </a:solidFill>
                   <a:latin typeface="Lato" panose="020F0502020204030203" pitchFamily="34" charset="0"/>
                 </a:rPr>
-                <a:t>Union Road, Kensington </a:t>
+                <a:t>Union Road, Kensington NSW 2052</a:t>
+              </a:r>
+            </a:p>
+            <a:p>
+              <a:r>
+                <a:rPr lang="en-AU" sz="1600" dirty="0">
+                  <a:solidFill>
+                    <a:srgbClr val="9510E4"/>
+                  </a:solidFill>
+                </a:rPr>
+                <a:t>  📅    </a:t>
+              </a:r>
+              <a:r>
+                <a:rPr lang="en-US" sz="1000" b="1" dirty="0">
+                  <a:solidFill>
+                    <a:srgbClr val="9510E4"/>
+                  </a:solidFill>
+                  <a:latin typeface="Lato" panose="020F0502020204030203" pitchFamily="34" charset="0"/>
+                </a:rPr>
+                <a:t>From   </a:t>
               </a:r>
               <a:r>
                 <a:rPr lang="en-US" sz="1000" dirty="0">
@@ -11137,51 +10793,10 @@
                   </a:solidFill>
                   <a:latin typeface="Lato" panose="020F0502020204030203" pitchFamily="34" charset="0"/>
                 </a:rPr>
-                <a:t>NSW </a:t>
-              </a:r>
-              <a:r>
-                <a:rPr lang="en-US" sz="1000" dirty="0" smtClean="0">
-                  <a:solidFill>
-                    <a:schemeClr val="bg1">
-                      <a:lumMod val="50000"/>
-                    </a:schemeClr>
-                  </a:solidFill>
-                  <a:latin typeface="Lato" panose="020F0502020204030203" pitchFamily="34" charset="0"/>
-                </a:rPr>
-                <a:t>2052</a:t>
-              </a:r>
-            </a:p>
-            <a:p>
-              <a:r>
-                <a:rPr lang="en-AU" sz="1600" dirty="0" smtClean="0">
-                  <a:solidFill>
-                    <a:srgbClr val="9510E4"/>
-                  </a:solidFill>
-                </a:rPr>
-                <a:t>  📅    </a:t>
-              </a:r>
-              <a:r>
-                <a:rPr lang="en-US" sz="1000" b="1" dirty="0" smtClean="0">
-                  <a:solidFill>
-                    <a:srgbClr val="9510E4"/>
-                  </a:solidFill>
-                  <a:latin typeface="Lato" panose="020F0502020204030203" pitchFamily="34" charset="0"/>
-                </a:rPr>
-                <a:t>From   </a:t>
-              </a:r>
-              <a:r>
-                <a:rPr lang="en-US" sz="1000" dirty="0" smtClean="0">
-                  <a:solidFill>
-                    <a:schemeClr val="bg1">
-                      <a:lumMod val="50000"/>
-                    </a:schemeClr>
-                  </a:solidFill>
-                  <a:latin typeface="Lato" panose="020F0502020204030203" pitchFamily="34" charset="0"/>
-                </a:rPr>
                 <a:t>23/12/2026</a:t>
               </a:r>
               <a:r>
-                <a:rPr lang="en-AU" sz="1000" b="1" dirty="0" smtClean="0">
+                <a:rPr lang="en-AU" sz="1000" b="1" dirty="0">
                   <a:solidFill>
                     <a:srgbClr val="9510E4"/>
                   </a:solidFill>
@@ -11200,14 +10815,6 @@
                 </a:rPr>
                 <a:t>23/01/2017</a:t>
               </a:r>
-              <a:endParaRPr lang="en-AU" sz="1000" dirty="0">
-                <a:solidFill>
-                  <a:schemeClr val="bg1">
-                    <a:lumMod val="50000"/>
-                  </a:schemeClr>
-                </a:solidFill>
-                <a:latin typeface="Lato" panose="020F0502020204030203" pitchFamily="34" charset="0"/>
-              </a:endParaRPr>
             </a:p>
           </p:txBody>
         </p:sp>
@@ -11234,7 +10841,7 @@
             <a:lstStyle/>
             <a:p>
               <a:r>
-                <a:rPr lang="en-US" sz="900" dirty="0" smtClean="0">
+                <a:rPr lang="en-US" sz="900" dirty="0">
                   <a:solidFill>
                     <a:schemeClr val="tx1">
                       <a:lumMod val="65000"/>
@@ -11246,7 +10853,7 @@
                 <a:t>Purchase </a:t>
               </a:r>
               <a:r>
-                <a:rPr lang="en-US" sz="1000" b="1" u="sng" dirty="0" smtClean="0">
+                <a:rPr lang="en-US" sz="1000" b="1" u="sng" dirty="0">
                   <a:solidFill>
                     <a:srgbClr val="9510E4"/>
                   </a:solidFill>
@@ -11428,7 +11035,7 @@
             <a:lstStyle/>
             <a:p>
               <a:r>
-                <a:rPr lang="en-US" sz="1200" b="1" dirty="0" smtClean="0">
+                <a:rPr lang="en-US" sz="1200" b="1" dirty="0">
                   <a:solidFill>
                     <a:srgbClr val="9510E4"/>
                   </a:solidFill>
@@ -11477,43 +11084,10 @@
                     </a:schemeClr>
                   </a:solidFill>
                 </a:rPr>
-                <a:t>Insurance </a:t>
+                <a:t>Insurance protects you from accidental damage, theft, or third-party liability during your rental. It reduces your financial exposure… </a:t>
               </a:r>
               <a:r>
                 <a:rPr lang="en-US" sz="1300" dirty="0">
-                  <a:solidFill>
-                    <a:schemeClr val="tx1">
-                      <a:lumMod val="65000"/>
-                      <a:lumOff val="35000"/>
-                    </a:schemeClr>
-                  </a:solidFill>
-                </a:rPr>
-                <a:t>protects you from accidental damage, theft, or third-party liability during your rental. </a:t>
-              </a:r>
-              <a:r>
-                <a:rPr lang="en-US" sz="1300" dirty="0">
-                  <a:solidFill>
-                    <a:schemeClr val="tx1">
-                      <a:lumMod val="65000"/>
-                      <a:lumOff val="35000"/>
-                    </a:schemeClr>
-                  </a:solidFill>
-                </a:rPr>
-                <a:t>It reduces your financial </a:t>
-              </a:r>
-              <a:r>
-                <a:rPr lang="en-US" sz="1300" dirty="0" smtClean="0">
-                  <a:solidFill>
-                    <a:schemeClr val="tx1">
-                      <a:lumMod val="65000"/>
-                      <a:lumOff val="35000"/>
-                    </a:schemeClr>
-                  </a:solidFill>
-                </a:rPr>
-                <a:t>exposure… </a:t>
-              </a:r>
-              <a:r>
-                <a:rPr lang="en-US" sz="1300" dirty="0" smtClean="0">
                   <a:solidFill>
                     <a:srgbClr val="9510E4"/>
                   </a:solidFill>
@@ -11707,7 +11281,7 @@
           <a:lstStyle/>
           <a:p>
             <a:r>
-              <a:rPr lang="en-US" sz="2000" b="1" dirty="0" smtClean="0">
+              <a:rPr lang="en-US" sz="2000" b="1" dirty="0">
                 <a:solidFill>
                   <a:srgbClr val="9510E4"/>
                 </a:solidFill>
@@ -11769,7 +11343,7 @@
           <a:p>
             <a:pPr algn="ctr"/>
             <a:r>
-              <a:rPr lang="en-US" sz="1400" b="1" dirty="0" smtClean="0">
+              <a:rPr lang="en-US" sz="1400" b="1" dirty="0">
                 <a:solidFill>
                   <a:schemeClr val="bg1"/>
                 </a:solidFill>
@@ -11810,17 +11384,6 @@
           <a:p>
             <a:pPr algn="just"/>
             <a:r>
-              <a:rPr lang="en-US" sz="1300" dirty="0" smtClean="0">
-                <a:solidFill>
-                  <a:schemeClr val="tx1">
-                    <a:lumMod val="65000"/>
-                    <a:lumOff val="35000"/>
-                  </a:schemeClr>
-                </a:solidFill>
-              </a:rPr>
-              <a:t>E-bikes </a:t>
-            </a:r>
-            <a:r>
               <a:rPr lang="en-US" sz="1300" dirty="0">
                 <a:solidFill>
                   <a:schemeClr val="tx1">
@@ -11829,7 +11392,7 @@
                   </a:schemeClr>
                 </a:solidFill>
               </a:rPr>
-              <a:t>are high-value assets, and while most rides are smooth and incident-free, unexpected situations can occur. Trip insurance is designed to protect you financially and legally during your rental period, giving both renters and bike owners peace of mind.</a:t>
+              <a:t>E-bikes are high-value assets, and while most rides are smooth and incident-free, unexpected situations can occur. Trip insurance is designed to protect you financially and legally during your rental period, giving both renters and bike owners peace of mind.</a:t>
             </a:r>
           </a:p>
           <a:p>
@@ -11868,21 +11431,10 @@
                   </a:schemeClr>
                 </a:solidFill>
               </a:rPr>
-              <a:t>Depending on the selected plan, insurance may cover accidental damage to the e-bike, theft during an active rental, and third-party liability arising from an incident involving pedestrians, vehicles, or property. Coverage applies only for the booked trip duration and when the e-bike is used in accordance with platform </a:t>
+              <a:t>Depending on the selected plan, insurance may cover accidental damage to the e-bike, theft during an active rental, and third-party liability arising from an incident involving pedestrians, vehicles, or property. Coverage applies only for the booked trip duration and when the e-bike is used in accordance with platform rule…</a:t>
             </a:r>
             <a:r>
-              <a:rPr lang="en-US" sz="1300" dirty="0" smtClean="0">
-                <a:solidFill>
-                  <a:schemeClr val="tx1">
-                    <a:lumMod val="65000"/>
-                    <a:lumOff val="35000"/>
-                  </a:schemeClr>
-                </a:solidFill>
-              </a:rPr>
-              <a:t>rule…</a:t>
-            </a:r>
-            <a:r>
-              <a:rPr lang="en-US" sz="1300" dirty="0" smtClean="0"/>
+              <a:rPr lang="en-US" sz="1300" dirty="0"/>
               <a:t> </a:t>
             </a:r>
             <a:r>
@@ -11891,15 +11443,7 @@
                   <a:srgbClr val="9510E4"/>
                 </a:solidFill>
               </a:rPr>
-              <a:t>R</a:t>
-            </a:r>
-            <a:r>
-              <a:rPr lang="en-US" sz="1300" dirty="0" smtClean="0">
-                <a:solidFill>
-                  <a:srgbClr val="9510E4"/>
-                </a:solidFill>
-              </a:rPr>
-              <a:t>ead more</a:t>
+              <a:t>Read more</a:t>
             </a:r>
             <a:endParaRPr lang="en-AU" sz="1300" dirty="0">
               <a:solidFill>
@@ -11962,7 +11506,7 @@
           <a:lstStyle/>
           <a:p>
             <a:r>
-              <a:rPr lang="en-US" b="1" dirty="0" smtClean="0">
+              <a:rPr lang="en-US" b="1" dirty="0">
                 <a:solidFill>
                   <a:schemeClr val="tx1">
                     <a:lumMod val="65000"/>
@@ -12038,7 +11582,7 @@
           <a:lstStyle/>
           <a:p>
             <a:r>
-              <a:rPr lang="en-US" sz="4400" b="1" dirty="0" smtClean="0"/>
+              <a:rPr lang="en-US" sz="4400" b="1" dirty="0"/>
               <a:t>Renter E-Bike List</a:t>
             </a:r>
             <a:endParaRPr lang="en-AU" sz="4400" b="1" dirty="0"/>
@@ -12422,7 +11966,7 @@
               <a:p>
                 <a:pPr algn="ctr"/>
                 <a:r>
-                  <a:rPr lang="en-AU" b="1" dirty="0" smtClean="0">
+                  <a:rPr lang="en-AU" b="1" dirty="0">
                     <a:solidFill>
                       <a:srgbClr val="9510E4"/>
                     </a:solidFill>
@@ -12430,27 +11974,19 @@
                   <a:t>🚲</a:t>
                 </a:r>
                 <a:br>
-                  <a:rPr lang="en-AU" b="1" dirty="0" smtClean="0">
+                  <a:rPr lang="en-AU" b="1" dirty="0">
                     <a:solidFill>
                       <a:srgbClr val="9510E4"/>
                     </a:solidFill>
                   </a:rPr>
                 </a:br>
                 <a:r>
-                  <a:rPr lang="en-AU" sz="1000" b="1" dirty="0" smtClean="0">
-                    <a:solidFill>
-                      <a:srgbClr val="9510E4"/>
-                    </a:solidFill>
-                  </a:rPr>
-                  <a:t>My </a:t>
-                </a:r>
-                <a:r>
                   <a:rPr lang="en-AU" sz="1000" b="1" dirty="0">
                     <a:solidFill>
                       <a:srgbClr val="9510E4"/>
                     </a:solidFill>
                   </a:rPr>
-                  <a:t>Rides</a:t>
+                  <a:t>My Rides</a:t>
                 </a:r>
               </a:p>
             </p:txBody>
@@ -12488,18 +12024,8 @@
                   </a:rPr>
                   <a:t>🌐</a:t>
                 </a:r>
-                <a:r>
-                  <a:rPr lang="en-AU" b="1" dirty="0" smtClean="0">
-                    <a:solidFill>
-                      <a:schemeClr val="bg1">
-                        <a:lumMod val="50000"/>
-                      </a:schemeClr>
-                    </a:solidFill>
-                  </a:rPr>
-                  <a:t/>
-                </a:r>
                 <a:br>
-                  <a:rPr lang="en-AU" b="1" dirty="0" smtClean="0">
+                  <a:rPr lang="en-AU" b="1" dirty="0">
                     <a:solidFill>
                       <a:schemeClr val="bg1">
                         <a:lumMod val="50000"/>
@@ -12508,7 +12034,7 @@
                   </a:rPr>
                 </a:br>
                 <a:r>
-                  <a:rPr lang="en-AU" sz="1000" b="1" dirty="0" smtClean="0">
+                  <a:rPr lang="en-AU" sz="1000" b="1" dirty="0">
                     <a:solidFill>
                       <a:schemeClr val="bg1">
                         <a:lumMod val="50000"/>
@@ -12517,13 +12043,6 @@
                   </a:rPr>
                   <a:t>Explore</a:t>
                 </a:r>
-                <a:endParaRPr lang="en-AU" sz="1000" b="1" dirty="0">
-                  <a:solidFill>
-                    <a:schemeClr val="bg1">
-                      <a:lumMod val="50000"/>
-                    </a:schemeClr>
-                  </a:solidFill>
-                </a:endParaRPr>
               </a:p>
             </p:txBody>
           </p:sp>
@@ -12560,18 +12079,8 @@
                   </a:rPr>
                   <a:t>👤</a:t>
                 </a:r>
-                <a:r>
-                  <a:rPr lang="en-AU" b="1" dirty="0" smtClean="0">
-                    <a:solidFill>
-                      <a:schemeClr val="bg1">
-                        <a:lumMod val="50000"/>
-                      </a:schemeClr>
-                    </a:solidFill>
-                  </a:rPr>
-                  <a:t/>
-                </a:r>
                 <a:br>
-                  <a:rPr lang="en-AU" b="1" dirty="0" smtClean="0">
+                  <a:rPr lang="en-AU" b="1" dirty="0">
                     <a:solidFill>
                       <a:schemeClr val="bg1">
                         <a:lumMod val="50000"/>
@@ -12580,7 +12089,7 @@
                   </a:rPr>
                 </a:br>
                 <a:r>
-                  <a:rPr lang="en-AU" sz="1000" b="1" dirty="0" smtClean="0">
+                  <a:rPr lang="en-AU" sz="1000" b="1" dirty="0">
                     <a:solidFill>
                       <a:schemeClr val="bg1">
                         <a:lumMod val="50000"/>
@@ -12589,13 +12098,6 @@
                   </a:rPr>
                   <a:t>Profile</a:t>
                 </a:r>
-                <a:endParaRPr lang="en-AU" sz="1000" b="1" dirty="0">
-                  <a:solidFill>
-                    <a:schemeClr val="bg1">
-                      <a:lumMod val="50000"/>
-                    </a:schemeClr>
-                  </a:solidFill>
-                </a:endParaRPr>
               </a:p>
             </p:txBody>
           </p:sp>
@@ -12675,7 +12177,7 @@
               <a:p>
                 <a:pPr algn="ctr"/>
                 <a:r>
-                  <a:rPr lang="en-AU" b="1" dirty="0" smtClean="0">
+                  <a:rPr lang="en-AU" b="1" dirty="0">
                     <a:solidFill>
                       <a:schemeClr val="bg1">
                         <a:lumMod val="50000"/>
@@ -12685,7 +12187,7 @@
                   <a:t>🚲</a:t>
                 </a:r>
                 <a:br>
-                  <a:rPr lang="en-AU" b="1" dirty="0" smtClean="0">
+                  <a:rPr lang="en-AU" b="1" dirty="0">
                     <a:solidFill>
                       <a:schemeClr val="bg1">
                         <a:lumMod val="50000"/>
@@ -12694,7 +12196,7 @@
                   </a:rPr>
                 </a:br>
                 <a:r>
-                  <a:rPr lang="en-AU" sz="1000" b="1" dirty="0" smtClean="0">
+                  <a:rPr lang="en-AU" sz="1000" b="1" dirty="0">
                     <a:solidFill>
                       <a:schemeClr val="bg1">
                         <a:lumMod val="50000"/>
@@ -12703,13 +12205,6 @@
                   </a:rPr>
                   <a:t>My Bikes</a:t>
                 </a:r>
-                <a:endParaRPr lang="en-AU" sz="1000" b="1" dirty="0">
-                  <a:solidFill>
-                    <a:schemeClr val="bg1">
-                      <a:lumMod val="50000"/>
-                    </a:schemeClr>
-                  </a:solidFill>
-                </a:endParaRPr>
               </a:p>
             </p:txBody>
           </p:sp>
@@ -12850,7 +12345,7 @@
           <a:p>
             <a:pPr algn="ctr"/>
             <a:r>
-              <a:rPr lang="en-US" sz="2400" b="1" dirty="0" smtClean="0">
+              <a:rPr lang="en-US" sz="2400" b="1" dirty="0">
                 <a:solidFill>
                   <a:schemeClr val="tx1">
                     <a:lumMod val="50000"/>
@@ -12861,7 +12356,7 @@
               <a:t>Welcome </a:t>
             </a:r>
             <a:r>
-              <a:rPr lang="en-US" sz="2400" b="1" dirty="0" err="1" smtClean="0">
+              <a:rPr lang="en-US" sz="2400" b="1" dirty="0" err="1">
                 <a:solidFill>
                   <a:schemeClr val="tx1">
                     <a:lumMod val="50000"/>
@@ -13110,7 +12605,7 @@
           <a:p>
             <a:pPr algn="ctr"/>
             <a:r>
-              <a:rPr lang="en-US" b="1" dirty="0" smtClean="0">
+              <a:rPr lang="en-US" b="1" dirty="0">
                 <a:solidFill>
                   <a:schemeClr val="tx1">
                     <a:lumMod val="50000"/>
@@ -13121,7 +12616,7 @@
               <a:t>List your E-Bikes with </a:t>
             </a:r>
             <a:r>
-              <a:rPr lang="en-US" b="1" dirty="0" smtClean="0">
+              <a:rPr lang="en-US" b="1" dirty="0">
                 <a:solidFill>
                   <a:srgbClr val="9510E4"/>
                 </a:solidFill>
@@ -13159,7 +12654,7 @@
           <a:lstStyle/>
           <a:p>
             <a:r>
-              <a:rPr lang="en-US" sz="1600" dirty="0" smtClean="0">
+              <a:rPr lang="en-US" sz="1600" dirty="0">
                 <a:solidFill>
                   <a:schemeClr val="tx1">
                     <a:lumMod val="50000"/>
@@ -13176,7 +12671,7 @@
               <a:buChar char="•"/>
             </a:pPr>
             <a:r>
-              <a:rPr lang="en-US" sz="1600" dirty="0" err="1" smtClean="0">
+              <a:rPr lang="en-US" sz="1600" dirty="0" err="1">
                 <a:solidFill>
                   <a:schemeClr val="tx1">
                     <a:lumMod val="50000"/>
@@ -13187,7 +12682,7 @@
               <a:t>Piont</a:t>
             </a:r>
             <a:r>
-              <a:rPr lang="en-US" sz="1600" dirty="0" smtClean="0">
+              <a:rPr lang="en-US" sz="1600" dirty="0">
                 <a:solidFill>
                   <a:schemeClr val="tx1">
                     <a:lumMod val="50000"/>
@@ -13204,7 +12699,7 @@
               <a:buChar char="•"/>
             </a:pPr>
             <a:r>
-              <a:rPr lang="en-US" sz="1600" dirty="0" smtClean="0">
+              <a:rPr lang="en-US" sz="1600" dirty="0">
                 <a:solidFill>
                   <a:schemeClr val="tx1">
                     <a:lumMod val="50000"/>
@@ -13221,7 +12716,7 @@
               <a:buChar char="•"/>
             </a:pPr>
             <a:r>
-              <a:rPr lang="en-US" sz="1600" dirty="0" smtClean="0">
+              <a:rPr lang="en-US" sz="1600" dirty="0">
                 <a:solidFill>
                   <a:schemeClr val="tx1">
                     <a:lumMod val="50000"/>
@@ -13317,7 +12812,7 @@
           <a:p>
             <a:pPr algn="ctr"/>
             <a:r>
-              <a:rPr lang="en-US" sz="2400" b="1" dirty="0" smtClean="0">
+              <a:rPr lang="en-US" sz="2400" b="1" dirty="0">
                 <a:solidFill>
                   <a:schemeClr val="tx1">
                     <a:lumMod val="50000"/>
@@ -13328,7 +12823,7 @@
               <a:t>Welcome </a:t>
             </a:r>
             <a:r>
-              <a:rPr lang="en-US" sz="2400" b="1" dirty="0" err="1" smtClean="0">
+              <a:rPr lang="en-US" sz="2400" b="1" dirty="0" err="1">
                 <a:solidFill>
                   <a:schemeClr val="tx1">
                     <a:lumMod val="50000"/>
@@ -13431,21 +12926,10 @@
                   </a:schemeClr>
                 </a:solidFill>
               </a:rPr>
-              <a:t>Y</a:t>
+              <a:t>Your E-Bikes on </a:t>
             </a:r>
             <a:r>
-              <a:rPr lang="en-US" b="1" dirty="0" smtClean="0">
-                <a:solidFill>
-                  <a:schemeClr val="tx1">
-                    <a:lumMod val="50000"/>
-                    <a:lumOff val="50000"/>
-                  </a:schemeClr>
-                </a:solidFill>
-              </a:rPr>
-              <a:t>our E-Bikes on </a:t>
-            </a:r>
-            <a:r>
-              <a:rPr lang="en-US" b="1" dirty="0" smtClean="0">
+              <a:rPr lang="en-US" b="1" dirty="0">
                 <a:solidFill>
                   <a:srgbClr val="9510E4"/>
                 </a:solidFill>
@@ -14061,7 +13545,7 @@
           <a:lstStyle/>
           <a:p>
             <a:r>
-              <a:rPr lang="en-US" sz="1400" dirty="0" err="1" smtClean="0">
+              <a:rPr lang="en-US" sz="1400" dirty="0" err="1">
                 <a:solidFill>
                   <a:schemeClr val="tx1">
                     <a:lumMod val="50000"/>
@@ -14072,7 +13556,7 @@
               <a:t>BikeA</a:t>
             </a:r>
             <a:r>
-              <a:rPr lang="en-US" sz="1400" dirty="0" smtClean="0">
+              <a:rPr lang="en-US" sz="1400" dirty="0">
                 <a:solidFill>
                   <a:schemeClr val="tx1">
                     <a:lumMod val="50000"/>
@@ -14083,7 +13567,7 @@
               <a:t>     Cat-a    </a:t>
             </a:r>
             <a:r>
-              <a:rPr lang="en-US" sz="1400" dirty="0" smtClean="0">
+              <a:rPr lang="en-US" sz="1400" dirty="0">
                 <a:solidFill>
                   <a:srgbClr val="9510E4"/>
                 </a:solidFill>
@@ -14091,7 +13575,7 @@
               <a:t> $85/</a:t>
             </a:r>
             <a:r>
-              <a:rPr lang="en-US" sz="1400" dirty="0" err="1" smtClean="0">
+              <a:rPr lang="en-US" sz="1400" dirty="0" err="1">
                 <a:solidFill>
                   <a:srgbClr val="9510E4"/>
                 </a:solidFill>
@@ -14099,7 +13583,7 @@
               <a:t>wk</a:t>
             </a:r>
             <a:r>
-              <a:rPr lang="en-US" sz="1400" dirty="0" smtClean="0">
+              <a:rPr lang="en-US" sz="1400" dirty="0">
                 <a:solidFill>
                   <a:srgbClr val="9510E4"/>
                 </a:solidFill>
@@ -14107,7 +13591,7 @@
               <a:t>    ****</a:t>
             </a:r>
             <a:r>
-              <a:rPr lang="en-US" sz="1400" dirty="0" smtClean="0">
+              <a:rPr lang="en-US" sz="1400" dirty="0">
                 <a:solidFill>
                   <a:schemeClr val="bg1">
                     <a:lumMod val="65000"/>
@@ -14149,7 +13633,7 @@
           <a:lstStyle/>
           <a:p>
             <a:r>
-              <a:rPr lang="en-US" sz="1400" dirty="0" err="1" smtClean="0">
+              <a:rPr lang="en-US" sz="1400" dirty="0" err="1">
                 <a:solidFill>
                   <a:schemeClr val="tx1">
                     <a:lumMod val="50000"/>
@@ -14160,7 +13644,7 @@
               <a:t>BikeB</a:t>
             </a:r>
             <a:r>
-              <a:rPr lang="en-US" sz="1400" dirty="0" smtClean="0">
+              <a:rPr lang="en-US" sz="1400" dirty="0">
                 <a:solidFill>
                   <a:schemeClr val="tx1">
                     <a:lumMod val="50000"/>
@@ -14171,20 +13655,12 @@
               <a:t>     Cat-a     </a:t>
             </a:r>
             <a:r>
-              <a:rPr lang="en-US" sz="1400" dirty="0" smtClean="0">
-                <a:solidFill>
-                  <a:srgbClr val="9510E4"/>
-                </a:solidFill>
-              </a:rPr>
-              <a:t> $</a:t>
-            </a:r>
-            <a:r>
               <a:rPr lang="en-US" sz="1400" dirty="0">
                 <a:solidFill>
                   <a:srgbClr val="9510E4"/>
                 </a:solidFill>
               </a:rPr>
-              <a:t>71/</a:t>
+              <a:t> $71/</a:t>
             </a:r>
             <a:r>
               <a:rPr lang="en-US" sz="1400" dirty="0" err="1">
@@ -14200,18 +13676,10 @@
                   <a:srgbClr val="9510E4"/>
                 </a:solidFill>
               </a:rPr>
-              <a:t> </a:t>
+              <a:t>    ****</a:t>
             </a:r>
             <a:r>
-              <a:rPr lang="en-US" sz="1400" dirty="0" smtClean="0">
-                <a:solidFill>
-                  <a:srgbClr val="9510E4"/>
-                </a:solidFill>
-              </a:rPr>
-              <a:t>   ****</a:t>
-            </a:r>
-            <a:r>
-              <a:rPr lang="en-US" sz="1400" dirty="0" smtClean="0">
+              <a:rPr lang="en-US" sz="1400" dirty="0">
                 <a:solidFill>
                   <a:schemeClr val="bg1">
                     <a:lumMod val="65000"/>
@@ -14251,7 +13719,7 @@
           <a:lstStyle/>
           <a:p>
             <a:r>
-              <a:rPr lang="en-US" sz="1400" dirty="0" err="1" smtClean="0">
+              <a:rPr lang="en-US" sz="1400" dirty="0" err="1">
                 <a:solidFill>
                   <a:schemeClr val="tx1">
                     <a:lumMod val="50000"/>
@@ -14262,7 +13730,7 @@
               <a:t>BikeP</a:t>
             </a:r>
             <a:r>
-              <a:rPr lang="en-US" sz="1400" dirty="0" smtClean="0">
+              <a:rPr lang="en-US" sz="1400" dirty="0">
                 <a:solidFill>
                   <a:schemeClr val="tx1">
                     <a:lumMod val="50000"/>
@@ -14273,7 +13741,7 @@
               <a:t>     Cat-b     </a:t>
             </a:r>
             <a:r>
-              <a:rPr lang="en-US" sz="1400" dirty="0" smtClean="0">
+              <a:rPr lang="en-US" sz="1400" dirty="0">
                 <a:solidFill>
                   <a:srgbClr val="9510E4"/>
                 </a:solidFill>
@@ -14281,7 +13749,7 @@
               <a:t> $65/</a:t>
             </a:r>
             <a:r>
-              <a:rPr lang="en-US" sz="1400" dirty="0" err="1" smtClean="0">
+              <a:rPr lang="en-US" sz="1400" dirty="0" err="1">
                 <a:solidFill>
                   <a:srgbClr val="9510E4"/>
                 </a:solidFill>
@@ -14294,18 +13762,10 @@
                   <a:srgbClr val="9510E4"/>
                 </a:solidFill>
               </a:rPr>
-              <a:t>   </a:t>
+              <a:t>    ***</a:t>
             </a:r>
             <a:r>
-              <a:rPr lang="en-US" sz="1400" dirty="0" smtClean="0">
-                <a:solidFill>
-                  <a:srgbClr val="9510E4"/>
-                </a:solidFill>
-              </a:rPr>
-              <a:t> ***</a:t>
-            </a:r>
-            <a:r>
-              <a:rPr lang="en-US" sz="1400" dirty="0" smtClean="0">
+              <a:rPr lang="en-US" sz="1400" dirty="0">
                 <a:solidFill>
                   <a:schemeClr val="bg1">
                     <a:lumMod val="65000"/>
@@ -14345,7 +13805,7 @@
           <a:lstStyle/>
           <a:p>
             <a:r>
-              <a:rPr lang="en-US" sz="1400" dirty="0" err="1" smtClean="0">
+              <a:rPr lang="en-US" sz="1400" dirty="0" err="1">
                 <a:solidFill>
                   <a:schemeClr val="tx1">
                     <a:lumMod val="50000"/>
@@ -14356,7 +13816,7 @@
               <a:t>BikeQ</a:t>
             </a:r>
             <a:r>
-              <a:rPr lang="en-US" sz="1400" dirty="0" smtClean="0">
+              <a:rPr lang="en-US" sz="1400" dirty="0">
                 <a:solidFill>
                   <a:schemeClr val="tx1">
                     <a:lumMod val="50000"/>
@@ -14367,7 +13827,7 @@
               <a:t>     Cat-b    </a:t>
             </a:r>
             <a:r>
-              <a:rPr lang="en-US" sz="1400" dirty="0" smtClean="0">
+              <a:rPr lang="en-US" sz="1400" dirty="0">
                 <a:solidFill>
                   <a:srgbClr val="9510E4"/>
                 </a:solidFill>
@@ -14375,7 +13835,7 @@
               <a:t> $35/</a:t>
             </a:r>
             <a:r>
-              <a:rPr lang="en-US" sz="1400" dirty="0" err="1" smtClean="0">
+              <a:rPr lang="en-US" sz="1400" dirty="0" err="1">
                 <a:solidFill>
                   <a:srgbClr val="9510E4"/>
                 </a:solidFill>
@@ -14383,20 +13843,12 @@
               <a:t>wk</a:t>
             </a:r>
             <a:r>
-              <a:rPr lang="en-US" sz="1400" dirty="0" smtClean="0">
-                <a:solidFill>
-                  <a:srgbClr val="9510E4"/>
-                </a:solidFill>
-              </a:rPr>
-              <a:t>    </a:t>
-            </a:r>
-            <a:r>
               <a:rPr lang="en-US" sz="1400" dirty="0">
                 <a:solidFill>
                   <a:srgbClr val="9510E4"/>
                 </a:solidFill>
               </a:rPr>
-              <a:t>****</a:t>
+              <a:t>    ****</a:t>
             </a:r>
             <a:r>
               <a:rPr lang="en-US" sz="1400" dirty="0">
@@ -14439,7 +13891,7 @@
           <a:lstStyle/>
           <a:p>
             <a:r>
-              <a:rPr lang="en-US" sz="1400" dirty="0" err="1" smtClean="0">
+              <a:rPr lang="en-US" sz="1400" dirty="0" err="1">
                 <a:solidFill>
                   <a:schemeClr val="tx1">
                     <a:lumMod val="50000"/>
@@ -14450,7 +13902,7 @@
               <a:t>BikeD</a:t>
             </a:r>
             <a:r>
-              <a:rPr lang="en-US" sz="1400" dirty="0" smtClean="0">
+              <a:rPr lang="en-US" sz="1400" dirty="0">
                 <a:solidFill>
                   <a:schemeClr val="tx1">
                     <a:lumMod val="50000"/>
@@ -14461,7 +13913,7 @@
               <a:t>     Cat-a     </a:t>
             </a:r>
             <a:r>
-              <a:rPr lang="en-US" sz="1400" dirty="0" smtClean="0">
+              <a:rPr lang="en-US" sz="1400" dirty="0">
                 <a:solidFill>
                   <a:srgbClr val="9510E4"/>
                 </a:solidFill>
@@ -14469,7 +13921,7 @@
               <a:t> $15/</a:t>
             </a:r>
             <a:r>
-              <a:rPr lang="en-US" sz="1400" dirty="0" err="1" smtClean="0">
+              <a:rPr lang="en-US" sz="1400" dirty="0" err="1">
                 <a:solidFill>
                   <a:srgbClr val="9510E4"/>
                 </a:solidFill>
@@ -14482,18 +13934,10 @@
                   <a:srgbClr val="9510E4"/>
                 </a:solidFill>
               </a:rPr>
-              <a:t>  </a:t>
+              <a:t>    **</a:t>
             </a:r>
             <a:r>
-              <a:rPr lang="en-US" sz="1400" dirty="0" smtClean="0">
-                <a:solidFill>
-                  <a:srgbClr val="9510E4"/>
-                </a:solidFill>
-              </a:rPr>
-              <a:t>  **</a:t>
-            </a:r>
-            <a:r>
-              <a:rPr lang="en-US" sz="1400" dirty="0" smtClean="0">
+              <a:rPr lang="en-US" sz="1400" dirty="0">
                 <a:solidFill>
                   <a:schemeClr val="bg1">
                     <a:lumMod val="65000"/>
@@ -14607,7 +14051,7 @@
           <a:p>
             <a:pPr algn="ctr"/>
             <a:r>
-              <a:rPr lang="en-US" sz="1600" b="1" dirty="0" smtClean="0"/>
+              <a:rPr lang="en-US" sz="1600" b="1" dirty="0"/>
               <a:t>My Bookings</a:t>
             </a:r>
             <a:endParaRPr lang="en-AU" sz="1600" b="1" dirty="0"/>
@@ -14749,7 +14193,7 @@
           <a:p>
             <a:pPr algn="ctr"/>
             <a:r>
-              <a:rPr lang="en-US" sz="2400" b="1" dirty="0" smtClean="0">
+              <a:rPr lang="en-US" sz="2400" b="1" dirty="0">
                 <a:solidFill>
                   <a:schemeClr val="tx1">
                     <a:lumMod val="50000"/>
@@ -14760,7 +14204,7 @@
               <a:t>Welcome </a:t>
             </a:r>
             <a:r>
-              <a:rPr lang="en-US" sz="2400" b="1" dirty="0" err="1" smtClean="0">
+              <a:rPr lang="en-US" sz="2400" b="1" dirty="0" err="1">
                 <a:solidFill>
                   <a:schemeClr val="tx1">
                     <a:lumMod val="50000"/>
@@ -14824,12 +14268,8 @@
           <a:p>
             <a:pPr algn="ctr"/>
             <a:r>
-              <a:rPr lang="en-US" sz="2800" b="1" dirty="0" smtClean="0"/>
-              <a:t>Book a </a:t>
-            </a:r>
-            <a:r>
               <a:rPr lang="en-US" sz="2800" b="1" dirty="0"/>
-              <a:t>Bike</a:t>
+              <a:t>Book a Bike</a:t>
             </a:r>
             <a:endParaRPr lang="en-AU" sz="2800" b="1" dirty="0"/>
           </a:p>
@@ -14867,21 +14307,10 @@
                   </a:schemeClr>
                 </a:solidFill>
               </a:rPr>
-              <a:t>Y</a:t>
+              <a:t>Your Bookings on </a:t>
             </a:r>
             <a:r>
-              <a:rPr lang="en-US" b="1" dirty="0" smtClean="0">
-                <a:solidFill>
-                  <a:schemeClr val="tx1">
-                    <a:lumMod val="50000"/>
-                    <a:lumOff val="50000"/>
-                  </a:schemeClr>
-                </a:solidFill>
-              </a:rPr>
-              <a:t>our Bookings on </a:t>
-            </a:r>
-            <a:r>
-              <a:rPr lang="en-US" b="1" dirty="0" smtClean="0">
+              <a:rPr lang="en-US" b="1" dirty="0">
                 <a:solidFill>
                   <a:srgbClr val="9510E4"/>
                 </a:solidFill>
@@ -15285,7 +14714,7 @@
           <a:lstStyle/>
           <a:p>
             <a:r>
-              <a:rPr lang="en-US" sz="1200" dirty="0" err="1" smtClean="0">
+              <a:rPr lang="en-US" sz="1200" dirty="0" err="1">
                 <a:solidFill>
                   <a:schemeClr val="tx1">
                     <a:lumMod val="50000"/>
@@ -15296,7 +14725,7 @@
               <a:t>BikeA</a:t>
             </a:r>
             <a:r>
-              <a:rPr lang="en-US" sz="1200" dirty="0" smtClean="0">
+              <a:rPr lang="en-US" sz="1200" dirty="0">
                 <a:solidFill>
                   <a:schemeClr val="tx1">
                     <a:lumMod val="50000"/>
@@ -15307,7 +14736,7 @@
               <a:t>    31/02/26 – 14/03/26     </a:t>
             </a:r>
             <a:r>
-              <a:rPr lang="en-US" sz="1200" dirty="0" smtClean="0">
+              <a:rPr lang="en-US" sz="1200" dirty="0">
                 <a:solidFill>
                   <a:srgbClr val="9510E4"/>
                 </a:solidFill>
@@ -15345,7 +14774,7 @@
           <a:lstStyle/>
           <a:p>
             <a:r>
-              <a:rPr lang="en-US" sz="1200" dirty="0" err="1" smtClean="0">
+              <a:rPr lang="en-US" sz="1200" dirty="0" err="1">
                 <a:solidFill>
                   <a:schemeClr val="tx1">
                     <a:lumMod val="50000"/>
@@ -15356,17 +14785,6 @@
               <a:t>BikeB</a:t>
             </a:r>
             <a:r>
-              <a:rPr lang="en-US" sz="1200" dirty="0" smtClean="0">
-                <a:solidFill>
-                  <a:schemeClr val="tx1">
-                    <a:lumMod val="50000"/>
-                    <a:lumOff val="50000"/>
-                  </a:schemeClr>
-                </a:solidFill>
-              </a:rPr>
-              <a:t>     </a:t>
-            </a:r>
-            <a:r>
               <a:rPr lang="en-US" sz="1200" dirty="0">
                 <a:solidFill>
                   <a:schemeClr val="tx1">
@@ -15375,21 +14793,10 @@
                   </a:schemeClr>
                 </a:solidFill>
               </a:rPr>
-              <a:t>31/02/26 – 14/03/26 </a:t>
+              <a:t>     31/02/26 – 14/03/26    </a:t>
             </a:r>
             <a:r>
-              <a:rPr lang="en-US" sz="1200" dirty="0" smtClean="0">
-                <a:solidFill>
-                  <a:schemeClr val="tx1">
-                    <a:lumMod val="50000"/>
-                    <a:lumOff val="50000"/>
-                  </a:schemeClr>
-                </a:solidFill>
-              </a:rPr>
-              <a:t>   </a:t>
-            </a:r>
-            <a:r>
-              <a:rPr lang="en-US" sz="1200" dirty="0" smtClean="0">
+              <a:rPr lang="en-US" sz="1200" dirty="0">
                 <a:solidFill>
                   <a:srgbClr val="9510E4"/>
                 </a:solidFill>
@@ -15427,7 +14834,7 @@
           <a:lstStyle/>
           <a:p>
             <a:r>
-              <a:rPr lang="en-US" sz="1200" dirty="0" err="1" smtClean="0">
+              <a:rPr lang="en-US" sz="1200" dirty="0" err="1">
                 <a:solidFill>
                   <a:schemeClr val="tx1">
                     <a:lumMod val="50000"/>
@@ -15438,17 +14845,6 @@
               <a:t>BikeP</a:t>
             </a:r>
             <a:r>
-              <a:rPr lang="en-US" sz="1200" dirty="0" smtClean="0">
-                <a:solidFill>
-                  <a:schemeClr val="tx1">
-                    <a:lumMod val="50000"/>
-                    <a:lumOff val="50000"/>
-                  </a:schemeClr>
-                </a:solidFill>
-              </a:rPr>
-              <a:t>    </a:t>
-            </a:r>
-            <a:r>
               <a:rPr lang="en-US" sz="1200" dirty="0">
                 <a:solidFill>
                   <a:schemeClr val="tx1">
@@ -15457,43 +14853,10 @@
                   </a:schemeClr>
                 </a:solidFill>
               </a:rPr>
-              <a:t> </a:t>
-            </a:r>
-            <a:r>
-              <a:rPr lang="en-US" sz="1200" dirty="0" smtClean="0">
-                <a:solidFill>
-                  <a:schemeClr val="tx1">
-                    <a:lumMod val="50000"/>
-                    <a:lumOff val="50000"/>
-                  </a:schemeClr>
-                </a:solidFill>
-              </a:rPr>
-              <a:t>13/02/27 </a:t>
+              <a:t>     13/02/27 – 15/07/27       </a:t>
             </a:r>
             <a:r>
               <a:rPr lang="en-US" sz="1200" dirty="0">
-                <a:solidFill>
-                  <a:schemeClr val="tx1">
-                    <a:lumMod val="50000"/>
-                    <a:lumOff val="50000"/>
-                  </a:schemeClr>
-                </a:solidFill>
-              </a:rPr>
-              <a:t>– </a:t>
-            </a:r>
-            <a:r>
-              <a:rPr lang="en-US" sz="1200" dirty="0" smtClean="0">
-                <a:solidFill>
-                  <a:schemeClr val="tx1">
-                    <a:lumMod val="50000"/>
-                    <a:lumOff val="50000"/>
-                  </a:schemeClr>
-                </a:solidFill>
-              </a:rPr>
-              <a:t>15/07/27       </a:t>
-            </a:r>
-            <a:r>
-              <a:rPr lang="en-US" sz="1200" dirty="0" smtClean="0">
                 <a:solidFill>
                   <a:srgbClr val="9510E4"/>
                 </a:solidFill>
@@ -15981,7 +15344,7 @@
             <a:p>
               <a:pPr algn="ctr"/>
               <a:r>
-                <a:rPr lang="en-AU" b="1" dirty="0" smtClean="0">
+                <a:rPr lang="en-AU" b="1" dirty="0">
                   <a:solidFill>
                     <a:srgbClr val="9510E4"/>
                   </a:solidFill>
@@ -15989,27 +15352,19 @@
                 <a:t>🚲</a:t>
               </a:r>
               <a:br>
-                <a:rPr lang="en-AU" b="1" dirty="0" smtClean="0">
+                <a:rPr lang="en-AU" b="1" dirty="0">
                   <a:solidFill>
                     <a:srgbClr val="9510E4"/>
                   </a:solidFill>
                 </a:rPr>
               </a:br>
               <a:r>
-                <a:rPr lang="en-AU" sz="1000" b="1" dirty="0" smtClean="0">
-                  <a:solidFill>
-                    <a:srgbClr val="9510E4"/>
-                  </a:solidFill>
-                </a:rPr>
-                <a:t>My </a:t>
-              </a:r>
-              <a:r>
                 <a:rPr lang="en-AU" sz="1000" b="1" dirty="0">
                   <a:solidFill>
                     <a:srgbClr val="9510E4"/>
                   </a:solidFill>
                 </a:rPr>
-                <a:t>Rides</a:t>
+                <a:t>My Rides</a:t>
               </a:r>
             </a:p>
           </p:txBody>
@@ -16047,18 +15402,8 @@
                 </a:rPr>
                 <a:t>🌐</a:t>
               </a:r>
-              <a:r>
-                <a:rPr lang="en-AU" b="1" dirty="0" smtClean="0">
-                  <a:solidFill>
-                    <a:schemeClr val="bg1">
-                      <a:lumMod val="50000"/>
-                    </a:schemeClr>
-                  </a:solidFill>
-                </a:rPr>
-                <a:t/>
-              </a:r>
               <a:br>
-                <a:rPr lang="en-AU" b="1" dirty="0" smtClean="0">
+                <a:rPr lang="en-AU" b="1" dirty="0">
                   <a:solidFill>
                     <a:schemeClr val="bg1">
                       <a:lumMod val="50000"/>
@@ -16067,7 +15412,7 @@
                 </a:rPr>
               </a:br>
               <a:r>
-                <a:rPr lang="en-AU" sz="1000" b="1" dirty="0" smtClean="0">
+                <a:rPr lang="en-AU" sz="1000" b="1" dirty="0">
                   <a:solidFill>
                     <a:schemeClr val="bg1">
                       <a:lumMod val="50000"/>
@@ -16076,13 +15421,6 @@
                 </a:rPr>
                 <a:t>Explore</a:t>
               </a:r>
-              <a:endParaRPr lang="en-AU" sz="1000" b="1" dirty="0">
-                <a:solidFill>
-                  <a:schemeClr val="bg1">
-                    <a:lumMod val="50000"/>
-                  </a:schemeClr>
-                </a:solidFill>
-              </a:endParaRPr>
             </a:p>
           </p:txBody>
         </p:sp>
@@ -16119,18 +15457,8 @@
                 </a:rPr>
                 <a:t>👤</a:t>
               </a:r>
-              <a:r>
-                <a:rPr lang="en-AU" b="1" dirty="0" smtClean="0">
-                  <a:solidFill>
-                    <a:schemeClr val="bg1">
-                      <a:lumMod val="50000"/>
-                    </a:schemeClr>
-                  </a:solidFill>
-                </a:rPr>
-                <a:t/>
-              </a:r>
               <a:br>
-                <a:rPr lang="en-AU" b="1" dirty="0" smtClean="0">
+                <a:rPr lang="en-AU" b="1" dirty="0">
                   <a:solidFill>
                     <a:schemeClr val="bg1">
                       <a:lumMod val="50000"/>
@@ -16139,7 +15467,7 @@
                 </a:rPr>
               </a:br>
               <a:r>
-                <a:rPr lang="en-AU" sz="1000" b="1" dirty="0" smtClean="0">
+                <a:rPr lang="en-AU" sz="1000" b="1" dirty="0">
                   <a:solidFill>
                     <a:schemeClr val="bg1">
                       <a:lumMod val="50000"/>
@@ -16148,13 +15476,6 @@
                 </a:rPr>
                 <a:t>Profile</a:t>
               </a:r>
-              <a:endParaRPr lang="en-AU" sz="1000" b="1" dirty="0">
-                <a:solidFill>
-                  <a:schemeClr val="bg1">
-                    <a:lumMod val="50000"/>
-                  </a:schemeClr>
-                </a:solidFill>
-              </a:endParaRPr>
             </a:p>
           </p:txBody>
         </p:sp>
@@ -16234,7 +15555,7 @@
             <a:p>
               <a:pPr algn="ctr"/>
               <a:r>
-                <a:rPr lang="en-AU" b="1" dirty="0" smtClean="0">
+                <a:rPr lang="en-AU" b="1" dirty="0">
                   <a:solidFill>
                     <a:schemeClr val="bg1">
                       <a:lumMod val="50000"/>
@@ -16244,7 +15565,7 @@
                 <a:t>🚲</a:t>
               </a:r>
               <a:br>
-                <a:rPr lang="en-AU" b="1" dirty="0" smtClean="0">
+                <a:rPr lang="en-AU" b="1" dirty="0">
                   <a:solidFill>
                     <a:schemeClr val="bg1">
                       <a:lumMod val="50000"/>
@@ -16253,7 +15574,7 @@
                 </a:rPr>
               </a:br>
               <a:r>
-                <a:rPr lang="en-AU" sz="1000" b="1" dirty="0" smtClean="0">
+                <a:rPr lang="en-AU" sz="1000" b="1" dirty="0">
                   <a:solidFill>
                     <a:schemeClr val="bg1">
                       <a:lumMod val="50000"/>
@@ -16262,13 +15583,6 @@
                 </a:rPr>
                 <a:t>My Bikes</a:t>
               </a:r>
-              <a:endParaRPr lang="en-AU" sz="1000" b="1" dirty="0">
-                <a:solidFill>
-                  <a:schemeClr val="bg1">
-                    <a:lumMod val="50000"/>
-                  </a:schemeClr>
-                </a:solidFill>
-              </a:endParaRPr>
             </a:p>
           </p:txBody>
         </p:sp>
@@ -16606,7 +15920,7 @@
             <a:p>
               <a:pPr algn="ctr"/>
               <a:r>
-                <a:rPr lang="en-AU" b="1" dirty="0" smtClean="0">
+                <a:rPr lang="en-AU" b="1" dirty="0">
                   <a:solidFill>
                     <a:schemeClr val="bg1">
                       <a:lumMod val="50000"/>
@@ -16616,7 +15930,7 @@
                 <a:t>🚲</a:t>
               </a:r>
               <a:br>
-                <a:rPr lang="en-AU" b="1" dirty="0" smtClean="0">
+                <a:rPr lang="en-AU" b="1" dirty="0">
                   <a:solidFill>
                     <a:schemeClr val="bg1">
                       <a:lumMod val="50000"/>
@@ -16625,16 +15939,6 @@
                 </a:rPr>
               </a:br>
               <a:r>
-                <a:rPr lang="en-AU" sz="1000" b="1" dirty="0" smtClean="0">
-                  <a:solidFill>
-                    <a:schemeClr val="bg1">
-                      <a:lumMod val="50000"/>
-                    </a:schemeClr>
-                  </a:solidFill>
-                </a:rPr>
-                <a:t>My </a:t>
-              </a:r>
-              <a:r>
                 <a:rPr lang="en-AU" sz="1000" b="1" dirty="0">
                   <a:solidFill>
                     <a:schemeClr val="bg1">
@@ -16642,7 +15946,7 @@
                     </a:schemeClr>
                   </a:solidFill>
                 </a:rPr>
-                <a:t>Rides</a:t>
+                <a:t>My Rides</a:t>
               </a:r>
             </a:p>
           </p:txBody>
@@ -16680,18 +15984,8 @@
                 </a:rPr>
                 <a:t>🌐</a:t>
               </a:r>
-              <a:r>
-                <a:rPr lang="en-AU" b="1" dirty="0" smtClean="0">
-                  <a:solidFill>
-                    <a:schemeClr val="bg1">
-                      <a:lumMod val="50000"/>
-                    </a:schemeClr>
-                  </a:solidFill>
-                </a:rPr>
-                <a:t/>
-              </a:r>
               <a:br>
-                <a:rPr lang="en-AU" b="1" dirty="0" smtClean="0">
+                <a:rPr lang="en-AU" b="1" dirty="0">
                   <a:solidFill>
                     <a:schemeClr val="bg1">
                       <a:lumMod val="50000"/>
@@ -16700,7 +15994,7 @@
                 </a:rPr>
               </a:br>
               <a:r>
-                <a:rPr lang="en-AU" sz="1000" b="1" dirty="0" smtClean="0">
+                <a:rPr lang="en-AU" sz="1000" b="1" dirty="0">
                   <a:solidFill>
                     <a:schemeClr val="bg1">
                       <a:lumMod val="50000"/>
@@ -16709,13 +16003,6 @@
                 </a:rPr>
                 <a:t>Explore</a:t>
               </a:r>
-              <a:endParaRPr lang="en-AU" sz="1000" b="1" dirty="0">
-                <a:solidFill>
-                  <a:schemeClr val="bg1">
-                    <a:lumMod val="50000"/>
-                  </a:schemeClr>
-                </a:solidFill>
-              </a:endParaRPr>
             </a:p>
           </p:txBody>
         </p:sp>
@@ -16752,18 +16039,8 @@
                 </a:rPr>
                 <a:t>👤</a:t>
               </a:r>
-              <a:r>
-                <a:rPr lang="en-AU" b="1" dirty="0" smtClean="0">
-                  <a:solidFill>
-                    <a:schemeClr val="bg1">
-                      <a:lumMod val="50000"/>
-                    </a:schemeClr>
-                  </a:solidFill>
-                </a:rPr>
-                <a:t/>
-              </a:r>
               <a:br>
-                <a:rPr lang="en-AU" b="1" dirty="0" smtClean="0">
+                <a:rPr lang="en-AU" b="1" dirty="0">
                   <a:solidFill>
                     <a:schemeClr val="bg1">
                       <a:lumMod val="50000"/>
@@ -16772,7 +16049,7 @@
                 </a:rPr>
               </a:br>
               <a:r>
-                <a:rPr lang="en-AU" sz="1000" b="1" dirty="0" smtClean="0">
+                <a:rPr lang="en-AU" sz="1000" b="1" dirty="0">
                   <a:solidFill>
                     <a:schemeClr val="bg1">
                       <a:lumMod val="50000"/>
@@ -16781,13 +16058,6 @@
                 </a:rPr>
                 <a:t>Profile</a:t>
               </a:r>
-              <a:endParaRPr lang="en-AU" sz="1000" b="1" dirty="0">
-                <a:solidFill>
-                  <a:schemeClr val="bg1">
-                    <a:lumMod val="50000"/>
-                  </a:schemeClr>
-                </a:solidFill>
-              </a:endParaRPr>
             </a:p>
           </p:txBody>
         </p:sp>
@@ -16867,7 +16137,7 @@
             <a:p>
               <a:pPr algn="ctr"/>
               <a:r>
-                <a:rPr lang="en-AU" b="1" dirty="0" smtClean="0">
+                <a:rPr lang="en-AU" b="1" dirty="0">
                   <a:solidFill>
                     <a:srgbClr val="9510E4"/>
                   </a:solidFill>
@@ -16875,25 +16145,20 @@
                 <a:t>🚲</a:t>
               </a:r>
               <a:br>
-                <a:rPr lang="en-AU" b="1" dirty="0" smtClean="0">
+                <a:rPr lang="en-AU" b="1" dirty="0">
                   <a:solidFill>
                     <a:srgbClr val="9510E4"/>
                   </a:solidFill>
                 </a:rPr>
               </a:br>
               <a:r>
-                <a:rPr lang="en-AU" sz="1000" b="1" dirty="0" smtClean="0">
+                <a:rPr lang="en-AU" sz="1000" b="1" dirty="0">
                   <a:solidFill>
                     <a:srgbClr val="9510E4"/>
                   </a:solidFill>
                 </a:rPr>
                 <a:t>My Bikes</a:t>
               </a:r>
-              <a:endParaRPr lang="en-AU" sz="1000" b="1" dirty="0">
-                <a:solidFill>
-                  <a:srgbClr val="9510E4"/>
-                </a:solidFill>
-              </a:endParaRPr>
             </a:p>
           </p:txBody>
         </p:sp>
@@ -17301,7 +16566,7 @@
             <a:p>
               <a:pPr algn="ctr"/>
               <a:r>
-                <a:rPr lang="en-AU" b="1" dirty="0" smtClean="0">
+                <a:rPr lang="en-AU" b="1" dirty="0">
                   <a:solidFill>
                     <a:schemeClr val="bg1">
                       <a:lumMod val="50000"/>
@@ -17311,7 +16576,7 @@
                 <a:t>🚲</a:t>
               </a:r>
               <a:br>
-                <a:rPr lang="en-AU" b="1" dirty="0" smtClean="0">
+                <a:rPr lang="en-AU" b="1" dirty="0">
                   <a:solidFill>
                     <a:schemeClr val="bg1">
                       <a:lumMod val="50000"/>
@@ -17320,16 +16585,6 @@
                 </a:rPr>
               </a:br>
               <a:r>
-                <a:rPr lang="en-AU" sz="1000" b="1" dirty="0" smtClean="0">
-                  <a:solidFill>
-                    <a:schemeClr val="bg1">
-                      <a:lumMod val="50000"/>
-                    </a:schemeClr>
-                  </a:solidFill>
-                </a:rPr>
-                <a:t>My </a:t>
-              </a:r>
-              <a:r>
                 <a:rPr lang="en-AU" sz="1000" b="1" dirty="0">
                   <a:solidFill>
                     <a:schemeClr val="bg1">
@@ -17337,7 +16592,7 @@
                     </a:schemeClr>
                   </a:solidFill>
                 </a:rPr>
-                <a:t>Rides</a:t>
+                <a:t>My Rides</a:t>
               </a:r>
             </a:p>
           </p:txBody>
@@ -17373,34 +16628,21 @@
                 </a:rPr>
                 <a:t>🌐</a:t>
               </a:r>
-              <a:r>
-                <a:rPr lang="en-AU" b="1" dirty="0" smtClean="0">
-                  <a:solidFill>
-                    <a:srgbClr val="9510E4"/>
-                  </a:solidFill>
-                </a:rPr>
-                <a:t/>
-              </a:r>
               <a:br>
-                <a:rPr lang="en-AU" b="1" dirty="0" smtClean="0">
+                <a:rPr lang="en-AU" b="1" dirty="0">
                   <a:solidFill>
                     <a:srgbClr val="9510E4"/>
                   </a:solidFill>
                 </a:rPr>
               </a:br>
               <a:r>
-                <a:rPr lang="en-AU" sz="1000" b="1" dirty="0" smtClean="0">
+                <a:rPr lang="en-AU" sz="1000" b="1" dirty="0">
                   <a:solidFill>
                     <a:srgbClr val="9510E4"/>
                   </a:solidFill>
                 </a:rPr>
                 <a:t>Explore</a:t>
               </a:r>
-              <a:endParaRPr lang="en-AU" sz="1000" b="1" dirty="0">
-                <a:solidFill>
-                  <a:srgbClr val="9510E4"/>
-                </a:solidFill>
-              </a:endParaRPr>
             </a:p>
           </p:txBody>
         </p:sp>
@@ -17437,18 +16679,8 @@
                 </a:rPr>
                 <a:t>👤</a:t>
               </a:r>
-              <a:r>
-                <a:rPr lang="en-AU" b="1" dirty="0" smtClean="0">
-                  <a:solidFill>
-                    <a:schemeClr val="bg1">
-                      <a:lumMod val="50000"/>
-                    </a:schemeClr>
-                  </a:solidFill>
-                </a:rPr>
-                <a:t/>
-              </a:r>
               <a:br>
-                <a:rPr lang="en-AU" b="1" dirty="0" smtClean="0">
+                <a:rPr lang="en-AU" b="1" dirty="0">
                   <a:solidFill>
                     <a:schemeClr val="bg1">
                       <a:lumMod val="50000"/>
@@ -17457,7 +16689,7 @@
                 </a:rPr>
               </a:br>
               <a:r>
-                <a:rPr lang="en-AU" sz="1000" b="1" dirty="0" smtClean="0">
+                <a:rPr lang="en-AU" sz="1000" b="1" dirty="0">
                   <a:solidFill>
                     <a:schemeClr val="bg1">
                       <a:lumMod val="50000"/>
@@ -17466,13 +16698,6 @@
                 </a:rPr>
                 <a:t>Profile</a:t>
               </a:r>
-              <a:endParaRPr lang="en-AU" sz="1000" b="1" dirty="0">
-                <a:solidFill>
-                  <a:schemeClr val="bg1">
-                    <a:lumMod val="50000"/>
-                  </a:schemeClr>
-                </a:solidFill>
-              </a:endParaRPr>
             </a:p>
           </p:txBody>
         </p:sp>
@@ -17552,7 +16777,7 @@
             <a:p>
               <a:pPr algn="ctr"/>
               <a:r>
-                <a:rPr lang="en-AU" b="1" dirty="0" smtClean="0">
+                <a:rPr lang="en-AU" b="1" dirty="0">
                   <a:solidFill>
                     <a:schemeClr val="bg1">
                       <a:lumMod val="50000"/>
@@ -17562,7 +16787,7 @@
                 <a:t>🚲</a:t>
               </a:r>
               <a:br>
-                <a:rPr lang="en-AU" b="1" dirty="0" smtClean="0">
+                <a:rPr lang="en-AU" b="1" dirty="0">
                   <a:solidFill>
                     <a:schemeClr val="bg1">
                       <a:lumMod val="50000"/>
@@ -17571,7 +16796,7 @@
                 </a:rPr>
               </a:br>
               <a:r>
-                <a:rPr lang="en-AU" sz="1000" b="1" dirty="0" smtClean="0">
+                <a:rPr lang="en-AU" sz="1000" b="1" dirty="0">
                   <a:solidFill>
                     <a:schemeClr val="bg1">
                       <a:lumMod val="50000"/>
@@ -17580,13 +16805,6 @@
                 </a:rPr>
                 <a:t>My Bikes</a:t>
               </a:r>
-              <a:endParaRPr lang="en-AU" sz="1000" b="1" dirty="0">
-                <a:solidFill>
-                  <a:schemeClr val="bg1">
-                    <a:lumMod val="50000"/>
-                  </a:schemeClr>
-                </a:solidFill>
-              </a:endParaRPr>
             </a:p>
           </p:txBody>
         </p:sp>
@@ -17924,7 +17142,7 @@
             <a:p>
               <a:pPr algn="ctr"/>
               <a:r>
-                <a:rPr lang="en-AU" b="1" dirty="0" smtClean="0">
+                <a:rPr lang="en-AU" b="1" dirty="0">
                   <a:solidFill>
                     <a:schemeClr val="bg1">
                       <a:lumMod val="50000"/>
@@ -17934,7 +17152,7 @@
                 <a:t>🚲</a:t>
               </a:r>
               <a:br>
-                <a:rPr lang="en-AU" b="1" dirty="0" smtClean="0">
+                <a:rPr lang="en-AU" b="1" dirty="0">
                   <a:solidFill>
                     <a:schemeClr val="bg1">
                       <a:lumMod val="50000"/>
@@ -17943,16 +17161,6 @@
                 </a:rPr>
               </a:br>
               <a:r>
-                <a:rPr lang="en-AU" sz="1000" b="1" dirty="0" smtClean="0">
-                  <a:solidFill>
-                    <a:schemeClr val="bg1">
-                      <a:lumMod val="50000"/>
-                    </a:schemeClr>
-                  </a:solidFill>
-                </a:rPr>
-                <a:t>My </a:t>
-              </a:r>
-              <a:r>
                 <a:rPr lang="en-AU" sz="1000" b="1" dirty="0">
                   <a:solidFill>
                     <a:schemeClr val="bg1">
@@ -17960,7 +17168,7 @@
                     </a:schemeClr>
                   </a:solidFill>
                 </a:rPr>
-                <a:t>Rides</a:t>
+                <a:t>My Rides</a:t>
               </a:r>
             </a:p>
           </p:txBody>
@@ -17998,18 +17206,8 @@
                 </a:rPr>
                 <a:t>🌐</a:t>
               </a:r>
-              <a:r>
-                <a:rPr lang="en-AU" b="1" dirty="0" smtClean="0">
-                  <a:solidFill>
-                    <a:schemeClr val="bg1">
-                      <a:lumMod val="50000"/>
-                    </a:schemeClr>
-                  </a:solidFill>
-                </a:rPr>
-                <a:t/>
-              </a:r>
               <a:br>
-                <a:rPr lang="en-AU" b="1" dirty="0" smtClean="0">
+                <a:rPr lang="en-AU" b="1" dirty="0">
                   <a:solidFill>
                     <a:schemeClr val="bg1">
                       <a:lumMod val="50000"/>
@@ -18018,7 +17216,7 @@
                 </a:rPr>
               </a:br>
               <a:r>
-                <a:rPr lang="en-AU" sz="1000" b="1" dirty="0" smtClean="0">
+                <a:rPr lang="en-AU" sz="1000" b="1" dirty="0">
                   <a:solidFill>
                     <a:schemeClr val="bg1">
                       <a:lumMod val="50000"/>
@@ -18027,13 +17225,6 @@
                 </a:rPr>
                 <a:t>Explore</a:t>
               </a:r>
-              <a:endParaRPr lang="en-AU" sz="1000" b="1" dirty="0">
-                <a:solidFill>
-                  <a:schemeClr val="bg1">
-                    <a:lumMod val="50000"/>
-                  </a:schemeClr>
-                </a:solidFill>
-              </a:endParaRPr>
             </a:p>
           </p:txBody>
         </p:sp>
@@ -18068,34 +17259,21 @@
                 </a:rPr>
                 <a:t>👤</a:t>
               </a:r>
-              <a:r>
-                <a:rPr lang="en-AU" b="1" dirty="0" smtClean="0">
-                  <a:solidFill>
-                    <a:srgbClr val="9510E4"/>
-                  </a:solidFill>
-                </a:rPr>
-                <a:t/>
-              </a:r>
               <a:br>
-                <a:rPr lang="en-AU" b="1" dirty="0" smtClean="0">
+                <a:rPr lang="en-AU" b="1" dirty="0">
                   <a:solidFill>
                     <a:srgbClr val="9510E4"/>
                   </a:solidFill>
                 </a:rPr>
               </a:br>
               <a:r>
-                <a:rPr lang="en-AU" sz="1000" b="1" dirty="0" smtClean="0">
+                <a:rPr lang="en-AU" sz="1000" b="1" dirty="0">
                   <a:solidFill>
                     <a:srgbClr val="9510E4"/>
                   </a:solidFill>
                 </a:rPr>
                 <a:t>Profile</a:t>
               </a:r>
-              <a:endParaRPr lang="en-AU" sz="1000" b="1" dirty="0">
-                <a:solidFill>
-                  <a:srgbClr val="9510E4"/>
-                </a:solidFill>
-              </a:endParaRPr>
             </a:p>
           </p:txBody>
         </p:sp>
@@ -18175,7 +17353,7 @@
             <a:p>
               <a:pPr algn="ctr"/>
               <a:r>
-                <a:rPr lang="en-AU" b="1" dirty="0" smtClean="0">
+                <a:rPr lang="en-AU" b="1" dirty="0">
                   <a:solidFill>
                     <a:schemeClr val="bg1">
                       <a:lumMod val="50000"/>
@@ -18185,7 +17363,7 @@
                 <a:t>🚲</a:t>
               </a:r>
               <a:br>
-                <a:rPr lang="en-AU" b="1" dirty="0" smtClean="0">
+                <a:rPr lang="en-AU" b="1" dirty="0">
                   <a:solidFill>
                     <a:schemeClr val="bg1">
                       <a:lumMod val="50000"/>
@@ -18194,7 +17372,7 @@
                 </a:rPr>
               </a:br>
               <a:r>
-                <a:rPr lang="en-AU" sz="1000" b="1" dirty="0" smtClean="0">
+                <a:rPr lang="en-AU" sz="1000" b="1" dirty="0">
                   <a:solidFill>
                     <a:schemeClr val="bg1">
                       <a:lumMod val="50000"/>
@@ -18203,13 +17381,6 @@
                 </a:rPr>
                 <a:t>My Bikes</a:t>
               </a:r>
-              <a:endParaRPr lang="en-AU" sz="1000" b="1" dirty="0">
-                <a:solidFill>
-                  <a:schemeClr val="bg1">
-                    <a:lumMod val="50000"/>
-                  </a:schemeClr>
-                </a:solidFill>
-              </a:endParaRPr>
             </a:p>
           </p:txBody>
         </p:sp>
@@ -18558,7 +17729,7 @@
             <a:lstStyle/>
             <a:p>
               <a:r>
-                <a:rPr lang="en-US" sz="2000" b="1" dirty="0" smtClean="0">
+                <a:rPr lang="en-US" sz="2000" b="1" dirty="0">
                   <a:solidFill>
                     <a:srgbClr val="9510E4"/>
                   </a:solidFill>
@@ -18822,7 +17993,7 @@
             <a:lstStyle/>
             <a:p>
               <a:r>
-                <a:rPr lang="en-US" sz="2000" b="1" dirty="0" smtClean="0">
+                <a:rPr lang="en-US" sz="2000" b="1" dirty="0">
                   <a:solidFill>
                     <a:srgbClr val="9510E4"/>
                   </a:solidFill>
@@ -18887,7 +18058,7 @@
           <a:lstStyle/>
           <a:p>
             <a:r>
-              <a:rPr lang="en-US" sz="1050" dirty="0" smtClean="0">
+              <a:rPr lang="en-US" sz="1050" dirty="0">
                 <a:solidFill>
                   <a:srgbClr val="FF0000"/>
                 </a:solidFill>
@@ -18927,7 +18098,7 @@
           <a:lstStyle/>
           <a:p>
             <a:r>
-              <a:rPr lang="en-US" sz="1050" dirty="0" smtClean="0">
+              <a:rPr lang="en-US" sz="1050" dirty="0">
                 <a:solidFill>
                   <a:srgbClr val="FF0000"/>
                 </a:solidFill>
@@ -18967,7 +18138,7 @@
           <a:lstStyle/>
           <a:p>
             <a:r>
-              <a:rPr lang="en-US" sz="4400" b="1" dirty="0" smtClean="0"/>
+              <a:rPr lang="en-US" sz="4400" b="1" dirty="0"/>
               <a:t>Sign in Screens</a:t>
             </a:r>
             <a:endParaRPr lang="en-AU" sz="4400" b="1" dirty="0"/>
@@ -19165,7 +18336,7 @@
           <a:lstStyle/>
           <a:p>
             <a:r>
-              <a:rPr lang="en-US" sz="1050" dirty="0" smtClean="0">
+              <a:rPr lang="en-US" sz="1050" dirty="0">
                 <a:solidFill>
                   <a:srgbClr val="FF0000"/>
                 </a:solidFill>
@@ -19205,7 +18376,7 @@
           <a:lstStyle/>
           <a:p>
             <a:r>
-              <a:rPr lang="en-US" sz="4400" b="1" dirty="0" smtClean="0"/>
+              <a:rPr lang="en-US" sz="4400" b="1" dirty="0"/>
               <a:t>Sign up Screens</a:t>
             </a:r>
             <a:endParaRPr lang="en-AU" sz="4400" b="1" dirty="0"/>
@@ -19448,7 +18619,7 @@
               <a:lstStyle/>
               <a:p>
                 <a:r>
-                  <a:rPr lang="en-US" sz="2000" b="1" dirty="0" smtClean="0">
+                  <a:rPr lang="en-US" sz="2000" b="1" dirty="0">
                     <a:solidFill>
                       <a:srgbClr val="9510E4"/>
                     </a:solidFill>
@@ -19489,7 +18660,7 @@
             <a:lstStyle/>
             <a:p>
               <a:r>
-                <a:rPr lang="en-US" b="1" dirty="0" smtClean="0">
+                <a:rPr lang="en-US" b="1" dirty="0">
                   <a:solidFill>
                     <a:schemeClr val="tx1">
                       <a:lumMod val="65000"/>
@@ -19556,7 +18727,7 @@
             <a:lstStyle/>
             <a:p>
               <a:r>
-                <a:rPr lang="en-US" sz="1050" dirty="0" smtClean="0">
+                <a:rPr lang="en-US" sz="1050" dirty="0">
                   <a:solidFill>
                     <a:schemeClr val="bg1">
                       <a:lumMod val="65000"/>
@@ -19600,7 +18771,7 @@
             <a:lstStyle/>
             <a:p>
               <a:r>
-                <a:rPr lang="en-US" sz="900" dirty="0" smtClean="0">
+                <a:rPr lang="en-US" sz="900" dirty="0">
                   <a:solidFill>
                     <a:schemeClr val="tx1">
                       <a:lumMod val="65000"/>
@@ -19667,7 +18838,7 @@
             <a:lstStyle/>
             <a:p>
               <a:r>
-                <a:rPr lang="en-US" sz="1050" dirty="0" smtClean="0">
+                <a:rPr lang="en-US" sz="1050" dirty="0">
                   <a:solidFill>
                     <a:schemeClr val="bg1">
                       <a:lumMod val="65000"/>
@@ -19711,7 +18882,7 @@
             <a:lstStyle/>
             <a:p>
               <a:r>
-                <a:rPr lang="en-US" sz="900" dirty="0" smtClean="0">
+                <a:rPr lang="en-US" sz="900" dirty="0">
                   <a:solidFill>
                     <a:schemeClr val="tx1">
                       <a:lumMod val="65000"/>
@@ -19778,7 +18949,7 @@
             <a:lstStyle/>
             <a:p>
               <a:r>
-                <a:rPr lang="en-US" sz="1050" dirty="0" smtClean="0">
+                <a:rPr lang="en-US" sz="1050" dirty="0">
                   <a:solidFill>
                     <a:schemeClr val="bg1">
                       <a:lumMod val="65000"/>
@@ -19822,7 +18993,7 @@
             <a:lstStyle/>
             <a:p>
               <a:r>
-                <a:rPr lang="en-US" sz="900" dirty="0" smtClean="0">
+                <a:rPr lang="en-US" sz="900" dirty="0">
                   <a:solidFill>
                     <a:schemeClr val="tx1">
                       <a:lumMod val="65000"/>
@@ -19888,7 +19059,7 @@
             <a:bodyPr rtlCol="0" anchor="ctr"/>
             <a:lstStyle/>
             <a:p>
-              <a:endParaRPr lang="en-AU" sz="1050" dirty="0" smtClean="0">
+              <a:endParaRPr lang="en-AU" sz="1050" dirty="0">
                 <a:solidFill>
                   <a:schemeClr val="bg1">
                     <a:lumMod val="65000"/>
@@ -19899,7 +19070,7 @@
             </a:p>
             <a:p>
               <a:r>
-                <a:rPr lang="en-AU" sz="800" dirty="0" smtClean="0">
+                <a:rPr lang="en-AU" sz="800" dirty="0">
                   <a:solidFill>
                     <a:schemeClr val="bg1">
                       <a:lumMod val="65000"/>
@@ -19909,14 +19080,6 @@
                 </a:rPr>
                 <a:t>⬤⬤⬤⬤⬤⬤</a:t>
               </a:r>
-              <a:endParaRPr lang="en-AU" sz="800" dirty="0">
-                <a:solidFill>
-                  <a:schemeClr val="bg1">
-                    <a:lumMod val="65000"/>
-                  </a:schemeClr>
-                </a:solidFill>
-                <a:latin typeface="Lato" panose="020F0502020204030203" pitchFamily="34" charset="0"/>
-              </a:endParaRPr>
             </a:p>
             <a:p>
               <a:endParaRPr lang="en-AU" sz="1050" dirty="0">
@@ -19953,7 +19116,7 @@
             <a:lstStyle/>
             <a:p>
               <a:r>
-                <a:rPr lang="en-US" sz="900" dirty="0" smtClean="0">
+                <a:rPr lang="en-US" sz="900" dirty="0">
                   <a:solidFill>
                     <a:schemeClr val="tx1">
                       <a:lumMod val="65000"/>
@@ -20049,7 +19212,7 @@
             <a:lstStyle/>
             <a:p>
               <a:r>
-                <a:rPr lang="en-US" sz="900" dirty="0" smtClean="0">
+                <a:rPr lang="en-US" sz="900" dirty="0">
                   <a:solidFill>
                     <a:schemeClr val="tx1">
                       <a:lumMod val="65000"/>
@@ -20061,7 +19224,7 @@
                 <a:t>I accept the </a:t>
               </a:r>
               <a:r>
-                <a:rPr lang="en-US" sz="1000" b="1" u="sng" dirty="0" smtClean="0">
+                <a:rPr lang="en-US" sz="1000" b="1" u="sng" dirty="0">
                   <a:solidFill>
                     <a:srgbClr val="9510E4"/>
                   </a:solidFill>
@@ -20194,7 +19357,7 @@
             <a:p>
               <a:pPr algn="ctr"/>
               <a:r>
-                <a:rPr lang="en-US" sz="900" dirty="0" smtClean="0">
+                <a:rPr lang="en-US" sz="900" dirty="0">
                   <a:solidFill>
                     <a:schemeClr val="tx1">
                       <a:lumMod val="65000"/>
@@ -20241,7 +19404,7 @@
             <a:p>
               <a:pPr algn="ctr"/>
               <a:r>
-                <a:rPr lang="en-US" sz="900" dirty="0" smtClean="0">
+                <a:rPr lang="en-US" sz="900" dirty="0">
                   <a:solidFill>
                     <a:schemeClr val="tx1">
                       <a:lumMod val="65000"/>
@@ -20256,7 +19419,7 @@
             <a:p>
               <a:pPr algn="ctr"/>
               <a:r>
-                <a:rPr lang="en-US" sz="900" dirty="0" smtClean="0">
+                <a:rPr lang="en-US" sz="900" dirty="0">
                   <a:solidFill>
                     <a:schemeClr val="tx1">
                       <a:lumMod val="65000"/>
@@ -20362,7 +19525,7 @@
             <a:p>
               <a:pPr algn="ctr"/>
               <a:r>
-                <a:rPr lang="en-US" sz="1400" b="1" dirty="0" smtClean="0">
+                <a:rPr lang="en-US" sz="1400" b="1" dirty="0">
                   <a:solidFill>
                     <a:schemeClr val="bg1"/>
                   </a:solidFill>
@@ -20422,7 +19585,7 @@
             <a:p>
               <a:pPr algn="ctr"/>
               <a:r>
-                <a:rPr lang="en-US" sz="1200" dirty="0" smtClean="0">
+                <a:rPr lang="en-US" sz="1200" dirty="0">
                   <a:solidFill>
                     <a:schemeClr val="bg1">
                       <a:lumMod val="50000"/>
@@ -20433,7 +19596,7 @@
                 <a:t>Already an user? </a:t>
               </a:r>
               <a:r>
-                <a:rPr lang="en-US" sz="1200" u="sng" dirty="0" smtClean="0">
+                <a:rPr lang="en-US" sz="1200" u="sng" dirty="0">
                   <a:solidFill>
                     <a:srgbClr val="9510E4"/>
                   </a:solidFill>
@@ -20442,7 +19605,7 @@
                 <a:t>Sign in</a:t>
               </a:r>
               <a:r>
-                <a:rPr lang="en-US" sz="1200" u="sng" dirty="0" smtClean="0">
+                <a:rPr lang="en-US" sz="1200" u="sng" dirty="0">
                   <a:solidFill>
                     <a:schemeClr val="bg1">
                       <a:lumMod val="50000"/>
@@ -20686,7 +19849,7 @@
             <a:lstStyle/>
             <a:p>
               <a:r>
-                <a:rPr lang="en-US" sz="2000" b="1" dirty="0" smtClean="0">
+                <a:rPr lang="en-US" sz="2000" b="1" dirty="0">
                   <a:solidFill>
                     <a:srgbClr val="9510E4"/>
                   </a:solidFill>
@@ -20727,7 +19890,7 @@
           <a:lstStyle/>
           <a:p>
             <a:r>
-              <a:rPr lang="en-US" b="1" dirty="0" smtClean="0">
+              <a:rPr lang="en-US" b="1" dirty="0">
                 <a:solidFill>
                   <a:schemeClr val="tx1">
                     <a:lumMod val="65000"/>
@@ -20794,7 +19957,7 @@
           <a:lstStyle/>
           <a:p>
             <a:r>
-              <a:rPr lang="en-US" sz="1050" dirty="0" smtClean="0">
+              <a:rPr lang="en-US" sz="1050" dirty="0">
                 <a:solidFill>
                   <a:schemeClr val="bg1">
                     <a:lumMod val="65000"/>
@@ -20838,7 +20001,7 @@
           <a:lstStyle/>
           <a:p>
             <a:r>
-              <a:rPr lang="en-US" sz="900" dirty="0" smtClean="0">
+              <a:rPr lang="en-US" sz="900" dirty="0">
                 <a:solidFill>
                   <a:schemeClr val="tx1">
                     <a:lumMod val="65000"/>
@@ -20905,7 +20068,7 @@
           <a:lstStyle/>
           <a:p>
             <a:r>
-              <a:rPr lang="en-US" sz="1050" dirty="0" smtClean="0">
+              <a:rPr lang="en-US" sz="1050" dirty="0">
                 <a:solidFill>
                   <a:schemeClr val="bg1">
                     <a:lumMod val="65000"/>
@@ -20949,7 +20112,7 @@
           <a:lstStyle/>
           <a:p>
             <a:r>
-              <a:rPr lang="en-US" sz="900" dirty="0" smtClean="0">
+              <a:rPr lang="en-US" sz="900" dirty="0">
                 <a:solidFill>
                   <a:schemeClr val="tx1">
                     <a:lumMod val="65000"/>
@@ -21016,7 +20179,7 @@
           <a:lstStyle/>
           <a:p>
             <a:r>
-              <a:rPr lang="en-US" sz="1050" dirty="0" smtClean="0">
+              <a:rPr lang="en-US" sz="1050" dirty="0">
                 <a:solidFill>
                   <a:schemeClr val="bg1">
                     <a:lumMod val="65000"/>
@@ -21060,7 +20223,7 @@
           <a:lstStyle/>
           <a:p>
             <a:r>
-              <a:rPr lang="en-US" sz="900" dirty="0" smtClean="0">
+              <a:rPr lang="en-US" sz="900" dirty="0">
                 <a:solidFill>
                   <a:schemeClr val="tx1">
                     <a:lumMod val="65000"/>
@@ -21126,7 +20289,7 @@
           <a:bodyPr rtlCol="0" anchor="ctr"/>
           <a:lstStyle/>
           <a:p>
-            <a:endParaRPr lang="en-AU" sz="1050" dirty="0" smtClean="0">
+            <a:endParaRPr lang="en-AU" sz="1050" dirty="0">
               <a:solidFill>
                 <a:schemeClr val="bg1">
                   <a:lumMod val="65000"/>
@@ -21137,7 +20300,7 @@
           </a:p>
           <a:p>
             <a:r>
-              <a:rPr lang="en-AU" sz="800" dirty="0" smtClean="0">
+              <a:rPr lang="en-AU" sz="800" dirty="0">
                 <a:solidFill>
                   <a:schemeClr val="bg1">
                     <a:lumMod val="65000"/>
@@ -21147,14 +20310,6 @@
               </a:rPr>
               <a:t>⬤⬤⬤⬤⬤⬤</a:t>
             </a:r>
-            <a:endParaRPr lang="en-AU" sz="800" dirty="0">
-              <a:solidFill>
-                <a:schemeClr val="bg1">
-                  <a:lumMod val="65000"/>
-                </a:schemeClr>
-              </a:solidFill>
-              <a:latin typeface="Lato" panose="020F0502020204030203" pitchFamily="34" charset="0"/>
-            </a:endParaRPr>
           </a:p>
           <a:p>
             <a:endParaRPr lang="en-AU" sz="1050" dirty="0">
@@ -21191,7 +20346,7 @@
           <a:lstStyle/>
           <a:p>
             <a:r>
-              <a:rPr lang="en-US" sz="900" dirty="0" smtClean="0">
+              <a:rPr lang="en-US" sz="900" dirty="0">
                 <a:solidFill>
                   <a:schemeClr val="tx1">
                     <a:lumMod val="65000"/>
@@ -21287,7 +20442,7 @@
           <a:lstStyle/>
           <a:p>
             <a:r>
-              <a:rPr lang="en-US" sz="900" dirty="0" smtClean="0">
+              <a:rPr lang="en-US" sz="900" dirty="0">
                 <a:solidFill>
                   <a:schemeClr val="tx1">
                     <a:lumMod val="65000"/>
@@ -21299,13 +20454,13 @@
               <a:t>I accept the</a:t>
             </a:r>
             <a:r>
-              <a:rPr lang="en-US" sz="900" dirty="0" smtClean="0">
+              <a:rPr lang="en-US" sz="900" dirty="0">
                 <a:latin typeface="Lato" panose="020F0502020204030203" pitchFamily="34" charset="0"/>
               </a:rPr>
               <a:t> </a:t>
             </a:r>
             <a:r>
-              <a:rPr lang="en-US" sz="1000" b="1" u="sng" dirty="0" smtClean="0">
+              <a:rPr lang="en-US" sz="1000" b="1" u="sng" dirty="0">
                 <a:solidFill>
                   <a:srgbClr val="9510E4"/>
                 </a:solidFill>
@@ -21438,7 +20593,7 @@
           <a:p>
             <a:pPr algn="ctr"/>
             <a:r>
-              <a:rPr lang="en-US" sz="900" dirty="0" smtClean="0">
+              <a:rPr lang="en-US" sz="900" dirty="0">
                 <a:solidFill>
                   <a:schemeClr val="tx1">
                     <a:lumMod val="65000"/>
@@ -21485,7 +20640,7 @@
           <a:p>
             <a:pPr algn="ctr"/>
             <a:r>
-              <a:rPr lang="en-US" sz="900" dirty="0" smtClean="0">
+              <a:rPr lang="en-US" sz="900" dirty="0">
                 <a:solidFill>
                   <a:schemeClr val="tx1">
                     <a:lumMod val="65000"/>
@@ -21500,7 +20655,7 @@
           <a:p>
             <a:pPr algn="ctr"/>
             <a:r>
-              <a:rPr lang="en-US" sz="900" dirty="0" smtClean="0">
+              <a:rPr lang="en-US" sz="900" dirty="0">
                 <a:solidFill>
                   <a:schemeClr val="tx1">
                     <a:lumMod val="65000"/>
@@ -21644,7 +20799,7 @@
           <a:p>
             <a:pPr algn="ctr"/>
             <a:r>
-              <a:rPr lang="en-US" sz="1400" b="1" dirty="0" smtClean="0">
+              <a:rPr lang="en-US" sz="1400" b="1" dirty="0">
                 <a:solidFill>
                   <a:schemeClr val="bg1"/>
                 </a:solidFill>
@@ -21684,7 +20839,7 @@
           <a:lstStyle/>
           <a:p>
             <a:r>
-              <a:rPr lang="en-US" sz="1050" dirty="0" smtClean="0">
+              <a:rPr lang="en-US" sz="1050" dirty="0">
                 <a:solidFill>
                   <a:srgbClr val="FF0000"/>
                 </a:solidFill>
@@ -21724,7 +20879,7 @@
           <a:lstStyle/>
           <a:p>
             <a:r>
-              <a:rPr lang="en-US" sz="1050" dirty="0" smtClean="0">
+              <a:rPr lang="en-US" sz="1050" dirty="0">
                 <a:solidFill>
                   <a:srgbClr val="FF0000"/>
                 </a:solidFill>
@@ -21764,7 +20919,7 @@
           <a:lstStyle/>
           <a:p>
             <a:r>
-              <a:rPr lang="en-US" sz="1050" dirty="0" smtClean="0">
+              <a:rPr lang="en-US" sz="1050" dirty="0">
                 <a:solidFill>
                   <a:srgbClr val="FF0000"/>
                 </a:solidFill>
@@ -21804,7 +20959,7 @@
           <a:lstStyle/>
           <a:p>
             <a:r>
-              <a:rPr lang="en-US" sz="1050" dirty="0" smtClean="0">
+              <a:rPr lang="en-US" sz="1050" dirty="0">
                 <a:solidFill>
                   <a:srgbClr val="FF0000"/>
                 </a:solidFill>
@@ -21844,7 +20999,7 @@
           <a:lstStyle/>
           <a:p>
             <a:r>
-              <a:rPr lang="en-US" sz="1050" dirty="0" smtClean="0">
+              <a:rPr lang="en-US" sz="1050" dirty="0">
                 <a:solidFill>
                   <a:srgbClr val="FF0000"/>
                 </a:solidFill>
@@ -21884,7 +21039,7 @@
           <a:lstStyle/>
           <a:p>
             <a:r>
-              <a:rPr lang="en-US" sz="1050" dirty="0" smtClean="0">
+              <a:rPr lang="en-US" sz="1050" dirty="0">
                 <a:solidFill>
                   <a:srgbClr val="FF0000"/>
                 </a:solidFill>
@@ -21893,7 +21048,7 @@
               <a:t>Selfie does not match with Govt. ID.</a:t>
             </a:r>
             <a:br>
-              <a:rPr lang="en-US" sz="1050" dirty="0" smtClean="0">
+              <a:rPr lang="en-US" sz="1050" dirty="0">
                 <a:solidFill>
                   <a:srgbClr val="FF0000"/>
                 </a:solidFill>
@@ -21901,7 +21056,7 @@
               </a:rPr>
             </a:br>
             <a:r>
-              <a:rPr lang="en-US" sz="1050" dirty="0" smtClean="0">
+              <a:rPr lang="en-US" sz="1050" dirty="0">
                 <a:solidFill>
                   <a:srgbClr val="FF0000"/>
                 </a:solidFill>
@@ -21912,7 +21067,7 @@
           </a:p>
           <a:p>
             <a:r>
-              <a:rPr lang="en-US" sz="1050" dirty="0" smtClean="0">
+              <a:rPr lang="en-US" sz="1050" dirty="0">
                 <a:solidFill>
                   <a:srgbClr val="FF0000"/>
                 </a:solidFill>
@@ -22165,7 +21320,7 @@
               <a:lstStyle/>
               <a:p>
                 <a:r>
-                  <a:rPr lang="en-US" sz="2000" b="1" dirty="0" smtClean="0">
+                  <a:rPr lang="en-US" sz="2000" b="1" dirty="0">
                     <a:solidFill>
                       <a:srgbClr val="9510E4"/>
                     </a:solidFill>
@@ -22206,7 +21361,7 @@
             <a:lstStyle/>
             <a:p>
               <a:r>
-                <a:rPr lang="en-US" b="1" dirty="0" smtClean="0">
+                <a:rPr lang="en-US" b="1" dirty="0">
                   <a:solidFill>
                     <a:schemeClr val="tx1">
                       <a:lumMod val="65000"/>
@@ -22274,7 +21429,7 @@
             <a:p>
               <a:pPr algn="ctr"/>
               <a:r>
-                <a:rPr lang="en-US" sz="1400" b="1" dirty="0" smtClean="0">
+                <a:rPr lang="en-US" sz="1400" b="1" dirty="0">
                   <a:solidFill>
                     <a:schemeClr val="bg1"/>
                   </a:solidFill>
@@ -22323,21 +21478,10 @@
                     </a:schemeClr>
                   </a:solidFill>
                 </a:rPr>
-                <a:t>Welcome to Micro2Move! Please read these Terms and Conditions carefully before using our services. By accessing or using the service, you agree to be bound by these terms. If you disagree with any part of the terms, you may not access the service. Our service allows you to connect with a community of safe biking enthusiasts, providing resources, tutorials, and e-bike sharing opportunities. We are committed to promoting safe biking practices in Sydney. You are responsible for complying with all local laws regarding biking and ensuring your safety while using our service. We are not liable for any injuries or damages sustained while using the service. For more information on our privacy policy and </a:t>
+                <a:t>Welcome to Micro2Move! Please read these Terms and Conditions carefully before using our services. By accessing or using the service, you agree to be bound by these terms. If you disagree with any part of the terms, you may not access the service. Our service allows you to connect with a community of safe biking enthusiasts, providing resources, tutorials, and e-bike sharing opportunities. We are committed to promoting safe biking practices in Sydney. You are responsible for complying with all local laws regarding biking and ensuring your safety while using our service. We are not liable for any injuries or damages sustained while using the service. For more information on our privacy policy and user </a:t>
               </a:r>
               <a:r>
-                <a:rPr lang="en-US" sz="1300" dirty="0" smtClean="0">
-                  <a:solidFill>
-                    <a:schemeClr val="tx1">
-                      <a:lumMod val="65000"/>
-                      <a:lumOff val="35000"/>
-                    </a:schemeClr>
-                  </a:solidFill>
-                </a:rPr>
-                <a:t>user </a:t>
-              </a:r>
-              <a:r>
-                <a:rPr lang="en-US" sz="1300" dirty="0" err="1" smtClean="0">
+                <a:rPr lang="en-US" sz="1300" dirty="0" err="1">
                   <a:solidFill>
                     <a:schemeClr val="tx1">
                       <a:lumMod val="65000"/>
@@ -22348,7 +21492,7 @@
                 <a:t>resp</a:t>
               </a:r>
               <a:r>
-                <a:rPr lang="en-US" sz="1300" dirty="0" smtClean="0">
+                <a:rPr lang="en-US" sz="1300" dirty="0">
                   <a:solidFill>
                     <a:schemeClr val="tx1">
                       <a:lumMod val="65000"/>
@@ -22359,7 +21503,7 @@
                 <a:t>…</a:t>
               </a:r>
               <a:r>
-                <a:rPr lang="en-US" sz="1300" dirty="0" smtClean="0"/>
+                <a:rPr lang="en-US" sz="1300" dirty="0"/>
                 <a:t> </a:t>
               </a:r>
               <a:r>
@@ -22368,15 +21512,7 @@
                     <a:srgbClr val="9510E4"/>
                   </a:solidFill>
                 </a:rPr>
-                <a:t>R</a:t>
-              </a:r>
-              <a:r>
-                <a:rPr lang="en-US" sz="1300" dirty="0" smtClean="0">
-                  <a:solidFill>
-                    <a:srgbClr val="9510E4"/>
-                  </a:solidFill>
-                </a:rPr>
-                <a:t>ead more</a:t>
+                <a:t>Read more</a:t>
               </a:r>
               <a:endParaRPr lang="en-AU" sz="1300" dirty="0">
                 <a:solidFill>
@@ -22736,7 +21872,7 @@
           <a:lstStyle/>
           <a:p>
             <a:r>
-              <a:rPr lang="en-US" sz="4400" b="1" dirty="0" smtClean="0"/>
+              <a:rPr lang="en-US" sz="4400" b="1" dirty="0"/>
               <a:t>Sign up Screens</a:t>
             </a:r>
             <a:endParaRPr lang="en-AU" sz="4400" b="1" dirty="0"/>
@@ -22979,7 +22115,7 @@
               <a:lstStyle/>
               <a:p>
                 <a:r>
-                  <a:rPr lang="en-US" sz="2000" b="1" dirty="0" smtClean="0">
+                  <a:rPr lang="en-US" sz="2000" b="1" dirty="0">
                     <a:solidFill>
                       <a:srgbClr val="9510E4"/>
                     </a:solidFill>
@@ -23020,7 +22156,7 @@
             <a:lstStyle/>
             <a:p>
               <a:r>
-                <a:rPr lang="en-US" b="1" dirty="0" smtClean="0">
+                <a:rPr lang="en-US" b="1" dirty="0">
                   <a:solidFill>
                     <a:schemeClr val="tx1">
                       <a:lumMod val="65000"/>
@@ -23087,7 +22223,7 @@
             <a:lstStyle/>
             <a:p>
               <a:r>
-                <a:rPr lang="en-US" sz="1050" dirty="0" smtClean="0">
+                <a:rPr lang="en-US" sz="1050" dirty="0">
                   <a:solidFill>
                     <a:schemeClr val="bg1">
                       <a:lumMod val="65000"/>
@@ -23131,7 +22267,7 @@
             <a:lstStyle/>
             <a:p>
               <a:r>
-                <a:rPr lang="en-US" sz="900" dirty="0" smtClean="0">
+                <a:rPr lang="en-US" sz="900" dirty="0">
                   <a:solidFill>
                     <a:schemeClr val="tx1">
                       <a:lumMod val="65000"/>
@@ -23198,7 +22334,7 @@
             <a:lstStyle/>
             <a:p>
               <a:r>
-                <a:rPr lang="en-US" sz="1050" dirty="0" smtClean="0">
+                <a:rPr lang="en-US" sz="1050" dirty="0">
                   <a:solidFill>
                     <a:schemeClr val="bg1">
                       <a:lumMod val="65000"/>
@@ -23242,7 +22378,7 @@
             <a:lstStyle/>
             <a:p>
               <a:r>
-                <a:rPr lang="en-US" sz="900" dirty="0" smtClean="0">
+                <a:rPr lang="en-US" sz="900" dirty="0">
                   <a:solidFill>
                     <a:schemeClr val="tx1">
                       <a:lumMod val="65000"/>
@@ -23309,7 +22445,7 @@
             <a:lstStyle/>
             <a:p>
               <a:r>
-                <a:rPr lang="en-US" sz="1050" dirty="0" smtClean="0">
+                <a:rPr lang="en-US" sz="1050" dirty="0">
                   <a:solidFill>
                     <a:schemeClr val="bg1">
                       <a:lumMod val="65000"/>
@@ -23353,7 +22489,7 @@
             <a:lstStyle/>
             <a:p>
               <a:r>
-                <a:rPr lang="en-US" sz="900" dirty="0" smtClean="0">
+                <a:rPr lang="en-US" sz="900" dirty="0">
                   <a:solidFill>
                     <a:schemeClr val="tx1">
                       <a:lumMod val="65000"/>
@@ -23419,7 +22555,7 @@
             <a:bodyPr rtlCol="0" anchor="ctr"/>
             <a:lstStyle/>
             <a:p>
-              <a:endParaRPr lang="en-AU" sz="1050" dirty="0" smtClean="0">
+              <a:endParaRPr lang="en-AU" sz="1050" dirty="0">
                 <a:solidFill>
                   <a:schemeClr val="bg1">
                     <a:lumMod val="65000"/>
@@ -23430,7 +22566,7 @@
             </a:p>
             <a:p>
               <a:r>
-                <a:rPr lang="en-AU" sz="800" dirty="0" smtClean="0">
+                <a:rPr lang="en-AU" sz="800" dirty="0">
                   <a:solidFill>
                     <a:schemeClr val="bg1">
                       <a:lumMod val="65000"/>
@@ -23440,14 +22576,6 @@
                 </a:rPr>
                 <a:t>⬤⬤⬤⬤⬤⬤</a:t>
               </a:r>
-              <a:endParaRPr lang="en-AU" sz="800" dirty="0">
-                <a:solidFill>
-                  <a:schemeClr val="bg1">
-                    <a:lumMod val="65000"/>
-                  </a:schemeClr>
-                </a:solidFill>
-                <a:latin typeface="Lato" panose="020F0502020204030203" pitchFamily="34" charset="0"/>
-              </a:endParaRPr>
             </a:p>
             <a:p>
               <a:endParaRPr lang="en-AU" sz="1050" dirty="0">
@@ -23484,7 +22612,7 @@
             <a:lstStyle/>
             <a:p>
               <a:r>
-                <a:rPr lang="en-US" sz="900" dirty="0" smtClean="0">
+                <a:rPr lang="en-US" sz="900" dirty="0">
                   <a:solidFill>
                     <a:schemeClr val="tx1">
                       <a:lumMod val="65000"/>
@@ -23580,7 +22708,7 @@
             <a:lstStyle/>
             <a:p>
               <a:r>
-                <a:rPr lang="en-US" sz="900" dirty="0" smtClean="0">
+                <a:rPr lang="en-US" sz="900" dirty="0">
                   <a:solidFill>
                     <a:schemeClr val="tx1">
                       <a:lumMod val="65000"/>
@@ -23592,7 +22720,7 @@
                 <a:t>I accept the </a:t>
               </a:r>
               <a:r>
-                <a:rPr lang="en-US" sz="1000" b="1" u="sng" dirty="0" smtClean="0">
+                <a:rPr lang="en-US" sz="1000" b="1" u="sng" dirty="0">
                   <a:solidFill>
                     <a:srgbClr val="9510E4"/>
                   </a:solidFill>
@@ -23787,7 +22915,7 @@
             <a:p>
               <a:pPr algn="ctr"/>
               <a:r>
-                <a:rPr lang="en-US" sz="1400" b="1" dirty="0" smtClean="0">
+                <a:rPr lang="en-US" sz="1400" b="1" dirty="0">
                   <a:solidFill>
                     <a:schemeClr val="bg1"/>
                   </a:solidFill>
@@ -23847,7 +22975,7 @@
             <a:p>
               <a:pPr algn="ctr"/>
               <a:r>
-                <a:rPr lang="en-US" sz="1200" dirty="0" smtClean="0">
+                <a:rPr lang="en-US" sz="1200" dirty="0">
                   <a:solidFill>
                     <a:schemeClr val="bg1">
                       <a:lumMod val="50000"/>
@@ -23858,7 +22986,7 @@
                 <a:t>Already an user? </a:t>
               </a:r>
               <a:r>
-                <a:rPr lang="en-US" sz="1200" u="sng" dirty="0" smtClean="0">
+                <a:rPr lang="en-US" sz="1200" u="sng" dirty="0">
                   <a:solidFill>
                     <a:srgbClr val="9510E4"/>
                   </a:solidFill>
@@ -23867,7 +22995,7 @@
                 <a:t>Sign in</a:t>
               </a:r>
               <a:r>
-                <a:rPr lang="en-US" sz="1200" u="sng" dirty="0" smtClean="0">
+                <a:rPr lang="en-US" sz="1200" u="sng" dirty="0">
                   <a:solidFill>
                     <a:schemeClr val="bg1">
                       <a:lumMod val="50000"/>
@@ -24111,7 +23239,7 @@
             <a:lstStyle/>
             <a:p>
               <a:r>
-                <a:rPr lang="en-US" sz="2000" b="1" dirty="0" smtClean="0">
+                <a:rPr lang="en-US" sz="2000" b="1" dirty="0">
                   <a:solidFill>
                     <a:srgbClr val="9510E4"/>
                   </a:solidFill>
@@ -24152,7 +23280,7 @@
           <a:lstStyle/>
           <a:p>
             <a:r>
-              <a:rPr lang="en-US" b="1" dirty="0" smtClean="0">
+              <a:rPr lang="en-US" b="1" dirty="0">
                 <a:solidFill>
                   <a:schemeClr val="tx1">
                     <a:lumMod val="65000"/>
@@ -24186,43 +23314,7 @@
                 </a:solidFill>
                 <a:latin typeface="Lato" panose="020F0502020204030203" pitchFamily="34" charset="0"/>
               </a:rPr>
-              <a:t>Take </a:t>
-            </a:r>
-            <a:r>
-              <a:rPr lang="en-US" sz="1200" dirty="0" smtClean="0">
-                <a:solidFill>
-                  <a:schemeClr val="tx1">
-                    <a:lumMod val="65000"/>
-                    <a:lumOff val="35000"/>
-                  </a:schemeClr>
-                </a:solidFill>
-                <a:latin typeface="Lato" panose="020F0502020204030203" pitchFamily="34" charset="0"/>
-              </a:rPr>
-              <a:t>selfie holding your </a:t>
-            </a:r>
-            <a:r>
-              <a:rPr lang="en-US" sz="1200" dirty="0">
-                <a:solidFill>
-                  <a:schemeClr val="tx1">
-                    <a:lumMod val="65000"/>
-                    <a:lumOff val="35000"/>
-                  </a:schemeClr>
-                </a:solidFill>
-                <a:latin typeface="Lato" panose="020F0502020204030203" pitchFamily="34" charset="0"/>
-              </a:rPr>
-              <a:t>Government </a:t>
-            </a:r>
-            <a:r>
-              <a:rPr lang="en-US" sz="1200" dirty="0" smtClean="0">
-                <a:solidFill>
-                  <a:schemeClr val="tx1">
-                    <a:lumMod val="65000"/>
-                    <a:lumOff val="35000"/>
-                  </a:schemeClr>
-                </a:solidFill>
-                <a:latin typeface="Lato" panose="020F0502020204030203" pitchFamily="34" charset="0"/>
-              </a:rPr>
-              <a:t>ID</a:t>
+              <a:t>Take selfie holding your Government ID</a:t>
             </a:r>
             <a:endParaRPr lang="en-AU" sz="1200" dirty="0">
               <a:solidFill>
@@ -24758,7 +23850,7 @@
           <a:lstStyle/>
           <a:p>
             <a:r>
-              <a:rPr lang="en-US" sz="4400" b="1" dirty="0" smtClean="0"/>
+              <a:rPr lang="en-US" sz="4400" b="1" dirty="0"/>
               <a:t>Owner E-Bike List Screens</a:t>
             </a:r>
             <a:endParaRPr lang="en-AU" sz="4400" b="1" dirty="0"/>
@@ -24906,7 +23998,7 @@
                 <a:lstStyle/>
                 <a:p>
                   <a:r>
-                    <a:rPr lang="en-US" sz="2000" b="1" dirty="0" smtClean="0">
+                    <a:rPr lang="en-US" sz="2000" b="1" dirty="0">
                       <a:solidFill>
                         <a:srgbClr val="9510E4"/>
                       </a:solidFill>
@@ -24947,7 +24039,7 @@
               <a:lstStyle/>
               <a:p>
                 <a:r>
-                  <a:rPr lang="en-US" b="1" dirty="0" smtClean="0">
+                  <a:rPr lang="en-US" b="1" dirty="0">
                     <a:solidFill>
                       <a:schemeClr val="tx1">
                         <a:lumMod val="65000"/>
@@ -25304,7 +24396,7 @@
               <a:p>
                 <a:pPr algn="ctr"/>
                 <a:r>
-                  <a:rPr lang="en-AU" b="1" dirty="0" smtClean="0">
+                  <a:rPr lang="en-AU" b="1" dirty="0">
                     <a:solidFill>
                       <a:schemeClr val="bg1">
                         <a:lumMod val="50000"/>
@@ -25314,7 +24406,7 @@
                   <a:t>🚲</a:t>
                 </a:r>
                 <a:br>
-                  <a:rPr lang="en-AU" b="1" dirty="0" smtClean="0">
+                  <a:rPr lang="en-AU" b="1" dirty="0">
                     <a:solidFill>
                       <a:schemeClr val="bg1">
                         <a:lumMod val="50000"/>
@@ -25323,16 +24415,6 @@
                   </a:rPr>
                 </a:br>
                 <a:r>
-                  <a:rPr lang="en-AU" sz="1000" b="1" dirty="0" smtClean="0">
-                    <a:solidFill>
-                      <a:schemeClr val="bg1">
-                        <a:lumMod val="50000"/>
-                      </a:schemeClr>
-                    </a:solidFill>
-                  </a:rPr>
-                  <a:t>My </a:t>
-                </a:r>
-                <a:r>
                   <a:rPr lang="en-AU" sz="1000" b="1" dirty="0">
                     <a:solidFill>
                       <a:schemeClr val="bg1">
@@ -25340,7 +24422,7 @@
                       </a:schemeClr>
                     </a:solidFill>
                   </a:rPr>
-                  <a:t>Rides</a:t>
+                  <a:t>My Rides</a:t>
                 </a:r>
               </a:p>
             </p:txBody>
@@ -25378,18 +24460,8 @@
                   </a:rPr>
                   <a:t>🌐</a:t>
                 </a:r>
-                <a:r>
-                  <a:rPr lang="en-AU" b="1" dirty="0" smtClean="0">
-                    <a:solidFill>
-                      <a:schemeClr val="bg1">
-                        <a:lumMod val="50000"/>
-                      </a:schemeClr>
-                    </a:solidFill>
-                  </a:rPr>
-                  <a:t/>
-                </a:r>
                 <a:br>
-                  <a:rPr lang="en-AU" b="1" dirty="0" smtClean="0">
+                  <a:rPr lang="en-AU" b="1" dirty="0">
                     <a:solidFill>
                       <a:schemeClr val="bg1">
                         <a:lumMod val="50000"/>
@@ -25398,7 +24470,7 @@
                   </a:rPr>
                 </a:br>
                 <a:r>
-                  <a:rPr lang="en-AU" sz="1000" b="1" dirty="0" smtClean="0">
+                  <a:rPr lang="en-AU" sz="1000" b="1" dirty="0">
                     <a:solidFill>
                       <a:schemeClr val="bg1">
                         <a:lumMod val="50000"/>
@@ -25407,13 +24479,6 @@
                   </a:rPr>
                   <a:t>Explore</a:t>
                 </a:r>
-                <a:endParaRPr lang="en-AU" sz="1000" b="1" dirty="0">
-                  <a:solidFill>
-                    <a:schemeClr val="bg1">
-                      <a:lumMod val="50000"/>
-                    </a:schemeClr>
-                  </a:solidFill>
-                </a:endParaRPr>
               </a:p>
             </p:txBody>
           </p:sp>
@@ -25450,18 +24515,8 @@
                   </a:rPr>
                   <a:t>👤</a:t>
                 </a:r>
-                <a:r>
-                  <a:rPr lang="en-AU" b="1" dirty="0" smtClean="0">
-                    <a:solidFill>
-                      <a:schemeClr val="bg1">
-                        <a:lumMod val="50000"/>
-                      </a:schemeClr>
-                    </a:solidFill>
-                  </a:rPr>
-                  <a:t/>
-                </a:r>
                 <a:br>
-                  <a:rPr lang="en-AU" b="1" dirty="0" smtClean="0">
+                  <a:rPr lang="en-AU" b="1" dirty="0">
                     <a:solidFill>
                       <a:schemeClr val="bg1">
                         <a:lumMod val="50000"/>
@@ -25470,7 +24525,7 @@
                   </a:rPr>
                 </a:br>
                 <a:r>
-                  <a:rPr lang="en-AU" sz="1000" b="1" dirty="0" smtClean="0">
+                  <a:rPr lang="en-AU" sz="1000" b="1" dirty="0">
                     <a:solidFill>
                       <a:schemeClr val="bg1">
                         <a:lumMod val="50000"/>
@@ -25479,13 +24534,6 @@
                   </a:rPr>
                   <a:t>Profile</a:t>
                 </a:r>
-                <a:endParaRPr lang="en-AU" sz="1000" b="1" dirty="0">
-                  <a:solidFill>
-                    <a:schemeClr val="bg1">
-                      <a:lumMod val="50000"/>
-                    </a:schemeClr>
-                  </a:solidFill>
-                </a:endParaRPr>
               </a:p>
             </p:txBody>
           </p:sp>
@@ -25565,7 +24613,7 @@
               <a:p>
                 <a:pPr algn="ctr"/>
                 <a:r>
-                  <a:rPr lang="en-AU" b="1" dirty="0" smtClean="0">
+                  <a:rPr lang="en-AU" b="1" dirty="0">
                     <a:solidFill>
                       <a:srgbClr val="9510E4"/>
                     </a:solidFill>
@@ -25573,25 +24621,20 @@
                   <a:t>🚲</a:t>
                 </a:r>
                 <a:br>
-                  <a:rPr lang="en-AU" b="1" dirty="0" smtClean="0">
+                  <a:rPr lang="en-AU" b="1" dirty="0">
                     <a:solidFill>
                       <a:srgbClr val="9510E4"/>
                     </a:solidFill>
                   </a:rPr>
                 </a:br>
                 <a:r>
-                  <a:rPr lang="en-AU" sz="1000" b="1" dirty="0" smtClean="0">
+                  <a:rPr lang="en-AU" sz="1000" b="1" dirty="0">
                     <a:solidFill>
                       <a:srgbClr val="9510E4"/>
                     </a:solidFill>
                   </a:rPr>
                   <a:t>My Bikes</a:t>
                 </a:r>
-                <a:endParaRPr lang="en-AU" sz="1000" b="1" dirty="0">
-                  <a:solidFill>
-                    <a:srgbClr val="9510E4"/>
-                  </a:solidFill>
-                </a:endParaRPr>
               </a:p>
             </p:txBody>
           </p:sp>
@@ -25824,7 +24867,7 @@
             <a:p>
               <a:pPr algn="ctr"/>
               <a:r>
-                <a:rPr lang="en-US" sz="1600" dirty="0" smtClean="0">
+                <a:rPr lang="en-US" sz="1600" dirty="0">
                   <a:solidFill>
                     <a:schemeClr val="tx1">
                       <a:lumMod val="65000"/>
@@ -25870,7 +24913,7 @@
             <a:lstStyle/>
             <a:p>
               <a:pPr algn="ctr"/>
-              <a:endParaRPr lang="en-US" sz="1050" dirty="0" smtClean="0">
+              <a:endParaRPr lang="en-US" sz="1050" dirty="0">
                 <a:solidFill>
                   <a:schemeClr val="tx1">
                     <a:lumMod val="65000"/>
@@ -25886,18 +24929,6 @@
                 <a:buChar char="ü"/>
               </a:pPr>
               <a:r>
-                <a:rPr lang="en-US" sz="1050" dirty="0" smtClean="0">
-                  <a:solidFill>
-                    <a:schemeClr val="tx1">
-                      <a:lumMod val="65000"/>
-                      <a:lumOff val="35000"/>
-                    </a:schemeClr>
-                  </a:solidFill>
-                  <a:latin typeface="Lato" panose="020F0502020204030203" pitchFamily="34" charset="0"/>
-                </a:rPr>
-                <a:t>Earn </a:t>
-              </a:r>
-              <a:r>
                 <a:rPr lang="en-US" sz="1050" dirty="0">
                   <a:solidFill>
                     <a:schemeClr val="tx1">
@@ -25907,7 +24938,7 @@
                   </a:solidFill>
                   <a:latin typeface="Lato" panose="020F0502020204030203" pitchFamily="34" charset="0"/>
                 </a:rPr>
-                <a:t>money while your bike is not in use.</a:t>
+                <a:t>Earn money while your bike is not in use.</a:t>
               </a:r>
             </a:p>
             <a:p>
@@ -25927,18 +24958,6 @@
                 <a:buChar char="ü"/>
               </a:pPr>
               <a:r>
-                <a:rPr lang="en-US" sz="1050" dirty="0" smtClean="0">
-                  <a:solidFill>
-                    <a:schemeClr val="tx1">
-                      <a:lumMod val="65000"/>
-                      <a:lumOff val="35000"/>
-                    </a:schemeClr>
-                  </a:solidFill>
-                  <a:latin typeface="Lato" panose="020F0502020204030203" pitchFamily="34" charset="0"/>
-                </a:rPr>
-                <a:t>KYC-verified </a:t>
-              </a:r>
-              <a:r>
                 <a:rPr lang="en-US" sz="1050" dirty="0">
                   <a:solidFill>
                     <a:schemeClr val="tx1">
@@ -25948,55 +24967,7 @@
                   </a:solidFill>
                   <a:latin typeface="Lato" panose="020F0502020204030203" pitchFamily="34" charset="0"/>
                 </a:rPr>
-                <a:t>users with ratings </a:t>
-              </a:r>
-              <a:r>
-                <a:rPr lang="en-US" sz="1050" dirty="0">
-                  <a:solidFill>
-                    <a:schemeClr val="tx1">
-                      <a:lumMod val="65000"/>
-                      <a:lumOff val="35000"/>
-                    </a:schemeClr>
-                  </a:solidFill>
-                  <a:latin typeface="Lato" panose="020F0502020204030203" pitchFamily="34" charset="0"/>
-                </a:rPr>
-                <a:t>&amp;</a:t>
-              </a:r>
-              <a:r>
-                <a:rPr lang="en-US" sz="1050" dirty="0" smtClean="0">
-                  <a:solidFill>
-                    <a:schemeClr val="tx1">
-                      <a:lumMod val="65000"/>
-                      <a:lumOff val="35000"/>
-                    </a:schemeClr>
-                  </a:solidFill>
-                  <a:latin typeface="Lato" panose="020F0502020204030203" pitchFamily="34" charset="0"/>
-                </a:rPr>
-                <a:t> </a:t>
-              </a:r>
-              <a:r>
-                <a:rPr lang="en-US" sz="1050" dirty="0">
-                  <a:solidFill>
-                    <a:schemeClr val="tx1">
-                      <a:lumMod val="65000"/>
-                      <a:lumOff val="35000"/>
-                    </a:schemeClr>
-                  </a:solidFill>
-                  <a:latin typeface="Lato" panose="020F0502020204030203" pitchFamily="34" charset="0"/>
-                </a:rPr>
-                <a:t>trip history</a:t>
-              </a:r>
-              <a:r>
-                <a:rPr lang="en-US" sz="1050" dirty="0" smtClean="0">
-                  <a:solidFill>
-                    <a:schemeClr val="tx1">
-                      <a:lumMod val="65000"/>
-                      <a:lumOff val="35000"/>
-                    </a:schemeClr>
-                  </a:solidFill>
-                  <a:latin typeface="Lato" panose="020F0502020204030203" pitchFamily="34" charset="0"/>
-                </a:rPr>
-                <a:t>.</a:t>
+                <a:t>KYC-verified users with ratings &amp; trip history.</a:t>
               </a:r>
             </a:p>
             <a:p>
@@ -26020,18 +24991,6 @@
                 <a:buChar char="ü"/>
               </a:pPr>
               <a:r>
-                <a:rPr lang="en-US" sz="1050" dirty="0" smtClean="0">
-                  <a:solidFill>
-                    <a:schemeClr val="tx1">
-                      <a:lumMod val="65000"/>
-                      <a:lumOff val="35000"/>
-                    </a:schemeClr>
-                  </a:solidFill>
-                  <a:latin typeface="Lato" panose="020F0502020204030203" pitchFamily="34" charset="0"/>
-                </a:rPr>
-                <a:t>Digital </a:t>
-              </a:r>
-              <a:r>
                 <a:rPr lang="en-US" sz="1050" dirty="0">
                   <a:solidFill>
                     <a:schemeClr val="tx1">
@@ -26041,55 +25000,7 @@
                   </a:solidFill>
                   <a:latin typeface="Lato" panose="020F0502020204030203" pitchFamily="34" charset="0"/>
                 </a:rPr>
-                <a:t>waivers </a:t>
-              </a:r>
-              <a:r>
-                <a:rPr lang="en-US" sz="1050" dirty="0">
-                  <a:solidFill>
-                    <a:schemeClr val="tx1">
-                      <a:lumMod val="65000"/>
-                      <a:lumOff val="35000"/>
-                    </a:schemeClr>
-                  </a:solidFill>
-                  <a:latin typeface="Lato" panose="020F0502020204030203" pitchFamily="34" charset="0"/>
-                </a:rPr>
-                <a:t>&amp;</a:t>
-              </a:r>
-              <a:r>
-                <a:rPr lang="en-US" sz="1050" dirty="0" smtClean="0">
-                  <a:solidFill>
-                    <a:schemeClr val="tx1">
-                      <a:lumMod val="65000"/>
-                      <a:lumOff val="35000"/>
-                    </a:schemeClr>
-                  </a:solidFill>
-                  <a:latin typeface="Lato" panose="020F0502020204030203" pitchFamily="34" charset="0"/>
-                </a:rPr>
-                <a:t> </a:t>
-              </a:r>
-              <a:r>
-                <a:rPr lang="en-US" sz="1050" dirty="0">
-                  <a:solidFill>
-                    <a:schemeClr val="tx1">
-                      <a:lumMod val="65000"/>
-                      <a:lumOff val="35000"/>
-                    </a:schemeClr>
-                  </a:solidFill>
-                  <a:latin typeface="Lato" panose="020F0502020204030203" pitchFamily="34" charset="0"/>
-                </a:rPr>
-                <a:t>per-ride insurance options</a:t>
-              </a:r>
-              <a:r>
-                <a:rPr lang="en-US" sz="1050" dirty="0" smtClean="0">
-                  <a:solidFill>
-                    <a:schemeClr val="tx1">
-                      <a:lumMod val="65000"/>
-                      <a:lumOff val="35000"/>
-                    </a:schemeClr>
-                  </a:solidFill>
-                  <a:latin typeface="Lato" panose="020F0502020204030203" pitchFamily="34" charset="0"/>
-                </a:rPr>
-                <a:t>.</a:t>
+                <a:t>Digital waivers &amp; per-ride insurance options.</a:t>
               </a:r>
             </a:p>
             <a:p>
@@ -26113,18 +25024,6 @@
                 <a:buChar char="ü"/>
               </a:pPr>
               <a:r>
-                <a:rPr lang="en-US" sz="1050" dirty="0" smtClean="0">
-                  <a:solidFill>
-                    <a:schemeClr val="tx1">
-                      <a:lumMod val="65000"/>
-                      <a:lumOff val="35000"/>
-                    </a:schemeClr>
-                  </a:solidFill>
-                  <a:latin typeface="Lato" panose="020F0502020204030203" pitchFamily="34" charset="0"/>
-                </a:rPr>
-                <a:t>Set </a:t>
-              </a:r>
-              <a:r>
                 <a:rPr lang="en-US" sz="1050" dirty="0">
                   <a:solidFill>
                     <a:schemeClr val="tx1">
@@ -26134,7 +25033,7 @@
                   </a:solidFill>
                   <a:latin typeface="Lato" panose="020F0502020204030203" pitchFamily="34" charset="0"/>
                 </a:rPr>
-                <a:t>pricing, availability, and approvals in-app.</a:t>
+                <a:t>Set pricing, availability, and approvals in-app.</a:t>
               </a:r>
               <a:endParaRPr lang="en-AU" sz="1050" dirty="0">
                 <a:solidFill>
@@ -26216,7 +25115,7 @@
             <a:lstStyle/>
             <a:p>
               <a:r>
-                <a:rPr lang="en-US" sz="2000" b="1" dirty="0" smtClean="0">
+                <a:rPr lang="en-US" sz="2000" b="1" dirty="0">
                   <a:solidFill>
                     <a:srgbClr val="9510E4"/>
                   </a:solidFill>
@@ -26257,7 +25156,7 @@
           <a:lstStyle/>
           <a:p>
             <a:r>
-              <a:rPr lang="en-US" b="1" dirty="0" smtClean="0">
+              <a:rPr lang="en-US" b="1" dirty="0">
                 <a:solidFill>
                   <a:schemeClr val="tx1">
                     <a:lumMod val="65000"/>
@@ -26313,19 +25212,7 @@
                 </a:solidFill>
                 <a:latin typeface="Lato" panose="020F0502020204030203" pitchFamily="34" charset="0"/>
               </a:rPr>
-              <a:t>Y</a:t>
-            </a:r>
-            <a:r>
-              <a:rPr lang="en-US" sz="1600" dirty="0" smtClean="0">
-                <a:solidFill>
-                  <a:schemeClr val="tx1">
-                    <a:lumMod val="65000"/>
-                    <a:lumOff val="35000"/>
-                  </a:schemeClr>
-                </a:solidFill>
-                <a:latin typeface="Lato" panose="020F0502020204030203" pitchFamily="34" charset="0"/>
-              </a:rPr>
-              <a:t>our E-bikes</a:t>
+              <a:t>Your E-bikes</a:t>
             </a:r>
             <a:endParaRPr lang="en-AU" sz="1600" dirty="0">
               <a:solidFill>
@@ -26459,7 +25346,7 @@
             <a:lstStyle/>
             <a:p>
               <a:r>
-                <a:rPr lang="en-US" sz="1200" b="1" dirty="0" smtClean="0">
+                <a:rPr lang="en-US" sz="1200" b="1" dirty="0">
                   <a:solidFill>
                     <a:srgbClr val="9510E4"/>
                   </a:solidFill>
@@ -26781,7 +25668,7 @@
             <a:lstStyle/>
             <a:p>
               <a:r>
-                <a:rPr lang="en-US" sz="1050" dirty="0" smtClean="0">
+                <a:rPr lang="en-US" sz="1050" dirty="0">
                   <a:solidFill>
                     <a:schemeClr val="tx1">
                       <a:lumMod val="65000"/>
@@ -26823,7 +25710,7 @@
                 </a:lnSpc>
               </a:pPr>
               <a:r>
-                <a:rPr lang="en-AU" sz="1400" b="1" dirty="0" smtClean="0">
+                <a:rPr lang="en-AU" sz="1400" b="1" dirty="0">
                   <a:solidFill>
                     <a:srgbClr val="9510E4"/>
                   </a:solidFill>
@@ -26832,7 +25719,7 @@
                 <a:t>   🚲</a:t>
               </a:r>
               <a:r>
-                <a:rPr lang="en-AU" sz="1000" b="1" dirty="0" smtClean="0">
+                <a:rPr lang="en-AU" sz="1000" b="1" dirty="0">
                   <a:solidFill>
                     <a:schemeClr val="bg1">
                       <a:lumMod val="50000"/>
@@ -26843,7 +25730,7 @@
                 <a:t>    </a:t>
               </a:r>
               <a:r>
-                <a:rPr lang="en-AU" sz="1000" dirty="0" smtClean="0">
+                <a:rPr lang="en-AU" sz="1000" dirty="0">
                   <a:solidFill>
                     <a:schemeClr val="bg1">
                       <a:lumMod val="50000"/>
@@ -26867,21 +25754,12 @@
                   </a:solidFill>
                   <a:latin typeface="Lato" panose="020F0502020204030203" pitchFamily="34" charset="0"/>
                 </a:rPr>
-                <a:t>$/</a:t>
-              </a:r>
-              <a:r>
-                <a:rPr lang="en-US" sz="1000" b="1" dirty="0" smtClean="0">
-                  <a:solidFill>
-                    <a:srgbClr val="9510E4"/>
-                  </a:solidFill>
-                  <a:latin typeface="Lato" panose="020F0502020204030203" pitchFamily="34" charset="0"/>
-                </a:rPr>
-                <a:t>Wk  73</a:t>
+                <a:t>$/Wk  73</a:t>
               </a:r>
             </a:p>
             <a:p>
               <a:r>
-                <a:rPr lang="en-AU" sz="1100" b="1" dirty="0" smtClean="0">
+                <a:rPr lang="en-AU" sz="1100" b="1" dirty="0">
                   <a:solidFill>
                     <a:srgbClr val="9510E4"/>
                   </a:solidFill>
@@ -26890,7 +25768,7 @@
                 <a:t>     </a:t>
               </a:r>
               <a:r>
-                <a:rPr lang="en-AU" sz="1600" b="1" dirty="0" smtClean="0">
+                <a:rPr lang="en-AU" sz="1600" b="1" dirty="0">
                   <a:solidFill>
                     <a:srgbClr val="9510E4"/>
                   </a:solidFill>
@@ -26899,24 +25777,13 @@
                 <a:t>📍</a:t>
               </a:r>
               <a:r>
-                <a:rPr lang="en-AU" sz="1100" b="1" dirty="0" smtClean="0">
+                <a:rPr lang="en-AU" sz="1100" b="1" dirty="0">
                   <a:solidFill>
                     <a:srgbClr val="9510E4"/>
                   </a:solidFill>
                   <a:latin typeface="Lato" panose="020F0502020204030203" pitchFamily="34" charset="0"/>
                 </a:rPr>
                 <a:t>  </a:t>
-              </a:r>
-              <a:r>
-                <a:rPr lang="en-US" sz="1000" dirty="0" smtClean="0">
-                  <a:solidFill>
-                    <a:schemeClr val="bg1">
-                      <a:lumMod val="50000"/>
-                    </a:schemeClr>
-                  </a:solidFill>
-                  <a:latin typeface="Lato" panose="020F0502020204030203" pitchFamily="34" charset="0"/>
-                </a:rPr>
-                <a:t>Gate </a:t>
               </a:r>
               <a:r>
                 <a:rPr lang="en-US" sz="1000" dirty="0">
@@ -26927,7 +25794,16 @@
                   </a:solidFill>
                   <a:latin typeface="Lato" panose="020F0502020204030203" pitchFamily="34" charset="0"/>
                 </a:rPr>
-                <a:t>2 B5, High St, </a:t>
+                <a:t>Gate 2 B5, High St,                               </a:t>
+              </a:r>
+              <a:r>
+                <a:rPr lang="en-US" sz="1000" dirty="0">
+                  <a:solidFill>
+                    <a:srgbClr val="FFEBFF"/>
+                  </a:solidFill>
+                  <a:latin typeface="Lato" panose="020F0502020204030203" pitchFamily="34" charset="0"/>
+                </a:rPr>
+                <a:t>.  </a:t>
               </a:r>
               <a:r>
                 <a:rPr lang="en-US" sz="1000" dirty="0">
@@ -26938,49 +25814,7 @@
                   </a:solidFill>
                   <a:latin typeface="Lato" panose="020F0502020204030203" pitchFamily="34" charset="0"/>
                 </a:rPr>
-                <a:t> </a:t>
-              </a:r>
-              <a:r>
-                <a:rPr lang="en-US" sz="1000" dirty="0" smtClean="0">
-                  <a:solidFill>
-                    <a:schemeClr val="bg1">
-                      <a:lumMod val="50000"/>
-                    </a:schemeClr>
-                  </a:solidFill>
-                  <a:latin typeface="Lato" panose="020F0502020204030203" pitchFamily="34" charset="0"/>
-                </a:rPr>
-                <a:t>                             </a:t>
-              </a:r>
-              <a:r>
-                <a:rPr lang="en-US" sz="1000" dirty="0" smtClean="0">
-                  <a:solidFill>
-                    <a:srgbClr val="FFEBFF"/>
-                  </a:solidFill>
-                  <a:latin typeface="Lato" panose="020F0502020204030203" pitchFamily="34" charset="0"/>
-                </a:rPr>
-                <a:t>.  </a:t>
-              </a:r>
-              <a:r>
-                <a:rPr lang="en-US" sz="1000" dirty="0" smtClean="0">
-                  <a:solidFill>
-                    <a:schemeClr val="bg1">
-                      <a:lumMod val="50000"/>
-                    </a:schemeClr>
-                  </a:solidFill>
-                  <a:latin typeface="Lato" panose="020F0502020204030203" pitchFamily="34" charset="0"/>
-                </a:rPr>
-                <a:t>             Kensington </a:t>
-              </a:r>
-              <a:r>
-                <a:rPr lang="en-US" sz="1000" dirty="0">
-                  <a:solidFill>
-                    <a:schemeClr val="bg1">
-                      <a:lumMod val="50000"/>
-                    </a:schemeClr>
-                  </a:solidFill>
-                  <a:latin typeface="Lato" panose="020F0502020204030203" pitchFamily="34" charset="0"/>
-                </a:rPr>
-                <a:t>NSW 2052</a:t>
+                <a:t>             Kensington NSW 2052</a:t>
               </a:r>
               <a:endParaRPr lang="en-AU" sz="1000" dirty="0">
                 <a:solidFill>
@@ -27114,7 +25948,7 @@
             <a:lstStyle/>
             <a:p>
               <a:r>
-                <a:rPr lang="en-US" sz="1200" b="1" dirty="0" smtClean="0">
+                <a:rPr lang="en-US" sz="1200" b="1" dirty="0">
                   <a:solidFill>
                     <a:srgbClr val="9510E4"/>
                   </a:solidFill>
@@ -27443,19 +26277,7 @@
                   </a:solidFill>
                   <a:latin typeface="Lato" panose="020F0502020204030203" pitchFamily="34" charset="0"/>
                 </a:rPr>
-                <a:t>2</a:t>
-              </a:r>
-              <a:r>
-                <a:rPr lang="en-US" sz="1050" dirty="0" smtClean="0">
-                  <a:solidFill>
-                    <a:schemeClr val="tx1">
-                      <a:lumMod val="65000"/>
-                      <a:lumOff val="35000"/>
-                    </a:schemeClr>
-                  </a:solidFill>
-                  <a:latin typeface="Lato" panose="020F0502020204030203" pitchFamily="34" charset="0"/>
-                </a:rPr>
-                <a:t>3 Jan, 2026 – 21 Dec, 2027</a:t>
+                <a:t>23 Jan, 2026 – 21 Dec, 2027</a:t>
               </a:r>
               <a:endParaRPr lang="en-AU" sz="1050" dirty="0"/>
             </a:p>
@@ -27488,7 +26310,7 @@
                 </a:lnSpc>
               </a:pPr>
               <a:r>
-                <a:rPr lang="en-AU" sz="1400" b="1" dirty="0" smtClean="0">
+                <a:rPr lang="en-AU" sz="1400" b="1" dirty="0">
                   <a:solidFill>
                     <a:srgbClr val="9510E4"/>
                   </a:solidFill>
@@ -27497,7 +26319,7 @@
                 <a:t>   🚲</a:t>
               </a:r>
               <a:r>
-                <a:rPr lang="en-AU" sz="1000" b="1" dirty="0" smtClean="0">
+                <a:rPr lang="en-AU" sz="1000" b="1" dirty="0">
                   <a:solidFill>
                     <a:schemeClr val="bg1">
                       <a:lumMod val="50000"/>
@@ -27508,7 +26330,7 @@
                 <a:t>    </a:t>
               </a:r>
               <a:r>
-                <a:rPr lang="en-AU" sz="1000" dirty="0" smtClean="0">
+                <a:rPr lang="en-AU" sz="1000" dirty="0">
                   <a:solidFill>
                     <a:schemeClr val="bg1">
                       <a:lumMod val="50000"/>
@@ -27532,21 +26354,12 @@
                   </a:solidFill>
                   <a:latin typeface="Lato" panose="020F0502020204030203" pitchFamily="34" charset="0"/>
                 </a:rPr>
-                <a:t>$/</a:t>
-              </a:r>
-              <a:r>
-                <a:rPr lang="en-US" sz="1000" b="1" dirty="0" smtClean="0">
-                  <a:solidFill>
-                    <a:srgbClr val="9510E4"/>
-                  </a:solidFill>
-                  <a:latin typeface="Lato" panose="020F0502020204030203" pitchFamily="34" charset="0"/>
-                </a:rPr>
-                <a:t>Wk  68</a:t>
+                <a:t>$/Wk  68</a:t>
               </a:r>
             </a:p>
             <a:p>
               <a:r>
-                <a:rPr lang="en-AU" sz="1100" b="1" dirty="0" smtClean="0">
+                <a:rPr lang="en-AU" sz="1100" b="1" dirty="0">
                   <a:solidFill>
                     <a:srgbClr val="9510E4"/>
                   </a:solidFill>
@@ -27555,7 +26368,7 @@
                 <a:t>     </a:t>
               </a:r>
               <a:r>
-                <a:rPr lang="en-AU" sz="1600" b="1" dirty="0" smtClean="0">
+                <a:rPr lang="en-AU" sz="1600" b="1" dirty="0">
                   <a:solidFill>
                     <a:srgbClr val="9510E4"/>
                   </a:solidFill>
@@ -27564,7 +26377,7 @@
                 <a:t>📍</a:t>
               </a:r>
               <a:r>
-                <a:rPr lang="en-AU" sz="1100" b="1" dirty="0" smtClean="0">
+                <a:rPr lang="en-AU" sz="1100" b="1" dirty="0">
                   <a:solidFill>
                     <a:srgbClr val="9510E4"/>
                   </a:solidFill>
@@ -27584,7 +26397,7 @@
                 <a:t>E10 </a:t>
               </a:r>
               <a:r>
-                <a:rPr lang="en-US" sz="1000" dirty="0" smtClean="0">
+                <a:rPr lang="en-US" sz="1000" dirty="0">
                   <a:solidFill>
                     <a:schemeClr val="bg1">
                       <a:lumMod val="50000"/>
@@ -27595,24 +26408,13 @@
                 <a:t>Union Road,                               </a:t>
               </a:r>
               <a:r>
-                <a:rPr lang="en-US" sz="1000" dirty="0" smtClean="0">
+                <a:rPr lang="en-US" sz="1000" dirty="0">
                   <a:solidFill>
                     <a:srgbClr val="FFEBFF"/>
                   </a:solidFill>
                   <a:latin typeface="Lato" panose="020F0502020204030203" pitchFamily="34" charset="0"/>
                 </a:rPr>
                 <a:t>.  </a:t>
-              </a:r>
-              <a:r>
-                <a:rPr lang="en-US" sz="1000" dirty="0" smtClean="0">
-                  <a:solidFill>
-                    <a:schemeClr val="bg1">
-                      <a:lumMod val="50000"/>
-                    </a:schemeClr>
-                  </a:solidFill>
-                  <a:latin typeface="Lato" panose="020F0502020204030203" pitchFamily="34" charset="0"/>
-                </a:rPr>
-                <a:t>             Kensington </a:t>
               </a:r>
               <a:r>
                 <a:rPr lang="en-US" sz="1000" dirty="0">
@@ -27623,7 +26425,7 @@
                   </a:solidFill>
                   <a:latin typeface="Lato" panose="020F0502020204030203" pitchFamily="34" charset="0"/>
                 </a:rPr>
-                <a:t>NSW 2052</a:t>
+                <a:t>             Kensington NSW 2052</a:t>
               </a:r>
               <a:endParaRPr lang="en-AU" sz="1000" dirty="0">
                 <a:solidFill>
@@ -27757,7 +26559,7 @@
             <a:lstStyle/>
             <a:p>
               <a:r>
-                <a:rPr lang="en-US" sz="1200" b="1" dirty="0" smtClean="0">
+                <a:rPr lang="en-US" sz="1200" b="1" dirty="0">
                   <a:solidFill>
                     <a:srgbClr val="9510E4"/>
                   </a:solidFill>
@@ -28079,7 +26881,7 @@
             <a:lstStyle/>
             <a:p>
               <a:r>
-                <a:rPr lang="en-US" sz="1050" dirty="0" smtClean="0">
+                <a:rPr lang="en-US" sz="1050" dirty="0">
                   <a:solidFill>
                     <a:schemeClr val="tx1">
                       <a:lumMod val="65000"/>
@@ -28121,7 +26923,7 @@
                 </a:lnSpc>
               </a:pPr>
               <a:r>
-                <a:rPr lang="en-AU" sz="1400" b="1" dirty="0" smtClean="0">
+                <a:rPr lang="en-AU" sz="1400" b="1" dirty="0">
                   <a:solidFill>
                     <a:srgbClr val="9510E4"/>
                   </a:solidFill>
@@ -28130,7 +26932,7 @@
                 <a:t>   🚲</a:t>
               </a:r>
               <a:r>
-                <a:rPr lang="en-AU" sz="1000" b="1" dirty="0" smtClean="0">
+                <a:rPr lang="en-AU" sz="1000" b="1" dirty="0">
                   <a:solidFill>
                     <a:schemeClr val="bg1">
                       <a:lumMod val="50000"/>
@@ -28141,7 +26943,7 @@
                 <a:t>    </a:t>
               </a:r>
               <a:r>
-                <a:rPr lang="en-AU" sz="1000" dirty="0" smtClean="0">
+                <a:rPr lang="en-AU" sz="1000" dirty="0">
                   <a:solidFill>
                     <a:schemeClr val="bg1">
                       <a:lumMod val="50000"/>
@@ -28165,21 +26967,12 @@
                   </a:solidFill>
                   <a:latin typeface="Lato" panose="020F0502020204030203" pitchFamily="34" charset="0"/>
                 </a:rPr>
-                <a:t>$/</a:t>
-              </a:r>
-              <a:r>
-                <a:rPr lang="en-US" sz="1000" b="1" dirty="0" smtClean="0">
-                  <a:solidFill>
-                    <a:srgbClr val="9510E4"/>
-                  </a:solidFill>
-                  <a:latin typeface="Lato" panose="020F0502020204030203" pitchFamily="34" charset="0"/>
-                </a:rPr>
-                <a:t>Wk  63</a:t>
+                <a:t>$/Wk  63</a:t>
               </a:r>
             </a:p>
             <a:p>
               <a:r>
-                <a:rPr lang="en-AU" sz="1100" b="1" dirty="0" smtClean="0">
+                <a:rPr lang="en-AU" sz="1100" b="1" dirty="0">
                   <a:solidFill>
                     <a:srgbClr val="9510E4"/>
                   </a:solidFill>
@@ -28188,7 +26981,7 @@
                 <a:t>     </a:t>
               </a:r>
               <a:r>
-                <a:rPr lang="en-AU" sz="1600" b="1" dirty="0" smtClean="0">
+                <a:rPr lang="en-AU" sz="1600" b="1" dirty="0">
                   <a:solidFill>
                     <a:srgbClr val="9510E4"/>
                   </a:solidFill>
@@ -28197,24 +26990,13 @@
                 <a:t>📍</a:t>
               </a:r>
               <a:r>
-                <a:rPr lang="en-AU" sz="1100" b="1" dirty="0" smtClean="0">
+                <a:rPr lang="en-AU" sz="1100" b="1" dirty="0">
                   <a:solidFill>
                     <a:srgbClr val="9510E4"/>
                   </a:solidFill>
                   <a:latin typeface="Lato" panose="020F0502020204030203" pitchFamily="34" charset="0"/>
                 </a:rPr>
                 <a:t>  </a:t>
-              </a:r>
-              <a:r>
-                <a:rPr lang="en-US" sz="1000" dirty="0" smtClean="0">
-                  <a:solidFill>
-                    <a:schemeClr val="bg1">
-                      <a:lumMod val="50000"/>
-                    </a:schemeClr>
-                  </a:solidFill>
-                  <a:latin typeface="Lato" panose="020F0502020204030203" pitchFamily="34" charset="0"/>
-                </a:rPr>
-                <a:t>Gate </a:t>
               </a:r>
               <a:r>
                 <a:rPr lang="en-US" sz="1000" dirty="0">
@@ -28225,7 +27007,16 @@
                   </a:solidFill>
                   <a:latin typeface="Lato" panose="020F0502020204030203" pitchFamily="34" charset="0"/>
                 </a:rPr>
-                <a:t>2 B5, High St, </a:t>
+                <a:t>Gate 2 B5, High St,                               </a:t>
+              </a:r>
+              <a:r>
+                <a:rPr lang="en-US" sz="1000" dirty="0">
+                  <a:solidFill>
+                    <a:srgbClr val="FFEBFF"/>
+                  </a:solidFill>
+                  <a:latin typeface="Lato" panose="020F0502020204030203" pitchFamily="34" charset="0"/>
+                </a:rPr>
+                <a:t>.  </a:t>
               </a:r>
               <a:r>
                 <a:rPr lang="en-US" sz="1000" dirty="0">
@@ -28236,49 +27027,7 @@
                   </a:solidFill>
                   <a:latin typeface="Lato" panose="020F0502020204030203" pitchFamily="34" charset="0"/>
                 </a:rPr>
-                <a:t> </a:t>
-              </a:r>
-              <a:r>
-                <a:rPr lang="en-US" sz="1000" dirty="0" smtClean="0">
-                  <a:solidFill>
-                    <a:schemeClr val="bg1">
-                      <a:lumMod val="50000"/>
-                    </a:schemeClr>
-                  </a:solidFill>
-                  <a:latin typeface="Lato" panose="020F0502020204030203" pitchFamily="34" charset="0"/>
-                </a:rPr>
-                <a:t>                             </a:t>
-              </a:r>
-              <a:r>
-                <a:rPr lang="en-US" sz="1000" dirty="0" smtClean="0">
-                  <a:solidFill>
-                    <a:srgbClr val="FFEBFF"/>
-                  </a:solidFill>
-                  <a:latin typeface="Lato" panose="020F0502020204030203" pitchFamily="34" charset="0"/>
-                </a:rPr>
-                <a:t>.  </a:t>
-              </a:r>
-              <a:r>
-                <a:rPr lang="en-US" sz="1000" dirty="0" smtClean="0">
-                  <a:solidFill>
-                    <a:schemeClr val="bg1">
-                      <a:lumMod val="50000"/>
-                    </a:schemeClr>
-                  </a:solidFill>
-                  <a:latin typeface="Lato" panose="020F0502020204030203" pitchFamily="34" charset="0"/>
-                </a:rPr>
-                <a:t>             Kensington </a:t>
-              </a:r>
-              <a:r>
-                <a:rPr lang="en-US" sz="1000" dirty="0">
-                  <a:solidFill>
-                    <a:schemeClr val="bg1">
-                      <a:lumMod val="50000"/>
-                    </a:schemeClr>
-                  </a:solidFill>
-                  <a:latin typeface="Lato" panose="020F0502020204030203" pitchFamily="34" charset="0"/>
-                </a:rPr>
-                <a:t>NSW 2052</a:t>
+                <a:t>             Kensington NSW 2052</a:t>
               </a:r>
               <a:endParaRPr lang="en-AU" sz="1000" dirty="0">
                 <a:solidFill>
@@ -28474,7 +27223,7 @@
           <a:p>
             <a:pPr algn="ctr"/>
             <a:r>
-              <a:rPr lang="en-US" sz="1400" b="1" dirty="0" smtClean="0">
+              <a:rPr lang="en-US" sz="1400" b="1" dirty="0">
                 <a:solidFill>
                   <a:schemeClr val="bg1"/>
                 </a:solidFill>
@@ -28824,7 +27573,7 @@
             <a:p>
               <a:pPr algn="ctr"/>
               <a:r>
-                <a:rPr lang="en-AU" b="1" dirty="0" smtClean="0">
+                <a:rPr lang="en-AU" b="1" dirty="0">
                   <a:solidFill>
                     <a:schemeClr val="bg1">
                       <a:lumMod val="50000"/>
@@ -28834,7 +27583,7 @@
                 <a:t>🚲</a:t>
               </a:r>
               <a:br>
-                <a:rPr lang="en-AU" b="1" dirty="0" smtClean="0">
+                <a:rPr lang="en-AU" b="1" dirty="0">
                   <a:solidFill>
                     <a:schemeClr val="bg1">
                       <a:lumMod val="50000"/>
@@ -28843,16 +27592,6 @@
                 </a:rPr>
               </a:br>
               <a:r>
-                <a:rPr lang="en-AU" sz="1000" b="1" dirty="0" smtClean="0">
-                  <a:solidFill>
-                    <a:schemeClr val="bg1">
-                      <a:lumMod val="50000"/>
-                    </a:schemeClr>
-                  </a:solidFill>
-                </a:rPr>
-                <a:t>My </a:t>
-              </a:r>
-              <a:r>
                 <a:rPr lang="en-AU" sz="1000" b="1" dirty="0">
                   <a:solidFill>
                     <a:schemeClr val="bg1">
@@ -28860,7 +27599,7 @@
                     </a:schemeClr>
                   </a:solidFill>
                 </a:rPr>
-                <a:t>Rides</a:t>
+                <a:t>My Rides</a:t>
               </a:r>
             </a:p>
           </p:txBody>
@@ -28898,18 +27637,8 @@
                 </a:rPr>
                 <a:t>🌐</a:t>
               </a:r>
-              <a:r>
-                <a:rPr lang="en-AU" b="1" dirty="0" smtClean="0">
-                  <a:solidFill>
-                    <a:schemeClr val="bg1">
-                      <a:lumMod val="50000"/>
-                    </a:schemeClr>
-                  </a:solidFill>
-                </a:rPr>
-                <a:t/>
-              </a:r>
               <a:br>
-                <a:rPr lang="en-AU" b="1" dirty="0" smtClean="0">
+                <a:rPr lang="en-AU" b="1" dirty="0">
                   <a:solidFill>
                     <a:schemeClr val="bg1">
                       <a:lumMod val="50000"/>
@@ -28918,7 +27647,7 @@
                 </a:rPr>
               </a:br>
               <a:r>
-                <a:rPr lang="en-AU" sz="1000" b="1" dirty="0" smtClean="0">
+                <a:rPr lang="en-AU" sz="1000" b="1" dirty="0">
                   <a:solidFill>
                     <a:schemeClr val="bg1">
                       <a:lumMod val="50000"/>
@@ -28927,13 +27656,6 @@
                 </a:rPr>
                 <a:t>Explore</a:t>
               </a:r>
-              <a:endParaRPr lang="en-AU" sz="1000" b="1" dirty="0">
-                <a:solidFill>
-                  <a:schemeClr val="bg1">
-                    <a:lumMod val="50000"/>
-                  </a:schemeClr>
-                </a:solidFill>
-              </a:endParaRPr>
             </a:p>
           </p:txBody>
         </p:sp>
@@ -28970,18 +27692,8 @@
                 </a:rPr>
                 <a:t>👤</a:t>
               </a:r>
-              <a:r>
-                <a:rPr lang="en-AU" b="1" dirty="0" smtClean="0">
-                  <a:solidFill>
-                    <a:schemeClr val="bg1">
-                      <a:lumMod val="50000"/>
-                    </a:schemeClr>
-                  </a:solidFill>
-                </a:rPr>
-                <a:t/>
-              </a:r>
               <a:br>
-                <a:rPr lang="en-AU" b="1" dirty="0" smtClean="0">
+                <a:rPr lang="en-AU" b="1" dirty="0">
                   <a:solidFill>
                     <a:schemeClr val="bg1">
                       <a:lumMod val="50000"/>
@@ -28990,7 +27702,7 @@
                 </a:rPr>
               </a:br>
               <a:r>
-                <a:rPr lang="en-AU" sz="1000" b="1" dirty="0" smtClean="0">
+                <a:rPr lang="en-AU" sz="1000" b="1" dirty="0">
                   <a:solidFill>
                     <a:schemeClr val="bg1">
                       <a:lumMod val="50000"/>
@@ -28999,13 +27711,6 @@
                 </a:rPr>
                 <a:t>Profile</a:t>
               </a:r>
-              <a:endParaRPr lang="en-AU" sz="1000" b="1" dirty="0">
-                <a:solidFill>
-                  <a:schemeClr val="bg1">
-                    <a:lumMod val="50000"/>
-                  </a:schemeClr>
-                </a:solidFill>
-              </a:endParaRPr>
             </a:p>
           </p:txBody>
         </p:sp>
@@ -29085,7 +27790,7 @@
             <a:p>
               <a:pPr algn="ctr"/>
               <a:r>
-                <a:rPr lang="en-AU" b="1" dirty="0" smtClean="0">
+                <a:rPr lang="en-AU" b="1" dirty="0">
                   <a:solidFill>
                     <a:srgbClr val="9510E4"/>
                   </a:solidFill>
@@ -29093,25 +27798,20 @@
                 <a:t>🚲</a:t>
               </a:r>
               <a:br>
-                <a:rPr lang="en-AU" b="1" dirty="0" smtClean="0">
+                <a:rPr lang="en-AU" b="1" dirty="0">
                   <a:solidFill>
                     <a:srgbClr val="9510E4"/>
                   </a:solidFill>
                 </a:rPr>
               </a:br>
               <a:r>
-                <a:rPr lang="en-AU" sz="1000" b="1" dirty="0" smtClean="0">
+                <a:rPr lang="en-AU" sz="1000" b="1" dirty="0">
                   <a:solidFill>
                     <a:srgbClr val="9510E4"/>
                   </a:solidFill>
                 </a:rPr>
                 <a:t>My Bikes</a:t>
               </a:r>
-              <a:endParaRPr lang="en-AU" sz="1000" b="1" dirty="0">
-                <a:solidFill>
-                  <a:srgbClr val="9510E4"/>
-                </a:solidFill>
-              </a:endParaRPr>
             </a:p>
           </p:txBody>
         </p:sp>
@@ -29169,7 +27869,7 @@
           <a:lstStyle/>
           <a:p>
             <a:r>
-              <a:rPr lang="en-US" sz="4400" b="1" dirty="0" smtClean="0"/>
+              <a:rPr lang="en-US" sz="4400" b="1" dirty="0"/>
               <a:t>Owner List an E-Bike Screens</a:t>
             </a:r>
             <a:endParaRPr lang="en-AU" sz="4400" b="1" dirty="0"/>
@@ -29317,7 +28017,7 @@
                 <a:lstStyle/>
                 <a:p>
                   <a:r>
-                    <a:rPr lang="en-US" sz="2000" b="1" dirty="0" smtClean="0">
+                    <a:rPr lang="en-US" sz="2000" b="1" dirty="0">
                       <a:solidFill>
                         <a:srgbClr val="9510E4"/>
                       </a:solidFill>
@@ -29668,7 +28368,7 @@
                 <a:p>
                   <a:pPr algn="ctr"/>
                   <a:r>
-                    <a:rPr lang="en-AU" b="1" dirty="0" smtClean="0">
+                    <a:rPr lang="en-AU" b="1" dirty="0">
                       <a:solidFill>
                         <a:schemeClr val="bg1">
                           <a:lumMod val="50000"/>
@@ -29678,7 +28378,7 @@
                     <a:t>🚲</a:t>
                   </a:r>
                   <a:br>
-                    <a:rPr lang="en-AU" b="1" dirty="0" smtClean="0">
+                    <a:rPr lang="en-AU" b="1" dirty="0">
                       <a:solidFill>
                         <a:schemeClr val="bg1">
                           <a:lumMod val="50000"/>
@@ -29687,16 +28387,6 @@
                     </a:rPr>
                   </a:br>
                   <a:r>
-                    <a:rPr lang="en-AU" sz="1000" b="1" dirty="0" smtClean="0">
-                      <a:solidFill>
-                        <a:schemeClr val="bg1">
-                          <a:lumMod val="50000"/>
-                        </a:schemeClr>
-                      </a:solidFill>
-                    </a:rPr>
-                    <a:t>My </a:t>
-                  </a:r>
-                  <a:r>
                     <a:rPr lang="en-AU" sz="1000" b="1" dirty="0">
                       <a:solidFill>
                         <a:schemeClr val="bg1">
@@ -29704,7 +28394,7 @@
                         </a:schemeClr>
                       </a:solidFill>
                     </a:rPr>
-                    <a:t>Rides</a:t>
+                    <a:t>My Rides</a:t>
                   </a:r>
                 </a:p>
               </p:txBody>
@@ -29742,18 +28432,8 @@
                     </a:rPr>
                     <a:t>🌐</a:t>
                   </a:r>
-                  <a:r>
-                    <a:rPr lang="en-AU" b="1" dirty="0" smtClean="0">
-                      <a:solidFill>
-                        <a:schemeClr val="bg1">
-                          <a:lumMod val="50000"/>
-                        </a:schemeClr>
-                      </a:solidFill>
-                    </a:rPr>
-                    <a:t/>
-                  </a:r>
                   <a:br>
-                    <a:rPr lang="en-AU" b="1" dirty="0" smtClean="0">
+                    <a:rPr lang="en-AU" b="1" dirty="0">
                       <a:solidFill>
                         <a:schemeClr val="bg1">
                           <a:lumMod val="50000"/>
@@ -29762,7 +28442,7 @@
                     </a:rPr>
                   </a:br>
                   <a:r>
-                    <a:rPr lang="en-AU" sz="1000" b="1" dirty="0" smtClean="0">
+                    <a:rPr lang="en-AU" sz="1000" b="1" dirty="0">
                       <a:solidFill>
                         <a:schemeClr val="bg1">
                           <a:lumMod val="50000"/>
@@ -29771,13 +28451,6 @@
                     </a:rPr>
                     <a:t>Explore</a:t>
                   </a:r>
-                  <a:endParaRPr lang="en-AU" sz="1000" b="1" dirty="0">
-                    <a:solidFill>
-                      <a:schemeClr val="bg1">
-                        <a:lumMod val="50000"/>
-                      </a:schemeClr>
-                    </a:solidFill>
-                  </a:endParaRPr>
                 </a:p>
               </p:txBody>
             </p:sp>
@@ -29814,18 +28487,8 @@
                     </a:rPr>
                     <a:t>👤</a:t>
                   </a:r>
-                  <a:r>
-                    <a:rPr lang="en-AU" b="1" dirty="0" smtClean="0">
-                      <a:solidFill>
-                        <a:schemeClr val="bg1">
-                          <a:lumMod val="50000"/>
-                        </a:schemeClr>
-                      </a:solidFill>
-                    </a:rPr>
-                    <a:t/>
-                  </a:r>
                   <a:br>
-                    <a:rPr lang="en-AU" b="1" dirty="0" smtClean="0">
+                    <a:rPr lang="en-AU" b="1" dirty="0">
                       <a:solidFill>
                         <a:schemeClr val="bg1">
                           <a:lumMod val="50000"/>
@@ -29834,7 +28497,7 @@
                     </a:rPr>
                   </a:br>
                   <a:r>
-                    <a:rPr lang="en-AU" sz="1000" b="1" dirty="0" smtClean="0">
+                    <a:rPr lang="en-AU" sz="1000" b="1" dirty="0">
                       <a:solidFill>
                         <a:schemeClr val="bg1">
                           <a:lumMod val="50000"/>
@@ -29843,13 +28506,6 @@
                     </a:rPr>
                     <a:t>Profile</a:t>
                   </a:r>
-                  <a:endParaRPr lang="en-AU" sz="1000" b="1" dirty="0">
-                    <a:solidFill>
-                      <a:schemeClr val="bg1">
-                        <a:lumMod val="50000"/>
-                      </a:schemeClr>
-                    </a:solidFill>
-                  </a:endParaRPr>
                 </a:p>
               </p:txBody>
             </p:sp>
@@ -29929,7 +28585,7 @@
                 <a:p>
                   <a:pPr algn="ctr"/>
                   <a:r>
-                    <a:rPr lang="en-AU" b="1" dirty="0" smtClean="0">
+                    <a:rPr lang="en-AU" b="1" dirty="0">
                       <a:solidFill>
                         <a:srgbClr val="9510E4"/>
                       </a:solidFill>
@@ -29937,25 +28593,20 @@
                     <a:t>🚲</a:t>
                   </a:r>
                   <a:br>
-                    <a:rPr lang="en-AU" b="1" dirty="0" smtClean="0">
+                    <a:rPr lang="en-AU" b="1" dirty="0">
                       <a:solidFill>
                         <a:srgbClr val="9510E4"/>
                       </a:solidFill>
                     </a:rPr>
                   </a:br>
                   <a:r>
-                    <a:rPr lang="en-AU" sz="1000" b="1" dirty="0" smtClean="0">
+                    <a:rPr lang="en-AU" sz="1000" b="1" dirty="0">
                       <a:solidFill>
                         <a:srgbClr val="9510E4"/>
                       </a:solidFill>
                     </a:rPr>
                     <a:t>My Bikes</a:t>
                   </a:r>
-                  <a:endParaRPr lang="en-AU" sz="1000" b="1" dirty="0">
-                    <a:solidFill>
-                      <a:srgbClr val="9510E4"/>
-                    </a:solidFill>
-                  </a:endParaRPr>
                 </a:p>
               </p:txBody>
             </p:sp>
@@ -30022,7 +28673,7 @@
             <a:p>
               <a:pPr algn="ctr"/>
               <a:r>
-                <a:rPr lang="en-US" sz="1050" dirty="0" smtClean="0">
+                <a:rPr lang="en-US" sz="1050" dirty="0">
                   <a:solidFill>
                     <a:schemeClr val="tx1">
                       <a:lumMod val="65000"/>
@@ -30081,7 +28732,7 @@
             <a:lstStyle/>
             <a:p>
               <a:r>
-                <a:rPr lang="en-US" sz="1050" dirty="0" smtClean="0">
+                <a:rPr lang="en-US" sz="1050" dirty="0">
                   <a:solidFill>
                     <a:schemeClr val="bg1">
                       <a:lumMod val="65000"/>
@@ -30125,7 +28776,7 @@
             <a:lstStyle/>
             <a:p>
               <a:r>
-                <a:rPr lang="en-US" sz="900" dirty="0" smtClean="0">
+                <a:rPr lang="en-US" sz="900" dirty="0">
                   <a:solidFill>
                     <a:schemeClr val="tx1">
                       <a:lumMod val="65000"/>
@@ -30192,7 +28843,7 @@
             <a:lstStyle/>
             <a:p>
               <a:r>
-                <a:rPr lang="en-US" sz="1050" dirty="0" smtClean="0">
+                <a:rPr lang="en-US" sz="1050" dirty="0">
                   <a:solidFill>
                     <a:schemeClr val="bg1">
                       <a:lumMod val="65000"/>
@@ -30236,7 +28887,7 @@
             <a:lstStyle/>
             <a:p>
               <a:r>
-                <a:rPr lang="en-US" sz="900" dirty="0" smtClean="0">
+                <a:rPr lang="en-US" sz="900" dirty="0">
                   <a:solidFill>
                     <a:schemeClr val="tx1">
                       <a:lumMod val="65000"/>
@@ -30303,7 +28954,7 @@
             <a:lstStyle/>
             <a:p>
               <a:r>
-                <a:rPr lang="en-US" sz="1050" dirty="0" smtClean="0">
+                <a:rPr lang="en-US" sz="1050" dirty="0">
                   <a:solidFill>
                     <a:schemeClr val="bg1">
                       <a:lumMod val="65000"/>
@@ -30347,7 +28998,7 @@
             <a:lstStyle/>
             <a:p>
               <a:r>
-                <a:rPr lang="en-US" sz="900" dirty="0" smtClean="0">
+                <a:rPr lang="en-US" sz="900" dirty="0">
                   <a:solidFill>
                     <a:schemeClr val="tx1">
                       <a:lumMod val="65000"/>
@@ -30414,7 +29065,7 @@
             <a:lstStyle/>
             <a:p>
               <a:r>
-                <a:rPr lang="en-US" sz="1050" dirty="0" smtClean="0">
+                <a:rPr lang="en-US" sz="1050" dirty="0">
                   <a:solidFill>
                     <a:schemeClr val="bg1">
                       <a:lumMod val="65000"/>
@@ -30458,7 +29109,7 @@
             <a:lstStyle/>
             <a:p>
               <a:r>
-                <a:rPr lang="en-US" sz="900" dirty="0" smtClean="0">
+                <a:rPr lang="en-US" sz="900" dirty="0">
                   <a:solidFill>
                     <a:schemeClr val="tx1">
                       <a:lumMod val="65000"/>
@@ -30525,7 +29176,7 @@
             <a:lstStyle/>
             <a:p>
               <a:r>
-                <a:rPr lang="en-US" sz="1050" dirty="0" smtClean="0">
+                <a:rPr lang="en-US" sz="1050" dirty="0">
                   <a:solidFill>
                     <a:schemeClr val="bg1">
                       <a:lumMod val="65000"/>
@@ -30569,7 +29220,7 @@
             <a:lstStyle/>
             <a:p>
               <a:r>
-                <a:rPr lang="en-US" sz="900" dirty="0" smtClean="0">
+                <a:rPr lang="en-US" sz="900" dirty="0">
                   <a:solidFill>
                     <a:schemeClr val="tx1">
                       <a:lumMod val="65000"/>
@@ -30734,7 +29385,7 @@
             <a:lstStyle/>
             <a:p>
               <a:r>
-                <a:rPr lang="en-US" sz="900" dirty="0" smtClean="0">
+                <a:rPr lang="en-US" sz="900" dirty="0">
                   <a:solidFill>
                     <a:schemeClr val="tx1">
                       <a:lumMod val="65000"/>
@@ -30802,7 +29453,7 @@
             <a:p>
               <a:pPr algn="ctr"/>
               <a:r>
-                <a:rPr lang="en-US" sz="1400" b="1" dirty="0" smtClean="0">
+                <a:rPr lang="en-US" sz="1400" b="1" dirty="0">
                   <a:solidFill>
                     <a:schemeClr val="bg1"/>
                   </a:solidFill>
@@ -30892,7 +29543,7 @@
             <a:lstStyle/>
             <a:p>
               <a:r>
-                <a:rPr lang="en-US" sz="900" dirty="0" smtClean="0">
+                <a:rPr lang="en-US" sz="900" dirty="0">
                   <a:solidFill>
                     <a:schemeClr val="tx1">
                       <a:lumMod val="65000"/>
@@ -30904,7 +29555,7 @@
                 <a:t>I confirm all </a:t>
               </a:r>
               <a:r>
-                <a:rPr lang="en-US" sz="1000" b="1" u="sng" dirty="0" smtClean="0">
+                <a:rPr lang="en-US" sz="1000" b="1" u="sng" dirty="0">
                   <a:solidFill>
                     <a:srgbClr val="9510E4"/>
                   </a:solidFill>
@@ -30913,7 +29564,7 @@
                 <a:t>e-bike features</a:t>
               </a:r>
               <a:r>
-                <a:rPr lang="en-US" sz="900" dirty="0" smtClean="0">
+                <a:rPr lang="en-US" sz="900" dirty="0">
                   <a:solidFill>
                     <a:schemeClr val="bg1">
                       <a:lumMod val="50000"/>
@@ -31004,7 +29655,7 @@
           <a:p>
             <a:pPr algn="ctr"/>
             <a:r>
-              <a:rPr lang="en-US" sz="1200" b="1" dirty="0" smtClean="0">
+              <a:rPr lang="en-US" sz="1200" b="1" dirty="0">
                 <a:solidFill>
                   <a:schemeClr val="tx1">
                     <a:lumMod val="65000"/>
@@ -31050,23 +29701,11 @@
                 </a:solidFill>
                 <a:latin typeface="Lato" panose="020F0502020204030203" pitchFamily="34" charset="0"/>
               </a:rPr>
-              <a:t>Battery charges and holds </a:t>
-            </a:r>
-            <a:r>
-              <a:rPr lang="en-AU" sz="1100" b="1" dirty="0" smtClean="0">
-                <a:solidFill>
-                  <a:schemeClr val="tx1">
-                    <a:lumMod val="65000"/>
-                    <a:lumOff val="35000"/>
-                  </a:schemeClr>
-                </a:solidFill>
-                <a:latin typeface="Lato" panose="020F0502020204030203" pitchFamily="34" charset="0"/>
-              </a:rPr>
-              <a:t>power</a:t>
+              <a:t>Battery charges and holds power</a:t>
             </a:r>
           </a:p>
           <a:p>
-            <a:endParaRPr lang="en-US" sz="1100" b="1" dirty="0" smtClean="0">
+            <a:endParaRPr lang="en-US" sz="1100" b="1" dirty="0">
               <a:solidFill>
                 <a:schemeClr val="tx1">
                   <a:lumMod val="65000"/>
@@ -31077,7 +29716,7 @@
             </a:endParaRPr>
           </a:p>
           <a:p>
-            <a:endParaRPr lang="en-US" sz="1100" b="1" dirty="0" smtClean="0">
+            <a:endParaRPr lang="en-US" sz="1100" b="1" dirty="0">
               <a:solidFill>
                 <a:schemeClr val="tx1">
                   <a:lumMod val="65000"/>
@@ -31089,18 +29728,6 @@
           </a:p>
           <a:p>
             <a:r>
-              <a:rPr lang="en-US" sz="1100" b="1" dirty="0" smtClean="0">
-                <a:solidFill>
-                  <a:schemeClr val="tx1">
-                    <a:lumMod val="65000"/>
-                    <a:lumOff val="35000"/>
-                  </a:schemeClr>
-                </a:solidFill>
-                <a:latin typeface="Lato" panose="020F0502020204030203" pitchFamily="34" charset="0"/>
-              </a:rPr>
-              <a:t>Motor </a:t>
-            </a:r>
-            <a:r>
               <a:rPr lang="en-US" sz="1100" b="1" dirty="0">
                 <a:solidFill>
                   <a:schemeClr val="tx1">
@@ -31110,11 +29737,11 @@
                 </a:solidFill>
                 <a:latin typeface="Lato" panose="020F0502020204030203" pitchFamily="34" charset="0"/>
               </a:rPr>
-              <a:t>assist functioning smoothly</a:t>
+              <a:t>Motor assist functioning smoothly</a:t>
             </a:r>
           </a:p>
           <a:p>
-            <a:endParaRPr lang="en-US" sz="1100" b="1" dirty="0" smtClean="0">
+            <a:endParaRPr lang="en-US" sz="1100" b="1" dirty="0">
               <a:solidFill>
                 <a:schemeClr val="tx1">
                   <a:lumMod val="65000"/>
@@ -31150,7 +29777,7 @@
             </a:r>
           </a:p>
           <a:p>
-            <a:endParaRPr lang="en-US" sz="1100" b="1" dirty="0" smtClean="0">
+            <a:endParaRPr lang="en-US" sz="1100" b="1" dirty="0">
               <a:solidFill>
                 <a:schemeClr val="tx1">
                   <a:lumMod val="65000"/>
@@ -31186,7 +29813,7 @@
             </a:r>
           </a:p>
           <a:p>
-            <a:endParaRPr lang="en-US" sz="1100" b="1" dirty="0" smtClean="0">
+            <a:endParaRPr lang="en-US" sz="1100" b="1" dirty="0">
               <a:solidFill>
                 <a:schemeClr val="tx1">
                   <a:lumMod val="65000"/>
@@ -31222,7 +29849,7 @@
             </a:r>
           </a:p>
           <a:p>
-            <a:endParaRPr lang="en-US" sz="1100" b="1" dirty="0" smtClean="0">
+            <a:endParaRPr lang="en-US" sz="1100" b="1" dirty="0">
               <a:solidFill>
                 <a:schemeClr val="tx1">
                   <a:lumMod val="65000"/>
@@ -31270,7 +29897,7 @@
             </a:r>
           </a:p>
           <a:p>
-            <a:endParaRPr lang="en-US" sz="1100" b="1" dirty="0" smtClean="0">
+            <a:endParaRPr lang="en-US" sz="1100" b="1" dirty="0">
               <a:solidFill>
                 <a:schemeClr val="tx1">
                   <a:lumMod val="65000"/>
@@ -32159,7 +30786,7 @@
             <a:lstStyle/>
             <a:p>
               <a:r>
-                <a:rPr lang="en-US" sz="2000" b="1" dirty="0" smtClean="0">
+                <a:rPr lang="en-US" sz="2000" b="1" dirty="0">
                   <a:solidFill>
                     <a:srgbClr val="9510E4"/>
                   </a:solidFill>
@@ -32510,7 +31137,7 @@
             <a:p>
               <a:pPr algn="ctr"/>
               <a:r>
-                <a:rPr lang="en-AU" b="1" dirty="0" smtClean="0">
+                <a:rPr lang="en-AU" b="1" dirty="0">
                   <a:solidFill>
                     <a:schemeClr val="bg1">
                       <a:lumMod val="50000"/>
@@ -32520,7 +31147,7 @@
                 <a:t>🚲</a:t>
               </a:r>
               <a:br>
-                <a:rPr lang="en-AU" b="1" dirty="0" smtClean="0">
+                <a:rPr lang="en-AU" b="1" dirty="0">
                   <a:solidFill>
                     <a:schemeClr val="bg1">
                       <a:lumMod val="50000"/>
@@ -32529,16 +31156,6 @@
                 </a:rPr>
               </a:br>
               <a:r>
-                <a:rPr lang="en-AU" sz="1000" b="1" dirty="0" smtClean="0">
-                  <a:solidFill>
-                    <a:schemeClr val="bg1">
-                      <a:lumMod val="50000"/>
-                    </a:schemeClr>
-                  </a:solidFill>
-                </a:rPr>
-                <a:t>My </a:t>
-              </a:r>
-              <a:r>
                 <a:rPr lang="en-AU" sz="1000" b="1" dirty="0">
                   <a:solidFill>
                     <a:schemeClr val="bg1">
@@ -32546,7 +31163,7 @@
                     </a:schemeClr>
                   </a:solidFill>
                 </a:rPr>
-                <a:t>Rides</a:t>
+                <a:t>My Rides</a:t>
               </a:r>
             </a:p>
           </p:txBody>
@@ -32584,18 +31201,8 @@
                 </a:rPr>
                 <a:t>🌐</a:t>
               </a:r>
-              <a:r>
-                <a:rPr lang="en-AU" b="1" dirty="0" smtClean="0">
-                  <a:solidFill>
-                    <a:schemeClr val="bg1">
-                      <a:lumMod val="50000"/>
-                    </a:schemeClr>
-                  </a:solidFill>
-                </a:rPr>
-                <a:t/>
-              </a:r>
               <a:br>
-                <a:rPr lang="en-AU" b="1" dirty="0" smtClean="0">
+                <a:rPr lang="en-AU" b="1" dirty="0">
                   <a:solidFill>
                     <a:schemeClr val="bg1">
                       <a:lumMod val="50000"/>
@@ -32604,7 +31211,7 @@
                 </a:rPr>
               </a:br>
               <a:r>
-                <a:rPr lang="en-AU" sz="1000" b="1" dirty="0" smtClean="0">
+                <a:rPr lang="en-AU" sz="1000" b="1" dirty="0">
                   <a:solidFill>
                     <a:schemeClr val="bg1">
                       <a:lumMod val="50000"/>
@@ -32613,13 +31220,6 @@
                 </a:rPr>
                 <a:t>Explore</a:t>
               </a:r>
-              <a:endParaRPr lang="en-AU" sz="1000" b="1" dirty="0">
-                <a:solidFill>
-                  <a:schemeClr val="bg1">
-                    <a:lumMod val="50000"/>
-                  </a:schemeClr>
-                </a:solidFill>
-              </a:endParaRPr>
             </a:p>
           </p:txBody>
         </p:sp>
@@ -32656,18 +31256,8 @@
                 </a:rPr>
                 <a:t>👤</a:t>
               </a:r>
-              <a:r>
-                <a:rPr lang="en-AU" b="1" dirty="0" smtClean="0">
-                  <a:solidFill>
-                    <a:schemeClr val="bg1">
-                      <a:lumMod val="50000"/>
-                    </a:schemeClr>
-                  </a:solidFill>
-                </a:rPr>
-                <a:t/>
-              </a:r>
               <a:br>
-                <a:rPr lang="en-AU" b="1" dirty="0" smtClean="0">
+                <a:rPr lang="en-AU" b="1" dirty="0">
                   <a:solidFill>
                     <a:schemeClr val="bg1">
                       <a:lumMod val="50000"/>
@@ -32676,7 +31266,7 @@
                 </a:rPr>
               </a:br>
               <a:r>
-                <a:rPr lang="en-AU" sz="1000" b="1" dirty="0" smtClean="0">
+                <a:rPr lang="en-AU" sz="1000" b="1" dirty="0">
                   <a:solidFill>
                     <a:schemeClr val="bg1">
                       <a:lumMod val="50000"/>
@@ -32685,13 +31275,6 @@
                 </a:rPr>
                 <a:t>Profile</a:t>
               </a:r>
-              <a:endParaRPr lang="en-AU" sz="1000" b="1" dirty="0">
-                <a:solidFill>
-                  <a:schemeClr val="bg1">
-                    <a:lumMod val="50000"/>
-                  </a:schemeClr>
-                </a:solidFill>
-              </a:endParaRPr>
             </a:p>
           </p:txBody>
         </p:sp>
@@ -32771,7 +31354,7 @@
             <a:p>
               <a:pPr algn="ctr"/>
               <a:r>
-                <a:rPr lang="en-AU" b="1" dirty="0" smtClean="0">
+                <a:rPr lang="en-AU" b="1" dirty="0">
                   <a:solidFill>
                     <a:srgbClr val="9510E4"/>
                   </a:solidFill>
@@ -32779,25 +31362,20 @@
                 <a:t>🚲</a:t>
               </a:r>
               <a:br>
-                <a:rPr lang="en-AU" b="1" dirty="0" smtClean="0">
+                <a:rPr lang="en-AU" b="1" dirty="0">
                   <a:solidFill>
                     <a:srgbClr val="9510E4"/>
                   </a:solidFill>
                 </a:rPr>
               </a:br>
               <a:r>
-                <a:rPr lang="en-AU" sz="1000" b="1" dirty="0" smtClean="0">
+                <a:rPr lang="en-AU" sz="1000" b="1" dirty="0">
                   <a:solidFill>
                     <a:srgbClr val="9510E4"/>
                   </a:solidFill>
                 </a:rPr>
                 <a:t>My Bikes</a:t>
               </a:r>
-              <a:endParaRPr lang="en-AU" sz="1000" b="1" dirty="0">
-                <a:solidFill>
-                  <a:srgbClr val="9510E4"/>
-                </a:solidFill>
-              </a:endParaRPr>
             </a:p>
           </p:txBody>
         </p:sp>
@@ -32855,7 +31433,7 @@
           <a:lstStyle/>
           <a:p>
             <a:r>
-              <a:rPr lang="en-US" sz="4400" b="1" dirty="0" smtClean="0"/>
+              <a:rPr lang="en-US" sz="4400" b="1" dirty="0"/>
               <a:t>Owner Edit an E-Bike</a:t>
             </a:r>
             <a:endParaRPr lang="en-AU" sz="4400" b="1" dirty="0"/>
@@ -33003,7 +31581,7 @@
                 <a:lstStyle/>
                 <a:p>
                   <a:r>
-                    <a:rPr lang="en-US" sz="2000" b="1" dirty="0" smtClean="0">
+                    <a:rPr lang="en-US" sz="2000" b="1" dirty="0">
                       <a:solidFill>
                         <a:srgbClr val="9510E4"/>
                       </a:solidFill>
@@ -33354,7 +31932,7 @@
                 <a:p>
                   <a:pPr algn="ctr"/>
                   <a:r>
-                    <a:rPr lang="en-AU" b="1" dirty="0" smtClean="0">
+                    <a:rPr lang="en-AU" b="1" dirty="0">
                       <a:solidFill>
                         <a:schemeClr val="bg1">
                           <a:lumMod val="50000"/>
@@ -33364,7 +31942,7 @@
                     <a:t>🚲</a:t>
                   </a:r>
                   <a:br>
-                    <a:rPr lang="en-AU" b="1" dirty="0" smtClean="0">
+                    <a:rPr lang="en-AU" b="1" dirty="0">
                       <a:solidFill>
                         <a:schemeClr val="bg1">
                           <a:lumMod val="50000"/>
@@ -33373,16 +31951,6 @@
                     </a:rPr>
                   </a:br>
                   <a:r>
-                    <a:rPr lang="en-AU" sz="1000" b="1" dirty="0" smtClean="0">
-                      <a:solidFill>
-                        <a:schemeClr val="bg1">
-                          <a:lumMod val="50000"/>
-                        </a:schemeClr>
-                      </a:solidFill>
-                    </a:rPr>
-                    <a:t>My </a:t>
-                  </a:r>
-                  <a:r>
                     <a:rPr lang="en-AU" sz="1000" b="1" dirty="0">
                       <a:solidFill>
                         <a:schemeClr val="bg1">
@@ -33390,7 +31958,7 @@
                         </a:schemeClr>
                       </a:solidFill>
                     </a:rPr>
-                    <a:t>Rides</a:t>
+                    <a:t>My Rides</a:t>
                   </a:r>
                 </a:p>
               </p:txBody>
@@ -33428,18 +31996,8 @@
                     </a:rPr>
                     <a:t>🌐</a:t>
                   </a:r>
-                  <a:r>
-                    <a:rPr lang="en-AU" b="1" dirty="0" smtClean="0">
-                      <a:solidFill>
-                        <a:schemeClr val="bg1">
-                          <a:lumMod val="50000"/>
-                        </a:schemeClr>
-                      </a:solidFill>
-                    </a:rPr>
-                    <a:t/>
-                  </a:r>
                   <a:br>
-                    <a:rPr lang="en-AU" b="1" dirty="0" smtClean="0">
+                    <a:rPr lang="en-AU" b="1" dirty="0">
                       <a:solidFill>
                         <a:schemeClr val="bg1">
                           <a:lumMod val="50000"/>
@@ -33448,7 +32006,7 @@
                     </a:rPr>
                   </a:br>
                   <a:r>
-                    <a:rPr lang="en-AU" sz="1000" b="1" dirty="0" smtClean="0">
+                    <a:rPr lang="en-AU" sz="1000" b="1" dirty="0">
                       <a:solidFill>
                         <a:schemeClr val="bg1">
                           <a:lumMod val="50000"/>
@@ -33457,13 +32015,6 @@
                     </a:rPr>
                     <a:t>Explore</a:t>
                   </a:r>
-                  <a:endParaRPr lang="en-AU" sz="1000" b="1" dirty="0">
-                    <a:solidFill>
-                      <a:schemeClr val="bg1">
-                        <a:lumMod val="50000"/>
-                      </a:schemeClr>
-                    </a:solidFill>
-                  </a:endParaRPr>
                 </a:p>
               </p:txBody>
             </p:sp>
@@ -33500,18 +32051,8 @@
                     </a:rPr>
                     <a:t>👤</a:t>
                   </a:r>
-                  <a:r>
-                    <a:rPr lang="en-AU" b="1" dirty="0" smtClean="0">
-                      <a:solidFill>
-                        <a:schemeClr val="bg1">
-                          <a:lumMod val="50000"/>
-                        </a:schemeClr>
-                      </a:solidFill>
-                    </a:rPr>
-                    <a:t/>
-                  </a:r>
                   <a:br>
-                    <a:rPr lang="en-AU" b="1" dirty="0" smtClean="0">
+                    <a:rPr lang="en-AU" b="1" dirty="0">
                       <a:solidFill>
                         <a:schemeClr val="bg1">
                           <a:lumMod val="50000"/>
@@ -33520,7 +32061,7 @@
                     </a:rPr>
                   </a:br>
                   <a:r>
-                    <a:rPr lang="en-AU" sz="1000" b="1" dirty="0" smtClean="0">
+                    <a:rPr lang="en-AU" sz="1000" b="1" dirty="0">
                       <a:solidFill>
                         <a:schemeClr val="bg1">
                           <a:lumMod val="50000"/>
@@ -33529,13 +32070,6 @@
                     </a:rPr>
                     <a:t>Profile</a:t>
                   </a:r>
-                  <a:endParaRPr lang="en-AU" sz="1000" b="1" dirty="0">
-                    <a:solidFill>
-                      <a:schemeClr val="bg1">
-                        <a:lumMod val="50000"/>
-                      </a:schemeClr>
-                    </a:solidFill>
-                  </a:endParaRPr>
                 </a:p>
               </p:txBody>
             </p:sp>
@@ -33615,7 +32149,7 @@
                 <a:p>
                   <a:pPr algn="ctr"/>
                   <a:r>
-                    <a:rPr lang="en-AU" b="1" dirty="0" smtClean="0">
+                    <a:rPr lang="en-AU" b="1" dirty="0">
                       <a:solidFill>
                         <a:srgbClr val="9510E4"/>
                       </a:solidFill>
@@ -33623,25 +32157,20 @@
                     <a:t>🚲</a:t>
                   </a:r>
                   <a:br>
-                    <a:rPr lang="en-AU" b="1" dirty="0" smtClean="0">
+                    <a:rPr lang="en-AU" b="1" dirty="0">
                       <a:solidFill>
                         <a:srgbClr val="9510E4"/>
                       </a:solidFill>
                     </a:rPr>
                   </a:br>
                   <a:r>
-                    <a:rPr lang="en-AU" sz="1000" b="1" dirty="0" smtClean="0">
+                    <a:rPr lang="en-AU" sz="1000" b="1" dirty="0">
                       <a:solidFill>
                         <a:srgbClr val="9510E4"/>
                       </a:solidFill>
                     </a:rPr>
                     <a:t>My Bikes</a:t>
                   </a:r>
-                  <a:endParaRPr lang="en-AU" sz="1000" b="1" dirty="0">
-                    <a:solidFill>
-                      <a:srgbClr val="9510E4"/>
-                    </a:solidFill>
-                  </a:endParaRPr>
                 </a:p>
               </p:txBody>
             </p:sp>
@@ -33691,7 +32220,7 @@
             <a:lstStyle/>
             <a:p>
               <a:r>
-                <a:rPr lang="en-US" sz="1050" dirty="0" smtClean="0">
+                <a:rPr lang="en-US" sz="1050" dirty="0">
                   <a:solidFill>
                     <a:schemeClr val="tx1">
                       <a:lumMod val="65000"/>
@@ -33737,7 +32266,7 @@
             <a:lstStyle/>
             <a:p>
               <a:r>
-                <a:rPr lang="en-US" sz="900" dirty="0" smtClean="0">
+                <a:rPr lang="en-US" sz="900" dirty="0">
                   <a:solidFill>
                     <a:schemeClr val="tx1">
                       <a:lumMod val="65000"/>
@@ -33804,7 +32333,7 @@
             <a:lstStyle/>
             <a:p>
               <a:r>
-                <a:rPr lang="en-US" sz="1050" dirty="0" smtClean="0">
+                <a:rPr lang="en-US" sz="1050" dirty="0">
                   <a:solidFill>
                     <a:schemeClr val="bg1">
                       <a:lumMod val="65000"/>
@@ -33848,7 +32377,7 @@
             <a:lstStyle/>
             <a:p>
               <a:r>
-                <a:rPr lang="en-US" sz="900" dirty="0" smtClean="0">
+                <a:rPr lang="en-US" sz="900" dirty="0">
                   <a:solidFill>
                     <a:schemeClr val="tx1">
                       <a:lumMod val="65000"/>
@@ -33915,7 +32444,7 @@
             <a:lstStyle/>
             <a:p>
               <a:r>
-                <a:rPr lang="en-US" sz="1050" dirty="0" smtClean="0">
+                <a:rPr lang="en-US" sz="1050" dirty="0">
                   <a:solidFill>
                     <a:schemeClr val="bg1">
                       <a:lumMod val="65000"/>
@@ -33959,7 +32488,7 @@
             <a:lstStyle/>
             <a:p>
               <a:r>
-                <a:rPr lang="en-US" sz="900" dirty="0" smtClean="0">
+                <a:rPr lang="en-US" sz="900" dirty="0">
                   <a:solidFill>
                     <a:schemeClr val="tx1">
                       <a:lumMod val="65000"/>
@@ -34026,7 +32555,7 @@
             <a:lstStyle/>
             <a:p>
               <a:r>
-                <a:rPr lang="en-US" sz="1050" dirty="0" smtClean="0">
+                <a:rPr lang="en-US" sz="1050" dirty="0">
                   <a:solidFill>
                     <a:schemeClr val="bg1">
                       <a:lumMod val="65000"/>
@@ -34070,7 +32599,7 @@
             <a:lstStyle/>
             <a:p>
               <a:r>
-                <a:rPr lang="en-US" sz="900" dirty="0" smtClean="0">
+                <a:rPr lang="en-US" sz="900" dirty="0">
                   <a:solidFill>
                     <a:schemeClr val="tx1">
                       <a:lumMod val="65000"/>
@@ -34137,7 +32666,7 @@
             <a:lstStyle/>
             <a:p>
               <a:r>
-                <a:rPr lang="en-US" sz="1050" dirty="0" smtClean="0">
+                <a:rPr lang="en-US" sz="1050" dirty="0">
                   <a:solidFill>
                     <a:schemeClr val="bg1">
                       <a:lumMod val="65000"/>
@@ -34181,7 +32710,7 @@
             <a:lstStyle/>
             <a:p>
               <a:r>
-                <a:rPr lang="en-US" sz="900" dirty="0" smtClean="0">
+                <a:rPr lang="en-US" sz="900" dirty="0">
                   <a:solidFill>
                     <a:schemeClr val="tx1">
                       <a:lumMod val="65000"/>
@@ -34302,7 +32831,7 @@
             <a:lstStyle/>
             <a:p>
               <a:r>
-                <a:rPr lang="en-AU" sz="1050" dirty="0" smtClean="0">
+                <a:rPr lang="en-AU" sz="1050" dirty="0">
                   <a:solidFill>
                     <a:schemeClr val="bg1">
                       <a:lumMod val="65000"/>
@@ -34321,29 +32850,7 @@
                   </a:solidFill>
                   <a:latin typeface="Lato" panose="020F0502020204030203" pitchFamily="34" charset="0"/>
                 </a:rPr>
-                <a:t>Union Road, </a:t>
-              </a:r>
-              <a:r>
-                <a:rPr lang="en-US" sz="1050" dirty="0" smtClean="0">
-                  <a:solidFill>
-                    <a:schemeClr val="bg1">
-                      <a:lumMod val="65000"/>
-                    </a:schemeClr>
-                  </a:solidFill>
-                  <a:latin typeface="Lato" panose="020F0502020204030203" pitchFamily="34" charset="0"/>
-                </a:rPr>
-                <a:t>Kensington </a:t>
-              </a:r>
-              <a:r>
-                <a:rPr lang="en-US" sz="1050" dirty="0">
-                  <a:solidFill>
-                    <a:schemeClr val="bg1">
-                      <a:lumMod val="65000"/>
-                    </a:schemeClr>
-                  </a:solidFill>
-                  <a:latin typeface="Lato" panose="020F0502020204030203" pitchFamily="34" charset="0"/>
-                </a:rPr>
-                <a:t>NSW 2052</a:t>
+                <a:t>Union Road, Kensington NSW 2052</a:t>
               </a:r>
               <a:endParaRPr lang="en-AU" sz="1050" dirty="0">
                 <a:solidFill>
@@ -34379,7 +32886,7 @@
             <a:lstStyle/>
             <a:p>
               <a:r>
-                <a:rPr lang="en-US" sz="900" dirty="0" smtClean="0">
+                <a:rPr lang="en-US" sz="900" dirty="0">
                   <a:solidFill>
                     <a:schemeClr val="tx1">
                       <a:lumMod val="65000"/>
@@ -34447,7 +32954,7 @@
             <a:p>
               <a:pPr algn="ctr"/>
               <a:r>
-                <a:rPr lang="en-US" sz="1400" b="1" dirty="0" smtClean="0">
+                <a:rPr lang="en-US" sz="1400" b="1" dirty="0">
                   <a:solidFill>
                     <a:schemeClr val="bg1"/>
                   </a:solidFill>
@@ -34537,7 +33044,7 @@
             <a:lstStyle/>
             <a:p>
               <a:r>
-                <a:rPr lang="en-US" sz="900" dirty="0" smtClean="0">
+                <a:rPr lang="en-US" sz="900" dirty="0">
                   <a:solidFill>
                     <a:schemeClr val="tx1">
                       <a:lumMod val="65000"/>
@@ -34549,7 +33056,7 @@
                 <a:t>I confirm all </a:t>
               </a:r>
               <a:r>
-                <a:rPr lang="en-US" sz="1000" b="1" u="sng" dirty="0" smtClean="0">
+                <a:rPr lang="en-US" sz="1000" b="1" u="sng" dirty="0">
                   <a:solidFill>
                     <a:srgbClr val="9510E4"/>
                   </a:solidFill>
@@ -34558,7 +33065,7 @@
                 <a:t>e-bike features</a:t>
               </a:r>
               <a:r>
-                <a:rPr lang="en-US" sz="900" dirty="0" smtClean="0">
+                <a:rPr lang="en-US" sz="900" dirty="0">
                   <a:solidFill>
                     <a:schemeClr val="bg1">
                       <a:lumMod val="50000"/>

--- a/RefDocs/RoughWireframeScreens.pptx
+++ b/RefDocs/RoughWireframeScreens.pptx
@@ -8385,326 +8385,347 @@
           </a:p>
         </p:txBody>
       </p:sp>
-      <p:pic>
-        <p:nvPicPr>
-          <p:cNvPr id="14" name="Picture 13"/>
-          <p:cNvPicPr>
-            <a:picLocks noChangeAspect="1"/>
-          </p:cNvPicPr>
+      <p:grpSp>
+        <p:nvGrpSpPr>
+          <p:cNvPr id="2" name="Group 1">
+            <a:extLst>
+              <a:ext uri="{FF2B5EF4-FFF2-40B4-BE49-F238E27FC236}">
+                <a16:creationId xmlns:a16="http://schemas.microsoft.com/office/drawing/2014/main" id="{B5310E2E-1AA9-F6B3-BA95-0F1A6029E472}"/>
+              </a:ext>
+            </a:extLst>
+          </p:cNvPr>
+          <p:cNvGrpSpPr/>
           <p:nvPr/>
-        </p:nvPicPr>
-        <p:blipFill>
-          <a:blip r:embed="rId6"/>
-          <a:stretch>
-            <a:fillRect/>
-          </a:stretch>
-        </p:blipFill>
-        <p:spPr>
+        </p:nvGrpSpPr>
+        <p:grpSpPr>
           <a:xfrm>
             <a:off x="6832169" y="1113777"/>
-            <a:ext cx="2881625" cy="1574623"/>
+            <a:ext cx="2881625" cy="1578898"/>
+            <a:chOff x="6832169" y="1113777"/>
+            <a:chExt cx="2881625" cy="1578898"/>
           </a:xfrm>
-          <a:prstGeom prst="rect">
-            <a:avLst/>
-          </a:prstGeom>
-        </p:spPr>
-      </p:pic>
-      <p:sp>
-        <p:nvSpPr>
-          <p:cNvPr id="131" name="Rectangle 130"/>
-          <p:cNvSpPr/>
-          <p:nvPr/>
-        </p:nvSpPr>
-        <p:spPr>
-          <a:xfrm>
-            <a:off x="6832169" y="2415676"/>
-            <a:ext cx="2866220" cy="276999"/>
-          </a:xfrm>
-          <a:prstGeom prst="rect">
-            <a:avLst/>
-          </a:prstGeom>
-          <a:solidFill>
-            <a:srgbClr val="9510E4">
-              <a:alpha val="40000"/>
-            </a:srgbClr>
-          </a:solidFill>
-        </p:spPr>
-        <p:txBody>
-          <a:bodyPr wrap="square">
-            <a:spAutoFit/>
-          </a:bodyPr>
-          <a:lstStyle/>
-          <a:p>
-            <a:r>
-              <a:rPr lang="en-US" sz="1200" b="1" dirty="0">
+        </p:grpSpPr>
+        <p:pic>
+          <p:nvPicPr>
+            <p:cNvPr id="14" name="Picture 13"/>
+            <p:cNvPicPr>
+              <a:picLocks noChangeAspect="1"/>
+            </p:cNvPicPr>
+            <p:nvPr/>
+          </p:nvPicPr>
+          <p:blipFill>
+            <a:blip r:embed="rId6"/>
+            <a:stretch>
+              <a:fillRect/>
+            </a:stretch>
+          </p:blipFill>
+          <p:spPr>
+            <a:xfrm>
+              <a:off x="6832169" y="1113777"/>
+              <a:ext cx="2881625" cy="1574623"/>
+            </a:xfrm>
+            <a:prstGeom prst="rect">
+              <a:avLst/>
+            </a:prstGeom>
+          </p:spPr>
+        </p:pic>
+        <p:sp>
+          <p:nvSpPr>
+            <p:cNvPr id="131" name="Rectangle 130"/>
+            <p:cNvSpPr/>
+            <p:nvPr/>
+          </p:nvSpPr>
+          <p:spPr>
+            <a:xfrm>
+              <a:off x="6832169" y="2415676"/>
+              <a:ext cx="2866220" cy="276999"/>
+            </a:xfrm>
+            <a:prstGeom prst="rect">
+              <a:avLst/>
+            </a:prstGeom>
+            <a:solidFill>
+              <a:srgbClr val="9510E4">
+                <a:alpha val="40000"/>
+              </a:srgbClr>
+            </a:solidFill>
+          </p:spPr>
+          <p:txBody>
+            <a:bodyPr wrap="square">
+              <a:spAutoFit/>
+            </a:bodyPr>
+            <a:lstStyle/>
+            <a:p>
+              <a:r>
+                <a:rPr lang="en-US" sz="1200" b="1" dirty="0">
+                  <a:solidFill>
+                    <a:schemeClr val="bg1">
+                      <a:lumMod val="95000"/>
+                    </a:schemeClr>
+                  </a:solidFill>
+                  <a:latin typeface="Lato" panose="020F0502020204030203" pitchFamily="34" charset="0"/>
+                </a:rPr>
+                <a:t>Sam’s E-Bike                                         </a:t>
+              </a:r>
+              <a:r>
+                <a:rPr lang="en-US" sz="1050" dirty="0">
+                  <a:solidFill>
+                    <a:schemeClr val="bg1">
+                      <a:lumMod val="95000"/>
+                    </a:schemeClr>
+                  </a:solidFill>
+                  <a:latin typeface="Lato" panose="020F0502020204030203" pitchFamily="34" charset="0"/>
+                </a:rPr>
+                <a:t>(236)</a:t>
+              </a:r>
+              <a:endParaRPr lang="en-AU" sz="1200" b="1" dirty="0">
                 <a:solidFill>
                   <a:schemeClr val="bg1">
                     <a:lumMod val="95000"/>
                   </a:schemeClr>
                 </a:solidFill>
-                <a:latin typeface="Lato" panose="020F0502020204030203" pitchFamily="34" charset="0"/>
-              </a:rPr>
-              <a:t>Sam’s E-Bike                                                 </a:t>
-            </a:r>
-            <a:r>
-              <a:rPr lang="en-US" sz="1050" dirty="0">
-                <a:solidFill>
-                  <a:schemeClr val="bg1">
-                    <a:lumMod val="95000"/>
-                  </a:schemeClr>
-                </a:solidFill>
-                <a:latin typeface="Lato" panose="020F0502020204030203" pitchFamily="34" charset="0"/>
-              </a:rPr>
-              <a:t>(236)</a:t>
-            </a:r>
-            <a:endParaRPr lang="en-AU" sz="1200" b="1" dirty="0">
-              <a:solidFill>
-                <a:schemeClr val="bg1">
-                  <a:lumMod val="95000"/>
-                </a:schemeClr>
-              </a:solidFill>
-            </a:endParaRPr>
-          </a:p>
-        </p:txBody>
-      </p:sp>
-      <p:sp>
-        <p:nvSpPr>
-          <p:cNvPr id="133" name="5-Point Star 132"/>
-          <p:cNvSpPr/>
-          <p:nvPr/>
-        </p:nvSpPr>
-        <p:spPr>
-          <a:xfrm>
-            <a:off x="8652123" y="2500292"/>
-            <a:ext cx="108000" cy="98182"/>
-          </a:xfrm>
-          <a:prstGeom prst="star5">
-            <a:avLst/>
-          </a:prstGeom>
-          <a:solidFill>
-            <a:schemeClr val="bg1"/>
-          </a:solidFill>
-          <a:ln w="6350">
+              </a:endParaRPr>
+            </a:p>
+          </p:txBody>
+        </p:sp>
+        <p:sp>
+          <p:nvSpPr>
+            <p:cNvPr id="133" name="5-Point Star 132"/>
+            <p:cNvSpPr/>
+            <p:nvPr/>
+          </p:nvSpPr>
+          <p:spPr>
+            <a:xfrm>
+              <a:off x="8652123" y="2500292"/>
+              <a:ext cx="108000" cy="98182"/>
+            </a:xfrm>
+            <a:prstGeom prst="star5">
+              <a:avLst/>
+            </a:prstGeom>
             <a:solidFill>
               <a:schemeClr val="bg1"/>
             </a:solidFill>
-          </a:ln>
-        </p:spPr>
-        <p:style>
-          <a:lnRef idx="2">
-            <a:schemeClr val="accent1">
-              <a:shade val="50000"/>
-            </a:schemeClr>
-          </a:lnRef>
-          <a:fillRef idx="1">
-            <a:schemeClr val="accent1"/>
-          </a:fillRef>
-          <a:effectRef idx="0">
-            <a:schemeClr val="accent1"/>
-          </a:effectRef>
-          <a:fontRef idx="minor">
-            <a:schemeClr val="lt1"/>
-          </a:fontRef>
-        </p:style>
-        <p:txBody>
-          <a:bodyPr rtlCol="0" anchor="ctr"/>
-          <a:lstStyle/>
-          <a:p>
-            <a:pPr algn="ctr"/>
-            <a:endParaRPr lang="en-AU"/>
-          </a:p>
-        </p:txBody>
-      </p:sp>
-      <p:sp>
-        <p:nvSpPr>
-          <p:cNvPr id="138" name="5-Point Star 137"/>
-          <p:cNvSpPr/>
-          <p:nvPr/>
-        </p:nvSpPr>
-        <p:spPr>
-          <a:xfrm>
-            <a:off x="8768378" y="2500502"/>
-            <a:ext cx="108000" cy="98182"/>
-          </a:xfrm>
-          <a:prstGeom prst="star5">
-            <a:avLst/>
-          </a:prstGeom>
-          <a:solidFill>
-            <a:schemeClr val="bg1"/>
-          </a:solidFill>
-          <a:ln w="6350">
+            <a:ln w="6350">
+              <a:solidFill>
+                <a:schemeClr val="bg1"/>
+              </a:solidFill>
+            </a:ln>
+          </p:spPr>
+          <p:style>
+            <a:lnRef idx="2">
+              <a:schemeClr val="accent1">
+                <a:shade val="50000"/>
+              </a:schemeClr>
+            </a:lnRef>
+            <a:fillRef idx="1">
+              <a:schemeClr val="accent1"/>
+            </a:fillRef>
+            <a:effectRef idx="0">
+              <a:schemeClr val="accent1"/>
+            </a:effectRef>
+            <a:fontRef idx="minor">
+              <a:schemeClr val="lt1"/>
+            </a:fontRef>
+          </p:style>
+          <p:txBody>
+            <a:bodyPr rtlCol="0" anchor="ctr"/>
+            <a:lstStyle/>
+            <a:p>
+              <a:pPr algn="ctr"/>
+              <a:endParaRPr lang="en-AU"/>
+            </a:p>
+          </p:txBody>
+        </p:sp>
+        <p:sp>
+          <p:nvSpPr>
+            <p:cNvPr id="138" name="5-Point Star 137"/>
+            <p:cNvSpPr/>
+            <p:nvPr/>
+          </p:nvSpPr>
+          <p:spPr>
+            <a:xfrm>
+              <a:off x="8768378" y="2500502"/>
+              <a:ext cx="108000" cy="98182"/>
+            </a:xfrm>
+            <a:prstGeom prst="star5">
+              <a:avLst/>
+            </a:prstGeom>
             <a:solidFill>
               <a:schemeClr val="bg1"/>
             </a:solidFill>
-          </a:ln>
-        </p:spPr>
-        <p:style>
-          <a:lnRef idx="2">
-            <a:schemeClr val="accent1">
-              <a:shade val="50000"/>
-            </a:schemeClr>
-          </a:lnRef>
-          <a:fillRef idx="1">
-            <a:schemeClr val="accent1"/>
-          </a:fillRef>
-          <a:effectRef idx="0">
-            <a:schemeClr val="accent1"/>
-          </a:effectRef>
-          <a:fontRef idx="minor">
-            <a:schemeClr val="lt1"/>
-          </a:fontRef>
-        </p:style>
-        <p:txBody>
-          <a:bodyPr rtlCol="0" anchor="ctr"/>
-          <a:lstStyle/>
-          <a:p>
-            <a:pPr algn="ctr"/>
-            <a:endParaRPr lang="en-AU"/>
-          </a:p>
-        </p:txBody>
-      </p:sp>
-      <p:sp>
-        <p:nvSpPr>
-          <p:cNvPr id="139" name="5-Point Star 138"/>
-          <p:cNvSpPr/>
-          <p:nvPr/>
-        </p:nvSpPr>
-        <p:spPr>
-          <a:xfrm>
-            <a:off x="8885727" y="2500187"/>
-            <a:ext cx="108000" cy="98182"/>
-          </a:xfrm>
-          <a:prstGeom prst="star5">
-            <a:avLst/>
-          </a:prstGeom>
-          <a:solidFill>
-            <a:schemeClr val="bg1"/>
-          </a:solidFill>
-          <a:ln w="6350">
+            <a:ln w="6350">
+              <a:solidFill>
+                <a:schemeClr val="bg1"/>
+              </a:solidFill>
+            </a:ln>
+          </p:spPr>
+          <p:style>
+            <a:lnRef idx="2">
+              <a:schemeClr val="accent1">
+                <a:shade val="50000"/>
+              </a:schemeClr>
+            </a:lnRef>
+            <a:fillRef idx="1">
+              <a:schemeClr val="accent1"/>
+            </a:fillRef>
+            <a:effectRef idx="0">
+              <a:schemeClr val="accent1"/>
+            </a:effectRef>
+            <a:fontRef idx="minor">
+              <a:schemeClr val="lt1"/>
+            </a:fontRef>
+          </p:style>
+          <p:txBody>
+            <a:bodyPr rtlCol="0" anchor="ctr"/>
+            <a:lstStyle/>
+            <a:p>
+              <a:pPr algn="ctr"/>
+              <a:endParaRPr lang="en-AU"/>
+            </a:p>
+          </p:txBody>
+        </p:sp>
+        <p:sp>
+          <p:nvSpPr>
+            <p:cNvPr id="139" name="5-Point Star 138"/>
+            <p:cNvSpPr/>
+            <p:nvPr/>
+          </p:nvSpPr>
+          <p:spPr>
+            <a:xfrm>
+              <a:off x="8885727" y="2500187"/>
+              <a:ext cx="108000" cy="98182"/>
+            </a:xfrm>
+            <a:prstGeom prst="star5">
+              <a:avLst/>
+            </a:prstGeom>
             <a:solidFill>
               <a:schemeClr val="bg1"/>
             </a:solidFill>
-          </a:ln>
-        </p:spPr>
-        <p:style>
-          <a:lnRef idx="2">
-            <a:schemeClr val="accent1">
-              <a:shade val="50000"/>
-            </a:schemeClr>
-          </a:lnRef>
-          <a:fillRef idx="1">
-            <a:schemeClr val="accent1"/>
-          </a:fillRef>
-          <a:effectRef idx="0">
-            <a:schemeClr val="accent1"/>
-          </a:effectRef>
-          <a:fontRef idx="minor">
-            <a:schemeClr val="lt1"/>
-          </a:fontRef>
-        </p:style>
-        <p:txBody>
-          <a:bodyPr rtlCol="0" anchor="ctr"/>
-          <a:lstStyle/>
-          <a:p>
-            <a:pPr algn="ctr"/>
-            <a:endParaRPr lang="en-AU"/>
-          </a:p>
-        </p:txBody>
-      </p:sp>
-      <p:sp>
-        <p:nvSpPr>
-          <p:cNvPr id="140" name="5-Point Star 139"/>
-          <p:cNvSpPr/>
-          <p:nvPr/>
-        </p:nvSpPr>
-        <p:spPr>
-          <a:xfrm>
-            <a:off x="9006458" y="2497111"/>
-            <a:ext cx="108000" cy="98182"/>
-          </a:xfrm>
-          <a:prstGeom prst="star5">
-            <a:avLst/>
-          </a:prstGeom>
-          <a:solidFill>
-            <a:schemeClr val="bg1"/>
-          </a:solidFill>
-          <a:ln w="6350">
+            <a:ln w="6350">
+              <a:solidFill>
+                <a:schemeClr val="bg1"/>
+              </a:solidFill>
+            </a:ln>
+          </p:spPr>
+          <p:style>
+            <a:lnRef idx="2">
+              <a:schemeClr val="accent1">
+                <a:shade val="50000"/>
+              </a:schemeClr>
+            </a:lnRef>
+            <a:fillRef idx="1">
+              <a:schemeClr val="accent1"/>
+            </a:fillRef>
+            <a:effectRef idx="0">
+              <a:schemeClr val="accent1"/>
+            </a:effectRef>
+            <a:fontRef idx="minor">
+              <a:schemeClr val="lt1"/>
+            </a:fontRef>
+          </p:style>
+          <p:txBody>
+            <a:bodyPr rtlCol="0" anchor="ctr"/>
+            <a:lstStyle/>
+            <a:p>
+              <a:pPr algn="ctr"/>
+              <a:endParaRPr lang="en-AU"/>
+            </a:p>
+          </p:txBody>
+        </p:sp>
+        <p:sp>
+          <p:nvSpPr>
+            <p:cNvPr id="140" name="5-Point Star 139"/>
+            <p:cNvSpPr/>
+            <p:nvPr/>
+          </p:nvSpPr>
+          <p:spPr>
+            <a:xfrm>
+              <a:off x="9006458" y="2497111"/>
+              <a:ext cx="108000" cy="98182"/>
+            </a:xfrm>
+            <a:prstGeom prst="star5">
+              <a:avLst/>
+            </a:prstGeom>
             <a:solidFill>
               <a:schemeClr val="bg1"/>
             </a:solidFill>
-          </a:ln>
-        </p:spPr>
-        <p:style>
-          <a:lnRef idx="2">
-            <a:schemeClr val="accent1">
-              <a:shade val="50000"/>
-            </a:schemeClr>
-          </a:lnRef>
-          <a:fillRef idx="1">
-            <a:schemeClr val="accent1"/>
-          </a:fillRef>
-          <a:effectRef idx="0">
-            <a:schemeClr val="accent1"/>
-          </a:effectRef>
-          <a:fontRef idx="minor">
-            <a:schemeClr val="lt1"/>
-          </a:fontRef>
-        </p:style>
-        <p:txBody>
-          <a:bodyPr rtlCol="0" anchor="ctr"/>
-          <a:lstStyle/>
-          <a:p>
-            <a:pPr algn="ctr"/>
-            <a:endParaRPr lang="en-AU"/>
-          </a:p>
-        </p:txBody>
-      </p:sp>
-      <p:sp>
-        <p:nvSpPr>
-          <p:cNvPr id="141" name="5-Point Star 140"/>
-          <p:cNvSpPr/>
-          <p:nvPr/>
-        </p:nvSpPr>
-        <p:spPr>
-          <a:xfrm>
-            <a:off x="9116242" y="2509346"/>
-            <a:ext cx="108000" cy="98182"/>
-          </a:xfrm>
-          <a:prstGeom prst="star5">
-            <a:avLst/>
-          </a:prstGeom>
-          <a:noFill/>
-          <a:ln w="6350">
-            <a:solidFill>
-              <a:schemeClr val="bg1"/>
-            </a:solidFill>
-          </a:ln>
-        </p:spPr>
-        <p:style>
-          <a:lnRef idx="2">
-            <a:schemeClr val="accent1">
-              <a:shade val="50000"/>
-            </a:schemeClr>
-          </a:lnRef>
-          <a:fillRef idx="1">
-            <a:schemeClr val="accent1"/>
-          </a:fillRef>
-          <a:effectRef idx="0">
-            <a:schemeClr val="accent1"/>
-          </a:effectRef>
-          <a:fontRef idx="minor">
-            <a:schemeClr val="lt1"/>
-          </a:fontRef>
-        </p:style>
-        <p:txBody>
-          <a:bodyPr rtlCol="0" anchor="ctr"/>
-          <a:lstStyle/>
-          <a:p>
-            <a:pPr algn="ctr"/>
-            <a:endParaRPr lang="en-AU"/>
-          </a:p>
-        </p:txBody>
-      </p:sp>
+            <a:ln w="6350">
+              <a:solidFill>
+                <a:schemeClr val="bg1"/>
+              </a:solidFill>
+            </a:ln>
+          </p:spPr>
+          <p:style>
+            <a:lnRef idx="2">
+              <a:schemeClr val="accent1">
+                <a:shade val="50000"/>
+              </a:schemeClr>
+            </a:lnRef>
+            <a:fillRef idx="1">
+              <a:schemeClr val="accent1"/>
+            </a:fillRef>
+            <a:effectRef idx="0">
+              <a:schemeClr val="accent1"/>
+            </a:effectRef>
+            <a:fontRef idx="minor">
+              <a:schemeClr val="lt1"/>
+            </a:fontRef>
+          </p:style>
+          <p:txBody>
+            <a:bodyPr rtlCol="0" anchor="ctr"/>
+            <a:lstStyle/>
+            <a:p>
+              <a:pPr algn="ctr"/>
+              <a:endParaRPr lang="en-AU"/>
+            </a:p>
+          </p:txBody>
+        </p:sp>
+        <p:sp>
+          <p:nvSpPr>
+            <p:cNvPr id="141" name="5-Point Star 140"/>
+            <p:cNvSpPr/>
+            <p:nvPr/>
+          </p:nvSpPr>
+          <p:spPr>
+            <a:xfrm>
+              <a:off x="9116242" y="2499514"/>
+              <a:ext cx="108000" cy="98182"/>
+            </a:xfrm>
+            <a:prstGeom prst="star5">
+              <a:avLst/>
+            </a:prstGeom>
+            <a:noFill/>
+            <a:ln w="6350">
+              <a:solidFill>
+                <a:schemeClr val="bg1"/>
+              </a:solidFill>
+            </a:ln>
+          </p:spPr>
+          <p:style>
+            <a:lnRef idx="2">
+              <a:schemeClr val="accent1">
+                <a:shade val="50000"/>
+              </a:schemeClr>
+            </a:lnRef>
+            <a:fillRef idx="1">
+              <a:schemeClr val="accent1"/>
+            </a:fillRef>
+            <a:effectRef idx="0">
+              <a:schemeClr val="accent1"/>
+            </a:effectRef>
+            <a:fontRef idx="minor">
+              <a:schemeClr val="lt1"/>
+            </a:fontRef>
+          </p:style>
+          <p:txBody>
+            <a:bodyPr rtlCol="0" anchor="ctr"/>
+            <a:lstStyle/>
+            <a:p>
+              <a:pPr algn="ctr"/>
+              <a:endParaRPr lang="en-AU"/>
+            </a:p>
+          </p:txBody>
+        </p:sp>
+      </p:grpSp>
       <p:sp>
         <p:nvSpPr>
           <p:cNvPr id="142" name="Rectangle 141"/>
